--- a/doc/diagrams/dataTransferClasses.pptx
+++ b/doc/diagrams/dataTransferClasses.pptx
@@ -289,7 +289,7 @@
             <a:fld id="{1D8BD707-D9CF-40AE-B4C6-C98DA3205C09}" type="datetimeFigureOut">
               <a:rPr lang="en-US" smtClean="0"/>
               <a:pPr/>
-              <a:t>7/8/2012</a:t>
+              <a:t>12/1/2012</a:t>
             </a:fld>
             <a:endParaRPr lang="en-US"/>
           </a:p>
@@ -456,7 +456,7 @@
             <a:fld id="{1D8BD707-D9CF-40AE-B4C6-C98DA3205C09}" type="datetimeFigureOut">
               <a:rPr lang="en-US" smtClean="0"/>
               <a:pPr/>
-              <a:t>7/8/2012</a:t>
+              <a:t>12/1/2012</a:t>
             </a:fld>
             <a:endParaRPr lang="en-US"/>
           </a:p>
@@ -633,7 +633,7 @@
             <a:fld id="{1D8BD707-D9CF-40AE-B4C6-C98DA3205C09}" type="datetimeFigureOut">
               <a:rPr lang="en-US" smtClean="0"/>
               <a:pPr/>
-              <a:t>7/8/2012</a:t>
+              <a:t>12/1/2012</a:t>
             </a:fld>
             <a:endParaRPr lang="en-US"/>
           </a:p>
@@ -800,7 +800,7 @@
             <a:fld id="{1D8BD707-D9CF-40AE-B4C6-C98DA3205C09}" type="datetimeFigureOut">
               <a:rPr lang="en-US" smtClean="0"/>
               <a:pPr/>
-              <a:t>7/8/2012</a:t>
+              <a:t>12/1/2012</a:t>
             </a:fld>
             <a:endParaRPr lang="en-US"/>
           </a:p>
@@ -1043,7 +1043,7 @@
             <a:fld id="{1D8BD707-D9CF-40AE-B4C6-C98DA3205C09}" type="datetimeFigureOut">
               <a:rPr lang="en-US" smtClean="0"/>
               <a:pPr/>
-              <a:t>7/8/2012</a:t>
+              <a:t>12/1/2012</a:t>
             </a:fld>
             <a:endParaRPr lang="en-US"/>
           </a:p>
@@ -1328,7 +1328,7 @@
             <a:fld id="{1D8BD707-D9CF-40AE-B4C6-C98DA3205C09}" type="datetimeFigureOut">
               <a:rPr lang="en-US" smtClean="0"/>
               <a:pPr/>
-              <a:t>7/8/2012</a:t>
+              <a:t>12/1/2012</a:t>
             </a:fld>
             <a:endParaRPr lang="en-US"/>
           </a:p>
@@ -1747,7 +1747,7 @@
             <a:fld id="{1D8BD707-D9CF-40AE-B4C6-C98DA3205C09}" type="datetimeFigureOut">
               <a:rPr lang="en-US" smtClean="0"/>
               <a:pPr/>
-              <a:t>7/8/2012</a:t>
+              <a:t>12/1/2012</a:t>
             </a:fld>
             <a:endParaRPr lang="en-US"/>
           </a:p>
@@ -1862,7 +1862,7 @@
             <a:fld id="{1D8BD707-D9CF-40AE-B4C6-C98DA3205C09}" type="datetimeFigureOut">
               <a:rPr lang="en-US" smtClean="0"/>
               <a:pPr/>
-              <a:t>7/8/2012</a:t>
+              <a:t>12/1/2012</a:t>
             </a:fld>
             <a:endParaRPr lang="en-US"/>
           </a:p>
@@ -1954,7 +1954,7 @@
             <a:fld id="{1D8BD707-D9CF-40AE-B4C6-C98DA3205C09}" type="datetimeFigureOut">
               <a:rPr lang="en-US" smtClean="0"/>
               <a:pPr/>
-              <a:t>7/8/2012</a:t>
+              <a:t>12/1/2012</a:t>
             </a:fld>
             <a:endParaRPr lang="en-US"/>
           </a:p>
@@ -2228,7 +2228,7 @@
             <a:fld id="{1D8BD707-D9CF-40AE-B4C6-C98DA3205C09}" type="datetimeFigureOut">
               <a:rPr lang="en-US" smtClean="0"/>
               <a:pPr/>
-              <a:t>7/8/2012</a:t>
+              <a:t>12/1/2012</a:t>
             </a:fld>
             <a:endParaRPr lang="en-US"/>
           </a:p>
@@ -2478,7 +2478,7 @@
             <a:fld id="{1D8BD707-D9CF-40AE-B4C6-C98DA3205C09}" type="datetimeFigureOut">
               <a:rPr lang="en-US" smtClean="0"/>
               <a:pPr/>
-              <a:t>7/8/2012</a:t>
+              <a:t>12/1/2012</a:t>
             </a:fld>
             <a:endParaRPr lang="en-US"/>
           </a:p>
@@ -2688,7 +2688,7 @@
             <a:fld id="{1D8BD707-D9CF-40AE-B4C6-C98DA3205C09}" type="datetimeFigureOut">
               <a:rPr lang="en-US" smtClean="0"/>
               <a:pPr/>
-              <a:t>7/8/2012</a:t>
+              <a:t>12/1/2012</a:t>
             </a:fld>
             <a:endParaRPr lang="en-US"/>
           </a:p>
@@ -3141,7 +3141,7 @@
             <a:pPr algn="ctr"/>
             <a:r>
               <a:rPr lang="en-US" sz="1600" b="1" dirty="0" err="1" smtClean="0"/>
-              <a:t>CoordData</a:t>
+              <a:t>InstructorData</a:t>
             </a:r>
             <a:endParaRPr lang="en-SG" sz="1600" b="1" dirty="0"/>
           </a:p>
@@ -4516,7 +4516,7 @@
             <a:pPr algn="ctr"/>
             <a:r>
               <a:rPr lang="en-US" sz="1600" b="1" dirty="0" err="1" smtClean="0"/>
-              <a:t>CoordData</a:t>
+              <a:t>InstructorData</a:t>
             </a:r>
             <a:endParaRPr lang="en-SG" sz="1600" b="1" dirty="0"/>
           </a:p>
@@ -5240,7 +5240,7 @@
     </p:spTree>
     <p:extLst>
       <p:ext uri="{BB962C8B-B14F-4D97-AF65-F5344CB8AC3E}">
-        <p14:creationId xmlns="" xmlns:p14="http://schemas.microsoft.com/office/powerpoint/2010/main" val="2312643091"/>
+        <p14:creationId xmlns:p14="http://schemas.microsoft.com/office/powerpoint/2010/main" val="2312643091"/>
       </p:ext>
     </p:extLst>
   </p:cSld>

--- a/doc/diagrams/dataTransferClasses.pptx
+++ b/doc/diagrams/dataTransferClasses.pptx
@@ -289,7 +289,7 @@
             <a:fld id="{1D8BD707-D9CF-40AE-B4C6-C98DA3205C09}" type="datetimeFigureOut">
               <a:rPr lang="en-US" smtClean="0"/>
               <a:pPr/>
-              <a:t>12/1/2012</a:t>
+              <a:t>1/15/2013</a:t>
             </a:fld>
             <a:endParaRPr lang="en-US"/>
           </a:p>
@@ -456,7 +456,7 @@
             <a:fld id="{1D8BD707-D9CF-40AE-B4C6-C98DA3205C09}" type="datetimeFigureOut">
               <a:rPr lang="en-US" smtClean="0"/>
               <a:pPr/>
-              <a:t>12/1/2012</a:t>
+              <a:t>1/15/2013</a:t>
             </a:fld>
             <a:endParaRPr lang="en-US"/>
           </a:p>
@@ -633,7 +633,7 @@
             <a:fld id="{1D8BD707-D9CF-40AE-B4C6-C98DA3205C09}" type="datetimeFigureOut">
               <a:rPr lang="en-US" smtClean="0"/>
               <a:pPr/>
-              <a:t>12/1/2012</a:t>
+              <a:t>1/15/2013</a:t>
             </a:fld>
             <a:endParaRPr lang="en-US"/>
           </a:p>
@@ -800,7 +800,7 @@
             <a:fld id="{1D8BD707-D9CF-40AE-B4C6-C98DA3205C09}" type="datetimeFigureOut">
               <a:rPr lang="en-US" smtClean="0"/>
               <a:pPr/>
-              <a:t>12/1/2012</a:t>
+              <a:t>1/15/2013</a:t>
             </a:fld>
             <a:endParaRPr lang="en-US"/>
           </a:p>
@@ -1043,7 +1043,7 @@
             <a:fld id="{1D8BD707-D9CF-40AE-B4C6-C98DA3205C09}" type="datetimeFigureOut">
               <a:rPr lang="en-US" smtClean="0"/>
               <a:pPr/>
-              <a:t>12/1/2012</a:t>
+              <a:t>1/15/2013</a:t>
             </a:fld>
             <a:endParaRPr lang="en-US"/>
           </a:p>
@@ -1328,7 +1328,7 @@
             <a:fld id="{1D8BD707-D9CF-40AE-B4C6-C98DA3205C09}" type="datetimeFigureOut">
               <a:rPr lang="en-US" smtClean="0"/>
               <a:pPr/>
-              <a:t>12/1/2012</a:t>
+              <a:t>1/15/2013</a:t>
             </a:fld>
             <a:endParaRPr lang="en-US"/>
           </a:p>
@@ -1747,7 +1747,7 @@
             <a:fld id="{1D8BD707-D9CF-40AE-B4C6-C98DA3205C09}" type="datetimeFigureOut">
               <a:rPr lang="en-US" smtClean="0"/>
               <a:pPr/>
-              <a:t>12/1/2012</a:t>
+              <a:t>1/15/2013</a:t>
             </a:fld>
             <a:endParaRPr lang="en-US"/>
           </a:p>
@@ -1862,7 +1862,7 @@
             <a:fld id="{1D8BD707-D9CF-40AE-B4C6-C98DA3205C09}" type="datetimeFigureOut">
               <a:rPr lang="en-US" smtClean="0"/>
               <a:pPr/>
-              <a:t>12/1/2012</a:t>
+              <a:t>1/15/2013</a:t>
             </a:fld>
             <a:endParaRPr lang="en-US"/>
           </a:p>
@@ -1954,7 +1954,7 @@
             <a:fld id="{1D8BD707-D9CF-40AE-B4C6-C98DA3205C09}" type="datetimeFigureOut">
               <a:rPr lang="en-US" smtClean="0"/>
               <a:pPr/>
-              <a:t>12/1/2012</a:t>
+              <a:t>1/15/2013</a:t>
             </a:fld>
             <a:endParaRPr lang="en-US"/>
           </a:p>
@@ -2228,7 +2228,7 @@
             <a:fld id="{1D8BD707-D9CF-40AE-B4C6-C98DA3205C09}" type="datetimeFigureOut">
               <a:rPr lang="en-US" smtClean="0"/>
               <a:pPr/>
-              <a:t>12/1/2012</a:t>
+              <a:t>1/15/2013</a:t>
             </a:fld>
             <a:endParaRPr lang="en-US"/>
           </a:p>
@@ -2478,7 +2478,7 @@
             <a:fld id="{1D8BD707-D9CF-40AE-B4C6-C98DA3205C09}" type="datetimeFigureOut">
               <a:rPr lang="en-US" smtClean="0"/>
               <a:pPr/>
-              <a:t>12/1/2012</a:t>
+              <a:t>1/15/2013</a:t>
             </a:fld>
             <a:endParaRPr lang="en-US"/>
           </a:p>
@@ -2688,7 +2688,7 @@
             <a:fld id="{1D8BD707-D9CF-40AE-B4C6-C98DA3205C09}" type="datetimeFigureOut">
               <a:rPr lang="en-US" smtClean="0"/>
               <a:pPr/>
-              <a:t>12/1/2012</a:t>
+              <a:t>1/15/2013</a:t>
             </a:fld>
             <a:endParaRPr lang="en-US"/>
           </a:p>
@@ -3061,14 +3061,14 @@
       </p:grpSpPr>
       <p:sp>
         <p:nvSpPr>
-          <p:cNvPr id="255" name="Rectangle 254"/>
+          <p:cNvPr id="256" name="Rectangle 255"/>
           <p:cNvSpPr/>
           <p:nvPr/>
         </p:nvSpPr>
         <p:spPr>
           <a:xfrm>
-            <a:off x="963874" y="1720521"/>
-            <a:ext cx="1550726" cy="361770"/>
+            <a:off x="990600" y="1094889"/>
+            <a:ext cx="1219199" cy="272886"/>
           </a:xfrm>
           <a:prstGeom prst="rect">
             <a:avLst/>
@@ -3096,186 +3096,10 @@
           <a:p>
             <a:pPr algn="ctr"/>
             <a:r>
-              <a:rPr lang="en-US" sz="1600" b="1" dirty="0" err="1" smtClean="0"/>
-              <a:t>StudentData</a:t>
-            </a:r>
-            <a:endParaRPr lang="en-SG" sz="1600" b="1" dirty="0"/>
-          </a:p>
-        </p:txBody>
-      </p:sp>
-      <p:sp>
-        <p:nvSpPr>
-          <p:cNvPr id="256" name="Rectangle 255"/>
-          <p:cNvSpPr/>
-          <p:nvPr/>
-        </p:nvSpPr>
-        <p:spPr>
-          <a:xfrm>
-            <a:off x="963874" y="1265237"/>
-            <a:ext cx="1550726" cy="361770"/>
-          </a:xfrm>
-          <a:prstGeom prst="rect">
-            <a:avLst/>
-          </a:prstGeom>
-        </p:spPr>
-        <p:style>
-          <a:lnRef idx="2">
-            <a:schemeClr val="accent6">
-              <a:shade val="50000"/>
-            </a:schemeClr>
-          </a:lnRef>
-          <a:fillRef idx="1">
-            <a:schemeClr val="accent6"/>
-          </a:fillRef>
-          <a:effectRef idx="0">
-            <a:schemeClr val="accent6"/>
-          </a:effectRef>
-          <a:fontRef idx="minor">
-            <a:schemeClr val="lt1"/>
-          </a:fontRef>
-        </p:style>
-        <p:txBody>
-          <a:bodyPr rtlCol="0" anchor="ctr"/>
-          <a:lstStyle/>
-          <a:p>
-            <a:pPr algn="ctr"/>
-            <a:r>
-              <a:rPr lang="en-US" sz="1600" b="1" dirty="0" err="1" smtClean="0"/>
-              <a:t>InstructorData</a:t>
-            </a:r>
-            <a:endParaRPr lang="en-SG" sz="1600" b="1" dirty="0"/>
-          </a:p>
-        </p:txBody>
-      </p:sp>
-      <p:sp>
-        <p:nvSpPr>
-          <p:cNvPr id="257" name="Rectangle 256"/>
-          <p:cNvSpPr/>
-          <p:nvPr/>
-        </p:nvSpPr>
-        <p:spPr>
-          <a:xfrm>
-            <a:off x="963874" y="2631089"/>
-            <a:ext cx="1550726" cy="361770"/>
-          </a:xfrm>
-          <a:prstGeom prst="rect">
-            <a:avLst/>
-          </a:prstGeom>
-        </p:spPr>
-        <p:style>
-          <a:lnRef idx="2">
-            <a:schemeClr val="accent6">
-              <a:shade val="50000"/>
-            </a:schemeClr>
-          </a:lnRef>
-          <a:fillRef idx="1">
-            <a:schemeClr val="accent6"/>
-          </a:fillRef>
-          <a:effectRef idx="0">
-            <a:schemeClr val="accent6"/>
-          </a:effectRef>
-          <a:fontRef idx="minor">
-            <a:schemeClr val="lt1"/>
-          </a:fontRef>
-        </p:style>
-        <p:txBody>
-          <a:bodyPr rtlCol="0" anchor="ctr"/>
-          <a:lstStyle/>
-          <a:p>
-            <a:pPr algn="ctr"/>
-            <a:r>
-              <a:rPr lang="en-US" sz="1600" b="1" dirty="0" err="1" smtClean="0"/>
-              <a:t>EvaluationData</a:t>
-            </a:r>
-            <a:endParaRPr lang="en-SG" sz="1600" b="1" dirty="0"/>
-          </a:p>
-        </p:txBody>
-      </p:sp>
-      <p:sp>
-        <p:nvSpPr>
-          <p:cNvPr id="258" name="Rectangle 257"/>
-          <p:cNvSpPr/>
-          <p:nvPr/>
-        </p:nvSpPr>
-        <p:spPr>
-          <a:xfrm>
-            <a:off x="963874" y="3086372"/>
-            <a:ext cx="1550726" cy="361770"/>
-          </a:xfrm>
-          <a:prstGeom prst="rect">
-            <a:avLst/>
-          </a:prstGeom>
-        </p:spPr>
-        <p:style>
-          <a:lnRef idx="2">
-            <a:schemeClr val="accent6">
-              <a:shade val="50000"/>
-            </a:schemeClr>
-          </a:lnRef>
-          <a:fillRef idx="1">
-            <a:schemeClr val="accent6"/>
-          </a:fillRef>
-          <a:effectRef idx="0">
-            <a:schemeClr val="accent6"/>
-          </a:effectRef>
-          <a:fontRef idx="minor">
-            <a:schemeClr val="lt1"/>
-          </a:fontRef>
-        </p:style>
-        <p:txBody>
-          <a:bodyPr rtlCol="0" anchor="ctr"/>
-          <a:lstStyle/>
-          <a:p>
-            <a:pPr algn="ctr"/>
-            <a:r>
-              <a:rPr lang="en-US" sz="1600" b="1" dirty="0" err="1" smtClean="0"/>
-              <a:t>SubmissionData</a:t>
-            </a:r>
-            <a:endParaRPr lang="en-SG" sz="1600" b="1" dirty="0"/>
-          </a:p>
-        </p:txBody>
-      </p:sp>
-      <p:sp>
-        <p:nvSpPr>
-          <p:cNvPr id="259" name="Rectangle 258"/>
-          <p:cNvSpPr/>
-          <p:nvPr/>
-        </p:nvSpPr>
-        <p:spPr>
-          <a:xfrm>
-            <a:off x="963874" y="2175805"/>
-            <a:ext cx="1550726" cy="361770"/>
-          </a:xfrm>
-          <a:prstGeom prst="rect">
-            <a:avLst/>
-          </a:prstGeom>
-        </p:spPr>
-        <p:style>
-          <a:lnRef idx="2">
-            <a:schemeClr val="accent6">
-              <a:shade val="50000"/>
-            </a:schemeClr>
-          </a:lnRef>
-          <a:fillRef idx="1">
-            <a:schemeClr val="accent6"/>
-          </a:fillRef>
-          <a:effectRef idx="0">
-            <a:schemeClr val="accent6"/>
-          </a:effectRef>
-          <a:fontRef idx="minor">
-            <a:schemeClr val="lt1"/>
-          </a:fontRef>
-        </p:style>
-        <p:txBody>
-          <a:bodyPr rtlCol="0" anchor="ctr"/>
-          <a:lstStyle/>
-          <a:p>
-            <a:pPr algn="ctr"/>
-            <a:r>
-              <a:rPr lang="en-US" sz="1600" b="1" dirty="0" err="1" smtClean="0"/>
-              <a:t>CourseData</a:t>
-            </a:r>
-            <a:endParaRPr lang="en-SG" sz="1600" b="1" dirty="0"/>
+              <a:rPr lang="en-US" sz="1200" b="1" dirty="0" err="1" smtClean="0"/>
+              <a:t>AccountData</a:t>
+            </a:r>
+            <a:endParaRPr lang="en-SG" sz="1200" b="1" dirty="0"/>
           </a:p>
         </p:txBody>
       </p:sp>
@@ -3287,8 +3111,8 @@
         </p:nvSpPr>
         <p:spPr>
           <a:xfrm>
-            <a:off x="3505200" y="1121802"/>
-            <a:ext cx="1524000" cy="361770"/>
+            <a:off x="2729842" y="1126497"/>
+            <a:ext cx="1398412" cy="331958"/>
           </a:xfrm>
           <a:prstGeom prst="rect">
             <a:avLst/>
@@ -3316,10 +3140,10 @@
           <a:p>
             <a:pPr algn="ctr"/>
             <a:r>
-              <a:rPr lang="en-US" sz="1600" b="1" dirty="0" err="1" smtClean="0"/>
+              <a:rPr lang="en-US" sz="1200" b="1" dirty="0" err="1" smtClean="0"/>
               <a:t>TeamData</a:t>
             </a:r>
-            <a:endParaRPr lang="en-SG" sz="1600" b="1" dirty="0"/>
+            <a:endParaRPr lang="en-SG" sz="1200" b="1" dirty="0"/>
           </a:p>
         </p:txBody>
       </p:sp>
@@ -3331,8 +3155,8 @@
         </p:nvSpPr>
         <p:spPr>
           <a:xfrm>
-            <a:off x="4419600" y="2355752"/>
-            <a:ext cx="1524000" cy="361770"/>
+            <a:off x="3644242" y="2360447"/>
+            <a:ext cx="1398412" cy="331958"/>
           </a:xfrm>
           <a:prstGeom prst="rect">
             <a:avLst/>
@@ -3360,10 +3184,10 @@
           <a:p>
             <a:pPr algn="ctr"/>
             <a:r>
-              <a:rPr lang="en-US" sz="1600" b="1" dirty="0" err="1" smtClean="0"/>
+              <a:rPr lang="en-US" sz="1200" b="1" dirty="0" err="1" smtClean="0"/>
               <a:t>EvalResultData</a:t>
             </a:r>
-            <a:endParaRPr lang="en-SG" sz="1600" b="1" dirty="0"/>
+            <a:endParaRPr lang="en-SG" sz="1200" b="1" dirty="0"/>
           </a:p>
         </p:txBody>
       </p:sp>
@@ -3465,46 +3289,8 @@
         </p:nvCxnSpPr>
         <p:spPr>
           <a:xfrm rot="16200000" flipH="1">
-            <a:off x="581995" y="1064242"/>
-            <a:ext cx="409485" cy="354274"/>
-          </a:xfrm>
-          <a:prstGeom prst="bentConnector2">
-            <a:avLst/>
-          </a:prstGeom>
-          <a:ln>
-            <a:tailEnd type="arrow"/>
-          </a:ln>
-        </p:spPr>
-        <p:style>
-          <a:lnRef idx="2">
-            <a:schemeClr val="accent5">
-              <a:shade val="50000"/>
-            </a:schemeClr>
-          </a:lnRef>
-          <a:fillRef idx="1">
-            <a:schemeClr val="accent5"/>
-          </a:fillRef>
-          <a:effectRef idx="0">
-            <a:schemeClr val="accent5"/>
-          </a:effectRef>
-          <a:fontRef idx="minor">
-            <a:schemeClr val="lt1"/>
-          </a:fontRef>
-        </p:style>
-      </p:cxnSp>
-      <p:cxnSp>
-        <p:nvCxnSpPr>
-          <p:cNvPr id="265" name="Elbow Connector 187"/>
-          <p:cNvCxnSpPr>
-            <a:stCxn id="263" idx="3"/>
-            <a:endCxn id="255" idx="1"/>
-          </p:cNvCxnSpPr>
-          <p:nvPr/>
-        </p:nvCxnSpPr>
-        <p:spPr>
-          <a:xfrm rot="16200000" flipH="1">
-            <a:off x="354353" y="1291884"/>
-            <a:ext cx="864769" cy="354274"/>
+            <a:off x="702753" y="943484"/>
+            <a:ext cx="194695" cy="381000"/>
           </a:xfrm>
           <a:prstGeom prst="bentConnector2">
             <a:avLst/>
@@ -3533,19 +3319,1907 @@
       <p:cxnSp>
         <p:nvCxnSpPr>
           <p:cNvPr id="266" name="Elbow Connector 190"/>
+          <p:cNvCxnSpPr/>
+          <p:nvPr/>
+        </p:nvCxnSpPr>
+        <p:spPr>
+          <a:xfrm flipV="1">
+            <a:off x="612755" y="2126058"/>
+            <a:ext cx="351120" cy="3"/>
+          </a:xfrm>
+          <a:prstGeom prst="bentConnector3">
+            <a:avLst>
+              <a:gd name="adj1" fmla="val 50000"/>
+            </a:avLst>
+          </a:prstGeom>
+          <a:ln>
+            <a:tailEnd type="arrow"/>
+          </a:ln>
+        </p:spPr>
+        <p:style>
+          <a:lnRef idx="2">
+            <a:schemeClr val="accent5">
+              <a:shade val="50000"/>
+            </a:schemeClr>
+          </a:lnRef>
+          <a:fillRef idx="1">
+            <a:schemeClr val="accent5"/>
+          </a:fillRef>
+          <a:effectRef idx="0">
+            <a:schemeClr val="accent5"/>
+          </a:effectRef>
+          <a:fontRef idx="minor">
+            <a:schemeClr val="lt1"/>
+          </a:fontRef>
+        </p:style>
+      </p:cxnSp>
+      <p:sp>
+        <p:nvSpPr>
+          <p:cNvPr id="269" name="TextBox 268"/>
+          <p:cNvSpPr txBox="1"/>
+          <p:nvPr/>
+        </p:nvSpPr>
+        <p:spPr>
+          <a:xfrm>
+            <a:off x="789892" y="949318"/>
+            <a:ext cx="172435" cy="369332"/>
+          </a:xfrm>
+          <a:prstGeom prst="rect">
+            <a:avLst/>
+          </a:prstGeom>
+          <a:noFill/>
+        </p:spPr>
+        <p:txBody>
+          <a:bodyPr wrap="square" rtlCol="0">
+            <a:spAutoFit/>
+          </a:bodyPr>
+          <a:lstStyle/>
+          <a:p>
+            <a:r>
+              <a:rPr lang="en-US" dirty="0" smtClean="0">
+                <a:solidFill>
+                  <a:schemeClr val="accent5">
+                    <a:lumMod val="75000"/>
+                  </a:schemeClr>
+                </a:solidFill>
+              </a:rPr>
+              <a:t>*</a:t>
+            </a:r>
+            <a:endParaRPr lang="en-US" dirty="0">
+              <a:solidFill>
+                <a:schemeClr val="accent5">
+                  <a:lumMod val="75000"/>
+                </a:schemeClr>
+              </a:solidFill>
+            </a:endParaRPr>
+          </a:p>
+        </p:txBody>
+      </p:sp>
+      <p:sp>
+        <p:nvSpPr>
+          <p:cNvPr id="274" name="Rectangle 273"/>
+          <p:cNvSpPr/>
+          <p:nvPr/>
+        </p:nvSpPr>
+        <p:spPr>
+          <a:xfrm>
+            <a:off x="2348842" y="507932"/>
+            <a:ext cx="1422935" cy="331958"/>
+          </a:xfrm>
+          <a:prstGeom prst="rect">
+            <a:avLst/>
+          </a:prstGeom>
+        </p:spPr>
+        <p:style>
+          <a:lnRef idx="2">
+            <a:schemeClr val="accent6">
+              <a:shade val="50000"/>
+            </a:schemeClr>
+          </a:lnRef>
+          <a:fillRef idx="1">
+            <a:schemeClr val="accent6"/>
+          </a:fillRef>
+          <a:effectRef idx="0">
+            <a:schemeClr val="accent6"/>
+          </a:effectRef>
+          <a:fontRef idx="minor">
+            <a:schemeClr val="lt1"/>
+          </a:fontRef>
+        </p:style>
+        <p:txBody>
+          <a:bodyPr rtlCol="0" anchor="ctr"/>
+          <a:lstStyle/>
+          <a:p>
+            <a:pPr algn="ctr"/>
+            <a:r>
+              <a:rPr lang="en-US" sz="1200" b="1" dirty="0" err="1" smtClean="0"/>
+              <a:t>EvaluationData</a:t>
+            </a:r>
+            <a:endParaRPr lang="en-SG" sz="1200" b="1" dirty="0"/>
+          </a:p>
+        </p:txBody>
+      </p:sp>
+      <p:sp>
+        <p:nvSpPr>
+          <p:cNvPr id="275" name="Flowchart: Decision 274"/>
+          <p:cNvSpPr/>
+          <p:nvPr/>
+        </p:nvSpPr>
+        <p:spPr>
+          <a:xfrm rot="5400000">
+            <a:off x="2431321" y="864316"/>
+            <a:ext cx="139842" cy="139842"/>
+          </a:xfrm>
+          <a:prstGeom prst="flowChartDecision">
+            <a:avLst/>
+          </a:prstGeom>
+          <a:solidFill>
+            <a:schemeClr val="bg1"/>
+          </a:solidFill>
+        </p:spPr>
+        <p:style>
+          <a:lnRef idx="2">
+            <a:schemeClr val="accent5">
+              <a:shade val="50000"/>
+            </a:schemeClr>
+          </a:lnRef>
+          <a:fillRef idx="1">
+            <a:schemeClr val="accent5"/>
+          </a:fillRef>
+          <a:effectRef idx="0">
+            <a:schemeClr val="accent5"/>
+          </a:effectRef>
+          <a:fontRef idx="minor">
+            <a:schemeClr val="lt1"/>
+          </a:fontRef>
+        </p:style>
+        <p:txBody>
+          <a:bodyPr rtlCol="0" anchor="ctr"/>
+          <a:lstStyle/>
+          <a:p>
+            <a:pPr algn="ctr"/>
+            <a:endParaRPr lang="en-US"/>
+          </a:p>
+        </p:txBody>
+      </p:sp>
+      <p:cxnSp>
+        <p:nvCxnSpPr>
+          <p:cNvPr id="276" name="Elbow Connector 186"/>
+          <p:cNvCxnSpPr>
+            <a:stCxn id="275" idx="3"/>
+            <a:endCxn id="260" idx="1"/>
+          </p:cNvCxnSpPr>
+          <p:nvPr/>
+        </p:nvCxnSpPr>
+        <p:spPr>
+          <a:xfrm rot="16200000" flipH="1">
+            <a:off x="2471383" y="1034017"/>
+            <a:ext cx="288318" cy="228600"/>
+          </a:xfrm>
+          <a:prstGeom prst="bentConnector2">
+            <a:avLst/>
+          </a:prstGeom>
+          <a:ln>
+            <a:tailEnd type="arrow"/>
+          </a:ln>
+        </p:spPr>
+        <p:style>
+          <a:lnRef idx="2">
+            <a:schemeClr val="accent5">
+              <a:shade val="50000"/>
+            </a:schemeClr>
+          </a:lnRef>
+          <a:fillRef idx="1">
+            <a:schemeClr val="accent5"/>
+          </a:fillRef>
+          <a:effectRef idx="0">
+            <a:schemeClr val="accent5"/>
+          </a:effectRef>
+          <a:fontRef idx="minor">
+            <a:schemeClr val="lt1"/>
+          </a:fontRef>
+        </p:style>
+      </p:cxnSp>
+      <p:sp>
+        <p:nvSpPr>
+          <p:cNvPr id="277" name="TextBox 276"/>
+          <p:cNvSpPr txBox="1"/>
+          <p:nvPr/>
+        </p:nvSpPr>
+        <p:spPr>
+          <a:xfrm>
+            <a:off x="2501242" y="1041331"/>
+            <a:ext cx="209762" cy="369332"/>
+          </a:xfrm>
+          <a:prstGeom prst="rect">
+            <a:avLst/>
+          </a:prstGeom>
+          <a:noFill/>
+        </p:spPr>
+        <p:txBody>
+          <a:bodyPr wrap="square" rtlCol="0">
+            <a:spAutoFit/>
+          </a:bodyPr>
+          <a:lstStyle/>
+          <a:p>
+            <a:r>
+              <a:rPr lang="en-US" dirty="0" smtClean="0">
+                <a:solidFill>
+                  <a:schemeClr val="accent5">
+                    <a:lumMod val="75000"/>
+                  </a:schemeClr>
+                </a:solidFill>
+              </a:rPr>
+              <a:t>*</a:t>
+            </a:r>
+            <a:endParaRPr lang="en-US" dirty="0">
+              <a:solidFill>
+                <a:schemeClr val="accent5">
+                  <a:lumMod val="75000"/>
+                </a:schemeClr>
+              </a:solidFill>
+            </a:endParaRPr>
+          </a:p>
+        </p:txBody>
+      </p:sp>
+      <p:sp>
+        <p:nvSpPr>
+          <p:cNvPr id="278" name="Rectangle 277"/>
+          <p:cNvSpPr/>
+          <p:nvPr/>
+        </p:nvSpPr>
+        <p:spPr>
+          <a:xfrm>
+            <a:off x="3110842" y="1764292"/>
+            <a:ext cx="1422935" cy="331958"/>
+          </a:xfrm>
+          <a:prstGeom prst="rect">
+            <a:avLst/>
+          </a:prstGeom>
+        </p:spPr>
+        <p:style>
+          <a:lnRef idx="2">
+            <a:schemeClr val="accent6">
+              <a:shade val="50000"/>
+            </a:schemeClr>
+          </a:lnRef>
+          <a:fillRef idx="1">
+            <a:schemeClr val="accent6"/>
+          </a:fillRef>
+          <a:effectRef idx="0">
+            <a:schemeClr val="accent6"/>
+          </a:effectRef>
+          <a:fontRef idx="minor">
+            <a:schemeClr val="lt1"/>
+          </a:fontRef>
+        </p:style>
+        <p:txBody>
+          <a:bodyPr rtlCol="0" anchor="ctr"/>
+          <a:lstStyle/>
+          <a:p>
+            <a:pPr algn="ctr"/>
+            <a:r>
+              <a:rPr lang="en-US" sz="1200" b="1" dirty="0" err="1" smtClean="0"/>
+              <a:t>StudentData</a:t>
+            </a:r>
+            <a:endParaRPr lang="en-SG" sz="1200" b="1" dirty="0"/>
+          </a:p>
+        </p:txBody>
+      </p:sp>
+      <p:sp>
+        <p:nvSpPr>
+          <p:cNvPr id="279" name="Flowchart: Decision 278"/>
+          <p:cNvSpPr/>
+          <p:nvPr/>
+        </p:nvSpPr>
+        <p:spPr>
+          <a:xfrm rot="5400000">
+            <a:off x="2806036" y="1479740"/>
+            <a:ext cx="139842" cy="139842"/>
+          </a:xfrm>
+          <a:prstGeom prst="flowChartDecision">
+            <a:avLst/>
+          </a:prstGeom>
+          <a:solidFill>
+            <a:schemeClr val="bg1"/>
+          </a:solidFill>
+        </p:spPr>
+        <p:style>
+          <a:lnRef idx="2">
+            <a:schemeClr val="accent5">
+              <a:shade val="50000"/>
+            </a:schemeClr>
+          </a:lnRef>
+          <a:fillRef idx="1">
+            <a:schemeClr val="accent5"/>
+          </a:fillRef>
+          <a:effectRef idx="0">
+            <a:schemeClr val="accent5"/>
+          </a:effectRef>
+          <a:fontRef idx="minor">
+            <a:schemeClr val="lt1"/>
+          </a:fontRef>
+        </p:style>
+        <p:txBody>
+          <a:bodyPr rtlCol="0" anchor="ctr"/>
+          <a:lstStyle/>
+          <a:p>
+            <a:pPr algn="ctr"/>
+            <a:endParaRPr lang="en-US"/>
+          </a:p>
+        </p:txBody>
+      </p:sp>
+      <p:cxnSp>
+        <p:nvCxnSpPr>
+          <p:cNvPr id="280" name="Elbow Connector 186"/>
+          <p:cNvCxnSpPr>
+            <a:stCxn id="279" idx="3"/>
+            <a:endCxn id="278" idx="1"/>
+          </p:cNvCxnSpPr>
+          <p:nvPr/>
+        </p:nvCxnSpPr>
+        <p:spPr>
+          <a:xfrm rot="16200000" flipH="1">
+            <a:off x="2838055" y="1657483"/>
+            <a:ext cx="310689" cy="234885"/>
+          </a:xfrm>
+          <a:prstGeom prst="bentConnector2">
+            <a:avLst/>
+          </a:prstGeom>
+          <a:ln>
+            <a:tailEnd type="arrow"/>
+          </a:ln>
+        </p:spPr>
+        <p:style>
+          <a:lnRef idx="2">
+            <a:schemeClr val="accent5">
+              <a:shade val="50000"/>
+            </a:schemeClr>
+          </a:lnRef>
+          <a:fillRef idx="1">
+            <a:schemeClr val="accent5"/>
+          </a:fillRef>
+          <a:effectRef idx="0">
+            <a:schemeClr val="accent5"/>
+          </a:effectRef>
+          <a:fontRef idx="minor">
+            <a:schemeClr val="lt1"/>
+          </a:fontRef>
+        </p:style>
+      </p:cxnSp>
+      <p:sp>
+        <p:nvSpPr>
+          <p:cNvPr id="281" name="TextBox 280"/>
+          <p:cNvSpPr txBox="1"/>
+          <p:nvPr/>
+        </p:nvSpPr>
+        <p:spPr>
+          <a:xfrm>
+            <a:off x="2882241" y="1659896"/>
+            <a:ext cx="209762" cy="369332"/>
+          </a:xfrm>
+          <a:prstGeom prst="rect">
+            <a:avLst/>
+          </a:prstGeom>
+          <a:noFill/>
+        </p:spPr>
+        <p:txBody>
+          <a:bodyPr wrap="square" rtlCol="0">
+            <a:spAutoFit/>
+          </a:bodyPr>
+          <a:lstStyle/>
+          <a:p>
+            <a:r>
+              <a:rPr lang="en-US" dirty="0" smtClean="0">
+                <a:solidFill>
+                  <a:schemeClr val="accent5">
+                    <a:lumMod val="75000"/>
+                  </a:schemeClr>
+                </a:solidFill>
+              </a:rPr>
+              <a:t>*</a:t>
+            </a:r>
+            <a:endParaRPr lang="en-US" dirty="0">
+              <a:solidFill>
+                <a:schemeClr val="accent5">
+                  <a:lumMod val="75000"/>
+                </a:schemeClr>
+              </a:solidFill>
+            </a:endParaRPr>
+          </a:p>
+        </p:txBody>
+      </p:sp>
+      <p:sp>
+        <p:nvSpPr>
+          <p:cNvPr id="282" name="Flowchart: Decision 281"/>
+          <p:cNvSpPr/>
+          <p:nvPr/>
+        </p:nvSpPr>
+        <p:spPr>
+          <a:xfrm rot="5400000">
+            <a:off x="3263242" y="2126061"/>
+            <a:ext cx="139842" cy="139842"/>
+          </a:xfrm>
+          <a:prstGeom prst="flowChartDecision">
+            <a:avLst/>
+          </a:prstGeom>
+          <a:solidFill>
+            <a:schemeClr val="bg1"/>
+          </a:solidFill>
+        </p:spPr>
+        <p:style>
+          <a:lnRef idx="2">
+            <a:schemeClr val="accent5">
+              <a:shade val="50000"/>
+            </a:schemeClr>
+          </a:lnRef>
+          <a:fillRef idx="1">
+            <a:schemeClr val="accent5"/>
+          </a:fillRef>
+          <a:effectRef idx="0">
+            <a:schemeClr val="accent5"/>
+          </a:effectRef>
+          <a:fontRef idx="minor">
+            <a:schemeClr val="lt1"/>
+          </a:fontRef>
+        </p:style>
+        <p:txBody>
+          <a:bodyPr rtlCol="0" anchor="ctr"/>
+          <a:lstStyle/>
+          <a:p>
+            <a:pPr algn="ctr"/>
+            <a:endParaRPr lang="en-US"/>
+          </a:p>
+        </p:txBody>
+      </p:sp>
+      <p:cxnSp>
+        <p:nvCxnSpPr>
+          <p:cNvPr id="283" name="Elbow Connector 186"/>
+          <p:cNvCxnSpPr>
+            <a:stCxn id="282" idx="3"/>
+            <a:endCxn id="261" idx="1"/>
+          </p:cNvCxnSpPr>
+          <p:nvPr/>
+        </p:nvCxnSpPr>
+        <p:spPr>
+          <a:xfrm rot="16200000" flipH="1">
+            <a:off x="3358441" y="2240624"/>
+            <a:ext cx="260523" cy="311079"/>
+          </a:xfrm>
+          <a:prstGeom prst="bentConnector2">
+            <a:avLst/>
+          </a:prstGeom>
+          <a:ln>
+            <a:tailEnd type="arrow"/>
+          </a:ln>
+        </p:spPr>
+        <p:style>
+          <a:lnRef idx="2">
+            <a:schemeClr val="accent5">
+              <a:shade val="50000"/>
+            </a:schemeClr>
+          </a:lnRef>
+          <a:fillRef idx="1">
+            <a:schemeClr val="accent5"/>
+          </a:fillRef>
+          <a:effectRef idx="0">
+            <a:schemeClr val="accent5"/>
+          </a:effectRef>
+          <a:fontRef idx="minor">
+            <a:schemeClr val="lt1"/>
+          </a:fontRef>
+        </p:style>
+      </p:cxnSp>
+      <p:sp>
+        <p:nvSpPr>
+          <p:cNvPr id="284" name="TextBox 283"/>
+          <p:cNvSpPr txBox="1"/>
+          <p:nvPr/>
+        </p:nvSpPr>
+        <p:spPr>
+          <a:xfrm>
+            <a:off x="3375307" y="2278461"/>
+            <a:ext cx="209762" cy="369332"/>
+          </a:xfrm>
+          <a:prstGeom prst="rect">
+            <a:avLst/>
+          </a:prstGeom>
+          <a:noFill/>
+        </p:spPr>
+        <p:txBody>
+          <a:bodyPr wrap="square" rtlCol="0">
+            <a:spAutoFit/>
+          </a:bodyPr>
+          <a:lstStyle/>
+          <a:p>
+            <a:r>
+              <a:rPr lang="en-US" dirty="0" smtClean="0">
+                <a:solidFill>
+                  <a:schemeClr val="accent5">
+                    <a:lumMod val="75000"/>
+                  </a:schemeClr>
+                </a:solidFill>
+              </a:rPr>
+              <a:t>*</a:t>
+            </a:r>
+            <a:endParaRPr lang="en-US" dirty="0">
+              <a:solidFill>
+                <a:schemeClr val="accent5">
+                  <a:lumMod val="75000"/>
+                </a:schemeClr>
+              </a:solidFill>
+            </a:endParaRPr>
+          </a:p>
+        </p:txBody>
+      </p:sp>
+      <p:sp>
+        <p:nvSpPr>
+          <p:cNvPr id="285" name="Rectangle 284"/>
+          <p:cNvSpPr/>
+          <p:nvPr/>
+        </p:nvSpPr>
+        <p:spPr>
+          <a:xfrm>
+            <a:off x="3949042" y="2979012"/>
+            <a:ext cx="1422935" cy="331958"/>
+          </a:xfrm>
+          <a:prstGeom prst="rect">
+            <a:avLst/>
+          </a:prstGeom>
+        </p:spPr>
+        <p:style>
+          <a:lnRef idx="2">
+            <a:schemeClr val="accent6">
+              <a:shade val="50000"/>
+            </a:schemeClr>
+          </a:lnRef>
+          <a:fillRef idx="1">
+            <a:schemeClr val="accent6"/>
+          </a:fillRef>
+          <a:effectRef idx="0">
+            <a:schemeClr val="accent6"/>
+          </a:effectRef>
+          <a:fontRef idx="minor">
+            <a:schemeClr val="lt1"/>
+          </a:fontRef>
+        </p:style>
+        <p:txBody>
+          <a:bodyPr rtlCol="0" anchor="ctr"/>
+          <a:lstStyle/>
+          <a:p>
+            <a:pPr algn="ctr"/>
+            <a:r>
+              <a:rPr lang="en-US" sz="1200" b="1" dirty="0" err="1" smtClean="0"/>
+              <a:t>SubmissionData</a:t>
+            </a:r>
+            <a:endParaRPr lang="en-SG" sz="1200" b="1" dirty="0"/>
+          </a:p>
+        </p:txBody>
+      </p:sp>
+      <p:sp>
+        <p:nvSpPr>
+          <p:cNvPr id="286" name="Flowchart: Decision 285"/>
+          <p:cNvSpPr/>
+          <p:nvPr/>
+        </p:nvSpPr>
+        <p:spPr>
+          <a:xfrm rot="5400000">
+            <a:off x="3695577" y="2712594"/>
+            <a:ext cx="152400" cy="152400"/>
+          </a:xfrm>
+          <a:prstGeom prst="flowChartDecision">
+            <a:avLst/>
+          </a:prstGeom>
+          <a:solidFill>
+            <a:schemeClr val="bg1"/>
+          </a:solidFill>
+        </p:spPr>
+        <p:style>
+          <a:lnRef idx="2">
+            <a:schemeClr val="accent5">
+              <a:shade val="50000"/>
+            </a:schemeClr>
+          </a:lnRef>
+          <a:fillRef idx="1">
+            <a:schemeClr val="accent5"/>
+          </a:fillRef>
+          <a:effectRef idx="0">
+            <a:schemeClr val="accent5"/>
+          </a:effectRef>
+          <a:fontRef idx="minor">
+            <a:schemeClr val="lt1"/>
+          </a:fontRef>
+        </p:style>
+        <p:txBody>
+          <a:bodyPr rtlCol="0" anchor="ctr"/>
+          <a:lstStyle/>
+          <a:p>
+            <a:pPr algn="ctr"/>
+            <a:endParaRPr lang="en-US"/>
+          </a:p>
+        </p:txBody>
+      </p:sp>
+      <p:cxnSp>
+        <p:nvCxnSpPr>
+          <p:cNvPr id="287" name="Elbow Connector 186"/>
+          <p:cNvCxnSpPr>
+            <a:stCxn id="286" idx="3"/>
+            <a:endCxn id="285" idx="1"/>
+          </p:cNvCxnSpPr>
+          <p:nvPr/>
+        </p:nvCxnSpPr>
+        <p:spPr>
+          <a:xfrm rot="16200000" flipH="1">
+            <a:off x="3720411" y="2916359"/>
+            <a:ext cx="279997" cy="177265"/>
+          </a:xfrm>
+          <a:prstGeom prst="bentConnector2">
+            <a:avLst/>
+          </a:prstGeom>
+          <a:ln>
+            <a:tailEnd type="arrow"/>
+          </a:ln>
+        </p:spPr>
+        <p:style>
+          <a:lnRef idx="2">
+            <a:schemeClr val="accent5">
+              <a:shade val="50000"/>
+            </a:schemeClr>
+          </a:lnRef>
+          <a:fillRef idx="1">
+            <a:schemeClr val="accent5"/>
+          </a:fillRef>
+          <a:effectRef idx="0">
+            <a:schemeClr val="accent5"/>
+          </a:effectRef>
+          <a:fontRef idx="minor">
+            <a:schemeClr val="lt1"/>
+          </a:fontRef>
+        </p:style>
+      </p:cxnSp>
+      <p:sp>
+        <p:nvSpPr>
+          <p:cNvPr id="288" name="TextBox 287"/>
+          <p:cNvSpPr txBox="1"/>
+          <p:nvPr/>
+        </p:nvSpPr>
+        <p:spPr>
+          <a:xfrm>
+            <a:off x="3746110" y="2899610"/>
+            <a:ext cx="228600" cy="369332"/>
+          </a:xfrm>
+          <a:prstGeom prst="rect">
+            <a:avLst/>
+          </a:prstGeom>
+          <a:noFill/>
+        </p:spPr>
+        <p:txBody>
+          <a:bodyPr wrap="square" rtlCol="0">
+            <a:spAutoFit/>
+          </a:bodyPr>
+          <a:lstStyle/>
+          <a:p>
+            <a:r>
+              <a:rPr lang="en-US" dirty="0" smtClean="0">
+                <a:solidFill>
+                  <a:schemeClr val="accent5">
+                    <a:lumMod val="75000"/>
+                  </a:schemeClr>
+                </a:solidFill>
+              </a:rPr>
+              <a:t>*</a:t>
+            </a:r>
+            <a:endParaRPr lang="en-US" dirty="0">
+              <a:solidFill>
+                <a:schemeClr val="accent5">
+                  <a:lumMod val="75000"/>
+                </a:schemeClr>
+              </a:solidFill>
+            </a:endParaRPr>
+          </a:p>
+        </p:txBody>
+      </p:sp>
+      <p:sp>
+        <p:nvSpPr>
+          <p:cNvPr id="289" name="Rectangle 288"/>
+          <p:cNvSpPr/>
+          <p:nvPr/>
+        </p:nvSpPr>
+        <p:spPr>
+          <a:xfrm>
+            <a:off x="5078674" y="407828"/>
+            <a:ext cx="1550726" cy="361770"/>
+          </a:xfrm>
+          <a:prstGeom prst="rect">
+            <a:avLst/>
+          </a:prstGeom>
+        </p:spPr>
+        <p:style>
+          <a:lnRef idx="2">
+            <a:schemeClr val="accent6">
+              <a:shade val="50000"/>
+            </a:schemeClr>
+          </a:lnRef>
+          <a:fillRef idx="1">
+            <a:schemeClr val="accent6"/>
+          </a:fillRef>
+          <a:effectRef idx="0">
+            <a:schemeClr val="accent6"/>
+          </a:effectRef>
+          <a:fontRef idx="minor">
+            <a:schemeClr val="lt1"/>
+          </a:fontRef>
+        </p:style>
+        <p:txBody>
+          <a:bodyPr rtlCol="0" anchor="ctr"/>
+          <a:lstStyle/>
+          <a:p>
+            <a:pPr algn="ctr"/>
+            <a:r>
+              <a:rPr lang="en-US" sz="1600" b="1" dirty="0" err="1" smtClean="0"/>
+              <a:t>InstructorData</a:t>
+            </a:r>
+            <a:endParaRPr lang="en-SG" sz="1600" b="1" dirty="0"/>
+          </a:p>
+        </p:txBody>
+      </p:sp>
+      <p:sp>
+        <p:nvSpPr>
+          <p:cNvPr id="290" name="Rectangle 289"/>
+          <p:cNvSpPr/>
+          <p:nvPr/>
+        </p:nvSpPr>
+        <p:spPr>
+          <a:xfrm>
+            <a:off x="6396484" y="1117970"/>
+            <a:ext cx="1550726" cy="361770"/>
+          </a:xfrm>
+          <a:prstGeom prst="rect">
+            <a:avLst/>
+          </a:prstGeom>
+        </p:spPr>
+        <p:style>
+          <a:lnRef idx="2">
+            <a:schemeClr val="accent6">
+              <a:shade val="50000"/>
+            </a:schemeClr>
+          </a:lnRef>
+          <a:fillRef idx="1">
+            <a:schemeClr val="accent6"/>
+          </a:fillRef>
+          <a:effectRef idx="0">
+            <a:schemeClr val="accent6"/>
+          </a:effectRef>
+          <a:fontRef idx="minor">
+            <a:schemeClr val="lt1"/>
+          </a:fontRef>
+        </p:style>
+        <p:txBody>
+          <a:bodyPr rtlCol="0" anchor="ctr"/>
+          <a:lstStyle/>
+          <a:p>
+            <a:pPr algn="ctr"/>
+            <a:r>
+              <a:rPr lang="en-US" sz="1600" b="1" dirty="0" err="1" smtClean="0"/>
+              <a:t>CourseData</a:t>
+            </a:r>
+            <a:endParaRPr lang="en-SG" sz="1600" b="1" dirty="0"/>
+          </a:p>
+        </p:txBody>
+      </p:sp>
+      <p:sp>
+        <p:nvSpPr>
+          <p:cNvPr id="291" name="Flowchart: Decision 290"/>
+          <p:cNvSpPr/>
+          <p:nvPr/>
+        </p:nvSpPr>
+        <p:spPr>
+          <a:xfrm rot="5400000">
+            <a:off x="6223130" y="1206986"/>
+            <a:ext cx="152400" cy="152400"/>
+          </a:xfrm>
+          <a:prstGeom prst="flowChartDecision">
+            <a:avLst/>
+          </a:prstGeom>
+          <a:solidFill>
+            <a:schemeClr val="bg1"/>
+          </a:solidFill>
+        </p:spPr>
+        <p:style>
+          <a:lnRef idx="2">
+            <a:schemeClr val="accent5">
+              <a:shade val="50000"/>
+            </a:schemeClr>
+          </a:lnRef>
+          <a:fillRef idx="1">
+            <a:schemeClr val="accent5"/>
+          </a:fillRef>
+          <a:effectRef idx="0">
+            <a:schemeClr val="accent5"/>
+          </a:effectRef>
+          <a:fontRef idx="minor">
+            <a:schemeClr val="lt1"/>
+          </a:fontRef>
+        </p:style>
+        <p:txBody>
+          <a:bodyPr rtlCol="0" anchor="ctr"/>
+          <a:lstStyle/>
+          <a:p>
+            <a:pPr algn="ctr"/>
+            <a:endParaRPr lang="en-US"/>
+          </a:p>
+        </p:txBody>
+      </p:sp>
+      <p:cxnSp>
+        <p:nvCxnSpPr>
+          <p:cNvPr id="292" name="Elbow Connector 190"/>
+          <p:cNvCxnSpPr>
+            <a:stCxn id="291" idx="1"/>
+          </p:cNvCxnSpPr>
+          <p:nvPr/>
+        </p:nvCxnSpPr>
+        <p:spPr>
+          <a:xfrm rot="16200000" flipV="1">
+            <a:off x="6051372" y="959028"/>
+            <a:ext cx="444987" cy="50930"/>
+          </a:xfrm>
+          <a:prstGeom prst="bentConnector3">
+            <a:avLst>
+              <a:gd name="adj1" fmla="val 50000"/>
+            </a:avLst>
+          </a:prstGeom>
+          <a:ln>
+            <a:tailEnd type="arrow"/>
+          </a:ln>
+        </p:spPr>
+        <p:style>
+          <a:lnRef idx="2">
+            <a:schemeClr val="accent5">
+              <a:shade val="50000"/>
+            </a:schemeClr>
+          </a:lnRef>
+          <a:fillRef idx="1">
+            <a:schemeClr val="accent5"/>
+          </a:fillRef>
+          <a:effectRef idx="0">
+            <a:schemeClr val="accent5"/>
+          </a:effectRef>
+          <a:fontRef idx="minor">
+            <a:schemeClr val="lt1"/>
+          </a:fontRef>
+        </p:style>
+      </p:cxnSp>
+      <p:sp>
+        <p:nvSpPr>
+          <p:cNvPr id="294" name="Rectangle 293"/>
+          <p:cNvSpPr/>
+          <p:nvPr/>
+        </p:nvSpPr>
+        <p:spPr>
+          <a:xfrm>
+            <a:off x="6781800" y="1798637"/>
+            <a:ext cx="1550726" cy="361770"/>
+          </a:xfrm>
+          <a:prstGeom prst="rect">
+            <a:avLst/>
+          </a:prstGeom>
+        </p:spPr>
+        <p:style>
+          <a:lnRef idx="2">
+            <a:schemeClr val="accent6">
+              <a:shade val="50000"/>
+            </a:schemeClr>
+          </a:lnRef>
+          <a:fillRef idx="1">
+            <a:schemeClr val="accent6"/>
+          </a:fillRef>
+          <a:effectRef idx="0">
+            <a:schemeClr val="accent6"/>
+          </a:effectRef>
+          <a:fontRef idx="minor">
+            <a:schemeClr val="lt1"/>
+          </a:fontRef>
+        </p:style>
+        <p:txBody>
+          <a:bodyPr rtlCol="0" anchor="ctr"/>
+          <a:lstStyle/>
+          <a:p>
+            <a:pPr algn="ctr"/>
+            <a:r>
+              <a:rPr lang="en-US" sz="1600" b="1" dirty="0" err="1" smtClean="0"/>
+              <a:t>EvaluationData</a:t>
+            </a:r>
+            <a:endParaRPr lang="en-SG" sz="1600" b="1" dirty="0"/>
+          </a:p>
+        </p:txBody>
+      </p:sp>
+      <p:sp>
+        <p:nvSpPr>
+          <p:cNvPr id="295" name="TextBox 294"/>
+          <p:cNvSpPr txBox="1"/>
+          <p:nvPr/>
+        </p:nvSpPr>
+        <p:spPr>
+          <a:xfrm>
+            <a:off x="6557516" y="1721923"/>
+            <a:ext cx="228600" cy="369332"/>
+          </a:xfrm>
+          <a:prstGeom prst="rect">
+            <a:avLst/>
+          </a:prstGeom>
+          <a:noFill/>
+        </p:spPr>
+        <p:txBody>
+          <a:bodyPr wrap="square" rtlCol="0">
+            <a:spAutoFit/>
+          </a:bodyPr>
+          <a:lstStyle/>
+          <a:p>
+            <a:r>
+              <a:rPr lang="en-US" dirty="0" smtClean="0">
+                <a:solidFill>
+                  <a:schemeClr val="accent5">
+                    <a:lumMod val="75000"/>
+                  </a:schemeClr>
+                </a:solidFill>
+              </a:rPr>
+              <a:t>*</a:t>
+            </a:r>
+            <a:endParaRPr lang="en-US" dirty="0">
+              <a:solidFill>
+                <a:schemeClr val="accent5">
+                  <a:lumMod val="75000"/>
+                </a:schemeClr>
+              </a:solidFill>
+            </a:endParaRPr>
+          </a:p>
+        </p:txBody>
+      </p:sp>
+      <p:sp>
+        <p:nvSpPr>
+          <p:cNvPr id="296" name="Flowchart: Decision 295"/>
+          <p:cNvSpPr/>
+          <p:nvPr/>
+        </p:nvSpPr>
+        <p:spPr>
+          <a:xfrm rot="5400000">
+            <a:off x="6477000" y="1493837"/>
+            <a:ext cx="152400" cy="152400"/>
+          </a:xfrm>
+          <a:prstGeom prst="flowChartDecision">
+            <a:avLst/>
+          </a:prstGeom>
+          <a:solidFill>
+            <a:schemeClr val="bg1"/>
+          </a:solidFill>
+        </p:spPr>
+        <p:style>
+          <a:lnRef idx="2">
+            <a:schemeClr val="accent5">
+              <a:shade val="50000"/>
+            </a:schemeClr>
+          </a:lnRef>
+          <a:fillRef idx="1">
+            <a:schemeClr val="accent5"/>
+          </a:fillRef>
+          <a:effectRef idx="0">
+            <a:schemeClr val="accent5"/>
+          </a:effectRef>
+          <a:fontRef idx="minor">
+            <a:schemeClr val="lt1"/>
+          </a:fontRef>
+        </p:style>
+        <p:txBody>
+          <a:bodyPr rtlCol="0" anchor="ctr"/>
+          <a:lstStyle/>
+          <a:p>
+            <a:pPr algn="ctr"/>
+            <a:endParaRPr lang="en-US"/>
+          </a:p>
+        </p:txBody>
+      </p:sp>
+      <p:cxnSp>
+        <p:nvCxnSpPr>
+          <p:cNvPr id="297" name="Elbow Connector 196"/>
+          <p:cNvCxnSpPr>
+            <a:stCxn id="296" idx="3"/>
+            <a:endCxn id="294" idx="1"/>
+          </p:cNvCxnSpPr>
+          <p:nvPr/>
+        </p:nvCxnSpPr>
+        <p:spPr>
+          <a:xfrm rot="16200000" flipH="1">
+            <a:off x="6500858" y="1698579"/>
+            <a:ext cx="333285" cy="228600"/>
+          </a:xfrm>
+          <a:prstGeom prst="bentConnector2">
+            <a:avLst/>
+          </a:prstGeom>
+          <a:ln>
+            <a:tailEnd type="arrow"/>
+          </a:ln>
+        </p:spPr>
+        <p:style>
+          <a:lnRef idx="2">
+            <a:schemeClr val="accent5">
+              <a:shade val="50000"/>
+            </a:schemeClr>
+          </a:lnRef>
+          <a:fillRef idx="1">
+            <a:schemeClr val="accent5"/>
+          </a:fillRef>
+          <a:effectRef idx="0">
+            <a:schemeClr val="accent5"/>
+          </a:effectRef>
+          <a:fontRef idx="minor">
+            <a:schemeClr val="lt1"/>
+          </a:fontRef>
+        </p:style>
+      </p:cxnSp>
+      <p:sp>
+        <p:nvSpPr>
+          <p:cNvPr id="298" name="Rectangle 297"/>
+          <p:cNvSpPr/>
+          <p:nvPr/>
+        </p:nvSpPr>
+        <p:spPr>
+          <a:xfrm>
+            <a:off x="6781806" y="2408237"/>
+            <a:ext cx="1524000" cy="361770"/>
+          </a:xfrm>
+          <a:prstGeom prst="rect">
+            <a:avLst/>
+          </a:prstGeom>
+        </p:spPr>
+        <p:style>
+          <a:lnRef idx="2">
+            <a:schemeClr val="accent5">
+              <a:shade val="50000"/>
+            </a:schemeClr>
+          </a:lnRef>
+          <a:fillRef idx="1">
+            <a:schemeClr val="accent5"/>
+          </a:fillRef>
+          <a:effectRef idx="0">
+            <a:schemeClr val="accent5"/>
+          </a:effectRef>
+          <a:fontRef idx="minor">
+            <a:schemeClr val="lt1"/>
+          </a:fontRef>
+        </p:style>
+        <p:txBody>
+          <a:bodyPr rtlCol="0" anchor="ctr"/>
+          <a:lstStyle/>
+          <a:p>
+            <a:pPr algn="ctr"/>
+            <a:r>
+              <a:rPr lang="en-US" sz="1600" b="1" dirty="0" err="1" smtClean="0"/>
+              <a:t>TeamData</a:t>
+            </a:r>
+            <a:endParaRPr lang="en-SG" sz="1600" b="1" dirty="0"/>
+          </a:p>
+        </p:txBody>
+      </p:sp>
+      <p:cxnSp>
+        <p:nvCxnSpPr>
+          <p:cNvPr id="299" name="Elbow Connector 186"/>
+          <p:cNvCxnSpPr>
+            <a:stCxn id="296" idx="3"/>
+            <a:endCxn id="298" idx="1"/>
+          </p:cNvCxnSpPr>
+          <p:nvPr/>
+        </p:nvCxnSpPr>
+        <p:spPr>
+          <a:xfrm rot="16200000" flipH="1">
+            <a:off x="6196061" y="2003376"/>
+            <a:ext cx="942885" cy="228606"/>
+          </a:xfrm>
+          <a:prstGeom prst="bentConnector2">
+            <a:avLst/>
+          </a:prstGeom>
+          <a:ln>
+            <a:tailEnd type="arrow"/>
+          </a:ln>
+        </p:spPr>
+        <p:style>
+          <a:lnRef idx="2">
+            <a:schemeClr val="accent5">
+              <a:shade val="50000"/>
+            </a:schemeClr>
+          </a:lnRef>
+          <a:fillRef idx="1">
+            <a:schemeClr val="accent5"/>
+          </a:fillRef>
+          <a:effectRef idx="0">
+            <a:schemeClr val="accent5"/>
+          </a:effectRef>
+          <a:fontRef idx="minor">
+            <a:schemeClr val="lt1"/>
+          </a:fontRef>
+        </p:style>
+      </p:cxnSp>
+      <p:sp>
+        <p:nvSpPr>
+          <p:cNvPr id="300" name="TextBox 299"/>
+          <p:cNvSpPr txBox="1"/>
+          <p:nvPr/>
+        </p:nvSpPr>
+        <p:spPr>
+          <a:xfrm>
+            <a:off x="6553206" y="2316810"/>
+            <a:ext cx="228600" cy="369332"/>
+          </a:xfrm>
+          <a:prstGeom prst="rect">
+            <a:avLst/>
+          </a:prstGeom>
+          <a:noFill/>
+        </p:spPr>
+        <p:txBody>
+          <a:bodyPr wrap="square" rtlCol="0">
+            <a:spAutoFit/>
+          </a:bodyPr>
+          <a:lstStyle/>
+          <a:p>
+            <a:r>
+              <a:rPr lang="en-US" dirty="0" smtClean="0">
+                <a:solidFill>
+                  <a:schemeClr val="accent5">
+                    <a:lumMod val="75000"/>
+                  </a:schemeClr>
+                </a:solidFill>
+              </a:rPr>
+              <a:t>*</a:t>
+            </a:r>
+            <a:endParaRPr lang="en-US" dirty="0">
+              <a:solidFill>
+                <a:schemeClr val="accent5">
+                  <a:lumMod val="75000"/>
+                </a:schemeClr>
+              </a:solidFill>
+            </a:endParaRPr>
+          </a:p>
+        </p:txBody>
+      </p:sp>
+      <p:sp>
+        <p:nvSpPr>
+          <p:cNvPr id="301" name="Rectangle 300"/>
+          <p:cNvSpPr/>
+          <p:nvPr/>
+        </p:nvSpPr>
+        <p:spPr>
+          <a:xfrm>
+            <a:off x="7162806" y="3046032"/>
+            <a:ext cx="1550726" cy="361770"/>
+          </a:xfrm>
+          <a:prstGeom prst="rect">
+            <a:avLst/>
+          </a:prstGeom>
+        </p:spPr>
+        <p:style>
+          <a:lnRef idx="2">
+            <a:schemeClr val="accent6">
+              <a:shade val="50000"/>
+            </a:schemeClr>
+          </a:lnRef>
+          <a:fillRef idx="1">
+            <a:schemeClr val="accent6"/>
+          </a:fillRef>
+          <a:effectRef idx="0">
+            <a:schemeClr val="accent6"/>
+          </a:effectRef>
+          <a:fontRef idx="minor">
+            <a:schemeClr val="lt1"/>
+          </a:fontRef>
+        </p:style>
+        <p:txBody>
+          <a:bodyPr rtlCol="0" anchor="ctr"/>
+          <a:lstStyle/>
+          <a:p>
+            <a:pPr algn="ctr"/>
+            <a:r>
+              <a:rPr lang="en-US" sz="1600" b="1" dirty="0" err="1" smtClean="0"/>
+              <a:t>StudentData</a:t>
+            </a:r>
+            <a:endParaRPr lang="en-SG" sz="1600" b="1" dirty="0"/>
+          </a:p>
+        </p:txBody>
+      </p:sp>
+      <p:sp>
+        <p:nvSpPr>
+          <p:cNvPr id="302" name="Flowchart: Decision 301"/>
+          <p:cNvSpPr/>
+          <p:nvPr/>
+        </p:nvSpPr>
+        <p:spPr>
+          <a:xfrm rot="5400000">
+            <a:off x="6858000" y="2789237"/>
+            <a:ext cx="152400" cy="152400"/>
+          </a:xfrm>
+          <a:prstGeom prst="flowChartDecision">
+            <a:avLst/>
+          </a:prstGeom>
+          <a:solidFill>
+            <a:schemeClr val="bg1"/>
+          </a:solidFill>
+        </p:spPr>
+        <p:style>
+          <a:lnRef idx="2">
+            <a:schemeClr val="accent5">
+              <a:shade val="50000"/>
+            </a:schemeClr>
+          </a:lnRef>
+          <a:fillRef idx="1">
+            <a:schemeClr val="accent5"/>
+          </a:fillRef>
+          <a:effectRef idx="0">
+            <a:schemeClr val="accent5"/>
+          </a:effectRef>
+          <a:fontRef idx="minor">
+            <a:schemeClr val="lt1"/>
+          </a:fontRef>
+        </p:style>
+        <p:txBody>
+          <a:bodyPr rtlCol="0" anchor="ctr"/>
+          <a:lstStyle/>
+          <a:p>
+            <a:pPr algn="ctr"/>
+            <a:endParaRPr lang="en-US"/>
+          </a:p>
+        </p:txBody>
+      </p:sp>
+      <p:cxnSp>
+        <p:nvCxnSpPr>
+          <p:cNvPr id="303" name="Elbow Connector 186"/>
+          <p:cNvCxnSpPr>
+            <a:stCxn id="302" idx="3"/>
+            <a:endCxn id="301" idx="1"/>
+          </p:cNvCxnSpPr>
+          <p:nvPr/>
+        </p:nvCxnSpPr>
+        <p:spPr>
+          <a:xfrm rot="16200000" flipH="1">
+            <a:off x="6905863" y="2969974"/>
+            <a:ext cx="285280" cy="228606"/>
+          </a:xfrm>
+          <a:prstGeom prst="bentConnector2">
+            <a:avLst/>
+          </a:prstGeom>
+          <a:ln>
+            <a:tailEnd type="arrow"/>
+          </a:ln>
+        </p:spPr>
+        <p:style>
+          <a:lnRef idx="2">
+            <a:schemeClr val="accent5">
+              <a:shade val="50000"/>
+            </a:schemeClr>
+          </a:lnRef>
+          <a:fillRef idx="1">
+            <a:schemeClr val="accent5"/>
+          </a:fillRef>
+          <a:effectRef idx="0">
+            <a:schemeClr val="accent5"/>
+          </a:effectRef>
+          <a:fontRef idx="minor">
+            <a:schemeClr val="lt1"/>
+          </a:fontRef>
+        </p:style>
+      </p:cxnSp>
+      <p:sp>
+        <p:nvSpPr>
+          <p:cNvPr id="304" name="TextBox 303"/>
+          <p:cNvSpPr txBox="1"/>
+          <p:nvPr/>
+        </p:nvSpPr>
+        <p:spPr>
+          <a:xfrm>
+            <a:off x="6934205" y="2941637"/>
+            <a:ext cx="228600" cy="369332"/>
+          </a:xfrm>
+          <a:prstGeom prst="rect">
+            <a:avLst/>
+          </a:prstGeom>
+          <a:noFill/>
+        </p:spPr>
+        <p:txBody>
+          <a:bodyPr wrap="square" rtlCol="0">
+            <a:spAutoFit/>
+          </a:bodyPr>
+          <a:lstStyle/>
+          <a:p>
+            <a:r>
+              <a:rPr lang="en-US" dirty="0" smtClean="0">
+                <a:solidFill>
+                  <a:schemeClr val="accent5">
+                    <a:lumMod val="75000"/>
+                  </a:schemeClr>
+                </a:solidFill>
+              </a:rPr>
+              <a:t>*</a:t>
+            </a:r>
+            <a:endParaRPr lang="en-US" dirty="0">
+              <a:solidFill>
+                <a:schemeClr val="accent5">
+                  <a:lumMod val="75000"/>
+                </a:schemeClr>
+              </a:solidFill>
+            </a:endParaRPr>
+          </a:p>
+        </p:txBody>
+      </p:sp>
+      <p:sp>
+        <p:nvSpPr>
+          <p:cNvPr id="305" name="TextBox 304"/>
+          <p:cNvSpPr txBox="1"/>
+          <p:nvPr/>
+        </p:nvSpPr>
+        <p:spPr>
+          <a:xfrm>
+            <a:off x="914400" y="46037"/>
+            <a:ext cx="533400" cy="369332"/>
+          </a:xfrm>
+          <a:prstGeom prst="rect">
+            <a:avLst/>
+          </a:prstGeom>
+          <a:noFill/>
+        </p:spPr>
+        <p:txBody>
+          <a:bodyPr wrap="square" rtlCol="0">
+            <a:spAutoFit/>
+          </a:bodyPr>
+          <a:lstStyle/>
+          <a:p>
+            <a:r>
+              <a:rPr lang="en-US" dirty="0" smtClean="0"/>
+              <a:t>(a)</a:t>
+            </a:r>
+            <a:endParaRPr lang="en-US" dirty="0"/>
+          </a:p>
+        </p:txBody>
+      </p:sp>
+      <p:sp>
+        <p:nvSpPr>
+          <p:cNvPr id="306" name="TextBox 305"/>
+          <p:cNvSpPr txBox="1"/>
+          <p:nvPr/>
+        </p:nvSpPr>
+        <p:spPr>
+          <a:xfrm>
+            <a:off x="2653643" y="62399"/>
+            <a:ext cx="489444" cy="369332"/>
+          </a:xfrm>
+          <a:prstGeom prst="rect">
+            <a:avLst/>
+          </a:prstGeom>
+          <a:noFill/>
+        </p:spPr>
+        <p:txBody>
+          <a:bodyPr wrap="square" rtlCol="0">
+            <a:spAutoFit/>
+          </a:bodyPr>
+          <a:lstStyle/>
+          <a:p>
+            <a:r>
+              <a:rPr lang="en-US" dirty="0" smtClean="0"/>
+              <a:t>(b)</a:t>
+            </a:r>
+            <a:endParaRPr lang="en-US" dirty="0"/>
+          </a:p>
+        </p:txBody>
+      </p:sp>
+      <p:sp>
+        <p:nvSpPr>
+          <p:cNvPr id="307" name="TextBox 306"/>
+          <p:cNvSpPr txBox="1"/>
+          <p:nvPr/>
+        </p:nvSpPr>
+        <p:spPr>
+          <a:xfrm>
+            <a:off x="5042654" y="62399"/>
+            <a:ext cx="533400" cy="369332"/>
+          </a:xfrm>
+          <a:prstGeom prst="rect">
+            <a:avLst/>
+          </a:prstGeom>
+          <a:noFill/>
+        </p:spPr>
+        <p:txBody>
+          <a:bodyPr wrap="square" rtlCol="0">
+            <a:spAutoFit/>
+          </a:bodyPr>
+          <a:lstStyle/>
+          <a:p>
+            <a:r>
+              <a:rPr lang="en-US" dirty="0" smtClean="0"/>
+              <a:t>(c)</a:t>
+            </a:r>
+            <a:endParaRPr lang="en-US" dirty="0"/>
+          </a:p>
+        </p:txBody>
+      </p:sp>
+      <p:sp>
+        <p:nvSpPr>
+          <p:cNvPr id="61" name="Rectangle 60"/>
+          <p:cNvSpPr/>
+          <p:nvPr/>
+        </p:nvSpPr>
+        <p:spPr>
+          <a:xfrm>
+            <a:off x="990601" y="1525751"/>
+            <a:ext cx="1219198" cy="272886"/>
+          </a:xfrm>
+          <a:prstGeom prst="rect">
+            <a:avLst/>
+          </a:prstGeom>
+        </p:spPr>
+        <p:style>
+          <a:lnRef idx="2">
+            <a:schemeClr val="accent6">
+              <a:shade val="50000"/>
+            </a:schemeClr>
+          </a:lnRef>
+          <a:fillRef idx="1">
+            <a:schemeClr val="accent6"/>
+          </a:fillRef>
+          <a:effectRef idx="0">
+            <a:schemeClr val="accent6"/>
+          </a:effectRef>
+          <a:fontRef idx="minor">
+            <a:schemeClr val="lt1"/>
+          </a:fontRef>
+        </p:style>
+        <p:txBody>
+          <a:bodyPr rtlCol="0" anchor="ctr"/>
+          <a:lstStyle/>
+          <a:p>
+            <a:pPr algn="ctr"/>
+            <a:r>
+              <a:rPr lang="en-US" sz="1200" b="1" dirty="0" err="1" smtClean="0"/>
+              <a:t>InstructorData</a:t>
+            </a:r>
+            <a:endParaRPr lang="en-SG" sz="1200" b="1" dirty="0"/>
+          </a:p>
+        </p:txBody>
+      </p:sp>
+      <p:sp>
+        <p:nvSpPr>
+          <p:cNvPr id="62" name="TextBox 61"/>
+          <p:cNvSpPr txBox="1"/>
+          <p:nvPr/>
+        </p:nvSpPr>
+        <p:spPr>
+          <a:xfrm>
+            <a:off x="770070" y="1418268"/>
+            <a:ext cx="172435" cy="369332"/>
+          </a:xfrm>
+          <a:prstGeom prst="rect">
+            <a:avLst/>
+          </a:prstGeom>
+          <a:noFill/>
+        </p:spPr>
+        <p:txBody>
+          <a:bodyPr wrap="square" rtlCol="0">
+            <a:spAutoFit/>
+          </a:bodyPr>
+          <a:lstStyle/>
+          <a:p>
+            <a:r>
+              <a:rPr lang="en-US" dirty="0" smtClean="0">
+                <a:solidFill>
+                  <a:schemeClr val="accent5">
+                    <a:lumMod val="75000"/>
+                  </a:schemeClr>
+                </a:solidFill>
+              </a:rPr>
+              <a:t>*</a:t>
+            </a:r>
+            <a:endParaRPr lang="en-US" dirty="0">
+              <a:solidFill>
+                <a:schemeClr val="accent5">
+                  <a:lumMod val="75000"/>
+                </a:schemeClr>
+              </a:solidFill>
+            </a:endParaRPr>
+          </a:p>
+        </p:txBody>
+      </p:sp>
+      <p:sp>
+        <p:nvSpPr>
+          <p:cNvPr id="63" name="Rectangle 62"/>
+          <p:cNvSpPr/>
+          <p:nvPr/>
+        </p:nvSpPr>
+        <p:spPr>
+          <a:xfrm>
+            <a:off x="977900" y="1971417"/>
+            <a:ext cx="1231899" cy="272886"/>
+          </a:xfrm>
+          <a:prstGeom prst="rect">
+            <a:avLst/>
+          </a:prstGeom>
+        </p:spPr>
+        <p:style>
+          <a:lnRef idx="2">
+            <a:schemeClr val="accent6">
+              <a:shade val="50000"/>
+            </a:schemeClr>
+          </a:lnRef>
+          <a:fillRef idx="1">
+            <a:schemeClr val="accent6"/>
+          </a:fillRef>
+          <a:effectRef idx="0">
+            <a:schemeClr val="accent6"/>
+          </a:effectRef>
+          <a:fontRef idx="minor">
+            <a:schemeClr val="lt1"/>
+          </a:fontRef>
+        </p:style>
+        <p:txBody>
+          <a:bodyPr rtlCol="0" anchor="ctr"/>
+          <a:lstStyle/>
+          <a:p>
+            <a:pPr algn="ctr"/>
+            <a:r>
+              <a:rPr lang="en-US" sz="1200" b="1" dirty="0" err="1" smtClean="0"/>
+              <a:t>StudentData</a:t>
+            </a:r>
+            <a:endParaRPr lang="en-SG" sz="1200" b="1" dirty="0"/>
+          </a:p>
+        </p:txBody>
+      </p:sp>
+      <p:sp>
+        <p:nvSpPr>
+          <p:cNvPr id="64" name="TextBox 63"/>
+          <p:cNvSpPr txBox="1"/>
+          <p:nvPr/>
+        </p:nvSpPr>
+        <p:spPr>
+          <a:xfrm>
+            <a:off x="770070" y="1886345"/>
+            <a:ext cx="172435" cy="369332"/>
+          </a:xfrm>
+          <a:prstGeom prst="rect">
+            <a:avLst/>
+          </a:prstGeom>
+          <a:noFill/>
+        </p:spPr>
+        <p:txBody>
+          <a:bodyPr wrap="square" rtlCol="0">
+            <a:spAutoFit/>
+          </a:bodyPr>
+          <a:lstStyle/>
+          <a:p>
+            <a:r>
+              <a:rPr lang="en-US" dirty="0" smtClean="0">
+                <a:solidFill>
+                  <a:schemeClr val="accent5">
+                    <a:lumMod val="75000"/>
+                  </a:schemeClr>
+                </a:solidFill>
+              </a:rPr>
+              <a:t>*</a:t>
+            </a:r>
+            <a:endParaRPr lang="en-US" dirty="0">
+              <a:solidFill>
+                <a:schemeClr val="accent5">
+                  <a:lumMod val="75000"/>
+                </a:schemeClr>
+              </a:solidFill>
+            </a:endParaRPr>
+          </a:p>
+        </p:txBody>
+      </p:sp>
+      <p:cxnSp>
+        <p:nvCxnSpPr>
+          <p:cNvPr id="265" name="Elbow Connector 187"/>
           <p:cNvCxnSpPr>
             <a:stCxn id="263" idx="3"/>
-            <a:endCxn id="259" idx="1"/>
+            <a:endCxn id="61" idx="1"/>
           </p:cNvCxnSpPr>
           <p:nvPr/>
         </p:nvCxnSpPr>
         <p:spPr>
           <a:xfrm rot="16200000" flipH="1">
-            <a:off x="126711" y="1519526"/>
-            <a:ext cx="1320053" cy="354274"/>
+            <a:off x="487322" y="1158914"/>
+            <a:ext cx="625557" cy="381001"/>
           </a:xfrm>
           <a:prstGeom prst="bentConnector2">
             <a:avLst/>
+          </a:prstGeom>
+          <a:ln>
+            <a:tailEnd type="arrow"/>
+          </a:ln>
+        </p:spPr>
+        <p:style>
+          <a:lnRef idx="2">
+            <a:schemeClr val="accent5">
+              <a:shade val="50000"/>
+            </a:schemeClr>
+          </a:lnRef>
+          <a:fillRef idx="1">
+            <a:schemeClr val="accent5"/>
+          </a:fillRef>
+          <a:effectRef idx="0">
+            <a:schemeClr val="accent5"/>
+          </a:effectRef>
+          <a:fontRef idx="minor">
+            <a:schemeClr val="lt1"/>
+          </a:fontRef>
+        </p:style>
+      </p:cxnSp>
+      <p:sp>
+        <p:nvSpPr>
+          <p:cNvPr id="70" name="Rectangle 69"/>
+          <p:cNvSpPr/>
+          <p:nvPr/>
+        </p:nvSpPr>
+        <p:spPr>
+          <a:xfrm>
+            <a:off x="977900" y="2355752"/>
+            <a:ext cx="1231899" cy="272886"/>
+          </a:xfrm>
+          <a:prstGeom prst="rect">
+            <a:avLst/>
+          </a:prstGeom>
+        </p:spPr>
+        <p:style>
+          <a:lnRef idx="2">
+            <a:schemeClr val="accent6">
+              <a:shade val="50000"/>
+            </a:schemeClr>
+          </a:lnRef>
+          <a:fillRef idx="1">
+            <a:schemeClr val="accent6"/>
+          </a:fillRef>
+          <a:effectRef idx="0">
+            <a:schemeClr val="accent6"/>
+          </a:effectRef>
+          <a:fontRef idx="minor">
+            <a:schemeClr val="lt1"/>
+          </a:fontRef>
+        </p:style>
+        <p:txBody>
+          <a:bodyPr rtlCol="0" anchor="ctr"/>
+          <a:lstStyle/>
+          <a:p>
+            <a:pPr algn="ctr"/>
+            <a:r>
+              <a:rPr lang="en-US" sz="1200" b="1" dirty="0" err="1" smtClean="0"/>
+              <a:t>CourseData</a:t>
+            </a:r>
+            <a:endParaRPr lang="en-SG" sz="1200" b="1" dirty="0"/>
+          </a:p>
+        </p:txBody>
+      </p:sp>
+      <p:sp>
+        <p:nvSpPr>
+          <p:cNvPr id="71" name="TextBox 70"/>
+          <p:cNvSpPr txBox="1"/>
+          <p:nvPr/>
+        </p:nvSpPr>
+        <p:spPr>
+          <a:xfrm>
+            <a:off x="770070" y="2260985"/>
+            <a:ext cx="172435" cy="369332"/>
+          </a:xfrm>
+          <a:prstGeom prst="rect">
+            <a:avLst/>
+          </a:prstGeom>
+          <a:noFill/>
+        </p:spPr>
+        <p:txBody>
+          <a:bodyPr wrap="square" rtlCol="0">
+            <a:spAutoFit/>
+          </a:bodyPr>
+          <a:lstStyle/>
+          <a:p>
+            <a:r>
+              <a:rPr lang="en-US" dirty="0" smtClean="0">
+                <a:solidFill>
+                  <a:schemeClr val="accent5">
+                    <a:lumMod val="75000"/>
+                  </a:schemeClr>
+                </a:solidFill>
+              </a:rPr>
+              <a:t>*</a:t>
+            </a:r>
+            <a:endParaRPr lang="en-US" dirty="0">
+              <a:solidFill>
+                <a:schemeClr val="accent5">
+                  <a:lumMod val="75000"/>
+                </a:schemeClr>
+              </a:solidFill>
+            </a:endParaRPr>
+          </a:p>
+        </p:txBody>
+      </p:sp>
+      <p:sp>
+        <p:nvSpPr>
+          <p:cNvPr id="72" name="Rectangle 71"/>
+          <p:cNvSpPr/>
+          <p:nvPr/>
+        </p:nvSpPr>
+        <p:spPr>
+          <a:xfrm>
+            <a:off x="977900" y="3055310"/>
+            <a:ext cx="1231900" cy="272886"/>
+          </a:xfrm>
+          <a:prstGeom prst="rect">
+            <a:avLst/>
+          </a:prstGeom>
+        </p:spPr>
+        <p:style>
+          <a:lnRef idx="2">
+            <a:schemeClr val="accent6">
+              <a:shade val="50000"/>
+            </a:schemeClr>
+          </a:lnRef>
+          <a:fillRef idx="1">
+            <a:schemeClr val="accent6"/>
+          </a:fillRef>
+          <a:effectRef idx="0">
+            <a:schemeClr val="accent6"/>
+          </a:effectRef>
+          <a:fontRef idx="minor">
+            <a:schemeClr val="lt1"/>
+          </a:fontRef>
+        </p:style>
+        <p:txBody>
+          <a:bodyPr rtlCol="0" anchor="ctr"/>
+          <a:lstStyle/>
+          <a:p>
+            <a:pPr algn="ctr"/>
+            <a:r>
+              <a:rPr lang="en-US" sz="1200" b="1" dirty="0" err="1" smtClean="0"/>
+              <a:t>SubmissionData</a:t>
+            </a:r>
+            <a:endParaRPr lang="en-SG" sz="1200" b="1" dirty="0"/>
+          </a:p>
+        </p:txBody>
+      </p:sp>
+      <p:sp>
+        <p:nvSpPr>
+          <p:cNvPr id="73" name="TextBox 72"/>
+          <p:cNvSpPr txBox="1"/>
+          <p:nvPr/>
+        </p:nvSpPr>
+        <p:spPr>
+          <a:xfrm>
+            <a:off x="756045" y="2958864"/>
+            <a:ext cx="172435" cy="369332"/>
+          </a:xfrm>
+          <a:prstGeom prst="rect">
+            <a:avLst/>
+          </a:prstGeom>
+          <a:noFill/>
+        </p:spPr>
+        <p:txBody>
+          <a:bodyPr wrap="square" rtlCol="0">
+            <a:spAutoFit/>
+          </a:bodyPr>
+          <a:lstStyle/>
+          <a:p>
+            <a:r>
+              <a:rPr lang="en-US" dirty="0" smtClean="0">
+                <a:solidFill>
+                  <a:schemeClr val="accent5">
+                    <a:lumMod val="75000"/>
+                  </a:schemeClr>
+                </a:solidFill>
+              </a:rPr>
+              <a:t>*</a:t>
+            </a:r>
+            <a:endParaRPr lang="en-US" dirty="0">
+              <a:solidFill>
+                <a:schemeClr val="accent5">
+                  <a:lumMod val="75000"/>
+                </a:schemeClr>
+              </a:solidFill>
+            </a:endParaRPr>
+          </a:p>
+        </p:txBody>
+      </p:sp>
+      <p:sp>
+        <p:nvSpPr>
+          <p:cNvPr id="78" name="Rectangle 77"/>
+          <p:cNvSpPr/>
+          <p:nvPr/>
+        </p:nvSpPr>
+        <p:spPr>
+          <a:xfrm>
+            <a:off x="977900" y="2714182"/>
+            <a:ext cx="1231900" cy="272886"/>
+          </a:xfrm>
+          <a:prstGeom prst="rect">
+            <a:avLst/>
+          </a:prstGeom>
+        </p:spPr>
+        <p:style>
+          <a:lnRef idx="2">
+            <a:schemeClr val="accent6">
+              <a:shade val="50000"/>
+            </a:schemeClr>
+          </a:lnRef>
+          <a:fillRef idx="1">
+            <a:schemeClr val="accent6"/>
+          </a:fillRef>
+          <a:effectRef idx="0">
+            <a:schemeClr val="accent6"/>
+          </a:effectRef>
+          <a:fontRef idx="minor">
+            <a:schemeClr val="lt1"/>
+          </a:fontRef>
+        </p:style>
+        <p:txBody>
+          <a:bodyPr rtlCol="0" anchor="ctr"/>
+          <a:lstStyle/>
+          <a:p>
+            <a:pPr algn="ctr"/>
+            <a:r>
+              <a:rPr lang="en-US" sz="1200" b="1" dirty="0" err="1" smtClean="0"/>
+              <a:t>EvaluationData</a:t>
+            </a:r>
+            <a:endParaRPr lang="en-SG" sz="1200" b="1" dirty="0"/>
+          </a:p>
+        </p:txBody>
+      </p:sp>
+      <p:sp>
+        <p:nvSpPr>
+          <p:cNvPr id="79" name="TextBox 78"/>
+          <p:cNvSpPr txBox="1"/>
+          <p:nvPr/>
+        </p:nvSpPr>
+        <p:spPr>
+          <a:xfrm>
+            <a:off x="770069" y="2620875"/>
+            <a:ext cx="172435" cy="369332"/>
+          </a:xfrm>
+          <a:prstGeom prst="rect">
+            <a:avLst/>
+          </a:prstGeom>
+          <a:noFill/>
+        </p:spPr>
+        <p:txBody>
+          <a:bodyPr wrap="square" rtlCol="0">
+            <a:spAutoFit/>
+          </a:bodyPr>
+          <a:lstStyle/>
+          <a:p>
+            <a:r>
+              <a:rPr lang="en-US" dirty="0" smtClean="0">
+                <a:solidFill>
+                  <a:schemeClr val="accent5">
+                    <a:lumMod val="75000"/>
+                  </a:schemeClr>
+                </a:solidFill>
+              </a:rPr>
+              <a:t>*</a:t>
+            </a:r>
+            <a:endParaRPr lang="en-US" dirty="0">
+              <a:solidFill>
+                <a:schemeClr val="accent5">
+                  <a:lumMod val="75000"/>
+                </a:schemeClr>
+              </a:solidFill>
+            </a:endParaRPr>
+          </a:p>
+        </p:txBody>
+      </p:sp>
+      <p:cxnSp>
+        <p:nvCxnSpPr>
+          <p:cNvPr id="80" name="Elbow Connector 193"/>
+          <p:cNvCxnSpPr/>
+          <p:nvPr/>
+        </p:nvCxnSpPr>
+        <p:spPr>
+          <a:xfrm flipV="1">
+            <a:off x="609602" y="2501475"/>
+            <a:ext cx="354273" cy="3"/>
+          </a:xfrm>
+          <a:prstGeom prst="bentConnector3">
+            <a:avLst>
+              <a:gd name="adj1" fmla="val 50000"/>
+            </a:avLst>
           </a:prstGeom>
           <a:ln>
             <a:tailEnd type="arrow"/>
@@ -3570,16 +5244,13 @@
       </p:cxnSp>
       <p:cxnSp>
         <p:nvCxnSpPr>
-          <p:cNvPr id="267" name="Elbow Connector 193"/>
-          <p:cNvCxnSpPr>
-            <a:stCxn id="263" idx="3"/>
-            <a:endCxn id="257" idx="1"/>
-          </p:cNvCxnSpPr>
+          <p:cNvPr id="85" name="Elbow Connector 193"/>
+          <p:cNvCxnSpPr/>
           <p:nvPr/>
         </p:nvCxnSpPr>
         <p:spPr>
           <a:xfrm rot="16200000" flipH="1">
-            <a:off x="-100931" y="1747168"/>
+            <a:off x="-97776" y="1791733"/>
             <a:ext cx="1775337" cy="354274"/>
           </a:xfrm>
           <a:prstGeom prst="bentConnector2">
@@ -3611,14 +5282,14 @@
           <p:cNvPr id="268" name="Elbow Connector 196"/>
           <p:cNvCxnSpPr>
             <a:stCxn id="263" idx="3"/>
-            <a:endCxn id="258" idx="1"/>
+            <a:endCxn id="72" idx="1"/>
           </p:cNvCxnSpPr>
           <p:nvPr/>
         </p:nvCxnSpPr>
         <p:spPr>
           <a:xfrm rot="16200000" flipH="1">
-            <a:off x="-328573" y="1974810"/>
-            <a:ext cx="2230620" cy="354274"/>
+            <a:off x="-283808" y="1930045"/>
+            <a:ext cx="2155116" cy="368300"/>
           </a:xfrm>
           <a:prstGeom prst="bentConnector2">
             <a:avLst/>
@@ -3646,14 +5317,14 @@
       </p:cxnSp>
       <p:sp>
         <p:nvSpPr>
-          <p:cNvPr id="269" name="TextBox 268"/>
+          <p:cNvPr id="106" name="TextBox 105"/>
           <p:cNvSpPr txBox="1"/>
           <p:nvPr/>
         </p:nvSpPr>
         <p:spPr>
           <a:xfrm>
-            <a:off x="762005" y="1180072"/>
-            <a:ext cx="228600" cy="369332"/>
+            <a:off x="6023105" y="769598"/>
+            <a:ext cx="228600" cy="276999"/>
           </a:xfrm>
           <a:prstGeom prst="rect">
             <a:avLst/>
@@ -3667,7 +5338,7 @@
           <a:lstStyle/>
           <a:p>
             <a:r>
-              <a:rPr lang="en-US" dirty="0" smtClean="0">
+              <a:rPr lang="en-US" sz="1200" dirty="0" smtClean="0">
                 <a:solidFill>
                   <a:schemeClr val="accent5">
                     <a:lumMod val="75000"/>
@@ -3676,7 +5347,7 @@
               </a:rPr>
               <a:t>*</a:t>
             </a:r>
-            <a:endParaRPr lang="en-US" dirty="0">
+            <a:endParaRPr lang="en-US" sz="1200" dirty="0">
               <a:solidFill>
                 <a:schemeClr val="accent5">
                   <a:lumMod val="75000"/>
@@ -3688,182 +5359,14 @@
       </p:sp>
       <p:sp>
         <p:nvSpPr>
-          <p:cNvPr id="270" name="TextBox 269"/>
-          <p:cNvSpPr txBox="1"/>
+          <p:cNvPr id="107" name="Rectangle 106"/>
+          <p:cNvSpPr/>
           <p:nvPr/>
         </p:nvSpPr>
         <p:spPr>
           <a:xfrm>
-            <a:off x="748555" y="1619342"/>
-            <a:ext cx="228600" cy="369332"/>
-          </a:xfrm>
-          <a:prstGeom prst="rect">
-            <a:avLst/>
-          </a:prstGeom>
-          <a:noFill/>
-        </p:spPr>
-        <p:txBody>
-          <a:bodyPr wrap="square" rtlCol="0">
-            <a:spAutoFit/>
-          </a:bodyPr>
-          <a:lstStyle/>
-          <a:p>
-            <a:r>
-              <a:rPr lang="en-US" dirty="0" smtClean="0">
-                <a:solidFill>
-                  <a:schemeClr val="accent5">
-                    <a:lumMod val="75000"/>
-                  </a:schemeClr>
-                </a:solidFill>
-              </a:rPr>
-              <a:t>*</a:t>
-            </a:r>
-            <a:endParaRPr lang="en-US" dirty="0">
-              <a:solidFill>
-                <a:schemeClr val="accent5">
-                  <a:lumMod val="75000"/>
-                </a:schemeClr>
-              </a:solidFill>
-            </a:endParaRPr>
-          </a:p>
-        </p:txBody>
-      </p:sp>
-      <p:sp>
-        <p:nvSpPr>
-          <p:cNvPr id="271" name="TextBox 270"/>
-          <p:cNvSpPr txBox="1"/>
-          <p:nvPr/>
-        </p:nvSpPr>
-        <p:spPr>
-          <a:xfrm>
-            <a:off x="739590" y="2094472"/>
-            <a:ext cx="228600" cy="369332"/>
-          </a:xfrm>
-          <a:prstGeom prst="rect">
-            <a:avLst/>
-          </a:prstGeom>
-          <a:noFill/>
-        </p:spPr>
-        <p:txBody>
-          <a:bodyPr wrap="square" rtlCol="0">
-            <a:spAutoFit/>
-          </a:bodyPr>
-          <a:lstStyle/>
-          <a:p>
-            <a:r>
-              <a:rPr lang="en-US" dirty="0" smtClean="0">
-                <a:solidFill>
-                  <a:schemeClr val="accent5">
-                    <a:lumMod val="75000"/>
-                  </a:schemeClr>
-                </a:solidFill>
-              </a:rPr>
-              <a:t>*</a:t>
-            </a:r>
-            <a:endParaRPr lang="en-US" dirty="0">
-              <a:solidFill>
-                <a:schemeClr val="accent5">
-                  <a:lumMod val="75000"/>
-                </a:schemeClr>
-              </a:solidFill>
-            </a:endParaRPr>
-          </a:p>
-        </p:txBody>
-      </p:sp>
-      <p:sp>
-        <p:nvSpPr>
-          <p:cNvPr id="272" name="TextBox 271"/>
-          <p:cNvSpPr txBox="1"/>
-          <p:nvPr/>
-        </p:nvSpPr>
-        <p:spPr>
-          <a:xfrm>
-            <a:off x="739590" y="2554375"/>
-            <a:ext cx="228600" cy="369332"/>
-          </a:xfrm>
-          <a:prstGeom prst="rect">
-            <a:avLst/>
-          </a:prstGeom>
-          <a:noFill/>
-        </p:spPr>
-        <p:txBody>
-          <a:bodyPr wrap="square" rtlCol="0">
-            <a:spAutoFit/>
-          </a:bodyPr>
-          <a:lstStyle/>
-          <a:p>
-            <a:r>
-              <a:rPr lang="en-US" dirty="0" smtClean="0">
-                <a:solidFill>
-                  <a:schemeClr val="accent5">
-                    <a:lumMod val="75000"/>
-                  </a:schemeClr>
-                </a:solidFill>
-              </a:rPr>
-              <a:t>*</a:t>
-            </a:r>
-            <a:endParaRPr lang="en-US" dirty="0">
-              <a:solidFill>
-                <a:schemeClr val="accent5">
-                  <a:lumMod val="75000"/>
-                </a:schemeClr>
-              </a:solidFill>
-            </a:endParaRPr>
-          </a:p>
-        </p:txBody>
-      </p:sp>
-      <p:sp>
-        <p:nvSpPr>
-          <p:cNvPr id="273" name="TextBox 272"/>
-          <p:cNvSpPr txBox="1"/>
-          <p:nvPr/>
-        </p:nvSpPr>
-        <p:spPr>
-          <a:xfrm>
-            <a:off x="726140" y="2993645"/>
-            <a:ext cx="228600" cy="369332"/>
-          </a:xfrm>
-          <a:prstGeom prst="rect">
-            <a:avLst/>
-          </a:prstGeom>
-          <a:noFill/>
-        </p:spPr>
-        <p:txBody>
-          <a:bodyPr wrap="square" rtlCol="0">
-            <a:spAutoFit/>
-          </a:bodyPr>
-          <a:lstStyle/>
-          <a:p>
-            <a:r>
-              <a:rPr lang="en-US" dirty="0" smtClean="0">
-                <a:solidFill>
-                  <a:schemeClr val="accent5">
-                    <a:lumMod val="75000"/>
-                  </a:schemeClr>
-                </a:solidFill>
-              </a:rPr>
-              <a:t>*</a:t>
-            </a:r>
-            <a:endParaRPr lang="en-US" dirty="0">
-              <a:solidFill>
-                <a:schemeClr val="accent5">
-                  <a:lumMod val="75000"/>
-                </a:schemeClr>
-              </a:solidFill>
-            </a:endParaRPr>
-          </a:p>
-        </p:txBody>
-      </p:sp>
-      <p:sp>
-        <p:nvSpPr>
-          <p:cNvPr id="274" name="Rectangle 273"/>
-          <p:cNvSpPr/>
-          <p:nvPr/>
-        </p:nvSpPr>
-        <p:spPr>
-          <a:xfrm>
-            <a:off x="3124200" y="503237"/>
-            <a:ext cx="1550726" cy="361770"/>
+            <a:off x="7143269" y="429382"/>
+            <a:ext cx="1365941" cy="318661"/>
           </a:xfrm>
           <a:prstGeom prst="rect">
             <a:avLst/>
@@ -3892,7 +5395,7 @@
             <a:pPr algn="ctr"/>
             <a:r>
               <a:rPr lang="en-US" sz="1600" b="1" dirty="0" err="1" smtClean="0"/>
-              <a:t>EvaluationData</a:t>
+              <a:t>AccountData</a:t>
             </a:r>
             <a:endParaRPr lang="en-SG" sz="1600" b="1" dirty="0"/>
           </a:p>
@@ -3900,13 +5403,13 @@
       </p:sp>
       <p:sp>
         <p:nvSpPr>
-          <p:cNvPr id="275" name="Flowchart: Decision 274"/>
+          <p:cNvPr id="112" name="Flowchart: Decision 111"/>
           <p:cNvSpPr/>
           <p:nvPr/>
         </p:nvSpPr>
         <p:spPr>
           <a:xfrm rot="5400000">
-            <a:off x="3200395" y="884237"/>
+            <a:off x="6978958" y="512512"/>
             <a:ext cx="152400" cy="152400"/>
           </a:xfrm>
           <a:prstGeom prst="flowChartDecision">
@@ -3943,20 +5446,22 @@
       </p:sp>
       <p:cxnSp>
         <p:nvCxnSpPr>
-          <p:cNvPr id="276" name="Elbow Connector 186"/>
+          <p:cNvPr id="113" name="Elbow Connector 190"/>
           <p:cNvCxnSpPr>
-            <a:stCxn id="275" idx="3"/>
-            <a:endCxn id="260" idx="1"/>
+            <a:stCxn id="112" idx="2"/>
+            <a:endCxn id="289" idx="3"/>
           </p:cNvCxnSpPr>
           <p:nvPr/>
         </p:nvCxnSpPr>
         <p:spPr>
-          <a:xfrm rot="16200000" flipH="1">
-            <a:off x="3257872" y="1055359"/>
-            <a:ext cx="266050" cy="228605"/>
-          </a:xfrm>
-          <a:prstGeom prst="bentConnector2">
-            <a:avLst/>
+          <a:xfrm rot="10800000" flipV="1">
+            <a:off x="6629400" y="588711"/>
+            <a:ext cx="349558" cy="1"/>
+          </a:xfrm>
+          <a:prstGeom prst="bentConnector3">
+            <a:avLst>
+              <a:gd name="adj1" fmla="val 50000"/>
+            </a:avLst>
           </a:prstGeom>
           <a:ln>
             <a:tailEnd type="arrow"/>
@@ -3981,14 +5486,14 @@
       </p:cxnSp>
       <p:sp>
         <p:nvSpPr>
-          <p:cNvPr id="277" name="TextBox 276"/>
+          <p:cNvPr id="123" name="TextBox 122"/>
           <p:cNvSpPr txBox="1"/>
           <p:nvPr/>
         </p:nvSpPr>
         <p:spPr>
           <a:xfrm>
-            <a:off x="3276600" y="1036637"/>
-            <a:ext cx="228600" cy="369332"/>
+            <a:off x="6619428" y="387913"/>
+            <a:ext cx="228600" cy="276999"/>
           </a:xfrm>
           <a:prstGeom prst="rect">
             <a:avLst/>
@@ -4002,7 +5507,7 @@
           <a:lstStyle/>
           <a:p>
             <a:r>
-              <a:rPr lang="en-US" dirty="0" smtClean="0">
+              <a:rPr lang="en-US" sz="1200" dirty="0" smtClean="0">
                 <a:solidFill>
                   <a:schemeClr val="accent5">
                     <a:lumMod val="75000"/>
@@ -4011,1229 +5516,13 @@
               </a:rPr>
               <a:t>*</a:t>
             </a:r>
-            <a:endParaRPr lang="en-US" dirty="0">
+            <a:endParaRPr lang="en-US" sz="1200" dirty="0">
               <a:solidFill>
                 <a:schemeClr val="accent5">
                   <a:lumMod val="75000"/>
                 </a:schemeClr>
               </a:solidFill>
             </a:endParaRPr>
-          </a:p>
-        </p:txBody>
-      </p:sp>
-      <p:sp>
-        <p:nvSpPr>
-          <p:cNvPr id="278" name="Rectangle 277"/>
-          <p:cNvSpPr/>
-          <p:nvPr/>
-        </p:nvSpPr>
-        <p:spPr>
-          <a:xfrm>
-            <a:off x="3886200" y="1759597"/>
-            <a:ext cx="1550726" cy="361770"/>
-          </a:xfrm>
-          <a:prstGeom prst="rect">
-            <a:avLst/>
-          </a:prstGeom>
-        </p:spPr>
-        <p:style>
-          <a:lnRef idx="2">
-            <a:schemeClr val="accent6">
-              <a:shade val="50000"/>
-            </a:schemeClr>
-          </a:lnRef>
-          <a:fillRef idx="1">
-            <a:schemeClr val="accent6"/>
-          </a:fillRef>
-          <a:effectRef idx="0">
-            <a:schemeClr val="accent6"/>
-          </a:effectRef>
-          <a:fontRef idx="minor">
-            <a:schemeClr val="lt1"/>
-          </a:fontRef>
-        </p:style>
-        <p:txBody>
-          <a:bodyPr rtlCol="0" anchor="ctr"/>
-          <a:lstStyle/>
-          <a:p>
-            <a:pPr algn="ctr"/>
-            <a:r>
-              <a:rPr lang="en-US" sz="1600" b="1" dirty="0" err="1" smtClean="0"/>
-              <a:t>StudentData</a:t>
-            </a:r>
-            <a:endParaRPr lang="en-SG" sz="1600" b="1" dirty="0"/>
-          </a:p>
-        </p:txBody>
-      </p:sp>
-      <p:sp>
-        <p:nvSpPr>
-          <p:cNvPr id="279" name="Flowchart: Decision 278"/>
-          <p:cNvSpPr/>
-          <p:nvPr/>
-        </p:nvSpPr>
-        <p:spPr>
-          <a:xfrm rot="5400000">
-            <a:off x="3581394" y="1502802"/>
-            <a:ext cx="152400" cy="152400"/>
-          </a:xfrm>
-          <a:prstGeom prst="flowChartDecision">
-            <a:avLst/>
-          </a:prstGeom>
-          <a:solidFill>
-            <a:schemeClr val="bg1"/>
-          </a:solidFill>
-        </p:spPr>
-        <p:style>
-          <a:lnRef idx="2">
-            <a:schemeClr val="accent5">
-              <a:shade val="50000"/>
-            </a:schemeClr>
-          </a:lnRef>
-          <a:fillRef idx="1">
-            <a:schemeClr val="accent5"/>
-          </a:fillRef>
-          <a:effectRef idx="0">
-            <a:schemeClr val="accent5"/>
-          </a:effectRef>
-          <a:fontRef idx="minor">
-            <a:schemeClr val="lt1"/>
-          </a:fontRef>
-        </p:style>
-        <p:txBody>
-          <a:bodyPr rtlCol="0" anchor="ctr"/>
-          <a:lstStyle/>
-          <a:p>
-            <a:pPr algn="ctr"/>
-            <a:endParaRPr lang="en-US"/>
-          </a:p>
-        </p:txBody>
-      </p:sp>
-      <p:cxnSp>
-        <p:nvCxnSpPr>
-          <p:cNvPr id="280" name="Elbow Connector 186"/>
-          <p:cNvCxnSpPr>
-            <a:stCxn id="279" idx="3"/>
-            <a:endCxn id="278" idx="1"/>
-          </p:cNvCxnSpPr>
-          <p:nvPr/>
-        </p:nvCxnSpPr>
-        <p:spPr>
-          <a:xfrm rot="16200000" flipH="1">
-            <a:off x="3629257" y="1683539"/>
-            <a:ext cx="285280" cy="228606"/>
-          </a:xfrm>
-          <a:prstGeom prst="bentConnector2">
-            <a:avLst/>
-          </a:prstGeom>
-          <a:ln>
-            <a:tailEnd type="arrow"/>
-          </a:ln>
-        </p:spPr>
-        <p:style>
-          <a:lnRef idx="2">
-            <a:schemeClr val="accent5">
-              <a:shade val="50000"/>
-            </a:schemeClr>
-          </a:lnRef>
-          <a:fillRef idx="1">
-            <a:schemeClr val="accent5"/>
-          </a:fillRef>
-          <a:effectRef idx="0">
-            <a:schemeClr val="accent5"/>
-          </a:effectRef>
-          <a:fontRef idx="minor">
-            <a:schemeClr val="lt1"/>
-          </a:fontRef>
-        </p:style>
-      </p:cxnSp>
-      <p:sp>
-        <p:nvSpPr>
-          <p:cNvPr id="281" name="TextBox 280"/>
-          <p:cNvSpPr txBox="1"/>
-          <p:nvPr/>
-        </p:nvSpPr>
-        <p:spPr>
-          <a:xfrm>
-            <a:off x="3657599" y="1655202"/>
-            <a:ext cx="228600" cy="369332"/>
-          </a:xfrm>
-          <a:prstGeom prst="rect">
-            <a:avLst/>
-          </a:prstGeom>
-          <a:noFill/>
-        </p:spPr>
-        <p:txBody>
-          <a:bodyPr wrap="square" rtlCol="0">
-            <a:spAutoFit/>
-          </a:bodyPr>
-          <a:lstStyle/>
-          <a:p>
-            <a:r>
-              <a:rPr lang="en-US" dirty="0" smtClean="0">
-                <a:solidFill>
-                  <a:schemeClr val="accent5">
-                    <a:lumMod val="75000"/>
-                  </a:schemeClr>
-                </a:solidFill>
-              </a:rPr>
-              <a:t>*</a:t>
-            </a:r>
-            <a:endParaRPr lang="en-US" dirty="0">
-              <a:solidFill>
-                <a:schemeClr val="accent5">
-                  <a:lumMod val="75000"/>
-                </a:schemeClr>
-              </a:solidFill>
-            </a:endParaRPr>
-          </a:p>
-        </p:txBody>
-      </p:sp>
-      <p:sp>
-        <p:nvSpPr>
-          <p:cNvPr id="282" name="Flowchart: Decision 281"/>
-          <p:cNvSpPr/>
-          <p:nvPr/>
-        </p:nvSpPr>
-        <p:spPr>
-          <a:xfrm rot="5400000">
-            <a:off x="4038600" y="2121367"/>
-            <a:ext cx="152400" cy="152400"/>
-          </a:xfrm>
-          <a:prstGeom prst="flowChartDecision">
-            <a:avLst/>
-          </a:prstGeom>
-          <a:solidFill>
-            <a:schemeClr val="bg1"/>
-          </a:solidFill>
-        </p:spPr>
-        <p:style>
-          <a:lnRef idx="2">
-            <a:schemeClr val="accent5">
-              <a:shade val="50000"/>
-            </a:schemeClr>
-          </a:lnRef>
-          <a:fillRef idx="1">
-            <a:schemeClr val="accent5"/>
-          </a:fillRef>
-          <a:effectRef idx="0">
-            <a:schemeClr val="accent5"/>
-          </a:effectRef>
-          <a:fontRef idx="minor">
-            <a:schemeClr val="lt1"/>
-          </a:fontRef>
-        </p:style>
-        <p:txBody>
-          <a:bodyPr rtlCol="0" anchor="ctr"/>
-          <a:lstStyle/>
-          <a:p>
-            <a:pPr algn="ctr"/>
-            <a:endParaRPr lang="en-US"/>
-          </a:p>
-        </p:txBody>
-      </p:sp>
-      <p:cxnSp>
-        <p:nvCxnSpPr>
-          <p:cNvPr id="283" name="Elbow Connector 186"/>
-          <p:cNvCxnSpPr>
-            <a:stCxn id="282" idx="3"/>
-            <a:endCxn id="261" idx="1"/>
-          </p:cNvCxnSpPr>
-          <p:nvPr/>
-        </p:nvCxnSpPr>
-        <p:spPr>
-          <a:xfrm rot="16200000" flipH="1">
-            <a:off x="4135765" y="2252802"/>
-            <a:ext cx="262870" cy="304800"/>
-          </a:xfrm>
-          <a:prstGeom prst="bentConnector2">
-            <a:avLst/>
-          </a:prstGeom>
-          <a:ln>
-            <a:tailEnd type="arrow"/>
-          </a:ln>
-        </p:spPr>
-        <p:style>
-          <a:lnRef idx="2">
-            <a:schemeClr val="accent5">
-              <a:shade val="50000"/>
-            </a:schemeClr>
-          </a:lnRef>
-          <a:fillRef idx="1">
-            <a:schemeClr val="accent5"/>
-          </a:fillRef>
-          <a:effectRef idx="0">
-            <a:schemeClr val="accent5"/>
-          </a:effectRef>
-          <a:fontRef idx="minor">
-            <a:schemeClr val="lt1"/>
-          </a:fontRef>
-        </p:style>
-      </p:cxnSp>
-      <p:sp>
-        <p:nvSpPr>
-          <p:cNvPr id="284" name="TextBox 283"/>
-          <p:cNvSpPr txBox="1"/>
-          <p:nvPr/>
-        </p:nvSpPr>
-        <p:spPr>
-          <a:xfrm>
-            <a:off x="4150665" y="2273767"/>
-            <a:ext cx="228600" cy="369332"/>
-          </a:xfrm>
-          <a:prstGeom prst="rect">
-            <a:avLst/>
-          </a:prstGeom>
-          <a:noFill/>
-        </p:spPr>
-        <p:txBody>
-          <a:bodyPr wrap="square" rtlCol="0">
-            <a:spAutoFit/>
-          </a:bodyPr>
-          <a:lstStyle/>
-          <a:p>
-            <a:r>
-              <a:rPr lang="en-US" dirty="0" smtClean="0">
-                <a:solidFill>
-                  <a:schemeClr val="accent5">
-                    <a:lumMod val="75000"/>
-                  </a:schemeClr>
-                </a:solidFill>
-              </a:rPr>
-              <a:t>*</a:t>
-            </a:r>
-            <a:endParaRPr lang="en-US" dirty="0">
-              <a:solidFill>
-                <a:schemeClr val="accent5">
-                  <a:lumMod val="75000"/>
-                </a:schemeClr>
-              </a:solidFill>
-            </a:endParaRPr>
-          </a:p>
-        </p:txBody>
-      </p:sp>
-      <p:sp>
-        <p:nvSpPr>
-          <p:cNvPr id="285" name="Rectangle 284"/>
-          <p:cNvSpPr/>
-          <p:nvPr/>
-        </p:nvSpPr>
-        <p:spPr>
-          <a:xfrm>
-            <a:off x="4724400" y="2974317"/>
-            <a:ext cx="1550726" cy="361770"/>
-          </a:xfrm>
-          <a:prstGeom prst="rect">
-            <a:avLst/>
-          </a:prstGeom>
-        </p:spPr>
-        <p:style>
-          <a:lnRef idx="2">
-            <a:schemeClr val="accent6">
-              <a:shade val="50000"/>
-            </a:schemeClr>
-          </a:lnRef>
-          <a:fillRef idx="1">
-            <a:schemeClr val="accent6"/>
-          </a:fillRef>
-          <a:effectRef idx="0">
-            <a:schemeClr val="accent6"/>
-          </a:effectRef>
-          <a:fontRef idx="minor">
-            <a:schemeClr val="lt1"/>
-          </a:fontRef>
-        </p:style>
-        <p:txBody>
-          <a:bodyPr rtlCol="0" anchor="ctr"/>
-          <a:lstStyle/>
-          <a:p>
-            <a:pPr algn="ctr"/>
-            <a:r>
-              <a:rPr lang="en-US" sz="1600" b="1" dirty="0" err="1" smtClean="0"/>
-              <a:t>SubmissionData</a:t>
-            </a:r>
-            <a:endParaRPr lang="en-SG" sz="1600" b="1" dirty="0"/>
-          </a:p>
-        </p:txBody>
-      </p:sp>
-      <p:sp>
-        <p:nvSpPr>
-          <p:cNvPr id="286" name="Flowchart: Decision 285"/>
-          <p:cNvSpPr/>
-          <p:nvPr/>
-        </p:nvSpPr>
-        <p:spPr>
-          <a:xfrm rot="5400000">
-            <a:off x="4419600" y="2717522"/>
-            <a:ext cx="152400" cy="152400"/>
-          </a:xfrm>
-          <a:prstGeom prst="flowChartDecision">
-            <a:avLst/>
-          </a:prstGeom>
-          <a:solidFill>
-            <a:schemeClr val="bg1"/>
-          </a:solidFill>
-        </p:spPr>
-        <p:style>
-          <a:lnRef idx="2">
-            <a:schemeClr val="accent5">
-              <a:shade val="50000"/>
-            </a:schemeClr>
-          </a:lnRef>
-          <a:fillRef idx="1">
-            <a:schemeClr val="accent5"/>
-          </a:fillRef>
-          <a:effectRef idx="0">
-            <a:schemeClr val="accent5"/>
-          </a:effectRef>
-          <a:fontRef idx="minor">
-            <a:schemeClr val="lt1"/>
-          </a:fontRef>
-        </p:style>
-        <p:txBody>
-          <a:bodyPr rtlCol="0" anchor="ctr"/>
-          <a:lstStyle/>
-          <a:p>
-            <a:pPr algn="ctr"/>
-            <a:endParaRPr lang="en-US"/>
-          </a:p>
-        </p:txBody>
-      </p:sp>
-      <p:cxnSp>
-        <p:nvCxnSpPr>
-          <p:cNvPr id="287" name="Elbow Connector 186"/>
-          <p:cNvCxnSpPr>
-            <a:stCxn id="286" idx="3"/>
-            <a:endCxn id="285" idx="1"/>
-          </p:cNvCxnSpPr>
-          <p:nvPr/>
-        </p:nvCxnSpPr>
-        <p:spPr>
-          <a:xfrm rot="16200000" flipH="1">
-            <a:off x="4467460" y="2898262"/>
-            <a:ext cx="285280" cy="228600"/>
-          </a:xfrm>
-          <a:prstGeom prst="bentConnector2">
-            <a:avLst/>
-          </a:prstGeom>
-          <a:ln>
-            <a:tailEnd type="arrow"/>
-          </a:ln>
-        </p:spPr>
-        <p:style>
-          <a:lnRef idx="2">
-            <a:schemeClr val="accent5">
-              <a:shade val="50000"/>
-            </a:schemeClr>
-          </a:lnRef>
-          <a:fillRef idx="1">
-            <a:schemeClr val="accent5"/>
-          </a:fillRef>
-          <a:effectRef idx="0">
-            <a:schemeClr val="accent5"/>
-          </a:effectRef>
-          <a:fontRef idx="minor">
-            <a:schemeClr val="lt1"/>
-          </a:fontRef>
-        </p:style>
-      </p:cxnSp>
-      <p:sp>
-        <p:nvSpPr>
-          <p:cNvPr id="288" name="TextBox 287"/>
-          <p:cNvSpPr txBox="1"/>
-          <p:nvPr/>
-        </p:nvSpPr>
-        <p:spPr>
-          <a:xfrm>
-            <a:off x="4495805" y="2869922"/>
-            <a:ext cx="228600" cy="369332"/>
-          </a:xfrm>
-          <a:prstGeom prst="rect">
-            <a:avLst/>
-          </a:prstGeom>
-          <a:noFill/>
-        </p:spPr>
-        <p:txBody>
-          <a:bodyPr wrap="square" rtlCol="0">
-            <a:spAutoFit/>
-          </a:bodyPr>
-          <a:lstStyle/>
-          <a:p>
-            <a:r>
-              <a:rPr lang="en-US" dirty="0" smtClean="0">
-                <a:solidFill>
-                  <a:schemeClr val="accent5">
-                    <a:lumMod val="75000"/>
-                  </a:schemeClr>
-                </a:solidFill>
-              </a:rPr>
-              <a:t>*</a:t>
-            </a:r>
-            <a:endParaRPr lang="en-US" dirty="0">
-              <a:solidFill>
-                <a:schemeClr val="accent5">
-                  <a:lumMod val="75000"/>
-                </a:schemeClr>
-              </a:solidFill>
-            </a:endParaRPr>
-          </a:p>
-        </p:txBody>
-      </p:sp>
-      <p:sp>
-        <p:nvSpPr>
-          <p:cNvPr id="289" name="Rectangle 288"/>
-          <p:cNvSpPr/>
-          <p:nvPr/>
-        </p:nvSpPr>
-        <p:spPr>
-          <a:xfrm>
-            <a:off x="5943600" y="503237"/>
-            <a:ext cx="1550726" cy="361770"/>
-          </a:xfrm>
-          <a:prstGeom prst="rect">
-            <a:avLst/>
-          </a:prstGeom>
-        </p:spPr>
-        <p:style>
-          <a:lnRef idx="2">
-            <a:schemeClr val="accent6">
-              <a:shade val="50000"/>
-            </a:schemeClr>
-          </a:lnRef>
-          <a:fillRef idx="1">
-            <a:schemeClr val="accent6"/>
-          </a:fillRef>
-          <a:effectRef idx="0">
-            <a:schemeClr val="accent6"/>
-          </a:effectRef>
-          <a:fontRef idx="minor">
-            <a:schemeClr val="lt1"/>
-          </a:fontRef>
-        </p:style>
-        <p:txBody>
-          <a:bodyPr rtlCol="0" anchor="ctr"/>
-          <a:lstStyle/>
-          <a:p>
-            <a:pPr algn="ctr"/>
-            <a:r>
-              <a:rPr lang="en-US" sz="1600" b="1" dirty="0" err="1" smtClean="0"/>
-              <a:t>InstructorData</a:t>
-            </a:r>
-            <a:endParaRPr lang="en-SG" sz="1600" b="1" dirty="0"/>
-          </a:p>
-        </p:txBody>
-      </p:sp>
-      <p:sp>
-        <p:nvSpPr>
-          <p:cNvPr id="290" name="Rectangle 289"/>
-          <p:cNvSpPr/>
-          <p:nvPr/>
-        </p:nvSpPr>
-        <p:spPr>
-          <a:xfrm>
-            <a:off x="6396484" y="1117970"/>
-            <a:ext cx="1550726" cy="361770"/>
-          </a:xfrm>
-          <a:prstGeom prst="rect">
-            <a:avLst/>
-          </a:prstGeom>
-        </p:spPr>
-        <p:style>
-          <a:lnRef idx="2">
-            <a:schemeClr val="accent6">
-              <a:shade val="50000"/>
-            </a:schemeClr>
-          </a:lnRef>
-          <a:fillRef idx="1">
-            <a:schemeClr val="accent6"/>
-          </a:fillRef>
-          <a:effectRef idx="0">
-            <a:schemeClr val="accent6"/>
-          </a:effectRef>
-          <a:fontRef idx="minor">
-            <a:schemeClr val="lt1"/>
-          </a:fontRef>
-        </p:style>
-        <p:txBody>
-          <a:bodyPr rtlCol="0" anchor="ctr"/>
-          <a:lstStyle/>
-          <a:p>
-            <a:pPr algn="ctr"/>
-            <a:r>
-              <a:rPr lang="en-US" sz="1600" b="1" dirty="0" err="1" smtClean="0"/>
-              <a:t>CourseData</a:t>
-            </a:r>
-            <a:endParaRPr lang="en-SG" sz="1600" b="1" dirty="0"/>
-          </a:p>
-        </p:txBody>
-      </p:sp>
-      <p:sp>
-        <p:nvSpPr>
-          <p:cNvPr id="291" name="Flowchart: Decision 290"/>
-          <p:cNvSpPr/>
-          <p:nvPr/>
-        </p:nvSpPr>
-        <p:spPr>
-          <a:xfrm rot="5400000">
-            <a:off x="6096000" y="884238"/>
-            <a:ext cx="152400" cy="152400"/>
-          </a:xfrm>
-          <a:prstGeom prst="flowChartDecision">
-            <a:avLst/>
-          </a:prstGeom>
-          <a:solidFill>
-            <a:schemeClr val="bg1"/>
-          </a:solidFill>
-        </p:spPr>
-        <p:style>
-          <a:lnRef idx="2">
-            <a:schemeClr val="accent5">
-              <a:shade val="50000"/>
-            </a:schemeClr>
-          </a:lnRef>
-          <a:fillRef idx="1">
-            <a:schemeClr val="accent5"/>
-          </a:fillRef>
-          <a:effectRef idx="0">
-            <a:schemeClr val="accent5"/>
-          </a:effectRef>
-          <a:fontRef idx="minor">
-            <a:schemeClr val="lt1"/>
-          </a:fontRef>
-        </p:style>
-        <p:txBody>
-          <a:bodyPr rtlCol="0" anchor="ctr"/>
-          <a:lstStyle/>
-          <a:p>
-            <a:pPr algn="ctr"/>
-            <a:endParaRPr lang="en-US"/>
-          </a:p>
-        </p:txBody>
-      </p:sp>
-      <p:cxnSp>
-        <p:nvCxnSpPr>
-          <p:cNvPr id="292" name="Elbow Connector 190"/>
-          <p:cNvCxnSpPr>
-            <a:stCxn id="291" idx="3"/>
-            <a:endCxn id="290" idx="1"/>
-          </p:cNvCxnSpPr>
-          <p:nvPr/>
-        </p:nvCxnSpPr>
-        <p:spPr>
-          <a:xfrm rot="16200000" flipH="1">
-            <a:off x="6153234" y="1055604"/>
-            <a:ext cx="262217" cy="224284"/>
-          </a:xfrm>
-          <a:prstGeom prst="bentConnector2">
-            <a:avLst/>
-          </a:prstGeom>
-          <a:ln>
-            <a:tailEnd type="arrow"/>
-          </a:ln>
-        </p:spPr>
-        <p:style>
-          <a:lnRef idx="2">
-            <a:schemeClr val="accent5">
-              <a:shade val="50000"/>
-            </a:schemeClr>
-          </a:lnRef>
-          <a:fillRef idx="1">
-            <a:schemeClr val="accent5"/>
-          </a:fillRef>
-          <a:effectRef idx="0">
-            <a:schemeClr val="accent5"/>
-          </a:effectRef>
-          <a:fontRef idx="minor">
-            <a:schemeClr val="lt1"/>
-          </a:fontRef>
-        </p:style>
-      </p:cxnSp>
-      <p:sp>
-        <p:nvSpPr>
-          <p:cNvPr id="293" name="TextBox 292"/>
-          <p:cNvSpPr txBox="1"/>
-          <p:nvPr/>
-        </p:nvSpPr>
-        <p:spPr>
-          <a:xfrm>
-            <a:off x="6172200" y="1036637"/>
-            <a:ext cx="228600" cy="369332"/>
-          </a:xfrm>
-          <a:prstGeom prst="rect">
-            <a:avLst/>
-          </a:prstGeom>
-          <a:noFill/>
-        </p:spPr>
-        <p:txBody>
-          <a:bodyPr wrap="square" rtlCol="0">
-            <a:spAutoFit/>
-          </a:bodyPr>
-          <a:lstStyle/>
-          <a:p>
-            <a:r>
-              <a:rPr lang="en-US" dirty="0" smtClean="0">
-                <a:solidFill>
-                  <a:schemeClr val="accent5">
-                    <a:lumMod val="75000"/>
-                  </a:schemeClr>
-                </a:solidFill>
-              </a:rPr>
-              <a:t>*</a:t>
-            </a:r>
-            <a:endParaRPr lang="en-US" dirty="0">
-              <a:solidFill>
-                <a:schemeClr val="accent5">
-                  <a:lumMod val="75000"/>
-                </a:schemeClr>
-              </a:solidFill>
-            </a:endParaRPr>
-          </a:p>
-        </p:txBody>
-      </p:sp>
-      <p:sp>
-        <p:nvSpPr>
-          <p:cNvPr id="294" name="Rectangle 293"/>
-          <p:cNvSpPr/>
-          <p:nvPr/>
-        </p:nvSpPr>
-        <p:spPr>
-          <a:xfrm>
-            <a:off x="6781800" y="1798637"/>
-            <a:ext cx="1550726" cy="361770"/>
-          </a:xfrm>
-          <a:prstGeom prst="rect">
-            <a:avLst/>
-          </a:prstGeom>
-        </p:spPr>
-        <p:style>
-          <a:lnRef idx="2">
-            <a:schemeClr val="accent6">
-              <a:shade val="50000"/>
-            </a:schemeClr>
-          </a:lnRef>
-          <a:fillRef idx="1">
-            <a:schemeClr val="accent6"/>
-          </a:fillRef>
-          <a:effectRef idx="0">
-            <a:schemeClr val="accent6"/>
-          </a:effectRef>
-          <a:fontRef idx="minor">
-            <a:schemeClr val="lt1"/>
-          </a:fontRef>
-        </p:style>
-        <p:txBody>
-          <a:bodyPr rtlCol="0" anchor="ctr"/>
-          <a:lstStyle/>
-          <a:p>
-            <a:pPr algn="ctr"/>
-            <a:r>
-              <a:rPr lang="en-US" sz="1600" b="1" dirty="0" err="1" smtClean="0"/>
-              <a:t>EvaluationData</a:t>
-            </a:r>
-            <a:endParaRPr lang="en-SG" sz="1600" b="1" dirty="0"/>
-          </a:p>
-        </p:txBody>
-      </p:sp>
-      <p:sp>
-        <p:nvSpPr>
-          <p:cNvPr id="295" name="TextBox 294"/>
-          <p:cNvSpPr txBox="1"/>
-          <p:nvPr/>
-        </p:nvSpPr>
-        <p:spPr>
-          <a:xfrm>
-            <a:off x="6557516" y="1721923"/>
-            <a:ext cx="228600" cy="369332"/>
-          </a:xfrm>
-          <a:prstGeom prst="rect">
-            <a:avLst/>
-          </a:prstGeom>
-          <a:noFill/>
-        </p:spPr>
-        <p:txBody>
-          <a:bodyPr wrap="square" rtlCol="0">
-            <a:spAutoFit/>
-          </a:bodyPr>
-          <a:lstStyle/>
-          <a:p>
-            <a:r>
-              <a:rPr lang="en-US" dirty="0" smtClean="0">
-                <a:solidFill>
-                  <a:schemeClr val="accent5">
-                    <a:lumMod val="75000"/>
-                  </a:schemeClr>
-                </a:solidFill>
-              </a:rPr>
-              <a:t>*</a:t>
-            </a:r>
-            <a:endParaRPr lang="en-US" dirty="0">
-              <a:solidFill>
-                <a:schemeClr val="accent5">
-                  <a:lumMod val="75000"/>
-                </a:schemeClr>
-              </a:solidFill>
-            </a:endParaRPr>
-          </a:p>
-        </p:txBody>
-      </p:sp>
-      <p:sp>
-        <p:nvSpPr>
-          <p:cNvPr id="296" name="Flowchart: Decision 295"/>
-          <p:cNvSpPr/>
-          <p:nvPr/>
-        </p:nvSpPr>
-        <p:spPr>
-          <a:xfrm rot="5400000">
-            <a:off x="6477000" y="1493837"/>
-            <a:ext cx="152400" cy="152400"/>
-          </a:xfrm>
-          <a:prstGeom prst="flowChartDecision">
-            <a:avLst/>
-          </a:prstGeom>
-          <a:solidFill>
-            <a:schemeClr val="bg1"/>
-          </a:solidFill>
-        </p:spPr>
-        <p:style>
-          <a:lnRef idx="2">
-            <a:schemeClr val="accent5">
-              <a:shade val="50000"/>
-            </a:schemeClr>
-          </a:lnRef>
-          <a:fillRef idx="1">
-            <a:schemeClr val="accent5"/>
-          </a:fillRef>
-          <a:effectRef idx="0">
-            <a:schemeClr val="accent5"/>
-          </a:effectRef>
-          <a:fontRef idx="minor">
-            <a:schemeClr val="lt1"/>
-          </a:fontRef>
-        </p:style>
-        <p:txBody>
-          <a:bodyPr rtlCol="0" anchor="ctr"/>
-          <a:lstStyle/>
-          <a:p>
-            <a:pPr algn="ctr"/>
-            <a:endParaRPr lang="en-US"/>
-          </a:p>
-        </p:txBody>
-      </p:sp>
-      <p:cxnSp>
-        <p:nvCxnSpPr>
-          <p:cNvPr id="297" name="Elbow Connector 196"/>
-          <p:cNvCxnSpPr>
-            <a:stCxn id="296" idx="3"/>
-            <a:endCxn id="294" idx="1"/>
-          </p:cNvCxnSpPr>
-          <p:nvPr/>
-        </p:nvCxnSpPr>
-        <p:spPr>
-          <a:xfrm rot="16200000" flipH="1">
-            <a:off x="6500858" y="1698579"/>
-            <a:ext cx="333285" cy="228600"/>
-          </a:xfrm>
-          <a:prstGeom prst="bentConnector2">
-            <a:avLst/>
-          </a:prstGeom>
-          <a:ln>
-            <a:tailEnd type="arrow"/>
-          </a:ln>
-        </p:spPr>
-        <p:style>
-          <a:lnRef idx="2">
-            <a:schemeClr val="accent5">
-              <a:shade val="50000"/>
-            </a:schemeClr>
-          </a:lnRef>
-          <a:fillRef idx="1">
-            <a:schemeClr val="accent5"/>
-          </a:fillRef>
-          <a:effectRef idx="0">
-            <a:schemeClr val="accent5"/>
-          </a:effectRef>
-          <a:fontRef idx="minor">
-            <a:schemeClr val="lt1"/>
-          </a:fontRef>
-        </p:style>
-      </p:cxnSp>
-      <p:sp>
-        <p:nvSpPr>
-          <p:cNvPr id="298" name="Rectangle 297"/>
-          <p:cNvSpPr/>
-          <p:nvPr/>
-        </p:nvSpPr>
-        <p:spPr>
-          <a:xfrm>
-            <a:off x="6781806" y="2408237"/>
-            <a:ext cx="1524000" cy="361770"/>
-          </a:xfrm>
-          <a:prstGeom prst="rect">
-            <a:avLst/>
-          </a:prstGeom>
-        </p:spPr>
-        <p:style>
-          <a:lnRef idx="2">
-            <a:schemeClr val="accent5">
-              <a:shade val="50000"/>
-            </a:schemeClr>
-          </a:lnRef>
-          <a:fillRef idx="1">
-            <a:schemeClr val="accent5"/>
-          </a:fillRef>
-          <a:effectRef idx="0">
-            <a:schemeClr val="accent5"/>
-          </a:effectRef>
-          <a:fontRef idx="minor">
-            <a:schemeClr val="lt1"/>
-          </a:fontRef>
-        </p:style>
-        <p:txBody>
-          <a:bodyPr rtlCol="0" anchor="ctr"/>
-          <a:lstStyle/>
-          <a:p>
-            <a:pPr algn="ctr"/>
-            <a:r>
-              <a:rPr lang="en-US" sz="1600" b="1" dirty="0" err="1" smtClean="0"/>
-              <a:t>TeamData</a:t>
-            </a:r>
-            <a:endParaRPr lang="en-SG" sz="1600" b="1" dirty="0"/>
-          </a:p>
-        </p:txBody>
-      </p:sp>
-      <p:cxnSp>
-        <p:nvCxnSpPr>
-          <p:cNvPr id="299" name="Elbow Connector 186"/>
-          <p:cNvCxnSpPr>
-            <a:stCxn id="296" idx="3"/>
-            <a:endCxn id="298" idx="1"/>
-          </p:cNvCxnSpPr>
-          <p:nvPr/>
-        </p:nvCxnSpPr>
-        <p:spPr>
-          <a:xfrm rot="16200000" flipH="1">
-            <a:off x="6196061" y="2003376"/>
-            <a:ext cx="942885" cy="228606"/>
-          </a:xfrm>
-          <a:prstGeom prst="bentConnector2">
-            <a:avLst/>
-          </a:prstGeom>
-          <a:ln>
-            <a:tailEnd type="arrow"/>
-          </a:ln>
-        </p:spPr>
-        <p:style>
-          <a:lnRef idx="2">
-            <a:schemeClr val="accent5">
-              <a:shade val="50000"/>
-            </a:schemeClr>
-          </a:lnRef>
-          <a:fillRef idx="1">
-            <a:schemeClr val="accent5"/>
-          </a:fillRef>
-          <a:effectRef idx="0">
-            <a:schemeClr val="accent5"/>
-          </a:effectRef>
-          <a:fontRef idx="minor">
-            <a:schemeClr val="lt1"/>
-          </a:fontRef>
-        </p:style>
-      </p:cxnSp>
-      <p:sp>
-        <p:nvSpPr>
-          <p:cNvPr id="300" name="TextBox 299"/>
-          <p:cNvSpPr txBox="1"/>
-          <p:nvPr/>
-        </p:nvSpPr>
-        <p:spPr>
-          <a:xfrm>
-            <a:off x="6553206" y="2316810"/>
-            <a:ext cx="228600" cy="369332"/>
-          </a:xfrm>
-          <a:prstGeom prst="rect">
-            <a:avLst/>
-          </a:prstGeom>
-          <a:noFill/>
-        </p:spPr>
-        <p:txBody>
-          <a:bodyPr wrap="square" rtlCol="0">
-            <a:spAutoFit/>
-          </a:bodyPr>
-          <a:lstStyle/>
-          <a:p>
-            <a:r>
-              <a:rPr lang="en-US" dirty="0" smtClean="0">
-                <a:solidFill>
-                  <a:schemeClr val="accent5">
-                    <a:lumMod val="75000"/>
-                  </a:schemeClr>
-                </a:solidFill>
-              </a:rPr>
-              <a:t>*</a:t>
-            </a:r>
-            <a:endParaRPr lang="en-US" dirty="0">
-              <a:solidFill>
-                <a:schemeClr val="accent5">
-                  <a:lumMod val="75000"/>
-                </a:schemeClr>
-              </a:solidFill>
-            </a:endParaRPr>
-          </a:p>
-        </p:txBody>
-      </p:sp>
-      <p:sp>
-        <p:nvSpPr>
-          <p:cNvPr id="301" name="Rectangle 300"/>
-          <p:cNvSpPr/>
-          <p:nvPr/>
-        </p:nvSpPr>
-        <p:spPr>
-          <a:xfrm>
-            <a:off x="7162806" y="3046032"/>
-            <a:ext cx="1550726" cy="361770"/>
-          </a:xfrm>
-          <a:prstGeom prst="rect">
-            <a:avLst/>
-          </a:prstGeom>
-        </p:spPr>
-        <p:style>
-          <a:lnRef idx="2">
-            <a:schemeClr val="accent6">
-              <a:shade val="50000"/>
-            </a:schemeClr>
-          </a:lnRef>
-          <a:fillRef idx="1">
-            <a:schemeClr val="accent6"/>
-          </a:fillRef>
-          <a:effectRef idx="0">
-            <a:schemeClr val="accent6"/>
-          </a:effectRef>
-          <a:fontRef idx="minor">
-            <a:schemeClr val="lt1"/>
-          </a:fontRef>
-        </p:style>
-        <p:txBody>
-          <a:bodyPr rtlCol="0" anchor="ctr"/>
-          <a:lstStyle/>
-          <a:p>
-            <a:pPr algn="ctr"/>
-            <a:r>
-              <a:rPr lang="en-US" sz="1600" b="1" dirty="0" err="1" smtClean="0"/>
-              <a:t>StudentData</a:t>
-            </a:r>
-            <a:endParaRPr lang="en-SG" sz="1600" b="1" dirty="0"/>
-          </a:p>
-        </p:txBody>
-      </p:sp>
-      <p:sp>
-        <p:nvSpPr>
-          <p:cNvPr id="302" name="Flowchart: Decision 301"/>
-          <p:cNvSpPr/>
-          <p:nvPr/>
-        </p:nvSpPr>
-        <p:spPr>
-          <a:xfrm rot="5400000">
-            <a:off x="6858000" y="2789237"/>
-            <a:ext cx="152400" cy="152400"/>
-          </a:xfrm>
-          <a:prstGeom prst="flowChartDecision">
-            <a:avLst/>
-          </a:prstGeom>
-          <a:solidFill>
-            <a:schemeClr val="bg1"/>
-          </a:solidFill>
-        </p:spPr>
-        <p:style>
-          <a:lnRef idx="2">
-            <a:schemeClr val="accent5">
-              <a:shade val="50000"/>
-            </a:schemeClr>
-          </a:lnRef>
-          <a:fillRef idx="1">
-            <a:schemeClr val="accent5"/>
-          </a:fillRef>
-          <a:effectRef idx="0">
-            <a:schemeClr val="accent5"/>
-          </a:effectRef>
-          <a:fontRef idx="minor">
-            <a:schemeClr val="lt1"/>
-          </a:fontRef>
-        </p:style>
-        <p:txBody>
-          <a:bodyPr rtlCol="0" anchor="ctr"/>
-          <a:lstStyle/>
-          <a:p>
-            <a:pPr algn="ctr"/>
-            <a:endParaRPr lang="en-US"/>
-          </a:p>
-        </p:txBody>
-      </p:sp>
-      <p:cxnSp>
-        <p:nvCxnSpPr>
-          <p:cNvPr id="303" name="Elbow Connector 186"/>
-          <p:cNvCxnSpPr>
-            <a:stCxn id="302" idx="3"/>
-            <a:endCxn id="301" idx="1"/>
-          </p:cNvCxnSpPr>
-          <p:nvPr/>
-        </p:nvCxnSpPr>
-        <p:spPr>
-          <a:xfrm rot="16200000" flipH="1">
-            <a:off x="6905863" y="2969974"/>
-            <a:ext cx="285280" cy="228606"/>
-          </a:xfrm>
-          <a:prstGeom prst="bentConnector2">
-            <a:avLst/>
-          </a:prstGeom>
-          <a:ln>
-            <a:tailEnd type="arrow"/>
-          </a:ln>
-        </p:spPr>
-        <p:style>
-          <a:lnRef idx="2">
-            <a:schemeClr val="accent5">
-              <a:shade val="50000"/>
-            </a:schemeClr>
-          </a:lnRef>
-          <a:fillRef idx="1">
-            <a:schemeClr val="accent5"/>
-          </a:fillRef>
-          <a:effectRef idx="0">
-            <a:schemeClr val="accent5"/>
-          </a:effectRef>
-          <a:fontRef idx="minor">
-            <a:schemeClr val="lt1"/>
-          </a:fontRef>
-        </p:style>
-      </p:cxnSp>
-      <p:sp>
-        <p:nvSpPr>
-          <p:cNvPr id="304" name="TextBox 303"/>
-          <p:cNvSpPr txBox="1"/>
-          <p:nvPr/>
-        </p:nvSpPr>
-        <p:spPr>
-          <a:xfrm>
-            <a:off x="6934205" y="2941637"/>
-            <a:ext cx="228600" cy="369332"/>
-          </a:xfrm>
-          <a:prstGeom prst="rect">
-            <a:avLst/>
-          </a:prstGeom>
-          <a:noFill/>
-        </p:spPr>
-        <p:txBody>
-          <a:bodyPr wrap="square" rtlCol="0">
-            <a:spAutoFit/>
-          </a:bodyPr>
-          <a:lstStyle/>
-          <a:p>
-            <a:r>
-              <a:rPr lang="en-US" dirty="0" smtClean="0">
-                <a:solidFill>
-                  <a:schemeClr val="accent5">
-                    <a:lumMod val="75000"/>
-                  </a:schemeClr>
-                </a:solidFill>
-              </a:rPr>
-              <a:t>*</a:t>
-            </a:r>
-            <a:endParaRPr lang="en-US" dirty="0">
-              <a:solidFill>
-                <a:schemeClr val="accent5">
-                  <a:lumMod val="75000"/>
-                </a:schemeClr>
-              </a:solidFill>
-            </a:endParaRPr>
-          </a:p>
-        </p:txBody>
-      </p:sp>
-      <p:sp>
-        <p:nvSpPr>
-          <p:cNvPr id="305" name="TextBox 304"/>
-          <p:cNvSpPr txBox="1"/>
-          <p:nvPr/>
-        </p:nvSpPr>
-        <p:spPr>
-          <a:xfrm>
-            <a:off x="914400" y="46037"/>
-            <a:ext cx="533400" cy="369332"/>
-          </a:xfrm>
-          <a:prstGeom prst="rect">
-            <a:avLst/>
-          </a:prstGeom>
-          <a:noFill/>
-        </p:spPr>
-        <p:txBody>
-          <a:bodyPr wrap="square" rtlCol="0">
-            <a:spAutoFit/>
-          </a:bodyPr>
-          <a:lstStyle/>
-          <a:p>
-            <a:r>
-              <a:rPr lang="en-US" dirty="0" smtClean="0"/>
-              <a:t>(a)</a:t>
-            </a:r>
-            <a:endParaRPr lang="en-US" dirty="0"/>
-          </a:p>
-        </p:txBody>
-      </p:sp>
-      <p:sp>
-        <p:nvSpPr>
-          <p:cNvPr id="306" name="TextBox 305"/>
-          <p:cNvSpPr txBox="1"/>
-          <p:nvPr/>
-        </p:nvSpPr>
-        <p:spPr>
-          <a:xfrm>
-            <a:off x="3429000" y="57705"/>
-            <a:ext cx="533400" cy="369332"/>
-          </a:xfrm>
-          <a:prstGeom prst="rect">
-            <a:avLst/>
-          </a:prstGeom>
-          <a:noFill/>
-        </p:spPr>
-        <p:txBody>
-          <a:bodyPr wrap="square" rtlCol="0">
-            <a:spAutoFit/>
-          </a:bodyPr>
-          <a:lstStyle/>
-          <a:p>
-            <a:r>
-              <a:rPr lang="en-US" dirty="0" smtClean="0"/>
-              <a:t>(b)</a:t>
-            </a:r>
-            <a:endParaRPr lang="en-US" dirty="0"/>
-          </a:p>
-        </p:txBody>
-      </p:sp>
-      <p:sp>
-        <p:nvSpPr>
-          <p:cNvPr id="307" name="TextBox 306"/>
-          <p:cNvSpPr txBox="1"/>
-          <p:nvPr/>
-        </p:nvSpPr>
-        <p:spPr>
-          <a:xfrm>
-            <a:off x="6324600" y="46037"/>
-            <a:ext cx="533400" cy="369332"/>
-          </a:xfrm>
-          <a:prstGeom prst="rect">
-            <a:avLst/>
-          </a:prstGeom>
-          <a:noFill/>
-        </p:spPr>
-        <p:txBody>
-          <a:bodyPr wrap="square" rtlCol="0">
-            <a:spAutoFit/>
-          </a:bodyPr>
-          <a:lstStyle/>
-          <a:p>
-            <a:r>
-              <a:rPr lang="en-US" dirty="0" smtClean="0"/>
-              <a:t>(c)</a:t>
-            </a:r>
-            <a:endParaRPr lang="en-US" dirty="0"/>
           </a:p>
         </p:txBody>
       </p:sp>

--- a/doc/diagrams/dataTransferClasses.pptx
+++ b/doc/diagrams/dataTransferClasses.pptx
@@ -289,7 +289,7 @@
             <a:fld id="{1D8BD707-D9CF-40AE-B4C6-C98DA3205C09}" type="datetimeFigureOut">
               <a:rPr lang="en-US" smtClean="0"/>
               <a:pPr/>
-              <a:t>1/15/2013</a:t>
+              <a:t>12/1/2012</a:t>
             </a:fld>
             <a:endParaRPr lang="en-US"/>
           </a:p>
@@ -456,7 +456,7 @@
             <a:fld id="{1D8BD707-D9CF-40AE-B4C6-C98DA3205C09}" type="datetimeFigureOut">
               <a:rPr lang="en-US" smtClean="0"/>
               <a:pPr/>
-              <a:t>1/15/2013</a:t>
+              <a:t>12/1/2012</a:t>
             </a:fld>
             <a:endParaRPr lang="en-US"/>
           </a:p>
@@ -633,7 +633,7 @@
             <a:fld id="{1D8BD707-D9CF-40AE-B4C6-C98DA3205C09}" type="datetimeFigureOut">
               <a:rPr lang="en-US" smtClean="0"/>
               <a:pPr/>
-              <a:t>1/15/2013</a:t>
+              <a:t>12/1/2012</a:t>
             </a:fld>
             <a:endParaRPr lang="en-US"/>
           </a:p>
@@ -800,7 +800,7 @@
             <a:fld id="{1D8BD707-D9CF-40AE-B4C6-C98DA3205C09}" type="datetimeFigureOut">
               <a:rPr lang="en-US" smtClean="0"/>
               <a:pPr/>
-              <a:t>1/15/2013</a:t>
+              <a:t>12/1/2012</a:t>
             </a:fld>
             <a:endParaRPr lang="en-US"/>
           </a:p>
@@ -1043,7 +1043,7 @@
             <a:fld id="{1D8BD707-D9CF-40AE-B4C6-C98DA3205C09}" type="datetimeFigureOut">
               <a:rPr lang="en-US" smtClean="0"/>
               <a:pPr/>
-              <a:t>1/15/2013</a:t>
+              <a:t>12/1/2012</a:t>
             </a:fld>
             <a:endParaRPr lang="en-US"/>
           </a:p>
@@ -1328,7 +1328,7 @@
             <a:fld id="{1D8BD707-D9CF-40AE-B4C6-C98DA3205C09}" type="datetimeFigureOut">
               <a:rPr lang="en-US" smtClean="0"/>
               <a:pPr/>
-              <a:t>1/15/2013</a:t>
+              <a:t>12/1/2012</a:t>
             </a:fld>
             <a:endParaRPr lang="en-US"/>
           </a:p>
@@ -1747,7 +1747,7 @@
             <a:fld id="{1D8BD707-D9CF-40AE-B4C6-C98DA3205C09}" type="datetimeFigureOut">
               <a:rPr lang="en-US" smtClean="0"/>
               <a:pPr/>
-              <a:t>1/15/2013</a:t>
+              <a:t>12/1/2012</a:t>
             </a:fld>
             <a:endParaRPr lang="en-US"/>
           </a:p>
@@ -1862,7 +1862,7 @@
             <a:fld id="{1D8BD707-D9CF-40AE-B4C6-C98DA3205C09}" type="datetimeFigureOut">
               <a:rPr lang="en-US" smtClean="0"/>
               <a:pPr/>
-              <a:t>1/15/2013</a:t>
+              <a:t>12/1/2012</a:t>
             </a:fld>
             <a:endParaRPr lang="en-US"/>
           </a:p>
@@ -1954,7 +1954,7 @@
             <a:fld id="{1D8BD707-D9CF-40AE-B4C6-C98DA3205C09}" type="datetimeFigureOut">
               <a:rPr lang="en-US" smtClean="0"/>
               <a:pPr/>
-              <a:t>1/15/2013</a:t>
+              <a:t>12/1/2012</a:t>
             </a:fld>
             <a:endParaRPr lang="en-US"/>
           </a:p>
@@ -2228,7 +2228,7 @@
             <a:fld id="{1D8BD707-D9CF-40AE-B4C6-C98DA3205C09}" type="datetimeFigureOut">
               <a:rPr lang="en-US" smtClean="0"/>
               <a:pPr/>
-              <a:t>1/15/2013</a:t>
+              <a:t>12/1/2012</a:t>
             </a:fld>
             <a:endParaRPr lang="en-US"/>
           </a:p>
@@ -2478,7 +2478,7 @@
             <a:fld id="{1D8BD707-D9CF-40AE-B4C6-C98DA3205C09}" type="datetimeFigureOut">
               <a:rPr lang="en-US" smtClean="0"/>
               <a:pPr/>
-              <a:t>1/15/2013</a:t>
+              <a:t>12/1/2012</a:t>
             </a:fld>
             <a:endParaRPr lang="en-US"/>
           </a:p>
@@ -2688,7 +2688,7 @@
             <a:fld id="{1D8BD707-D9CF-40AE-B4C6-C98DA3205C09}" type="datetimeFigureOut">
               <a:rPr lang="en-US" smtClean="0"/>
               <a:pPr/>
-              <a:t>1/15/2013</a:t>
+              <a:t>12/1/2012</a:t>
             </a:fld>
             <a:endParaRPr lang="en-US"/>
           </a:p>
@@ -3061,14 +3061,14 @@
       </p:grpSpPr>
       <p:sp>
         <p:nvSpPr>
-          <p:cNvPr id="256" name="Rectangle 255"/>
+          <p:cNvPr id="255" name="Rectangle 254"/>
           <p:cNvSpPr/>
           <p:nvPr/>
         </p:nvSpPr>
         <p:spPr>
           <a:xfrm>
-            <a:off x="990600" y="1094889"/>
-            <a:ext cx="1219199" cy="272886"/>
+            <a:off x="963874" y="1720521"/>
+            <a:ext cx="1550726" cy="361770"/>
           </a:xfrm>
           <a:prstGeom prst="rect">
             <a:avLst/>
@@ -3096,10 +3096,186 @@
           <a:p>
             <a:pPr algn="ctr"/>
             <a:r>
-              <a:rPr lang="en-US" sz="1200" b="1" dirty="0" err="1" smtClean="0"/>
-              <a:t>AccountData</a:t>
-            </a:r>
-            <a:endParaRPr lang="en-SG" sz="1200" b="1" dirty="0"/>
+              <a:rPr lang="en-US" sz="1600" b="1" dirty="0" err="1" smtClean="0"/>
+              <a:t>StudentData</a:t>
+            </a:r>
+            <a:endParaRPr lang="en-SG" sz="1600" b="1" dirty="0"/>
+          </a:p>
+        </p:txBody>
+      </p:sp>
+      <p:sp>
+        <p:nvSpPr>
+          <p:cNvPr id="256" name="Rectangle 255"/>
+          <p:cNvSpPr/>
+          <p:nvPr/>
+        </p:nvSpPr>
+        <p:spPr>
+          <a:xfrm>
+            <a:off x="963874" y="1265237"/>
+            <a:ext cx="1550726" cy="361770"/>
+          </a:xfrm>
+          <a:prstGeom prst="rect">
+            <a:avLst/>
+          </a:prstGeom>
+        </p:spPr>
+        <p:style>
+          <a:lnRef idx="2">
+            <a:schemeClr val="accent6">
+              <a:shade val="50000"/>
+            </a:schemeClr>
+          </a:lnRef>
+          <a:fillRef idx="1">
+            <a:schemeClr val="accent6"/>
+          </a:fillRef>
+          <a:effectRef idx="0">
+            <a:schemeClr val="accent6"/>
+          </a:effectRef>
+          <a:fontRef idx="minor">
+            <a:schemeClr val="lt1"/>
+          </a:fontRef>
+        </p:style>
+        <p:txBody>
+          <a:bodyPr rtlCol="0" anchor="ctr"/>
+          <a:lstStyle/>
+          <a:p>
+            <a:pPr algn="ctr"/>
+            <a:r>
+              <a:rPr lang="en-US" sz="1600" b="1" dirty="0" err="1" smtClean="0"/>
+              <a:t>InstructorData</a:t>
+            </a:r>
+            <a:endParaRPr lang="en-SG" sz="1600" b="1" dirty="0"/>
+          </a:p>
+        </p:txBody>
+      </p:sp>
+      <p:sp>
+        <p:nvSpPr>
+          <p:cNvPr id="257" name="Rectangle 256"/>
+          <p:cNvSpPr/>
+          <p:nvPr/>
+        </p:nvSpPr>
+        <p:spPr>
+          <a:xfrm>
+            <a:off x="963874" y="2631089"/>
+            <a:ext cx="1550726" cy="361770"/>
+          </a:xfrm>
+          <a:prstGeom prst="rect">
+            <a:avLst/>
+          </a:prstGeom>
+        </p:spPr>
+        <p:style>
+          <a:lnRef idx="2">
+            <a:schemeClr val="accent6">
+              <a:shade val="50000"/>
+            </a:schemeClr>
+          </a:lnRef>
+          <a:fillRef idx="1">
+            <a:schemeClr val="accent6"/>
+          </a:fillRef>
+          <a:effectRef idx="0">
+            <a:schemeClr val="accent6"/>
+          </a:effectRef>
+          <a:fontRef idx="minor">
+            <a:schemeClr val="lt1"/>
+          </a:fontRef>
+        </p:style>
+        <p:txBody>
+          <a:bodyPr rtlCol="0" anchor="ctr"/>
+          <a:lstStyle/>
+          <a:p>
+            <a:pPr algn="ctr"/>
+            <a:r>
+              <a:rPr lang="en-US" sz="1600" b="1" dirty="0" err="1" smtClean="0"/>
+              <a:t>EvaluationData</a:t>
+            </a:r>
+            <a:endParaRPr lang="en-SG" sz="1600" b="1" dirty="0"/>
+          </a:p>
+        </p:txBody>
+      </p:sp>
+      <p:sp>
+        <p:nvSpPr>
+          <p:cNvPr id="258" name="Rectangle 257"/>
+          <p:cNvSpPr/>
+          <p:nvPr/>
+        </p:nvSpPr>
+        <p:spPr>
+          <a:xfrm>
+            <a:off x="963874" y="3086372"/>
+            <a:ext cx="1550726" cy="361770"/>
+          </a:xfrm>
+          <a:prstGeom prst="rect">
+            <a:avLst/>
+          </a:prstGeom>
+        </p:spPr>
+        <p:style>
+          <a:lnRef idx="2">
+            <a:schemeClr val="accent6">
+              <a:shade val="50000"/>
+            </a:schemeClr>
+          </a:lnRef>
+          <a:fillRef idx="1">
+            <a:schemeClr val="accent6"/>
+          </a:fillRef>
+          <a:effectRef idx="0">
+            <a:schemeClr val="accent6"/>
+          </a:effectRef>
+          <a:fontRef idx="minor">
+            <a:schemeClr val="lt1"/>
+          </a:fontRef>
+        </p:style>
+        <p:txBody>
+          <a:bodyPr rtlCol="0" anchor="ctr"/>
+          <a:lstStyle/>
+          <a:p>
+            <a:pPr algn="ctr"/>
+            <a:r>
+              <a:rPr lang="en-US" sz="1600" b="1" dirty="0" err="1" smtClean="0"/>
+              <a:t>SubmissionData</a:t>
+            </a:r>
+            <a:endParaRPr lang="en-SG" sz="1600" b="1" dirty="0"/>
+          </a:p>
+        </p:txBody>
+      </p:sp>
+      <p:sp>
+        <p:nvSpPr>
+          <p:cNvPr id="259" name="Rectangle 258"/>
+          <p:cNvSpPr/>
+          <p:nvPr/>
+        </p:nvSpPr>
+        <p:spPr>
+          <a:xfrm>
+            <a:off x="963874" y="2175805"/>
+            <a:ext cx="1550726" cy="361770"/>
+          </a:xfrm>
+          <a:prstGeom prst="rect">
+            <a:avLst/>
+          </a:prstGeom>
+        </p:spPr>
+        <p:style>
+          <a:lnRef idx="2">
+            <a:schemeClr val="accent6">
+              <a:shade val="50000"/>
+            </a:schemeClr>
+          </a:lnRef>
+          <a:fillRef idx="1">
+            <a:schemeClr val="accent6"/>
+          </a:fillRef>
+          <a:effectRef idx="0">
+            <a:schemeClr val="accent6"/>
+          </a:effectRef>
+          <a:fontRef idx="minor">
+            <a:schemeClr val="lt1"/>
+          </a:fontRef>
+        </p:style>
+        <p:txBody>
+          <a:bodyPr rtlCol="0" anchor="ctr"/>
+          <a:lstStyle/>
+          <a:p>
+            <a:pPr algn="ctr"/>
+            <a:r>
+              <a:rPr lang="en-US" sz="1600" b="1" dirty="0" err="1" smtClean="0"/>
+              <a:t>CourseData</a:t>
+            </a:r>
+            <a:endParaRPr lang="en-SG" sz="1600" b="1" dirty="0"/>
           </a:p>
         </p:txBody>
       </p:sp>
@@ -3111,8 +3287,8 @@
         </p:nvSpPr>
         <p:spPr>
           <a:xfrm>
-            <a:off x="2729842" y="1126497"/>
-            <a:ext cx="1398412" cy="331958"/>
+            <a:off x="3505200" y="1121802"/>
+            <a:ext cx="1524000" cy="361770"/>
           </a:xfrm>
           <a:prstGeom prst="rect">
             <a:avLst/>
@@ -3140,10 +3316,10 @@
           <a:p>
             <a:pPr algn="ctr"/>
             <a:r>
-              <a:rPr lang="en-US" sz="1200" b="1" dirty="0" err="1" smtClean="0"/>
+              <a:rPr lang="en-US" sz="1600" b="1" dirty="0" err="1" smtClean="0"/>
               <a:t>TeamData</a:t>
             </a:r>
-            <a:endParaRPr lang="en-SG" sz="1200" b="1" dirty="0"/>
+            <a:endParaRPr lang="en-SG" sz="1600" b="1" dirty="0"/>
           </a:p>
         </p:txBody>
       </p:sp>
@@ -3155,8 +3331,8 @@
         </p:nvSpPr>
         <p:spPr>
           <a:xfrm>
-            <a:off x="3644242" y="2360447"/>
-            <a:ext cx="1398412" cy="331958"/>
+            <a:off x="4419600" y="2355752"/>
+            <a:ext cx="1524000" cy="361770"/>
           </a:xfrm>
           <a:prstGeom prst="rect">
             <a:avLst/>
@@ -3184,10 +3360,10 @@
           <a:p>
             <a:pPr algn="ctr"/>
             <a:r>
-              <a:rPr lang="en-US" sz="1200" b="1" dirty="0" err="1" smtClean="0"/>
+              <a:rPr lang="en-US" sz="1600" b="1" dirty="0" err="1" smtClean="0"/>
               <a:t>EvalResultData</a:t>
             </a:r>
-            <a:endParaRPr lang="en-SG" sz="1200" b="1" dirty="0"/>
+            <a:endParaRPr lang="en-SG" sz="1600" b="1" dirty="0"/>
           </a:p>
         </p:txBody>
       </p:sp>
@@ -3289,8 +3465,46 @@
         </p:nvCxnSpPr>
         <p:spPr>
           <a:xfrm rot="16200000" flipH="1">
-            <a:off x="702753" y="943484"/>
-            <a:ext cx="194695" cy="381000"/>
+            <a:off x="581995" y="1064242"/>
+            <a:ext cx="409485" cy="354274"/>
+          </a:xfrm>
+          <a:prstGeom prst="bentConnector2">
+            <a:avLst/>
+          </a:prstGeom>
+          <a:ln>
+            <a:tailEnd type="arrow"/>
+          </a:ln>
+        </p:spPr>
+        <p:style>
+          <a:lnRef idx="2">
+            <a:schemeClr val="accent5">
+              <a:shade val="50000"/>
+            </a:schemeClr>
+          </a:lnRef>
+          <a:fillRef idx="1">
+            <a:schemeClr val="accent5"/>
+          </a:fillRef>
+          <a:effectRef idx="0">
+            <a:schemeClr val="accent5"/>
+          </a:effectRef>
+          <a:fontRef idx="minor">
+            <a:schemeClr val="lt1"/>
+          </a:fontRef>
+        </p:style>
+      </p:cxnSp>
+      <p:cxnSp>
+        <p:nvCxnSpPr>
+          <p:cNvPr id="265" name="Elbow Connector 187"/>
+          <p:cNvCxnSpPr>
+            <a:stCxn id="263" idx="3"/>
+            <a:endCxn id="255" idx="1"/>
+          </p:cNvCxnSpPr>
+          <p:nvPr/>
+        </p:nvCxnSpPr>
+        <p:spPr>
+          <a:xfrm rot="16200000" flipH="1">
+            <a:off x="354353" y="1291884"/>
+            <a:ext cx="864769" cy="354274"/>
           </a:xfrm>
           <a:prstGeom prst="bentConnector2">
             <a:avLst/>
@@ -3319,1907 +3533,19 @@
       <p:cxnSp>
         <p:nvCxnSpPr>
           <p:cNvPr id="266" name="Elbow Connector 190"/>
-          <p:cNvCxnSpPr/>
-          <p:nvPr/>
-        </p:nvCxnSpPr>
-        <p:spPr>
-          <a:xfrm flipV="1">
-            <a:off x="612755" y="2126058"/>
-            <a:ext cx="351120" cy="3"/>
-          </a:xfrm>
-          <a:prstGeom prst="bentConnector3">
-            <a:avLst>
-              <a:gd name="adj1" fmla="val 50000"/>
-            </a:avLst>
-          </a:prstGeom>
-          <a:ln>
-            <a:tailEnd type="arrow"/>
-          </a:ln>
-        </p:spPr>
-        <p:style>
-          <a:lnRef idx="2">
-            <a:schemeClr val="accent5">
-              <a:shade val="50000"/>
-            </a:schemeClr>
-          </a:lnRef>
-          <a:fillRef idx="1">
-            <a:schemeClr val="accent5"/>
-          </a:fillRef>
-          <a:effectRef idx="0">
-            <a:schemeClr val="accent5"/>
-          </a:effectRef>
-          <a:fontRef idx="minor">
-            <a:schemeClr val="lt1"/>
-          </a:fontRef>
-        </p:style>
-      </p:cxnSp>
-      <p:sp>
-        <p:nvSpPr>
-          <p:cNvPr id="269" name="TextBox 268"/>
-          <p:cNvSpPr txBox="1"/>
-          <p:nvPr/>
-        </p:nvSpPr>
-        <p:spPr>
-          <a:xfrm>
-            <a:off x="789892" y="949318"/>
-            <a:ext cx="172435" cy="369332"/>
-          </a:xfrm>
-          <a:prstGeom prst="rect">
-            <a:avLst/>
-          </a:prstGeom>
-          <a:noFill/>
-        </p:spPr>
-        <p:txBody>
-          <a:bodyPr wrap="square" rtlCol="0">
-            <a:spAutoFit/>
-          </a:bodyPr>
-          <a:lstStyle/>
-          <a:p>
-            <a:r>
-              <a:rPr lang="en-US" dirty="0" smtClean="0">
-                <a:solidFill>
-                  <a:schemeClr val="accent5">
-                    <a:lumMod val="75000"/>
-                  </a:schemeClr>
-                </a:solidFill>
-              </a:rPr>
-              <a:t>*</a:t>
-            </a:r>
-            <a:endParaRPr lang="en-US" dirty="0">
-              <a:solidFill>
-                <a:schemeClr val="accent5">
-                  <a:lumMod val="75000"/>
-                </a:schemeClr>
-              </a:solidFill>
-            </a:endParaRPr>
-          </a:p>
-        </p:txBody>
-      </p:sp>
-      <p:sp>
-        <p:nvSpPr>
-          <p:cNvPr id="274" name="Rectangle 273"/>
-          <p:cNvSpPr/>
-          <p:nvPr/>
-        </p:nvSpPr>
-        <p:spPr>
-          <a:xfrm>
-            <a:off x="2348842" y="507932"/>
-            <a:ext cx="1422935" cy="331958"/>
-          </a:xfrm>
-          <a:prstGeom prst="rect">
-            <a:avLst/>
-          </a:prstGeom>
-        </p:spPr>
-        <p:style>
-          <a:lnRef idx="2">
-            <a:schemeClr val="accent6">
-              <a:shade val="50000"/>
-            </a:schemeClr>
-          </a:lnRef>
-          <a:fillRef idx="1">
-            <a:schemeClr val="accent6"/>
-          </a:fillRef>
-          <a:effectRef idx="0">
-            <a:schemeClr val="accent6"/>
-          </a:effectRef>
-          <a:fontRef idx="minor">
-            <a:schemeClr val="lt1"/>
-          </a:fontRef>
-        </p:style>
-        <p:txBody>
-          <a:bodyPr rtlCol="0" anchor="ctr"/>
-          <a:lstStyle/>
-          <a:p>
-            <a:pPr algn="ctr"/>
-            <a:r>
-              <a:rPr lang="en-US" sz="1200" b="1" dirty="0" err="1" smtClean="0"/>
-              <a:t>EvaluationData</a:t>
-            </a:r>
-            <a:endParaRPr lang="en-SG" sz="1200" b="1" dirty="0"/>
-          </a:p>
-        </p:txBody>
-      </p:sp>
-      <p:sp>
-        <p:nvSpPr>
-          <p:cNvPr id="275" name="Flowchart: Decision 274"/>
-          <p:cNvSpPr/>
-          <p:nvPr/>
-        </p:nvSpPr>
-        <p:spPr>
-          <a:xfrm rot="5400000">
-            <a:off x="2431321" y="864316"/>
-            <a:ext cx="139842" cy="139842"/>
-          </a:xfrm>
-          <a:prstGeom prst="flowChartDecision">
-            <a:avLst/>
-          </a:prstGeom>
-          <a:solidFill>
-            <a:schemeClr val="bg1"/>
-          </a:solidFill>
-        </p:spPr>
-        <p:style>
-          <a:lnRef idx="2">
-            <a:schemeClr val="accent5">
-              <a:shade val="50000"/>
-            </a:schemeClr>
-          </a:lnRef>
-          <a:fillRef idx="1">
-            <a:schemeClr val="accent5"/>
-          </a:fillRef>
-          <a:effectRef idx="0">
-            <a:schemeClr val="accent5"/>
-          </a:effectRef>
-          <a:fontRef idx="minor">
-            <a:schemeClr val="lt1"/>
-          </a:fontRef>
-        </p:style>
-        <p:txBody>
-          <a:bodyPr rtlCol="0" anchor="ctr"/>
-          <a:lstStyle/>
-          <a:p>
-            <a:pPr algn="ctr"/>
-            <a:endParaRPr lang="en-US"/>
-          </a:p>
-        </p:txBody>
-      </p:sp>
-      <p:cxnSp>
-        <p:nvCxnSpPr>
-          <p:cNvPr id="276" name="Elbow Connector 186"/>
           <p:cNvCxnSpPr>
-            <a:stCxn id="275" idx="3"/>
-            <a:endCxn id="260" idx="1"/>
+            <a:stCxn id="263" idx="3"/>
+            <a:endCxn id="259" idx="1"/>
           </p:cNvCxnSpPr>
           <p:nvPr/>
         </p:nvCxnSpPr>
         <p:spPr>
           <a:xfrm rot="16200000" flipH="1">
-            <a:off x="2471383" y="1034017"/>
-            <a:ext cx="288318" cy="228600"/>
+            <a:off x="126711" y="1519526"/>
+            <a:ext cx="1320053" cy="354274"/>
           </a:xfrm>
           <a:prstGeom prst="bentConnector2">
             <a:avLst/>
-          </a:prstGeom>
-          <a:ln>
-            <a:tailEnd type="arrow"/>
-          </a:ln>
-        </p:spPr>
-        <p:style>
-          <a:lnRef idx="2">
-            <a:schemeClr val="accent5">
-              <a:shade val="50000"/>
-            </a:schemeClr>
-          </a:lnRef>
-          <a:fillRef idx="1">
-            <a:schemeClr val="accent5"/>
-          </a:fillRef>
-          <a:effectRef idx="0">
-            <a:schemeClr val="accent5"/>
-          </a:effectRef>
-          <a:fontRef idx="minor">
-            <a:schemeClr val="lt1"/>
-          </a:fontRef>
-        </p:style>
-      </p:cxnSp>
-      <p:sp>
-        <p:nvSpPr>
-          <p:cNvPr id="277" name="TextBox 276"/>
-          <p:cNvSpPr txBox="1"/>
-          <p:nvPr/>
-        </p:nvSpPr>
-        <p:spPr>
-          <a:xfrm>
-            <a:off x="2501242" y="1041331"/>
-            <a:ext cx="209762" cy="369332"/>
-          </a:xfrm>
-          <a:prstGeom prst="rect">
-            <a:avLst/>
-          </a:prstGeom>
-          <a:noFill/>
-        </p:spPr>
-        <p:txBody>
-          <a:bodyPr wrap="square" rtlCol="0">
-            <a:spAutoFit/>
-          </a:bodyPr>
-          <a:lstStyle/>
-          <a:p>
-            <a:r>
-              <a:rPr lang="en-US" dirty="0" smtClean="0">
-                <a:solidFill>
-                  <a:schemeClr val="accent5">
-                    <a:lumMod val="75000"/>
-                  </a:schemeClr>
-                </a:solidFill>
-              </a:rPr>
-              <a:t>*</a:t>
-            </a:r>
-            <a:endParaRPr lang="en-US" dirty="0">
-              <a:solidFill>
-                <a:schemeClr val="accent5">
-                  <a:lumMod val="75000"/>
-                </a:schemeClr>
-              </a:solidFill>
-            </a:endParaRPr>
-          </a:p>
-        </p:txBody>
-      </p:sp>
-      <p:sp>
-        <p:nvSpPr>
-          <p:cNvPr id="278" name="Rectangle 277"/>
-          <p:cNvSpPr/>
-          <p:nvPr/>
-        </p:nvSpPr>
-        <p:spPr>
-          <a:xfrm>
-            <a:off x="3110842" y="1764292"/>
-            <a:ext cx="1422935" cy="331958"/>
-          </a:xfrm>
-          <a:prstGeom prst="rect">
-            <a:avLst/>
-          </a:prstGeom>
-        </p:spPr>
-        <p:style>
-          <a:lnRef idx="2">
-            <a:schemeClr val="accent6">
-              <a:shade val="50000"/>
-            </a:schemeClr>
-          </a:lnRef>
-          <a:fillRef idx="1">
-            <a:schemeClr val="accent6"/>
-          </a:fillRef>
-          <a:effectRef idx="0">
-            <a:schemeClr val="accent6"/>
-          </a:effectRef>
-          <a:fontRef idx="minor">
-            <a:schemeClr val="lt1"/>
-          </a:fontRef>
-        </p:style>
-        <p:txBody>
-          <a:bodyPr rtlCol="0" anchor="ctr"/>
-          <a:lstStyle/>
-          <a:p>
-            <a:pPr algn="ctr"/>
-            <a:r>
-              <a:rPr lang="en-US" sz="1200" b="1" dirty="0" err="1" smtClean="0"/>
-              <a:t>StudentData</a:t>
-            </a:r>
-            <a:endParaRPr lang="en-SG" sz="1200" b="1" dirty="0"/>
-          </a:p>
-        </p:txBody>
-      </p:sp>
-      <p:sp>
-        <p:nvSpPr>
-          <p:cNvPr id="279" name="Flowchart: Decision 278"/>
-          <p:cNvSpPr/>
-          <p:nvPr/>
-        </p:nvSpPr>
-        <p:spPr>
-          <a:xfrm rot="5400000">
-            <a:off x="2806036" y="1479740"/>
-            <a:ext cx="139842" cy="139842"/>
-          </a:xfrm>
-          <a:prstGeom prst="flowChartDecision">
-            <a:avLst/>
-          </a:prstGeom>
-          <a:solidFill>
-            <a:schemeClr val="bg1"/>
-          </a:solidFill>
-        </p:spPr>
-        <p:style>
-          <a:lnRef idx="2">
-            <a:schemeClr val="accent5">
-              <a:shade val="50000"/>
-            </a:schemeClr>
-          </a:lnRef>
-          <a:fillRef idx="1">
-            <a:schemeClr val="accent5"/>
-          </a:fillRef>
-          <a:effectRef idx="0">
-            <a:schemeClr val="accent5"/>
-          </a:effectRef>
-          <a:fontRef idx="minor">
-            <a:schemeClr val="lt1"/>
-          </a:fontRef>
-        </p:style>
-        <p:txBody>
-          <a:bodyPr rtlCol="0" anchor="ctr"/>
-          <a:lstStyle/>
-          <a:p>
-            <a:pPr algn="ctr"/>
-            <a:endParaRPr lang="en-US"/>
-          </a:p>
-        </p:txBody>
-      </p:sp>
-      <p:cxnSp>
-        <p:nvCxnSpPr>
-          <p:cNvPr id="280" name="Elbow Connector 186"/>
-          <p:cNvCxnSpPr>
-            <a:stCxn id="279" idx="3"/>
-            <a:endCxn id="278" idx="1"/>
-          </p:cNvCxnSpPr>
-          <p:nvPr/>
-        </p:nvCxnSpPr>
-        <p:spPr>
-          <a:xfrm rot="16200000" flipH="1">
-            <a:off x="2838055" y="1657483"/>
-            <a:ext cx="310689" cy="234885"/>
-          </a:xfrm>
-          <a:prstGeom prst="bentConnector2">
-            <a:avLst/>
-          </a:prstGeom>
-          <a:ln>
-            <a:tailEnd type="arrow"/>
-          </a:ln>
-        </p:spPr>
-        <p:style>
-          <a:lnRef idx="2">
-            <a:schemeClr val="accent5">
-              <a:shade val="50000"/>
-            </a:schemeClr>
-          </a:lnRef>
-          <a:fillRef idx="1">
-            <a:schemeClr val="accent5"/>
-          </a:fillRef>
-          <a:effectRef idx="0">
-            <a:schemeClr val="accent5"/>
-          </a:effectRef>
-          <a:fontRef idx="minor">
-            <a:schemeClr val="lt1"/>
-          </a:fontRef>
-        </p:style>
-      </p:cxnSp>
-      <p:sp>
-        <p:nvSpPr>
-          <p:cNvPr id="281" name="TextBox 280"/>
-          <p:cNvSpPr txBox="1"/>
-          <p:nvPr/>
-        </p:nvSpPr>
-        <p:spPr>
-          <a:xfrm>
-            <a:off x="2882241" y="1659896"/>
-            <a:ext cx="209762" cy="369332"/>
-          </a:xfrm>
-          <a:prstGeom prst="rect">
-            <a:avLst/>
-          </a:prstGeom>
-          <a:noFill/>
-        </p:spPr>
-        <p:txBody>
-          <a:bodyPr wrap="square" rtlCol="0">
-            <a:spAutoFit/>
-          </a:bodyPr>
-          <a:lstStyle/>
-          <a:p>
-            <a:r>
-              <a:rPr lang="en-US" dirty="0" smtClean="0">
-                <a:solidFill>
-                  <a:schemeClr val="accent5">
-                    <a:lumMod val="75000"/>
-                  </a:schemeClr>
-                </a:solidFill>
-              </a:rPr>
-              <a:t>*</a:t>
-            </a:r>
-            <a:endParaRPr lang="en-US" dirty="0">
-              <a:solidFill>
-                <a:schemeClr val="accent5">
-                  <a:lumMod val="75000"/>
-                </a:schemeClr>
-              </a:solidFill>
-            </a:endParaRPr>
-          </a:p>
-        </p:txBody>
-      </p:sp>
-      <p:sp>
-        <p:nvSpPr>
-          <p:cNvPr id="282" name="Flowchart: Decision 281"/>
-          <p:cNvSpPr/>
-          <p:nvPr/>
-        </p:nvSpPr>
-        <p:spPr>
-          <a:xfrm rot="5400000">
-            <a:off x="3263242" y="2126061"/>
-            <a:ext cx="139842" cy="139842"/>
-          </a:xfrm>
-          <a:prstGeom prst="flowChartDecision">
-            <a:avLst/>
-          </a:prstGeom>
-          <a:solidFill>
-            <a:schemeClr val="bg1"/>
-          </a:solidFill>
-        </p:spPr>
-        <p:style>
-          <a:lnRef idx="2">
-            <a:schemeClr val="accent5">
-              <a:shade val="50000"/>
-            </a:schemeClr>
-          </a:lnRef>
-          <a:fillRef idx="1">
-            <a:schemeClr val="accent5"/>
-          </a:fillRef>
-          <a:effectRef idx="0">
-            <a:schemeClr val="accent5"/>
-          </a:effectRef>
-          <a:fontRef idx="minor">
-            <a:schemeClr val="lt1"/>
-          </a:fontRef>
-        </p:style>
-        <p:txBody>
-          <a:bodyPr rtlCol="0" anchor="ctr"/>
-          <a:lstStyle/>
-          <a:p>
-            <a:pPr algn="ctr"/>
-            <a:endParaRPr lang="en-US"/>
-          </a:p>
-        </p:txBody>
-      </p:sp>
-      <p:cxnSp>
-        <p:nvCxnSpPr>
-          <p:cNvPr id="283" name="Elbow Connector 186"/>
-          <p:cNvCxnSpPr>
-            <a:stCxn id="282" idx="3"/>
-            <a:endCxn id="261" idx="1"/>
-          </p:cNvCxnSpPr>
-          <p:nvPr/>
-        </p:nvCxnSpPr>
-        <p:spPr>
-          <a:xfrm rot="16200000" flipH="1">
-            <a:off x="3358441" y="2240624"/>
-            <a:ext cx="260523" cy="311079"/>
-          </a:xfrm>
-          <a:prstGeom prst="bentConnector2">
-            <a:avLst/>
-          </a:prstGeom>
-          <a:ln>
-            <a:tailEnd type="arrow"/>
-          </a:ln>
-        </p:spPr>
-        <p:style>
-          <a:lnRef idx="2">
-            <a:schemeClr val="accent5">
-              <a:shade val="50000"/>
-            </a:schemeClr>
-          </a:lnRef>
-          <a:fillRef idx="1">
-            <a:schemeClr val="accent5"/>
-          </a:fillRef>
-          <a:effectRef idx="0">
-            <a:schemeClr val="accent5"/>
-          </a:effectRef>
-          <a:fontRef idx="minor">
-            <a:schemeClr val="lt1"/>
-          </a:fontRef>
-        </p:style>
-      </p:cxnSp>
-      <p:sp>
-        <p:nvSpPr>
-          <p:cNvPr id="284" name="TextBox 283"/>
-          <p:cNvSpPr txBox="1"/>
-          <p:nvPr/>
-        </p:nvSpPr>
-        <p:spPr>
-          <a:xfrm>
-            <a:off x="3375307" y="2278461"/>
-            <a:ext cx="209762" cy="369332"/>
-          </a:xfrm>
-          <a:prstGeom prst="rect">
-            <a:avLst/>
-          </a:prstGeom>
-          <a:noFill/>
-        </p:spPr>
-        <p:txBody>
-          <a:bodyPr wrap="square" rtlCol="0">
-            <a:spAutoFit/>
-          </a:bodyPr>
-          <a:lstStyle/>
-          <a:p>
-            <a:r>
-              <a:rPr lang="en-US" dirty="0" smtClean="0">
-                <a:solidFill>
-                  <a:schemeClr val="accent5">
-                    <a:lumMod val="75000"/>
-                  </a:schemeClr>
-                </a:solidFill>
-              </a:rPr>
-              <a:t>*</a:t>
-            </a:r>
-            <a:endParaRPr lang="en-US" dirty="0">
-              <a:solidFill>
-                <a:schemeClr val="accent5">
-                  <a:lumMod val="75000"/>
-                </a:schemeClr>
-              </a:solidFill>
-            </a:endParaRPr>
-          </a:p>
-        </p:txBody>
-      </p:sp>
-      <p:sp>
-        <p:nvSpPr>
-          <p:cNvPr id="285" name="Rectangle 284"/>
-          <p:cNvSpPr/>
-          <p:nvPr/>
-        </p:nvSpPr>
-        <p:spPr>
-          <a:xfrm>
-            <a:off x="3949042" y="2979012"/>
-            <a:ext cx="1422935" cy="331958"/>
-          </a:xfrm>
-          <a:prstGeom prst="rect">
-            <a:avLst/>
-          </a:prstGeom>
-        </p:spPr>
-        <p:style>
-          <a:lnRef idx="2">
-            <a:schemeClr val="accent6">
-              <a:shade val="50000"/>
-            </a:schemeClr>
-          </a:lnRef>
-          <a:fillRef idx="1">
-            <a:schemeClr val="accent6"/>
-          </a:fillRef>
-          <a:effectRef idx="0">
-            <a:schemeClr val="accent6"/>
-          </a:effectRef>
-          <a:fontRef idx="minor">
-            <a:schemeClr val="lt1"/>
-          </a:fontRef>
-        </p:style>
-        <p:txBody>
-          <a:bodyPr rtlCol="0" anchor="ctr"/>
-          <a:lstStyle/>
-          <a:p>
-            <a:pPr algn="ctr"/>
-            <a:r>
-              <a:rPr lang="en-US" sz="1200" b="1" dirty="0" err="1" smtClean="0"/>
-              <a:t>SubmissionData</a:t>
-            </a:r>
-            <a:endParaRPr lang="en-SG" sz="1200" b="1" dirty="0"/>
-          </a:p>
-        </p:txBody>
-      </p:sp>
-      <p:sp>
-        <p:nvSpPr>
-          <p:cNvPr id="286" name="Flowchart: Decision 285"/>
-          <p:cNvSpPr/>
-          <p:nvPr/>
-        </p:nvSpPr>
-        <p:spPr>
-          <a:xfrm rot="5400000">
-            <a:off x="3695577" y="2712594"/>
-            <a:ext cx="152400" cy="152400"/>
-          </a:xfrm>
-          <a:prstGeom prst="flowChartDecision">
-            <a:avLst/>
-          </a:prstGeom>
-          <a:solidFill>
-            <a:schemeClr val="bg1"/>
-          </a:solidFill>
-        </p:spPr>
-        <p:style>
-          <a:lnRef idx="2">
-            <a:schemeClr val="accent5">
-              <a:shade val="50000"/>
-            </a:schemeClr>
-          </a:lnRef>
-          <a:fillRef idx="1">
-            <a:schemeClr val="accent5"/>
-          </a:fillRef>
-          <a:effectRef idx="0">
-            <a:schemeClr val="accent5"/>
-          </a:effectRef>
-          <a:fontRef idx="minor">
-            <a:schemeClr val="lt1"/>
-          </a:fontRef>
-        </p:style>
-        <p:txBody>
-          <a:bodyPr rtlCol="0" anchor="ctr"/>
-          <a:lstStyle/>
-          <a:p>
-            <a:pPr algn="ctr"/>
-            <a:endParaRPr lang="en-US"/>
-          </a:p>
-        </p:txBody>
-      </p:sp>
-      <p:cxnSp>
-        <p:nvCxnSpPr>
-          <p:cNvPr id="287" name="Elbow Connector 186"/>
-          <p:cNvCxnSpPr>
-            <a:stCxn id="286" idx="3"/>
-            <a:endCxn id="285" idx="1"/>
-          </p:cNvCxnSpPr>
-          <p:nvPr/>
-        </p:nvCxnSpPr>
-        <p:spPr>
-          <a:xfrm rot="16200000" flipH="1">
-            <a:off x="3720411" y="2916359"/>
-            <a:ext cx="279997" cy="177265"/>
-          </a:xfrm>
-          <a:prstGeom prst="bentConnector2">
-            <a:avLst/>
-          </a:prstGeom>
-          <a:ln>
-            <a:tailEnd type="arrow"/>
-          </a:ln>
-        </p:spPr>
-        <p:style>
-          <a:lnRef idx="2">
-            <a:schemeClr val="accent5">
-              <a:shade val="50000"/>
-            </a:schemeClr>
-          </a:lnRef>
-          <a:fillRef idx="1">
-            <a:schemeClr val="accent5"/>
-          </a:fillRef>
-          <a:effectRef idx="0">
-            <a:schemeClr val="accent5"/>
-          </a:effectRef>
-          <a:fontRef idx="minor">
-            <a:schemeClr val="lt1"/>
-          </a:fontRef>
-        </p:style>
-      </p:cxnSp>
-      <p:sp>
-        <p:nvSpPr>
-          <p:cNvPr id="288" name="TextBox 287"/>
-          <p:cNvSpPr txBox="1"/>
-          <p:nvPr/>
-        </p:nvSpPr>
-        <p:spPr>
-          <a:xfrm>
-            <a:off x="3746110" y="2899610"/>
-            <a:ext cx="228600" cy="369332"/>
-          </a:xfrm>
-          <a:prstGeom prst="rect">
-            <a:avLst/>
-          </a:prstGeom>
-          <a:noFill/>
-        </p:spPr>
-        <p:txBody>
-          <a:bodyPr wrap="square" rtlCol="0">
-            <a:spAutoFit/>
-          </a:bodyPr>
-          <a:lstStyle/>
-          <a:p>
-            <a:r>
-              <a:rPr lang="en-US" dirty="0" smtClean="0">
-                <a:solidFill>
-                  <a:schemeClr val="accent5">
-                    <a:lumMod val="75000"/>
-                  </a:schemeClr>
-                </a:solidFill>
-              </a:rPr>
-              <a:t>*</a:t>
-            </a:r>
-            <a:endParaRPr lang="en-US" dirty="0">
-              <a:solidFill>
-                <a:schemeClr val="accent5">
-                  <a:lumMod val="75000"/>
-                </a:schemeClr>
-              </a:solidFill>
-            </a:endParaRPr>
-          </a:p>
-        </p:txBody>
-      </p:sp>
-      <p:sp>
-        <p:nvSpPr>
-          <p:cNvPr id="289" name="Rectangle 288"/>
-          <p:cNvSpPr/>
-          <p:nvPr/>
-        </p:nvSpPr>
-        <p:spPr>
-          <a:xfrm>
-            <a:off x="5078674" y="407828"/>
-            <a:ext cx="1550726" cy="361770"/>
-          </a:xfrm>
-          <a:prstGeom prst="rect">
-            <a:avLst/>
-          </a:prstGeom>
-        </p:spPr>
-        <p:style>
-          <a:lnRef idx="2">
-            <a:schemeClr val="accent6">
-              <a:shade val="50000"/>
-            </a:schemeClr>
-          </a:lnRef>
-          <a:fillRef idx="1">
-            <a:schemeClr val="accent6"/>
-          </a:fillRef>
-          <a:effectRef idx="0">
-            <a:schemeClr val="accent6"/>
-          </a:effectRef>
-          <a:fontRef idx="minor">
-            <a:schemeClr val="lt1"/>
-          </a:fontRef>
-        </p:style>
-        <p:txBody>
-          <a:bodyPr rtlCol="0" anchor="ctr"/>
-          <a:lstStyle/>
-          <a:p>
-            <a:pPr algn="ctr"/>
-            <a:r>
-              <a:rPr lang="en-US" sz="1600" b="1" dirty="0" err="1" smtClean="0"/>
-              <a:t>InstructorData</a:t>
-            </a:r>
-            <a:endParaRPr lang="en-SG" sz="1600" b="1" dirty="0"/>
-          </a:p>
-        </p:txBody>
-      </p:sp>
-      <p:sp>
-        <p:nvSpPr>
-          <p:cNvPr id="290" name="Rectangle 289"/>
-          <p:cNvSpPr/>
-          <p:nvPr/>
-        </p:nvSpPr>
-        <p:spPr>
-          <a:xfrm>
-            <a:off x="6396484" y="1117970"/>
-            <a:ext cx="1550726" cy="361770"/>
-          </a:xfrm>
-          <a:prstGeom prst="rect">
-            <a:avLst/>
-          </a:prstGeom>
-        </p:spPr>
-        <p:style>
-          <a:lnRef idx="2">
-            <a:schemeClr val="accent6">
-              <a:shade val="50000"/>
-            </a:schemeClr>
-          </a:lnRef>
-          <a:fillRef idx="1">
-            <a:schemeClr val="accent6"/>
-          </a:fillRef>
-          <a:effectRef idx="0">
-            <a:schemeClr val="accent6"/>
-          </a:effectRef>
-          <a:fontRef idx="minor">
-            <a:schemeClr val="lt1"/>
-          </a:fontRef>
-        </p:style>
-        <p:txBody>
-          <a:bodyPr rtlCol="0" anchor="ctr"/>
-          <a:lstStyle/>
-          <a:p>
-            <a:pPr algn="ctr"/>
-            <a:r>
-              <a:rPr lang="en-US" sz="1600" b="1" dirty="0" err="1" smtClean="0"/>
-              <a:t>CourseData</a:t>
-            </a:r>
-            <a:endParaRPr lang="en-SG" sz="1600" b="1" dirty="0"/>
-          </a:p>
-        </p:txBody>
-      </p:sp>
-      <p:sp>
-        <p:nvSpPr>
-          <p:cNvPr id="291" name="Flowchart: Decision 290"/>
-          <p:cNvSpPr/>
-          <p:nvPr/>
-        </p:nvSpPr>
-        <p:spPr>
-          <a:xfrm rot="5400000">
-            <a:off x="6223130" y="1206986"/>
-            <a:ext cx="152400" cy="152400"/>
-          </a:xfrm>
-          <a:prstGeom prst="flowChartDecision">
-            <a:avLst/>
-          </a:prstGeom>
-          <a:solidFill>
-            <a:schemeClr val="bg1"/>
-          </a:solidFill>
-        </p:spPr>
-        <p:style>
-          <a:lnRef idx="2">
-            <a:schemeClr val="accent5">
-              <a:shade val="50000"/>
-            </a:schemeClr>
-          </a:lnRef>
-          <a:fillRef idx="1">
-            <a:schemeClr val="accent5"/>
-          </a:fillRef>
-          <a:effectRef idx="0">
-            <a:schemeClr val="accent5"/>
-          </a:effectRef>
-          <a:fontRef idx="minor">
-            <a:schemeClr val="lt1"/>
-          </a:fontRef>
-        </p:style>
-        <p:txBody>
-          <a:bodyPr rtlCol="0" anchor="ctr"/>
-          <a:lstStyle/>
-          <a:p>
-            <a:pPr algn="ctr"/>
-            <a:endParaRPr lang="en-US"/>
-          </a:p>
-        </p:txBody>
-      </p:sp>
-      <p:cxnSp>
-        <p:nvCxnSpPr>
-          <p:cNvPr id="292" name="Elbow Connector 190"/>
-          <p:cNvCxnSpPr>
-            <a:stCxn id="291" idx="1"/>
-          </p:cNvCxnSpPr>
-          <p:nvPr/>
-        </p:nvCxnSpPr>
-        <p:spPr>
-          <a:xfrm rot="16200000" flipV="1">
-            <a:off x="6051372" y="959028"/>
-            <a:ext cx="444987" cy="50930"/>
-          </a:xfrm>
-          <a:prstGeom prst="bentConnector3">
-            <a:avLst>
-              <a:gd name="adj1" fmla="val 50000"/>
-            </a:avLst>
-          </a:prstGeom>
-          <a:ln>
-            <a:tailEnd type="arrow"/>
-          </a:ln>
-        </p:spPr>
-        <p:style>
-          <a:lnRef idx="2">
-            <a:schemeClr val="accent5">
-              <a:shade val="50000"/>
-            </a:schemeClr>
-          </a:lnRef>
-          <a:fillRef idx="1">
-            <a:schemeClr val="accent5"/>
-          </a:fillRef>
-          <a:effectRef idx="0">
-            <a:schemeClr val="accent5"/>
-          </a:effectRef>
-          <a:fontRef idx="minor">
-            <a:schemeClr val="lt1"/>
-          </a:fontRef>
-        </p:style>
-      </p:cxnSp>
-      <p:sp>
-        <p:nvSpPr>
-          <p:cNvPr id="294" name="Rectangle 293"/>
-          <p:cNvSpPr/>
-          <p:nvPr/>
-        </p:nvSpPr>
-        <p:spPr>
-          <a:xfrm>
-            <a:off x="6781800" y="1798637"/>
-            <a:ext cx="1550726" cy="361770"/>
-          </a:xfrm>
-          <a:prstGeom prst="rect">
-            <a:avLst/>
-          </a:prstGeom>
-        </p:spPr>
-        <p:style>
-          <a:lnRef idx="2">
-            <a:schemeClr val="accent6">
-              <a:shade val="50000"/>
-            </a:schemeClr>
-          </a:lnRef>
-          <a:fillRef idx="1">
-            <a:schemeClr val="accent6"/>
-          </a:fillRef>
-          <a:effectRef idx="0">
-            <a:schemeClr val="accent6"/>
-          </a:effectRef>
-          <a:fontRef idx="minor">
-            <a:schemeClr val="lt1"/>
-          </a:fontRef>
-        </p:style>
-        <p:txBody>
-          <a:bodyPr rtlCol="0" anchor="ctr"/>
-          <a:lstStyle/>
-          <a:p>
-            <a:pPr algn="ctr"/>
-            <a:r>
-              <a:rPr lang="en-US" sz="1600" b="1" dirty="0" err="1" smtClean="0"/>
-              <a:t>EvaluationData</a:t>
-            </a:r>
-            <a:endParaRPr lang="en-SG" sz="1600" b="1" dirty="0"/>
-          </a:p>
-        </p:txBody>
-      </p:sp>
-      <p:sp>
-        <p:nvSpPr>
-          <p:cNvPr id="295" name="TextBox 294"/>
-          <p:cNvSpPr txBox="1"/>
-          <p:nvPr/>
-        </p:nvSpPr>
-        <p:spPr>
-          <a:xfrm>
-            <a:off x="6557516" y="1721923"/>
-            <a:ext cx="228600" cy="369332"/>
-          </a:xfrm>
-          <a:prstGeom prst="rect">
-            <a:avLst/>
-          </a:prstGeom>
-          <a:noFill/>
-        </p:spPr>
-        <p:txBody>
-          <a:bodyPr wrap="square" rtlCol="0">
-            <a:spAutoFit/>
-          </a:bodyPr>
-          <a:lstStyle/>
-          <a:p>
-            <a:r>
-              <a:rPr lang="en-US" dirty="0" smtClean="0">
-                <a:solidFill>
-                  <a:schemeClr val="accent5">
-                    <a:lumMod val="75000"/>
-                  </a:schemeClr>
-                </a:solidFill>
-              </a:rPr>
-              <a:t>*</a:t>
-            </a:r>
-            <a:endParaRPr lang="en-US" dirty="0">
-              <a:solidFill>
-                <a:schemeClr val="accent5">
-                  <a:lumMod val="75000"/>
-                </a:schemeClr>
-              </a:solidFill>
-            </a:endParaRPr>
-          </a:p>
-        </p:txBody>
-      </p:sp>
-      <p:sp>
-        <p:nvSpPr>
-          <p:cNvPr id="296" name="Flowchart: Decision 295"/>
-          <p:cNvSpPr/>
-          <p:nvPr/>
-        </p:nvSpPr>
-        <p:spPr>
-          <a:xfrm rot="5400000">
-            <a:off x="6477000" y="1493837"/>
-            <a:ext cx="152400" cy="152400"/>
-          </a:xfrm>
-          <a:prstGeom prst="flowChartDecision">
-            <a:avLst/>
-          </a:prstGeom>
-          <a:solidFill>
-            <a:schemeClr val="bg1"/>
-          </a:solidFill>
-        </p:spPr>
-        <p:style>
-          <a:lnRef idx="2">
-            <a:schemeClr val="accent5">
-              <a:shade val="50000"/>
-            </a:schemeClr>
-          </a:lnRef>
-          <a:fillRef idx="1">
-            <a:schemeClr val="accent5"/>
-          </a:fillRef>
-          <a:effectRef idx="0">
-            <a:schemeClr val="accent5"/>
-          </a:effectRef>
-          <a:fontRef idx="minor">
-            <a:schemeClr val="lt1"/>
-          </a:fontRef>
-        </p:style>
-        <p:txBody>
-          <a:bodyPr rtlCol="0" anchor="ctr"/>
-          <a:lstStyle/>
-          <a:p>
-            <a:pPr algn="ctr"/>
-            <a:endParaRPr lang="en-US"/>
-          </a:p>
-        </p:txBody>
-      </p:sp>
-      <p:cxnSp>
-        <p:nvCxnSpPr>
-          <p:cNvPr id="297" name="Elbow Connector 196"/>
-          <p:cNvCxnSpPr>
-            <a:stCxn id="296" idx="3"/>
-            <a:endCxn id="294" idx="1"/>
-          </p:cNvCxnSpPr>
-          <p:nvPr/>
-        </p:nvCxnSpPr>
-        <p:spPr>
-          <a:xfrm rot="16200000" flipH="1">
-            <a:off x="6500858" y="1698579"/>
-            <a:ext cx="333285" cy="228600"/>
-          </a:xfrm>
-          <a:prstGeom prst="bentConnector2">
-            <a:avLst/>
-          </a:prstGeom>
-          <a:ln>
-            <a:tailEnd type="arrow"/>
-          </a:ln>
-        </p:spPr>
-        <p:style>
-          <a:lnRef idx="2">
-            <a:schemeClr val="accent5">
-              <a:shade val="50000"/>
-            </a:schemeClr>
-          </a:lnRef>
-          <a:fillRef idx="1">
-            <a:schemeClr val="accent5"/>
-          </a:fillRef>
-          <a:effectRef idx="0">
-            <a:schemeClr val="accent5"/>
-          </a:effectRef>
-          <a:fontRef idx="minor">
-            <a:schemeClr val="lt1"/>
-          </a:fontRef>
-        </p:style>
-      </p:cxnSp>
-      <p:sp>
-        <p:nvSpPr>
-          <p:cNvPr id="298" name="Rectangle 297"/>
-          <p:cNvSpPr/>
-          <p:nvPr/>
-        </p:nvSpPr>
-        <p:spPr>
-          <a:xfrm>
-            <a:off x="6781806" y="2408237"/>
-            <a:ext cx="1524000" cy="361770"/>
-          </a:xfrm>
-          <a:prstGeom prst="rect">
-            <a:avLst/>
-          </a:prstGeom>
-        </p:spPr>
-        <p:style>
-          <a:lnRef idx="2">
-            <a:schemeClr val="accent5">
-              <a:shade val="50000"/>
-            </a:schemeClr>
-          </a:lnRef>
-          <a:fillRef idx="1">
-            <a:schemeClr val="accent5"/>
-          </a:fillRef>
-          <a:effectRef idx="0">
-            <a:schemeClr val="accent5"/>
-          </a:effectRef>
-          <a:fontRef idx="minor">
-            <a:schemeClr val="lt1"/>
-          </a:fontRef>
-        </p:style>
-        <p:txBody>
-          <a:bodyPr rtlCol="0" anchor="ctr"/>
-          <a:lstStyle/>
-          <a:p>
-            <a:pPr algn="ctr"/>
-            <a:r>
-              <a:rPr lang="en-US" sz="1600" b="1" dirty="0" err="1" smtClean="0"/>
-              <a:t>TeamData</a:t>
-            </a:r>
-            <a:endParaRPr lang="en-SG" sz="1600" b="1" dirty="0"/>
-          </a:p>
-        </p:txBody>
-      </p:sp>
-      <p:cxnSp>
-        <p:nvCxnSpPr>
-          <p:cNvPr id="299" name="Elbow Connector 186"/>
-          <p:cNvCxnSpPr>
-            <a:stCxn id="296" idx="3"/>
-            <a:endCxn id="298" idx="1"/>
-          </p:cNvCxnSpPr>
-          <p:nvPr/>
-        </p:nvCxnSpPr>
-        <p:spPr>
-          <a:xfrm rot="16200000" flipH="1">
-            <a:off x="6196061" y="2003376"/>
-            <a:ext cx="942885" cy="228606"/>
-          </a:xfrm>
-          <a:prstGeom prst="bentConnector2">
-            <a:avLst/>
-          </a:prstGeom>
-          <a:ln>
-            <a:tailEnd type="arrow"/>
-          </a:ln>
-        </p:spPr>
-        <p:style>
-          <a:lnRef idx="2">
-            <a:schemeClr val="accent5">
-              <a:shade val="50000"/>
-            </a:schemeClr>
-          </a:lnRef>
-          <a:fillRef idx="1">
-            <a:schemeClr val="accent5"/>
-          </a:fillRef>
-          <a:effectRef idx="0">
-            <a:schemeClr val="accent5"/>
-          </a:effectRef>
-          <a:fontRef idx="minor">
-            <a:schemeClr val="lt1"/>
-          </a:fontRef>
-        </p:style>
-      </p:cxnSp>
-      <p:sp>
-        <p:nvSpPr>
-          <p:cNvPr id="300" name="TextBox 299"/>
-          <p:cNvSpPr txBox="1"/>
-          <p:nvPr/>
-        </p:nvSpPr>
-        <p:spPr>
-          <a:xfrm>
-            <a:off x="6553206" y="2316810"/>
-            <a:ext cx="228600" cy="369332"/>
-          </a:xfrm>
-          <a:prstGeom prst="rect">
-            <a:avLst/>
-          </a:prstGeom>
-          <a:noFill/>
-        </p:spPr>
-        <p:txBody>
-          <a:bodyPr wrap="square" rtlCol="0">
-            <a:spAutoFit/>
-          </a:bodyPr>
-          <a:lstStyle/>
-          <a:p>
-            <a:r>
-              <a:rPr lang="en-US" dirty="0" smtClean="0">
-                <a:solidFill>
-                  <a:schemeClr val="accent5">
-                    <a:lumMod val="75000"/>
-                  </a:schemeClr>
-                </a:solidFill>
-              </a:rPr>
-              <a:t>*</a:t>
-            </a:r>
-            <a:endParaRPr lang="en-US" dirty="0">
-              <a:solidFill>
-                <a:schemeClr val="accent5">
-                  <a:lumMod val="75000"/>
-                </a:schemeClr>
-              </a:solidFill>
-            </a:endParaRPr>
-          </a:p>
-        </p:txBody>
-      </p:sp>
-      <p:sp>
-        <p:nvSpPr>
-          <p:cNvPr id="301" name="Rectangle 300"/>
-          <p:cNvSpPr/>
-          <p:nvPr/>
-        </p:nvSpPr>
-        <p:spPr>
-          <a:xfrm>
-            <a:off x="7162806" y="3046032"/>
-            <a:ext cx="1550726" cy="361770"/>
-          </a:xfrm>
-          <a:prstGeom prst="rect">
-            <a:avLst/>
-          </a:prstGeom>
-        </p:spPr>
-        <p:style>
-          <a:lnRef idx="2">
-            <a:schemeClr val="accent6">
-              <a:shade val="50000"/>
-            </a:schemeClr>
-          </a:lnRef>
-          <a:fillRef idx="1">
-            <a:schemeClr val="accent6"/>
-          </a:fillRef>
-          <a:effectRef idx="0">
-            <a:schemeClr val="accent6"/>
-          </a:effectRef>
-          <a:fontRef idx="minor">
-            <a:schemeClr val="lt1"/>
-          </a:fontRef>
-        </p:style>
-        <p:txBody>
-          <a:bodyPr rtlCol="0" anchor="ctr"/>
-          <a:lstStyle/>
-          <a:p>
-            <a:pPr algn="ctr"/>
-            <a:r>
-              <a:rPr lang="en-US" sz="1600" b="1" dirty="0" err="1" smtClean="0"/>
-              <a:t>StudentData</a:t>
-            </a:r>
-            <a:endParaRPr lang="en-SG" sz="1600" b="1" dirty="0"/>
-          </a:p>
-        </p:txBody>
-      </p:sp>
-      <p:sp>
-        <p:nvSpPr>
-          <p:cNvPr id="302" name="Flowchart: Decision 301"/>
-          <p:cNvSpPr/>
-          <p:nvPr/>
-        </p:nvSpPr>
-        <p:spPr>
-          <a:xfrm rot="5400000">
-            <a:off x="6858000" y="2789237"/>
-            <a:ext cx="152400" cy="152400"/>
-          </a:xfrm>
-          <a:prstGeom prst="flowChartDecision">
-            <a:avLst/>
-          </a:prstGeom>
-          <a:solidFill>
-            <a:schemeClr val="bg1"/>
-          </a:solidFill>
-        </p:spPr>
-        <p:style>
-          <a:lnRef idx="2">
-            <a:schemeClr val="accent5">
-              <a:shade val="50000"/>
-            </a:schemeClr>
-          </a:lnRef>
-          <a:fillRef idx="1">
-            <a:schemeClr val="accent5"/>
-          </a:fillRef>
-          <a:effectRef idx="0">
-            <a:schemeClr val="accent5"/>
-          </a:effectRef>
-          <a:fontRef idx="minor">
-            <a:schemeClr val="lt1"/>
-          </a:fontRef>
-        </p:style>
-        <p:txBody>
-          <a:bodyPr rtlCol="0" anchor="ctr"/>
-          <a:lstStyle/>
-          <a:p>
-            <a:pPr algn="ctr"/>
-            <a:endParaRPr lang="en-US"/>
-          </a:p>
-        </p:txBody>
-      </p:sp>
-      <p:cxnSp>
-        <p:nvCxnSpPr>
-          <p:cNvPr id="303" name="Elbow Connector 186"/>
-          <p:cNvCxnSpPr>
-            <a:stCxn id="302" idx="3"/>
-            <a:endCxn id="301" idx="1"/>
-          </p:cNvCxnSpPr>
-          <p:nvPr/>
-        </p:nvCxnSpPr>
-        <p:spPr>
-          <a:xfrm rot="16200000" flipH="1">
-            <a:off x="6905863" y="2969974"/>
-            <a:ext cx="285280" cy="228606"/>
-          </a:xfrm>
-          <a:prstGeom prst="bentConnector2">
-            <a:avLst/>
-          </a:prstGeom>
-          <a:ln>
-            <a:tailEnd type="arrow"/>
-          </a:ln>
-        </p:spPr>
-        <p:style>
-          <a:lnRef idx="2">
-            <a:schemeClr val="accent5">
-              <a:shade val="50000"/>
-            </a:schemeClr>
-          </a:lnRef>
-          <a:fillRef idx="1">
-            <a:schemeClr val="accent5"/>
-          </a:fillRef>
-          <a:effectRef idx="0">
-            <a:schemeClr val="accent5"/>
-          </a:effectRef>
-          <a:fontRef idx="minor">
-            <a:schemeClr val="lt1"/>
-          </a:fontRef>
-        </p:style>
-      </p:cxnSp>
-      <p:sp>
-        <p:nvSpPr>
-          <p:cNvPr id="304" name="TextBox 303"/>
-          <p:cNvSpPr txBox="1"/>
-          <p:nvPr/>
-        </p:nvSpPr>
-        <p:spPr>
-          <a:xfrm>
-            <a:off x="6934205" y="2941637"/>
-            <a:ext cx="228600" cy="369332"/>
-          </a:xfrm>
-          <a:prstGeom prst="rect">
-            <a:avLst/>
-          </a:prstGeom>
-          <a:noFill/>
-        </p:spPr>
-        <p:txBody>
-          <a:bodyPr wrap="square" rtlCol="0">
-            <a:spAutoFit/>
-          </a:bodyPr>
-          <a:lstStyle/>
-          <a:p>
-            <a:r>
-              <a:rPr lang="en-US" dirty="0" smtClean="0">
-                <a:solidFill>
-                  <a:schemeClr val="accent5">
-                    <a:lumMod val="75000"/>
-                  </a:schemeClr>
-                </a:solidFill>
-              </a:rPr>
-              <a:t>*</a:t>
-            </a:r>
-            <a:endParaRPr lang="en-US" dirty="0">
-              <a:solidFill>
-                <a:schemeClr val="accent5">
-                  <a:lumMod val="75000"/>
-                </a:schemeClr>
-              </a:solidFill>
-            </a:endParaRPr>
-          </a:p>
-        </p:txBody>
-      </p:sp>
-      <p:sp>
-        <p:nvSpPr>
-          <p:cNvPr id="305" name="TextBox 304"/>
-          <p:cNvSpPr txBox="1"/>
-          <p:nvPr/>
-        </p:nvSpPr>
-        <p:spPr>
-          <a:xfrm>
-            <a:off x="914400" y="46037"/>
-            <a:ext cx="533400" cy="369332"/>
-          </a:xfrm>
-          <a:prstGeom prst="rect">
-            <a:avLst/>
-          </a:prstGeom>
-          <a:noFill/>
-        </p:spPr>
-        <p:txBody>
-          <a:bodyPr wrap="square" rtlCol="0">
-            <a:spAutoFit/>
-          </a:bodyPr>
-          <a:lstStyle/>
-          <a:p>
-            <a:r>
-              <a:rPr lang="en-US" dirty="0" smtClean="0"/>
-              <a:t>(a)</a:t>
-            </a:r>
-            <a:endParaRPr lang="en-US" dirty="0"/>
-          </a:p>
-        </p:txBody>
-      </p:sp>
-      <p:sp>
-        <p:nvSpPr>
-          <p:cNvPr id="306" name="TextBox 305"/>
-          <p:cNvSpPr txBox="1"/>
-          <p:nvPr/>
-        </p:nvSpPr>
-        <p:spPr>
-          <a:xfrm>
-            <a:off x="2653643" y="62399"/>
-            <a:ext cx="489444" cy="369332"/>
-          </a:xfrm>
-          <a:prstGeom prst="rect">
-            <a:avLst/>
-          </a:prstGeom>
-          <a:noFill/>
-        </p:spPr>
-        <p:txBody>
-          <a:bodyPr wrap="square" rtlCol="0">
-            <a:spAutoFit/>
-          </a:bodyPr>
-          <a:lstStyle/>
-          <a:p>
-            <a:r>
-              <a:rPr lang="en-US" dirty="0" smtClean="0"/>
-              <a:t>(b)</a:t>
-            </a:r>
-            <a:endParaRPr lang="en-US" dirty="0"/>
-          </a:p>
-        </p:txBody>
-      </p:sp>
-      <p:sp>
-        <p:nvSpPr>
-          <p:cNvPr id="307" name="TextBox 306"/>
-          <p:cNvSpPr txBox="1"/>
-          <p:nvPr/>
-        </p:nvSpPr>
-        <p:spPr>
-          <a:xfrm>
-            <a:off x="5042654" y="62399"/>
-            <a:ext cx="533400" cy="369332"/>
-          </a:xfrm>
-          <a:prstGeom prst="rect">
-            <a:avLst/>
-          </a:prstGeom>
-          <a:noFill/>
-        </p:spPr>
-        <p:txBody>
-          <a:bodyPr wrap="square" rtlCol="0">
-            <a:spAutoFit/>
-          </a:bodyPr>
-          <a:lstStyle/>
-          <a:p>
-            <a:r>
-              <a:rPr lang="en-US" dirty="0" smtClean="0"/>
-              <a:t>(c)</a:t>
-            </a:r>
-            <a:endParaRPr lang="en-US" dirty="0"/>
-          </a:p>
-        </p:txBody>
-      </p:sp>
-      <p:sp>
-        <p:nvSpPr>
-          <p:cNvPr id="61" name="Rectangle 60"/>
-          <p:cNvSpPr/>
-          <p:nvPr/>
-        </p:nvSpPr>
-        <p:spPr>
-          <a:xfrm>
-            <a:off x="990601" y="1525751"/>
-            <a:ext cx="1219198" cy="272886"/>
-          </a:xfrm>
-          <a:prstGeom prst="rect">
-            <a:avLst/>
-          </a:prstGeom>
-        </p:spPr>
-        <p:style>
-          <a:lnRef idx="2">
-            <a:schemeClr val="accent6">
-              <a:shade val="50000"/>
-            </a:schemeClr>
-          </a:lnRef>
-          <a:fillRef idx="1">
-            <a:schemeClr val="accent6"/>
-          </a:fillRef>
-          <a:effectRef idx="0">
-            <a:schemeClr val="accent6"/>
-          </a:effectRef>
-          <a:fontRef idx="minor">
-            <a:schemeClr val="lt1"/>
-          </a:fontRef>
-        </p:style>
-        <p:txBody>
-          <a:bodyPr rtlCol="0" anchor="ctr"/>
-          <a:lstStyle/>
-          <a:p>
-            <a:pPr algn="ctr"/>
-            <a:r>
-              <a:rPr lang="en-US" sz="1200" b="1" dirty="0" err="1" smtClean="0"/>
-              <a:t>InstructorData</a:t>
-            </a:r>
-            <a:endParaRPr lang="en-SG" sz="1200" b="1" dirty="0"/>
-          </a:p>
-        </p:txBody>
-      </p:sp>
-      <p:sp>
-        <p:nvSpPr>
-          <p:cNvPr id="62" name="TextBox 61"/>
-          <p:cNvSpPr txBox="1"/>
-          <p:nvPr/>
-        </p:nvSpPr>
-        <p:spPr>
-          <a:xfrm>
-            <a:off x="770070" y="1418268"/>
-            <a:ext cx="172435" cy="369332"/>
-          </a:xfrm>
-          <a:prstGeom prst="rect">
-            <a:avLst/>
-          </a:prstGeom>
-          <a:noFill/>
-        </p:spPr>
-        <p:txBody>
-          <a:bodyPr wrap="square" rtlCol="0">
-            <a:spAutoFit/>
-          </a:bodyPr>
-          <a:lstStyle/>
-          <a:p>
-            <a:r>
-              <a:rPr lang="en-US" dirty="0" smtClean="0">
-                <a:solidFill>
-                  <a:schemeClr val="accent5">
-                    <a:lumMod val="75000"/>
-                  </a:schemeClr>
-                </a:solidFill>
-              </a:rPr>
-              <a:t>*</a:t>
-            </a:r>
-            <a:endParaRPr lang="en-US" dirty="0">
-              <a:solidFill>
-                <a:schemeClr val="accent5">
-                  <a:lumMod val="75000"/>
-                </a:schemeClr>
-              </a:solidFill>
-            </a:endParaRPr>
-          </a:p>
-        </p:txBody>
-      </p:sp>
-      <p:sp>
-        <p:nvSpPr>
-          <p:cNvPr id="63" name="Rectangle 62"/>
-          <p:cNvSpPr/>
-          <p:nvPr/>
-        </p:nvSpPr>
-        <p:spPr>
-          <a:xfrm>
-            <a:off x="977900" y="1971417"/>
-            <a:ext cx="1231899" cy="272886"/>
-          </a:xfrm>
-          <a:prstGeom prst="rect">
-            <a:avLst/>
-          </a:prstGeom>
-        </p:spPr>
-        <p:style>
-          <a:lnRef idx="2">
-            <a:schemeClr val="accent6">
-              <a:shade val="50000"/>
-            </a:schemeClr>
-          </a:lnRef>
-          <a:fillRef idx="1">
-            <a:schemeClr val="accent6"/>
-          </a:fillRef>
-          <a:effectRef idx="0">
-            <a:schemeClr val="accent6"/>
-          </a:effectRef>
-          <a:fontRef idx="minor">
-            <a:schemeClr val="lt1"/>
-          </a:fontRef>
-        </p:style>
-        <p:txBody>
-          <a:bodyPr rtlCol="0" anchor="ctr"/>
-          <a:lstStyle/>
-          <a:p>
-            <a:pPr algn="ctr"/>
-            <a:r>
-              <a:rPr lang="en-US" sz="1200" b="1" dirty="0" err="1" smtClean="0"/>
-              <a:t>StudentData</a:t>
-            </a:r>
-            <a:endParaRPr lang="en-SG" sz="1200" b="1" dirty="0"/>
-          </a:p>
-        </p:txBody>
-      </p:sp>
-      <p:sp>
-        <p:nvSpPr>
-          <p:cNvPr id="64" name="TextBox 63"/>
-          <p:cNvSpPr txBox="1"/>
-          <p:nvPr/>
-        </p:nvSpPr>
-        <p:spPr>
-          <a:xfrm>
-            <a:off x="770070" y="1886345"/>
-            <a:ext cx="172435" cy="369332"/>
-          </a:xfrm>
-          <a:prstGeom prst="rect">
-            <a:avLst/>
-          </a:prstGeom>
-          <a:noFill/>
-        </p:spPr>
-        <p:txBody>
-          <a:bodyPr wrap="square" rtlCol="0">
-            <a:spAutoFit/>
-          </a:bodyPr>
-          <a:lstStyle/>
-          <a:p>
-            <a:r>
-              <a:rPr lang="en-US" dirty="0" smtClean="0">
-                <a:solidFill>
-                  <a:schemeClr val="accent5">
-                    <a:lumMod val="75000"/>
-                  </a:schemeClr>
-                </a:solidFill>
-              </a:rPr>
-              <a:t>*</a:t>
-            </a:r>
-            <a:endParaRPr lang="en-US" dirty="0">
-              <a:solidFill>
-                <a:schemeClr val="accent5">
-                  <a:lumMod val="75000"/>
-                </a:schemeClr>
-              </a:solidFill>
-            </a:endParaRPr>
-          </a:p>
-        </p:txBody>
-      </p:sp>
-      <p:cxnSp>
-        <p:nvCxnSpPr>
-          <p:cNvPr id="265" name="Elbow Connector 187"/>
-          <p:cNvCxnSpPr>
-            <a:stCxn id="263" idx="3"/>
-            <a:endCxn id="61" idx="1"/>
-          </p:cNvCxnSpPr>
-          <p:nvPr/>
-        </p:nvCxnSpPr>
-        <p:spPr>
-          <a:xfrm rot="16200000" flipH="1">
-            <a:off x="487322" y="1158914"/>
-            <a:ext cx="625557" cy="381001"/>
-          </a:xfrm>
-          <a:prstGeom prst="bentConnector2">
-            <a:avLst/>
-          </a:prstGeom>
-          <a:ln>
-            <a:tailEnd type="arrow"/>
-          </a:ln>
-        </p:spPr>
-        <p:style>
-          <a:lnRef idx="2">
-            <a:schemeClr val="accent5">
-              <a:shade val="50000"/>
-            </a:schemeClr>
-          </a:lnRef>
-          <a:fillRef idx="1">
-            <a:schemeClr val="accent5"/>
-          </a:fillRef>
-          <a:effectRef idx="0">
-            <a:schemeClr val="accent5"/>
-          </a:effectRef>
-          <a:fontRef idx="minor">
-            <a:schemeClr val="lt1"/>
-          </a:fontRef>
-        </p:style>
-      </p:cxnSp>
-      <p:sp>
-        <p:nvSpPr>
-          <p:cNvPr id="70" name="Rectangle 69"/>
-          <p:cNvSpPr/>
-          <p:nvPr/>
-        </p:nvSpPr>
-        <p:spPr>
-          <a:xfrm>
-            <a:off x="977900" y="2355752"/>
-            <a:ext cx="1231899" cy="272886"/>
-          </a:xfrm>
-          <a:prstGeom prst="rect">
-            <a:avLst/>
-          </a:prstGeom>
-        </p:spPr>
-        <p:style>
-          <a:lnRef idx="2">
-            <a:schemeClr val="accent6">
-              <a:shade val="50000"/>
-            </a:schemeClr>
-          </a:lnRef>
-          <a:fillRef idx="1">
-            <a:schemeClr val="accent6"/>
-          </a:fillRef>
-          <a:effectRef idx="0">
-            <a:schemeClr val="accent6"/>
-          </a:effectRef>
-          <a:fontRef idx="minor">
-            <a:schemeClr val="lt1"/>
-          </a:fontRef>
-        </p:style>
-        <p:txBody>
-          <a:bodyPr rtlCol="0" anchor="ctr"/>
-          <a:lstStyle/>
-          <a:p>
-            <a:pPr algn="ctr"/>
-            <a:r>
-              <a:rPr lang="en-US" sz="1200" b="1" dirty="0" err="1" smtClean="0"/>
-              <a:t>CourseData</a:t>
-            </a:r>
-            <a:endParaRPr lang="en-SG" sz="1200" b="1" dirty="0"/>
-          </a:p>
-        </p:txBody>
-      </p:sp>
-      <p:sp>
-        <p:nvSpPr>
-          <p:cNvPr id="71" name="TextBox 70"/>
-          <p:cNvSpPr txBox="1"/>
-          <p:nvPr/>
-        </p:nvSpPr>
-        <p:spPr>
-          <a:xfrm>
-            <a:off x="770070" y="2260985"/>
-            <a:ext cx="172435" cy="369332"/>
-          </a:xfrm>
-          <a:prstGeom prst="rect">
-            <a:avLst/>
-          </a:prstGeom>
-          <a:noFill/>
-        </p:spPr>
-        <p:txBody>
-          <a:bodyPr wrap="square" rtlCol="0">
-            <a:spAutoFit/>
-          </a:bodyPr>
-          <a:lstStyle/>
-          <a:p>
-            <a:r>
-              <a:rPr lang="en-US" dirty="0" smtClean="0">
-                <a:solidFill>
-                  <a:schemeClr val="accent5">
-                    <a:lumMod val="75000"/>
-                  </a:schemeClr>
-                </a:solidFill>
-              </a:rPr>
-              <a:t>*</a:t>
-            </a:r>
-            <a:endParaRPr lang="en-US" dirty="0">
-              <a:solidFill>
-                <a:schemeClr val="accent5">
-                  <a:lumMod val="75000"/>
-                </a:schemeClr>
-              </a:solidFill>
-            </a:endParaRPr>
-          </a:p>
-        </p:txBody>
-      </p:sp>
-      <p:sp>
-        <p:nvSpPr>
-          <p:cNvPr id="72" name="Rectangle 71"/>
-          <p:cNvSpPr/>
-          <p:nvPr/>
-        </p:nvSpPr>
-        <p:spPr>
-          <a:xfrm>
-            <a:off x="977900" y="3055310"/>
-            <a:ext cx="1231900" cy="272886"/>
-          </a:xfrm>
-          <a:prstGeom prst="rect">
-            <a:avLst/>
-          </a:prstGeom>
-        </p:spPr>
-        <p:style>
-          <a:lnRef idx="2">
-            <a:schemeClr val="accent6">
-              <a:shade val="50000"/>
-            </a:schemeClr>
-          </a:lnRef>
-          <a:fillRef idx="1">
-            <a:schemeClr val="accent6"/>
-          </a:fillRef>
-          <a:effectRef idx="0">
-            <a:schemeClr val="accent6"/>
-          </a:effectRef>
-          <a:fontRef idx="minor">
-            <a:schemeClr val="lt1"/>
-          </a:fontRef>
-        </p:style>
-        <p:txBody>
-          <a:bodyPr rtlCol="0" anchor="ctr"/>
-          <a:lstStyle/>
-          <a:p>
-            <a:pPr algn="ctr"/>
-            <a:r>
-              <a:rPr lang="en-US" sz="1200" b="1" dirty="0" err="1" smtClean="0"/>
-              <a:t>SubmissionData</a:t>
-            </a:r>
-            <a:endParaRPr lang="en-SG" sz="1200" b="1" dirty="0"/>
-          </a:p>
-        </p:txBody>
-      </p:sp>
-      <p:sp>
-        <p:nvSpPr>
-          <p:cNvPr id="73" name="TextBox 72"/>
-          <p:cNvSpPr txBox="1"/>
-          <p:nvPr/>
-        </p:nvSpPr>
-        <p:spPr>
-          <a:xfrm>
-            <a:off x="756045" y="2958864"/>
-            <a:ext cx="172435" cy="369332"/>
-          </a:xfrm>
-          <a:prstGeom prst="rect">
-            <a:avLst/>
-          </a:prstGeom>
-          <a:noFill/>
-        </p:spPr>
-        <p:txBody>
-          <a:bodyPr wrap="square" rtlCol="0">
-            <a:spAutoFit/>
-          </a:bodyPr>
-          <a:lstStyle/>
-          <a:p>
-            <a:r>
-              <a:rPr lang="en-US" dirty="0" smtClean="0">
-                <a:solidFill>
-                  <a:schemeClr val="accent5">
-                    <a:lumMod val="75000"/>
-                  </a:schemeClr>
-                </a:solidFill>
-              </a:rPr>
-              <a:t>*</a:t>
-            </a:r>
-            <a:endParaRPr lang="en-US" dirty="0">
-              <a:solidFill>
-                <a:schemeClr val="accent5">
-                  <a:lumMod val="75000"/>
-                </a:schemeClr>
-              </a:solidFill>
-            </a:endParaRPr>
-          </a:p>
-        </p:txBody>
-      </p:sp>
-      <p:sp>
-        <p:nvSpPr>
-          <p:cNvPr id="78" name="Rectangle 77"/>
-          <p:cNvSpPr/>
-          <p:nvPr/>
-        </p:nvSpPr>
-        <p:spPr>
-          <a:xfrm>
-            <a:off x="977900" y="2714182"/>
-            <a:ext cx="1231900" cy="272886"/>
-          </a:xfrm>
-          <a:prstGeom prst="rect">
-            <a:avLst/>
-          </a:prstGeom>
-        </p:spPr>
-        <p:style>
-          <a:lnRef idx="2">
-            <a:schemeClr val="accent6">
-              <a:shade val="50000"/>
-            </a:schemeClr>
-          </a:lnRef>
-          <a:fillRef idx="1">
-            <a:schemeClr val="accent6"/>
-          </a:fillRef>
-          <a:effectRef idx="0">
-            <a:schemeClr val="accent6"/>
-          </a:effectRef>
-          <a:fontRef idx="minor">
-            <a:schemeClr val="lt1"/>
-          </a:fontRef>
-        </p:style>
-        <p:txBody>
-          <a:bodyPr rtlCol="0" anchor="ctr"/>
-          <a:lstStyle/>
-          <a:p>
-            <a:pPr algn="ctr"/>
-            <a:r>
-              <a:rPr lang="en-US" sz="1200" b="1" dirty="0" err="1" smtClean="0"/>
-              <a:t>EvaluationData</a:t>
-            </a:r>
-            <a:endParaRPr lang="en-SG" sz="1200" b="1" dirty="0"/>
-          </a:p>
-        </p:txBody>
-      </p:sp>
-      <p:sp>
-        <p:nvSpPr>
-          <p:cNvPr id="79" name="TextBox 78"/>
-          <p:cNvSpPr txBox="1"/>
-          <p:nvPr/>
-        </p:nvSpPr>
-        <p:spPr>
-          <a:xfrm>
-            <a:off x="770069" y="2620875"/>
-            <a:ext cx="172435" cy="369332"/>
-          </a:xfrm>
-          <a:prstGeom prst="rect">
-            <a:avLst/>
-          </a:prstGeom>
-          <a:noFill/>
-        </p:spPr>
-        <p:txBody>
-          <a:bodyPr wrap="square" rtlCol="0">
-            <a:spAutoFit/>
-          </a:bodyPr>
-          <a:lstStyle/>
-          <a:p>
-            <a:r>
-              <a:rPr lang="en-US" dirty="0" smtClean="0">
-                <a:solidFill>
-                  <a:schemeClr val="accent5">
-                    <a:lumMod val="75000"/>
-                  </a:schemeClr>
-                </a:solidFill>
-              </a:rPr>
-              <a:t>*</a:t>
-            </a:r>
-            <a:endParaRPr lang="en-US" dirty="0">
-              <a:solidFill>
-                <a:schemeClr val="accent5">
-                  <a:lumMod val="75000"/>
-                </a:schemeClr>
-              </a:solidFill>
-            </a:endParaRPr>
-          </a:p>
-        </p:txBody>
-      </p:sp>
-      <p:cxnSp>
-        <p:nvCxnSpPr>
-          <p:cNvPr id="80" name="Elbow Connector 193"/>
-          <p:cNvCxnSpPr/>
-          <p:nvPr/>
-        </p:nvCxnSpPr>
-        <p:spPr>
-          <a:xfrm flipV="1">
-            <a:off x="609602" y="2501475"/>
-            <a:ext cx="354273" cy="3"/>
-          </a:xfrm>
-          <a:prstGeom prst="bentConnector3">
-            <a:avLst>
-              <a:gd name="adj1" fmla="val 50000"/>
-            </a:avLst>
           </a:prstGeom>
           <a:ln>
             <a:tailEnd type="arrow"/>
@@ -5244,13 +3570,16 @@
       </p:cxnSp>
       <p:cxnSp>
         <p:nvCxnSpPr>
-          <p:cNvPr id="85" name="Elbow Connector 193"/>
-          <p:cNvCxnSpPr/>
+          <p:cNvPr id="267" name="Elbow Connector 193"/>
+          <p:cNvCxnSpPr>
+            <a:stCxn id="263" idx="3"/>
+            <a:endCxn id="257" idx="1"/>
+          </p:cNvCxnSpPr>
           <p:nvPr/>
         </p:nvCxnSpPr>
         <p:spPr>
           <a:xfrm rot="16200000" flipH="1">
-            <a:off x="-97776" y="1791733"/>
+            <a:off x="-100931" y="1747168"/>
             <a:ext cx="1775337" cy="354274"/>
           </a:xfrm>
           <a:prstGeom prst="bentConnector2">
@@ -5282,14 +3611,14 @@
           <p:cNvPr id="268" name="Elbow Connector 196"/>
           <p:cNvCxnSpPr>
             <a:stCxn id="263" idx="3"/>
-            <a:endCxn id="72" idx="1"/>
+            <a:endCxn id="258" idx="1"/>
           </p:cNvCxnSpPr>
           <p:nvPr/>
         </p:nvCxnSpPr>
         <p:spPr>
           <a:xfrm rot="16200000" flipH="1">
-            <a:off x="-283808" y="1930045"/>
-            <a:ext cx="2155116" cy="368300"/>
+            <a:off x="-328573" y="1974810"/>
+            <a:ext cx="2230620" cy="354274"/>
           </a:xfrm>
           <a:prstGeom prst="bentConnector2">
             <a:avLst/>
@@ -5317,14 +3646,14 @@
       </p:cxnSp>
       <p:sp>
         <p:nvSpPr>
-          <p:cNvPr id="106" name="TextBox 105"/>
+          <p:cNvPr id="269" name="TextBox 268"/>
           <p:cNvSpPr txBox="1"/>
           <p:nvPr/>
         </p:nvSpPr>
         <p:spPr>
           <a:xfrm>
-            <a:off x="6023105" y="769598"/>
-            <a:ext cx="228600" cy="276999"/>
+            <a:off x="762005" y="1180072"/>
+            <a:ext cx="228600" cy="369332"/>
           </a:xfrm>
           <a:prstGeom prst="rect">
             <a:avLst/>
@@ -5338,7 +3667,7 @@
           <a:lstStyle/>
           <a:p>
             <a:r>
-              <a:rPr lang="en-US" sz="1200" dirty="0" smtClean="0">
+              <a:rPr lang="en-US" dirty="0" smtClean="0">
                 <a:solidFill>
                   <a:schemeClr val="accent5">
                     <a:lumMod val="75000"/>
@@ -5347,7 +3676,7 @@
               </a:rPr>
               <a:t>*</a:t>
             </a:r>
-            <a:endParaRPr lang="en-US" sz="1200" dirty="0">
+            <a:endParaRPr lang="en-US" dirty="0">
               <a:solidFill>
                 <a:schemeClr val="accent5">
                   <a:lumMod val="75000"/>
@@ -5359,14 +3688,182 @@
       </p:sp>
       <p:sp>
         <p:nvSpPr>
-          <p:cNvPr id="107" name="Rectangle 106"/>
+          <p:cNvPr id="270" name="TextBox 269"/>
+          <p:cNvSpPr txBox="1"/>
+          <p:nvPr/>
+        </p:nvSpPr>
+        <p:spPr>
+          <a:xfrm>
+            <a:off x="748555" y="1619342"/>
+            <a:ext cx="228600" cy="369332"/>
+          </a:xfrm>
+          <a:prstGeom prst="rect">
+            <a:avLst/>
+          </a:prstGeom>
+          <a:noFill/>
+        </p:spPr>
+        <p:txBody>
+          <a:bodyPr wrap="square" rtlCol="0">
+            <a:spAutoFit/>
+          </a:bodyPr>
+          <a:lstStyle/>
+          <a:p>
+            <a:r>
+              <a:rPr lang="en-US" dirty="0" smtClean="0">
+                <a:solidFill>
+                  <a:schemeClr val="accent5">
+                    <a:lumMod val="75000"/>
+                  </a:schemeClr>
+                </a:solidFill>
+              </a:rPr>
+              <a:t>*</a:t>
+            </a:r>
+            <a:endParaRPr lang="en-US" dirty="0">
+              <a:solidFill>
+                <a:schemeClr val="accent5">
+                  <a:lumMod val="75000"/>
+                </a:schemeClr>
+              </a:solidFill>
+            </a:endParaRPr>
+          </a:p>
+        </p:txBody>
+      </p:sp>
+      <p:sp>
+        <p:nvSpPr>
+          <p:cNvPr id="271" name="TextBox 270"/>
+          <p:cNvSpPr txBox="1"/>
+          <p:nvPr/>
+        </p:nvSpPr>
+        <p:spPr>
+          <a:xfrm>
+            <a:off x="739590" y="2094472"/>
+            <a:ext cx="228600" cy="369332"/>
+          </a:xfrm>
+          <a:prstGeom prst="rect">
+            <a:avLst/>
+          </a:prstGeom>
+          <a:noFill/>
+        </p:spPr>
+        <p:txBody>
+          <a:bodyPr wrap="square" rtlCol="0">
+            <a:spAutoFit/>
+          </a:bodyPr>
+          <a:lstStyle/>
+          <a:p>
+            <a:r>
+              <a:rPr lang="en-US" dirty="0" smtClean="0">
+                <a:solidFill>
+                  <a:schemeClr val="accent5">
+                    <a:lumMod val="75000"/>
+                  </a:schemeClr>
+                </a:solidFill>
+              </a:rPr>
+              <a:t>*</a:t>
+            </a:r>
+            <a:endParaRPr lang="en-US" dirty="0">
+              <a:solidFill>
+                <a:schemeClr val="accent5">
+                  <a:lumMod val="75000"/>
+                </a:schemeClr>
+              </a:solidFill>
+            </a:endParaRPr>
+          </a:p>
+        </p:txBody>
+      </p:sp>
+      <p:sp>
+        <p:nvSpPr>
+          <p:cNvPr id="272" name="TextBox 271"/>
+          <p:cNvSpPr txBox="1"/>
+          <p:nvPr/>
+        </p:nvSpPr>
+        <p:spPr>
+          <a:xfrm>
+            <a:off x="739590" y="2554375"/>
+            <a:ext cx="228600" cy="369332"/>
+          </a:xfrm>
+          <a:prstGeom prst="rect">
+            <a:avLst/>
+          </a:prstGeom>
+          <a:noFill/>
+        </p:spPr>
+        <p:txBody>
+          <a:bodyPr wrap="square" rtlCol="0">
+            <a:spAutoFit/>
+          </a:bodyPr>
+          <a:lstStyle/>
+          <a:p>
+            <a:r>
+              <a:rPr lang="en-US" dirty="0" smtClean="0">
+                <a:solidFill>
+                  <a:schemeClr val="accent5">
+                    <a:lumMod val="75000"/>
+                  </a:schemeClr>
+                </a:solidFill>
+              </a:rPr>
+              <a:t>*</a:t>
+            </a:r>
+            <a:endParaRPr lang="en-US" dirty="0">
+              <a:solidFill>
+                <a:schemeClr val="accent5">
+                  <a:lumMod val="75000"/>
+                </a:schemeClr>
+              </a:solidFill>
+            </a:endParaRPr>
+          </a:p>
+        </p:txBody>
+      </p:sp>
+      <p:sp>
+        <p:nvSpPr>
+          <p:cNvPr id="273" name="TextBox 272"/>
+          <p:cNvSpPr txBox="1"/>
+          <p:nvPr/>
+        </p:nvSpPr>
+        <p:spPr>
+          <a:xfrm>
+            <a:off x="726140" y="2993645"/>
+            <a:ext cx="228600" cy="369332"/>
+          </a:xfrm>
+          <a:prstGeom prst="rect">
+            <a:avLst/>
+          </a:prstGeom>
+          <a:noFill/>
+        </p:spPr>
+        <p:txBody>
+          <a:bodyPr wrap="square" rtlCol="0">
+            <a:spAutoFit/>
+          </a:bodyPr>
+          <a:lstStyle/>
+          <a:p>
+            <a:r>
+              <a:rPr lang="en-US" dirty="0" smtClean="0">
+                <a:solidFill>
+                  <a:schemeClr val="accent5">
+                    <a:lumMod val="75000"/>
+                  </a:schemeClr>
+                </a:solidFill>
+              </a:rPr>
+              <a:t>*</a:t>
+            </a:r>
+            <a:endParaRPr lang="en-US" dirty="0">
+              <a:solidFill>
+                <a:schemeClr val="accent5">
+                  <a:lumMod val="75000"/>
+                </a:schemeClr>
+              </a:solidFill>
+            </a:endParaRPr>
+          </a:p>
+        </p:txBody>
+      </p:sp>
+      <p:sp>
+        <p:nvSpPr>
+          <p:cNvPr id="274" name="Rectangle 273"/>
           <p:cNvSpPr/>
           <p:nvPr/>
         </p:nvSpPr>
         <p:spPr>
           <a:xfrm>
-            <a:off x="7143269" y="429382"/>
-            <a:ext cx="1365941" cy="318661"/>
+            <a:off x="3124200" y="503237"/>
+            <a:ext cx="1550726" cy="361770"/>
           </a:xfrm>
           <a:prstGeom prst="rect">
             <a:avLst/>
@@ -5395,7 +3892,7 @@
             <a:pPr algn="ctr"/>
             <a:r>
               <a:rPr lang="en-US" sz="1600" b="1" dirty="0" err="1" smtClean="0"/>
-              <a:t>AccountData</a:t>
+              <a:t>EvaluationData</a:t>
             </a:r>
             <a:endParaRPr lang="en-SG" sz="1600" b="1" dirty="0"/>
           </a:p>
@@ -5403,13 +3900,13 @@
       </p:sp>
       <p:sp>
         <p:nvSpPr>
-          <p:cNvPr id="112" name="Flowchart: Decision 111"/>
+          <p:cNvPr id="275" name="Flowchart: Decision 274"/>
           <p:cNvSpPr/>
           <p:nvPr/>
         </p:nvSpPr>
         <p:spPr>
           <a:xfrm rot="5400000">
-            <a:off x="6978958" y="512512"/>
+            <a:off x="3200395" y="884237"/>
             <a:ext cx="152400" cy="152400"/>
           </a:xfrm>
           <a:prstGeom prst="flowChartDecision">
@@ -5446,22 +3943,20 @@
       </p:sp>
       <p:cxnSp>
         <p:nvCxnSpPr>
-          <p:cNvPr id="113" name="Elbow Connector 190"/>
+          <p:cNvPr id="276" name="Elbow Connector 186"/>
           <p:cNvCxnSpPr>
-            <a:stCxn id="112" idx="2"/>
-            <a:endCxn id="289" idx="3"/>
+            <a:stCxn id="275" idx="3"/>
+            <a:endCxn id="260" idx="1"/>
           </p:cNvCxnSpPr>
           <p:nvPr/>
         </p:nvCxnSpPr>
         <p:spPr>
-          <a:xfrm rot="10800000" flipV="1">
-            <a:off x="6629400" y="588711"/>
-            <a:ext cx="349558" cy="1"/>
-          </a:xfrm>
-          <a:prstGeom prst="bentConnector3">
-            <a:avLst>
-              <a:gd name="adj1" fmla="val 50000"/>
-            </a:avLst>
+          <a:xfrm rot="16200000" flipH="1">
+            <a:off x="3257872" y="1055359"/>
+            <a:ext cx="266050" cy="228605"/>
+          </a:xfrm>
+          <a:prstGeom prst="bentConnector2">
+            <a:avLst/>
           </a:prstGeom>
           <a:ln>
             <a:tailEnd type="arrow"/>
@@ -5486,14 +3981,14 @@
       </p:cxnSp>
       <p:sp>
         <p:nvSpPr>
-          <p:cNvPr id="123" name="TextBox 122"/>
+          <p:cNvPr id="277" name="TextBox 276"/>
           <p:cNvSpPr txBox="1"/>
           <p:nvPr/>
         </p:nvSpPr>
         <p:spPr>
           <a:xfrm>
-            <a:off x="6619428" y="387913"/>
-            <a:ext cx="228600" cy="276999"/>
+            <a:off x="3276600" y="1036637"/>
+            <a:ext cx="228600" cy="369332"/>
           </a:xfrm>
           <a:prstGeom prst="rect">
             <a:avLst/>
@@ -5507,7 +4002,7 @@
           <a:lstStyle/>
           <a:p>
             <a:r>
-              <a:rPr lang="en-US" sz="1200" dirty="0" smtClean="0">
+              <a:rPr lang="en-US" dirty="0" smtClean="0">
                 <a:solidFill>
                   <a:schemeClr val="accent5">
                     <a:lumMod val="75000"/>
@@ -5516,13 +4011,1229 @@
               </a:rPr>
               <a:t>*</a:t>
             </a:r>
-            <a:endParaRPr lang="en-US" sz="1200" dirty="0">
+            <a:endParaRPr lang="en-US" dirty="0">
               <a:solidFill>
                 <a:schemeClr val="accent5">
                   <a:lumMod val="75000"/>
                 </a:schemeClr>
               </a:solidFill>
             </a:endParaRPr>
+          </a:p>
+        </p:txBody>
+      </p:sp>
+      <p:sp>
+        <p:nvSpPr>
+          <p:cNvPr id="278" name="Rectangle 277"/>
+          <p:cNvSpPr/>
+          <p:nvPr/>
+        </p:nvSpPr>
+        <p:spPr>
+          <a:xfrm>
+            <a:off x="3886200" y="1759597"/>
+            <a:ext cx="1550726" cy="361770"/>
+          </a:xfrm>
+          <a:prstGeom prst="rect">
+            <a:avLst/>
+          </a:prstGeom>
+        </p:spPr>
+        <p:style>
+          <a:lnRef idx="2">
+            <a:schemeClr val="accent6">
+              <a:shade val="50000"/>
+            </a:schemeClr>
+          </a:lnRef>
+          <a:fillRef idx="1">
+            <a:schemeClr val="accent6"/>
+          </a:fillRef>
+          <a:effectRef idx="0">
+            <a:schemeClr val="accent6"/>
+          </a:effectRef>
+          <a:fontRef idx="minor">
+            <a:schemeClr val="lt1"/>
+          </a:fontRef>
+        </p:style>
+        <p:txBody>
+          <a:bodyPr rtlCol="0" anchor="ctr"/>
+          <a:lstStyle/>
+          <a:p>
+            <a:pPr algn="ctr"/>
+            <a:r>
+              <a:rPr lang="en-US" sz="1600" b="1" dirty="0" err="1" smtClean="0"/>
+              <a:t>StudentData</a:t>
+            </a:r>
+            <a:endParaRPr lang="en-SG" sz="1600" b="1" dirty="0"/>
+          </a:p>
+        </p:txBody>
+      </p:sp>
+      <p:sp>
+        <p:nvSpPr>
+          <p:cNvPr id="279" name="Flowchart: Decision 278"/>
+          <p:cNvSpPr/>
+          <p:nvPr/>
+        </p:nvSpPr>
+        <p:spPr>
+          <a:xfrm rot="5400000">
+            <a:off x="3581394" y="1502802"/>
+            <a:ext cx="152400" cy="152400"/>
+          </a:xfrm>
+          <a:prstGeom prst="flowChartDecision">
+            <a:avLst/>
+          </a:prstGeom>
+          <a:solidFill>
+            <a:schemeClr val="bg1"/>
+          </a:solidFill>
+        </p:spPr>
+        <p:style>
+          <a:lnRef idx="2">
+            <a:schemeClr val="accent5">
+              <a:shade val="50000"/>
+            </a:schemeClr>
+          </a:lnRef>
+          <a:fillRef idx="1">
+            <a:schemeClr val="accent5"/>
+          </a:fillRef>
+          <a:effectRef idx="0">
+            <a:schemeClr val="accent5"/>
+          </a:effectRef>
+          <a:fontRef idx="minor">
+            <a:schemeClr val="lt1"/>
+          </a:fontRef>
+        </p:style>
+        <p:txBody>
+          <a:bodyPr rtlCol="0" anchor="ctr"/>
+          <a:lstStyle/>
+          <a:p>
+            <a:pPr algn="ctr"/>
+            <a:endParaRPr lang="en-US"/>
+          </a:p>
+        </p:txBody>
+      </p:sp>
+      <p:cxnSp>
+        <p:nvCxnSpPr>
+          <p:cNvPr id="280" name="Elbow Connector 186"/>
+          <p:cNvCxnSpPr>
+            <a:stCxn id="279" idx="3"/>
+            <a:endCxn id="278" idx="1"/>
+          </p:cNvCxnSpPr>
+          <p:nvPr/>
+        </p:nvCxnSpPr>
+        <p:spPr>
+          <a:xfrm rot="16200000" flipH="1">
+            <a:off x="3629257" y="1683539"/>
+            <a:ext cx="285280" cy="228606"/>
+          </a:xfrm>
+          <a:prstGeom prst="bentConnector2">
+            <a:avLst/>
+          </a:prstGeom>
+          <a:ln>
+            <a:tailEnd type="arrow"/>
+          </a:ln>
+        </p:spPr>
+        <p:style>
+          <a:lnRef idx="2">
+            <a:schemeClr val="accent5">
+              <a:shade val="50000"/>
+            </a:schemeClr>
+          </a:lnRef>
+          <a:fillRef idx="1">
+            <a:schemeClr val="accent5"/>
+          </a:fillRef>
+          <a:effectRef idx="0">
+            <a:schemeClr val="accent5"/>
+          </a:effectRef>
+          <a:fontRef idx="minor">
+            <a:schemeClr val="lt1"/>
+          </a:fontRef>
+        </p:style>
+      </p:cxnSp>
+      <p:sp>
+        <p:nvSpPr>
+          <p:cNvPr id="281" name="TextBox 280"/>
+          <p:cNvSpPr txBox="1"/>
+          <p:nvPr/>
+        </p:nvSpPr>
+        <p:spPr>
+          <a:xfrm>
+            <a:off x="3657599" y="1655202"/>
+            <a:ext cx="228600" cy="369332"/>
+          </a:xfrm>
+          <a:prstGeom prst="rect">
+            <a:avLst/>
+          </a:prstGeom>
+          <a:noFill/>
+        </p:spPr>
+        <p:txBody>
+          <a:bodyPr wrap="square" rtlCol="0">
+            <a:spAutoFit/>
+          </a:bodyPr>
+          <a:lstStyle/>
+          <a:p>
+            <a:r>
+              <a:rPr lang="en-US" dirty="0" smtClean="0">
+                <a:solidFill>
+                  <a:schemeClr val="accent5">
+                    <a:lumMod val="75000"/>
+                  </a:schemeClr>
+                </a:solidFill>
+              </a:rPr>
+              <a:t>*</a:t>
+            </a:r>
+            <a:endParaRPr lang="en-US" dirty="0">
+              <a:solidFill>
+                <a:schemeClr val="accent5">
+                  <a:lumMod val="75000"/>
+                </a:schemeClr>
+              </a:solidFill>
+            </a:endParaRPr>
+          </a:p>
+        </p:txBody>
+      </p:sp>
+      <p:sp>
+        <p:nvSpPr>
+          <p:cNvPr id="282" name="Flowchart: Decision 281"/>
+          <p:cNvSpPr/>
+          <p:nvPr/>
+        </p:nvSpPr>
+        <p:spPr>
+          <a:xfrm rot="5400000">
+            <a:off x="4038600" y="2121367"/>
+            <a:ext cx="152400" cy="152400"/>
+          </a:xfrm>
+          <a:prstGeom prst="flowChartDecision">
+            <a:avLst/>
+          </a:prstGeom>
+          <a:solidFill>
+            <a:schemeClr val="bg1"/>
+          </a:solidFill>
+        </p:spPr>
+        <p:style>
+          <a:lnRef idx="2">
+            <a:schemeClr val="accent5">
+              <a:shade val="50000"/>
+            </a:schemeClr>
+          </a:lnRef>
+          <a:fillRef idx="1">
+            <a:schemeClr val="accent5"/>
+          </a:fillRef>
+          <a:effectRef idx="0">
+            <a:schemeClr val="accent5"/>
+          </a:effectRef>
+          <a:fontRef idx="minor">
+            <a:schemeClr val="lt1"/>
+          </a:fontRef>
+        </p:style>
+        <p:txBody>
+          <a:bodyPr rtlCol="0" anchor="ctr"/>
+          <a:lstStyle/>
+          <a:p>
+            <a:pPr algn="ctr"/>
+            <a:endParaRPr lang="en-US"/>
+          </a:p>
+        </p:txBody>
+      </p:sp>
+      <p:cxnSp>
+        <p:nvCxnSpPr>
+          <p:cNvPr id="283" name="Elbow Connector 186"/>
+          <p:cNvCxnSpPr>
+            <a:stCxn id="282" idx="3"/>
+            <a:endCxn id="261" idx="1"/>
+          </p:cNvCxnSpPr>
+          <p:nvPr/>
+        </p:nvCxnSpPr>
+        <p:spPr>
+          <a:xfrm rot="16200000" flipH="1">
+            <a:off x="4135765" y="2252802"/>
+            <a:ext cx="262870" cy="304800"/>
+          </a:xfrm>
+          <a:prstGeom prst="bentConnector2">
+            <a:avLst/>
+          </a:prstGeom>
+          <a:ln>
+            <a:tailEnd type="arrow"/>
+          </a:ln>
+        </p:spPr>
+        <p:style>
+          <a:lnRef idx="2">
+            <a:schemeClr val="accent5">
+              <a:shade val="50000"/>
+            </a:schemeClr>
+          </a:lnRef>
+          <a:fillRef idx="1">
+            <a:schemeClr val="accent5"/>
+          </a:fillRef>
+          <a:effectRef idx="0">
+            <a:schemeClr val="accent5"/>
+          </a:effectRef>
+          <a:fontRef idx="minor">
+            <a:schemeClr val="lt1"/>
+          </a:fontRef>
+        </p:style>
+      </p:cxnSp>
+      <p:sp>
+        <p:nvSpPr>
+          <p:cNvPr id="284" name="TextBox 283"/>
+          <p:cNvSpPr txBox="1"/>
+          <p:nvPr/>
+        </p:nvSpPr>
+        <p:spPr>
+          <a:xfrm>
+            <a:off x="4150665" y="2273767"/>
+            <a:ext cx="228600" cy="369332"/>
+          </a:xfrm>
+          <a:prstGeom prst="rect">
+            <a:avLst/>
+          </a:prstGeom>
+          <a:noFill/>
+        </p:spPr>
+        <p:txBody>
+          <a:bodyPr wrap="square" rtlCol="0">
+            <a:spAutoFit/>
+          </a:bodyPr>
+          <a:lstStyle/>
+          <a:p>
+            <a:r>
+              <a:rPr lang="en-US" dirty="0" smtClean="0">
+                <a:solidFill>
+                  <a:schemeClr val="accent5">
+                    <a:lumMod val="75000"/>
+                  </a:schemeClr>
+                </a:solidFill>
+              </a:rPr>
+              <a:t>*</a:t>
+            </a:r>
+            <a:endParaRPr lang="en-US" dirty="0">
+              <a:solidFill>
+                <a:schemeClr val="accent5">
+                  <a:lumMod val="75000"/>
+                </a:schemeClr>
+              </a:solidFill>
+            </a:endParaRPr>
+          </a:p>
+        </p:txBody>
+      </p:sp>
+      <p:sp>
+        <p:nvSpPr>
+          <p:cNvPr id="285" name="Rectangle 284"/>
+          <p:cNvSpPr/>
+          <p:nvPr/>
+        </p:nvSpPr>
+        <p:spPr>
+          <a:xfrm>
+            <a:off x="4724400" y="2974317"/>
+            <a:ext cx="1550726" cy="361770"/>
+          </a:xfrm>
+          <a:prstGeom prst="rect">
+            <a:avLst/>
+          </a:prstGeom>
+        </p:spPr>
+        <p:style>
+          <a:lnRef idx="2">
+            <a:schemeClr val="accent6">
+              <a:shade val="50000"/>
+            </a:schemeClr>
+          </a:lnRef>
+          <a:fillRef idx="1">
+            <a:schemeClr val="accent6"/>
+          </a:fillRef>
+          <a:effectRef idx="0">
+            <a:schemeClr val="accent6"/>
+          </a:effectRef>
+          <a:fontRef idx="minor">
+            <a:schemeClr val="lt1"/>
+          </a:fontRef>
+        </p:style>
+        <p:txBody>
+          <a:bodyPr rtlCol="0" anchor="ctr"/>
+          <a:lstStyle/>
+          <a:p>
+            <a:pPr algn="ctr"/>
+            <a:r>
+              <a:rPr lang="en-US" sz="1600" b="1" dirty="0" err="1" smtClean="0"/>
+              <a:t>SubmissionData</a:t>
+            </a:r>
+            <a:endParaRPr lang="en-SG" sz="1600" b="1" dirty="0"/>
+          </a:p>
+        </p:txBody>
+      </p:sp>
+      <p:sp>
+        <p:nvSpPr>
+          <p:cNvPr id="286" name="Flowchart: Decision 285"/>
+          <p:cNvSpPr/>
+          <p:nvPr/>
+        </p:nvSpPr>
+        <p:spPr>
+          <a:xfrm rot="5400000">
+            <a:off x="4419600" y="2717522"/>
+            <a:ext cx="152400" cy="152400"/>
+          </a:xfrm>
+          <a:prstGeom prst="flowChartDecision">
+            <a:avLst/>
+          </a:prstGeom>
+          <a:solidFill>
+            <a:schemeClr val="bg1"/>
+          </a:solidFill>
+        </p:spPr>
+        <p:style>
+          <a:lnRef idx="2">
+            <a:schemeClr val="accent5">
+              <a:shade val="50000"/>
+            </a:schemeClr>
+          </a:lnRef>
+          <a:fillRef idx="1">
+            <a:schemeClr val="accent5"/>
+          </a:fillRef>
+          <a:effectRef idx="0">
+            <a:schemeClr val="accent5"/>
+          </a:effectRef>
+          <a:fontRef idx="minor">
+            <a:schemeClr val="lt1"/>
+          </a:fontRef>
+        </p:style>
+        <p:txBody>
+          <a:bodyPr rtlCol="0" anchor="ctr"/>
+          <a:lstStyle/>
+          <a:p>
+            <a:pPr algn="ctr"/>
+            <a:endParaRPr lang="en-US"/>
+          </a:p>
+        </p:txBody>
+      </p:sp>
+      <p:cxnSp>
+        <p:nvCxnSpPr>
+          <p:cNvPr id="287" name="Elbow Connector 186"/>
+          <p:cNvCxnSpPr>
+            <a:stCxn id="286" idx="3"/>
+            <a:endCxn id="285" idx="1"/>
+          </p:cNvCxnSpPr>
+          <p:nvPr/>
+        </p:nvCxnSpPr>
+        <p:spPr>
+          <a:xfrm rot="16200000" flipH="1">
+            <a:off x="4467460" y="2898262"/>
+            <a:ext cx="285280" cy="228600"/>
+          </a:xfrm>
+          <a:prstGeom prst="bentConnector2">
+            <a:avLst/>
+          </a:prstGeom>
+          <a:ln>
+            <a:tailEnd type="arrow"/>
+          </a:ln>
+        </p:spPr>
+        <p:style>
+          <a:lnRef idx="2">
+            <a:schemeClr val="accent5">
+              <a:shade val="50000"/>
+            </a:schemeClr>
+          </a:lnRef>
+          <a:fillRef idx="1">
+            <a:schemeClr val="accent5"/>
+          </a:fillRef>
+          <a:effectRef idx="0">
+            <a:schemeClr val="accent5"/>
+          </a:effectRef>
+          <a:fontRef idx="minor">
+            <a:schemeClr val="lt1"/>
+          </a:fontRef>
+        </p:style>
+      </p:cxnSp>
+      <p:sp>
+        <p:nvSpPr>
+          <p:cNvPr id="288" name="TextBox 287"/>
+          <p:cNvSpPr txBox="1"/>
+          <p:nvPr/>
+        </p:nvSpPr>
+        <p:spPr>
+          <a:xfrm>
+            <a:off x="4495805" y="2869922"/>
+            <a:ext cx="228600" cy="369332"/>
+          </a:xfrm>
+          <a:prstGeom prst="rect">
+            <a:avLst/>
+          </a:prstGeom>
+          <a:noFill/>
+        </p:spPr>
+        <p:txBody>
+          <a:bodyPr wrap="square" rtlCol="0">
+            <a:spAutoFit/>
+          </a:bodyPr>
+          <a:lstStyle/>
+          <a:p>
+            <a:r>
+              <a:rPr lang="en-US" dirty="0" smtClean="0">
+                <a:solidFill>
+                  <a:schemeClr val="accent5">
+                    <a:lumMod val="75000"/>
+                  </a:schemeClr>
+                </a:solidFill>
+              </a:rPr>
+              <a:t>*</a:t>
+            </a:r>
+            <a:endParaRPr lang="en-US" dirty="0">
+              <a:solidFill>
+                <a:schemeClr val="accent5">
+                  <a:lumMod val="75000"/>
+                </a:schemeClr>
+              </a:solidFill>
+            </a:endParaRPr>
+          </a:p>
+        </p:txBody>
+      </p:sp>
+      <p:sp>
+        <p:nvSpPr>
+          <p:cNvPr id="289" name="Rectangle 288"/>
+          <p:cNvSpPr/>
+          <p:nvPr/>
+        </p:nvSpPr>
+        <p:spPr>
+          <a:xfrm>
+            <a:off x="5943600" y="503237"/>
+            <a:ext cx="1550726" cy="361770"/>
+          </a:xfrm>
+          <a:prstGeom prst="rect">
+            <a:avLst/>
+          </a:prstGeom>
+        </p:spPr>
+        <p:style>
+          <a:lnRef idx="2">
+            <a:schemeClr val="accent6">
+              <a:shade val="50000"/>
+            </a:schemeClr>
+          </a:lnRef>
+          <a:fillRef idx="1">
+            <a:schemeClr val="accent6"/>
+          </a:fillRef>
+          <a:effectRef idx="0">
+            <a:schemeClr val="accent6"/>
+          </a:effectRef>
+          <a:fontRef idx="minor">
+            <a:schemeClr val="lt1"/>
+          </a:fontRef>
+        </p:style>
+        <p:txBody>
+          <a:bodyPr rtlCol="0" anchor="ctr"/>
+          <a:lstStyle/>
+          <a:p>
+            <a:pPr algn="ctr"/>
+            <a:r>
+              <a:rPr lang="en-US" sz="1600" b="1" dirty="0" err="1" smtClean="0"/>
+              <a:t>InstructorData</a:t>
+            </a:r>
+            <a:endParaRPr lang="en-SG" sz="1600" b="1" dirty="0"/>
+          </a:p>
+        </p:txBody>
+      </p:sp>
+      <p:sp>
+        <p:nvSpPr>
+          <p:cNvPr id="290" name="Rectangle 289"/>
+          <p:cNvSpPr/>
+          <p:nvPr/>
+        </p:nvSpPr>
+        <p:spPr>
+          <a:xfrm>
+            <a:off x="6396484" y="1117970"/>
+            <a:ext cx="1550726" cy="361770"/>
+          </a:xfrm>
+          <a:prstGeom prst="rect">
+            <a:avLst/>
+          </a:prstGeom>
+        </p:spPr>
+        <p:style>
+          <a:lnRef idx="2">
+            <a:schemeClr val="accent6">
+              <a:shade val="50000"/>
+            </a:schemeClr>
+          </a:lnRef>
+          <a:fillRef idx="1">
+            <a:schemeClr val="accent6"/>
+          </a:fillRef>
+          <a:effectRef idx="0">
+            <a:schemeClr val="accent6"/>
+          </a:effectRef>
+          <a:fontRef idx="minor">
+            <a:schemeClr val="lt1"/>
+          </a:fontRef>
+        </p:style>
+        <p:txBody>
+          <a:bodyPr rtlCol="0" anchor="ctr"/>
+          <a:lstStyle/>
+          <a:p>
+            <a:pPr algn="ctr"/>
+            <a:r>
+              <a:rPr lang="en-US" sz="1600" b="1" dirty="0" err="1" smtClean="0"/>
+              <a:t>CourseData</a:t>
+            </a:r>
+            <a:endParaRPr lang="en-SG" sz="1600" b="1" dirty="0"/>
+          </a:p>
+        </p:txBody>
+      </p:sp>
+      <p:sp>
+        <p:nvSpPr>
+          <p:cNvPr id="291" name="Flowchart: Decision 290"/>
+          <p:cNvSpPr/>
+          <p:nvPr/>
+        </p:nvSpPr>
+        <p:spPr>
+          <a:xfrm rot="5400000">
+            <a:off x="6096000" y="884238"/>
+            <a:ext cx="152400" cy="152400"/>
+          </a:xfrm>
+          <a:prstGeom prst="flowChartDecision">
+            <a:avLst/>
+          </a:prstGeom>
+          <a:solidFill>
+            <a:schemeClr val="bg1"/>
+          </a:solidFill>
+        </p:spPr>
+        <p:style>
+          <a:lnRef idx="2">
+            <a:schemeClr val="accent5">
+              <a:shade val="50000"/>
+            </a:schemeClr>
+          </a:lnRef>
+          <a:fillRef idx="1">
+            <a:schemeClr val="accent5"/>
+          </a:fillRef>
+          <a:effectRef idx="0">
+            <a:schemeClr val="accent5"/>
+          </a:effectRef>
+          <a:fontRef idx="minor">
+            <a:schemeClr val="lt1"/>
+          </a:fontRef>
+        </p:style>
+        <p:txBody>
+          <a:bodyPr rtlCol="0" anchor="ctr"/>
+          <a:lstStyle/>
+          <a:p>
+            <a:pPr algn="ctr"/>
+            <a:endParaRPr lang="en-US"/>
+          </a:p>
+        </p:txBody>
+      </p:sp>
+      <p:cxnSp>
+        <p:nvCxnSpPr>
+          <p:cNvPr id="292" name="Elbow Connector 190"/>
+          <p:cNvCxnSpPr>
+            <a:stCxn id="291" idx="3"/>
+            <a:endCxn id="290" idx="1"/>
+          </p:cNvCxnSpPr>
+          <p:nvPr/>
+        </p:nvCxnSpPr>
+        <p:spPr>
+          <a:xfrm rot="16200000" flipH="1">
+            <a:off x="6153234" y="1055604"/>
+            <a:ext cx="262217" cy="224284"/>
+          </a:xfrm>
+          <a:prstGeom prst="bentConnector2">
+            <a:avLst/>
+          </a:prstGeom>
+          <a:ln>
+            <a:tailEnd type="arrow"/>
+          </a:ln>
+        </p:spPr>
+        <p:style>
+          <a:lnRef idx="2">
+            <a:schemeClr val="accent5">
+              <a:shade val="50000"/>
+            </a:schemeClr>
+          </a:lnRef>
+          <a:fillRef idx="1">
+            <a:schemeClr val="accent5"/>
+          </a:fillRef>
+          <a:effectRef idx="0">
+            <a:schemeClr val="accent5"/>
+          </a:effectRef>
+          <a:fontRef idx="minor">
+            <a:schemeClr val="lt1"/>
+          </a:fontRef>
+        </p:style>
+      </p:cxnSp>
+      <p:sp>
+        <p:nvSpPr>
+          <p:cNvPr id="293" name="TextBox 292"/>
+          <p:cNvSpPr txBox="1"/>
+          <p:nvPr/>
+        </p:nvSpPr>
+        <p:spPr>
+          <a:xfrm>
+            <a:off x="6172200" y="1036637"/>
+            <a:ext cx="228600" cy="369332"/>
+          </a:xfrm>
+          <a:prstGeom prst="rect">
+            <a:avLst/>
+          </a:prstGeom>
+          <a:noFill/>
+        </p:spPr>
+        <p:txBody>
+          <a:bodyPr wrap="square" rtlCol="0">
+            <a:spAutoFit/>
+          </a:bodyPr>
+          <a:lstStyle/>
+          <a:p>
+            <a:r>
+              <a:rPr lang="en-US" dirty="0" smtClean="0">
+                <a:solidFill>
+                  <a:schemeClr val="accent5">
+                    <a:lumMod val="75000"/>
+                  </a:schemeClr>
+                </a:solidFill>
+              </a:rPr>
+              <a:t>*</a:t>
+            </a:r>
+            <a:endParaRPr lang="en-US" dirty="0">
+              <a:solidFill>
+                <a:schemeClr val="accent5">
+                  <a:lumMod val="75000"/>
+                </a:schemeClr>
+              </a:solidFill>
+            </a:endParaRPr>
+          </a:p>
+        </p:txBody>
+      </p:sp>
+      <p:sp>
+        <p:nvSpPr>
+          <p:cNvPr id="294" name="Rectangle 293"/>
+          <p:cNvSpPr/>
+          <p:nvPr/>
+        </p:nvSpPr>
+        <p:spPr>
+          <a:xfrm>
+            <a:off x="6781800" y="1798637"/>
+            <a:ext cx="1550726" cy="361770"/>
+          </a:xfrm>
+          <a:prstGeom prst="rect">
+            <a:avLst/>
+          </a:prstGeom>
+        </p:spPr>
+        <p:style>
+          <a:lnRef idx="2">
+            <a:schemeClr val="accent6">
+              <a:shade val="50000"/>
+            </a:schemeClr>
+          </a:lnRef>
+          <a:fillRef idx="1">
+            <a:schemeClr val="accent6"/>
+          </a:fillRef>
+          <a:effectRef idx="0">
+            <a:schemeClr val="accent6"/>
+          </a:effectRef>
+          <a:fontRef idx="minor">
+            <a:schemeClr val="lt1"/>
+          </a:fontRef>
+        </p:style>
+        <p:txBody>
+          <a:bodyPr rtlCol="0" anchor="ctr"/>
+          <a:lstStyle/>
+          <a:p>
+            <a:pPr algn="ctr"/>
+            <a:r>
+              <a:rPr lang="en-US" sz="1600" b="1" dirty="0" err="1" smtClean="0"/>
+              <a:t>EvaluationData</a:t>
+            </a:r>
+            <a:endParaRPr lang="en-SG" sz="1600" b="1" dirty="0"/>
+          </a:p>
+        </p:txBody>
+      </p:sp>
+      <p:sp>
+        <p:nvSpPr>
+          <p:cNvPr id="295" name="TextBox 294"/>
+          <p:cNvSpPr txBox="1"/>
+          <p:nvPr/>
+        </p:nvSpPr>
+        <p:spPr>
+          <a:xfrm>
+            <a:off x="6557516" y="1721923"/>
+            <a:ext cx="228600" cy="369332"/>
+          </a:xfrm>
+          <a:prstGeom prst="rect">
+            <a:avLst/>
+          </a:prstGeom>
+          <a:noFill/>
+        </p:spPr>
+        <p:txBody>
+          <a:bodyPr wrap="square" rtlCol="0">
+            <a:spAutoFit/>
+          </a:bodyPr>
+          <a:lstStyle/>
+          <a:p>
+            <a:r>
+              <a:rPr lang="en-US" dirty="0" smtClean="0">
+                <a:solidFill>
+                  <a:schemeClr val="accent5">
+                    <a:lumMod val="75000"/>
+                  </a:schemeClr>
+                </a:solidFill>
+              </a:rPr>
+              <a:t>*</a:t>
+            </a:r>
+            <a:endParaRPr lang="en-US" dirty="0">
+              <a:solidFill>
+                <a:schemeClr val="accent5">
+                  <a:lumMod val="75000"/>
+                </a:schemeClr>
+              </a:solidFill>
+            </a:endParaRPr>
+          </a:p>
+        </p:txBody>
+      </p:sp>
+      <p:sp>
+        <p:nvSpPr>
+          <p:cNvPr id="296" name="Flowchart: Decision 295"/>
+          <p:cNvSpPr/>
+          <p:nvPr/>
+        </p:nvSpPr>
+        <p:spPr>
+          <a:xfrm rot="5400000">
+            <a:off x="6477000" y="1493837"/>
+            <a:ext cx="152400" cy="152400"/>
+          </a:xfrm>
+          <a:prstGeom prst="flowChartDecision">
+            <a:avLst/>
+          </a:prstGeom>
+          <a:solidFill>
+            <a:schemeClr val="bg1"/>
+          </a:solidFill>
+        </p:spPr>
+        <p:style>
+          <a:lnRef idx="2">
+            <a:schemeClr val="accent5">
+              <a:shade val="50000"/>
+            </a:schemeClr>
+          </a:lnRef>
+          <a:fillRef idx="1">
+            <a:schemeClr val="accent5"/>
+          </a:fillRef>
+          <a:effectRef idx="0">
+            <a:schemeClr val="accent5"/>
+          </a:effectRef>
+          <a:fontRef idx="minor">
+            <a:schemeClr val="lt1"/>
+          </a:fontRef>
+        </p:style>
+        <p:txBody>
+          <a:bodyPr rtlCol="0" anchor="ctr"/>
+          <a:lstStyle/>
+          <a:p>
+            <a:pPr algn="ctr"/>
+            <a:endParaRPr lang="en-US"/>
+          </a:p>
+        </p:txBody>
+      </p:sp>
+      <p:cxnSp>
+        <p:nvCxnSpPr>
+          <p:cNvPr id="297" name="Elbow Connector 196"/>
+          <p:cNvCxnSpPr>
+            <a:stCxn id="296" idx="3"/>
+            <a:endCxn id="294" idx="1"/>
+          </p:cNvCxnSpPr>
+          <p:nvPr/>
+        </p:nvCxnSpPr>
+        <p:spPr>
+          <a:xfrm rot="16200000" flipH="1">
+            <a:off x="6500858" y="1698579"/>
+            <a:ext cx="333285" cy="228600"/>
+          </a:xfrm>
+          <a:prstGeom prst="bentConnector2">
+            <a:avLst/>
+          </a:prstGeom>
+          <a:ln>
+            <a:tailEnd type="arrow"/>
+          </a:ln>
+        </p:spPr>
+        <p:style>
+          <a:lnRef idx="2">
+            <a:schemeClr val="accent5">
+              <a:shade val="50000"/>
+            </a:schemeClr>
+          </a:lnRef>
+          <a:fillRef idx="1">
+            <a:schemeClr val="accent5"/>
+          </a:fillRef>
+          <a:effectRef idx="0">
+            <a:schemeClr val="accent5"/>
+          </a:effectRef>
+          <a:fontRef idx="minor">
+            <a:schemeClr val="lt1"/>
+          </a:fontRef>
+        </p:style>
+      </p:cxnSp>
+      <p:sp>
+        <p:nvSpPr>
+          <p:cNvPr id="298" name="Rectangle 297"/>
+          <p:cNvSpPr/>
+          <p:nvPr/>
+        </p:nvSpPr>
+        <p:spPr>
+          <a:xfrm>
+            <a:off x="6781806" y="2408237"/>
+            <a:ext cx="1524000" cy="361770"/>
+          </a:xfrm>
+          <a:prstGeom prst="rect">
+            <a:avLst/>
+          </a:prstGeom>
+        </p:spPr>
+        <p:style>
+          <a:lnRef idx="2">
+            <a:schemeClr val="accent5">
+              <a:shade val="50000"/>
+            </a:schemeClr>
+          </a:lnRef>
+          <a:fillRef idx="1">
+            <a:schemeClr val="accent5"/>
+          </a:fillRef>
+          <a:effectRef idx="0">
+            <a:schemeClr val="accent5"/>
+          </a:effectRef>
+          <a:fontRef idx="minor">
+            <a:schemeClr val="lt1"/>
+          </a:fontRef>
+        </p:style>
+        <p:txBody>
+          <a:bodyPr rtlCol="0" anchor="ctr"/>
+          <a:lstStyle/>
+          <a:p>
+            <a:pPr algn="ctr"/>
+            <a:r>
+              <a:rPr lang="en-US" sz="1600" b="1" dirty="0" err="1" smtClean="0"/>
+              <a:t>TeamData</a:t>
+            </a:r>
+            <a:endParaRPr lang="en-SG" sz="1600" b="1" dirty="0"/>
+          </a:p>
+        </p:txBody>
+      </p:sp>
+      <p:cxnSp>
+        <p:nvCxnSpPr>
+          <p:cNvPr id="299" name="Elbow Connector 186"/>
+          <p:cNvCxnSpPr>
+            <a:stCxn id="296" idx="3"/>
+            <a:endCxn id="298" idx="1"/>
+          </p:cNvCxnSpPr>
+          <p:nvPr/>
+        </p:nvCxnSpPr>
+        <p:spPr>
+          <a:xfrm rot="16200000" flipH="1">
+            <a:off x="6196061" y="2003376"/>
+            <a:ext cx="942885" cy="228606"/>
+          </a:xfrm>
+          <a:prstGeom prst="bentConnector2">
+            <a:avLst/>
+          </a:prstGeom>
+          <a:ln>
+            <a:tailEnd type="arrow"/>
+          </a:ln>
+        </p:spPr>
+        <p:style>
+          <a:lnRef idx="2">
+            <a:schemeClr val="accent5">
+              <a:shade val="50000"/>
+            </a:schemeClr>
+          </a:lnRef>
+          <a:fillRef idx="1">
+            <a:schemeClr val="accent5"/>
+          </a:fillRef>
+          <a:effectRef idx="0">
+            <a:schemeClr val="accent5"/>
+          </a:effectRef>
+          <a:fontRef idx="minor">
+            <a:schemeClr val="lt1"/>
+          </a:fontRef>
+        </p:style>
+      </p:cxnSp>
+      <p:sp>
+        <p:nvSpPr>
+          <p:cNvPr id="300" name="TextBox 299"/>
+          <p:cNvSpPr txBox="1"/>
+          <p:nvPr/>
+        </p:nvSpPr>
+        <p:spPr>
+          <a:xfrm>
+            <a:off x="6553206" y="2316810"/>
+            <a:ext cx="228600" cy="369332"/>
+          </a:xfrm>
+          <a:prstGeom prst="rect">
+            <a:avLst/>
+          </a:prstGeom>
+          <a:noFill/>
+        </p:spPr>
+        <p:txBody>
+          <a:bodyPr wrap="square" rtlCol="0">
+            <a:spAutoFit/>
+          </a:bodyPr>
+          <a:lstStyle/>
+          <a:p>
+            <a:r>
+              <a:rPr lang="en-US" dirty="0" smtClean="0">
+                <a:solidFill>
+                  <a:schemeClr val="accent5">
+                    <a:lumMod val="75000"/>
+                  </a:schemeClr>
+                </a:solidFill>
+              </a:rPr>
+              <a:t>*</a:t>
+            </a:r>
+            <a:endParaRPr lang="en-US" dirty="0">
+              <a:solidFill>
+                <a:schemeClr val="accent5">
+                  <a:lumMod val="75000"/>
+                </a:schemeClr>
+              </a:solidFill>
+            </a:endParaRPr>
+          </a:p>
+        </p:txBody>
+      </p:sp>
+      <p:sp>
+        <p:nvSpPr>
+          <p:cNvPr id="301" name="Rectangle 300"/>
+          <p:cNvSpPr/>
+          <p:nvPr/>
+        </p:nvSpPr>
+        <p:spPr>
+          <a:xfrm>
+            <a:off x="7162806" y="3046032"/>
+            <a:ext cx="1550726" cy="361770"/>
+          </a:xfrm>
+          <a:prstGeom prst="rect">
+            <a:avLst/>
+          </a:prstGeom>
+        </p:spPr>
+        <p:style>
+          <a:lnRef idx="2">
+            <a:schemeClr val="accent6">
+              <a:shade val="50000"/>
+            </a:schemeClr>
+          </a:lnRef>
+          <a:fillRef idx="1">
+            <a:schemeClr val="accent6"/>
+          </a:fillRef>
+          <a:effectRef idx="0">
+            <a:schemeClr val="accent6"/>
+          </a:effectRef>
+          <a:fontRef idx="minor">
+            <a:schemeClr val="lt1"/>
+          </a:fontRef>
+        </p:style>
+        <p:txBody>
+          <a:bodyPr rtlCol="0" anchor="ctr"/>
+          <a:lstStyle/>
+          <a:p>
+            <a:pPr algn="ctr"/>
+            <a:r>
+              <a:rPr lang="en-US" sz="1600" b="1" dirty="0" err="1" smtClean="0"/>
+              <a:t>StudentData</a:t>
+            </a:r>
+            <a:endParaRPr lang="en-SG" sz="1600" b="1" dirty="0"/>
+          </a:p>
+        </p:txBody>
+      </p:sp>
+      <p:sp>
+        <p:nvSpPr>
+          <p:cNvPr id="302" name="Flowchart: Decision 301"/>
+          <p:cNvSpPr/>
+          <p:nvPr/>
+        </p:nvSpPr>
+        <p:spPr>
+          <a:xfrm rot="5400000">
+            <a:off x="6858000" y="2789237"/>
+            <a:ext cx="152400" cy="152400"/>
+          </a:xfrm>
+          <a:prstGeom prst="flowChartDecision">
+            <a:avLst/>
+          </a:prstGeom>
+          <a:solidFill>
+            <a:schemeClr val="bg1"/>
+          </a:solidFill>
+        </p:spPr>
+        <p:style>
+          <a:lnRef idx="2">
+            <a:schemeClr val="accent5">
+              <a:shade val="50000"/>
+            </a:schemeClr>
+          </a:lnRef>
+          <a:fillRef idx="1">
+            <a:schemeClr val="accent5"/>
+          </a:fillRef>
+          <a:effectRef idx="0">
+            <a:schemeClr val="accent5"/>
+          </a:effectRef>
+          <a:fontRef idx="minor">
+            <a:schemeClr val="lt1"/>
+          </a:fontRef>
+        </p:style>
+        <p:txBody>
+          <a:bodyPr rtlCol="0" anchor="ctr"/>
+          <a:lstStyle/>
+          <a:p>
+            <a:pPr algn="ctr"/>
+            <a:endParaRPr lang="en-US"/>
+          </a:p>
+        </p:txBody>
+      </p:sp>
+      <p:cxnSp>
+        <p:nvCxnSpPr>
+          <p:cNvPr id="303" name="Elbow Connector 186"/>
+          <p:cNvCxnSpPr>
+            <a:stCxn id="302" idx="3"/>
+            <a:endCxn id="301" idx="1"/>
+          </p:cNvCxnSpPr>
+          <p:nvPr/>
+        </p:nvCxnSpPr>
+        <p:spPr>
+          <a:xfrm rot="16200000" flipH="1">
+            <a:off x="6905863" y="2969974"/>
+            <a:ext cx="285280" cy="228606"/>
+          </a:xfrm>
+          <a:prstGeom prst="bentConnector2">
+            <a:avLst/>
+          </a:prstGeom>
+          <a:ln>
+            <a:tailEnd type="arrow"/>
+          </a:ln>
+        </p:spPr>
+        <p:style>
+          <a:lnRef idx="2">
+            <a:schemeClr val="accent5">
+              <a:shade val="50000"/>
+            </a:schemeClr>
+          </a:lnRef>
+          <a:fillRef idx="1">
+            <a:schemeClr val="accent5"/>
+          </a:fillRef>
+          <a:effectRef idx="0">
+            <a:schemeClr val="accent5"/>
+          </a:effectRef>
+          <a:fontRef idx="minor">
+            <a:schemeClr val="lt1"/>
+          </a:fontRef>
+        </p:style>
+      </p:cxnSp>
+      <p:sp>
+        <p:nvSpPr>
+          <p:cNvPr id="304" name="TextBox 303"/>
+          <p:cNvSpPr txBox="1"/>
+          <p:nvPr/>
+        </p:nvSpPr>
+        <p:spPr>
+          <a:xfrm>
+            <a:off x="6934205" y="2941637"/>
+            <a:ext cx="228600" cy="369332"/>
+          </a:xfrm>
+          <a:prstGeom prst="rect">
+            <a:avLst/>
+          </a:prstGeom>
+          <a:noFill/>
+        </p:spPr>
+        <p:txBody>
+          <a:bodyPr wrap="square" rtlCol="0">
+            <a:spAutoFit/>
+          </a:bodyPr>
+          <a:lstStyle/>
+          <a:p>
+            <a:r>
+              <a:rPr lang="en-US" dirty="0" smtClean="0">
+                <a:solidFill>
+                  <a:schemeClr val="accent5">
+                    <a:lumMod val="75000"/>
+                  </a:schemeClr>
+                </a:solidFill>
+              </a:rPr>
+              <a:t>*</a:t>
+            </a:r>
+            <a:endParaRPr lang="en-US" dirty="0">
+              <a:solidFill>
+                <a:schemeClr val="accent5">
+                  <a:lumMod val="75000"/>
+                </a:schemeClr>
+              </a:solidFill>
+            </a:endParaRPr>
+          </a:p>
+        </p:txBody>
+      </p:sp>
+      <p:sp>
+        <p:nvSpPr>
+          <p:cNvPr id="305" name="TextBox 304"/>
+          <p:cNvSpPr txBox="1"/>
+          <p:nvPr/>
+        </p:nvSpPr>
+        <p:spPr>
+          <a:xfrm>
+            <a:off x="914400" y="46037"/>
+            <a:ext cx="533400" cy="369332"/>
+          </a:xfrm>
+          <a:prstGeom prst="rect">
+            <a:avLst/>
+          </a:prstGeom>
+          <a:noFill/>
+        </p:spPr>
+        <p:txBody>
+          <a:bodyPr wrap="square" rtlCol="0">
+            <a:spAutoFit/>
+          </a:bodyPr>
+          <a:lstStyle/>
+          <a:p>
+            <a:r>
+              <a:rPr lang="en-US" dirty="0" smtClean="0"/>
+              <a:t>(a)</a:t>
+            </a:r>
+            <a:endParaRPr lang="en-US" dirty="0"/>
+          </a:p>
+        </p:txBody>
+      </p:sp>
+      <p:sp>
+        <p:nvSpPr>
+          <p:cNvPr id="306" name="TextBox 305"/>
+          <p:cNvSpPr txBox="1"/>
+          <p:nvPr/>
+        </p:nvSpPr>
+        <p:spPr>
+          <a:xfrm>
+            <a:off x="3429000" y="57705"/>
+            <a:ext cx="533400" cy="369332"/>
+          </a:xfrm>
+          <a:prstGeom prst="rect">
+            <a:avLst/>
+          </a:prstGeom>
+          <a:noFill/>
+        </p:spPr>
+        <p:txBody>
+          <a:bodyPr wrap="square" rtlCol="0">
+            <a:spAutoFit/>
+          </a:bodyPr>
+          <a:lstStyle/>
+          <a:p>
+            <a:r>
+              <a:rPr lang="en-US" dirty="0" smtClean="0"/>
+              <a:t>(b)</a:t>
+            </a:r>
+            <a:endParaRPr lang="en-US" dirty="0"/>
+          </a:p>
+        </p:txBody>
+      </p:sp>
+      <p:sp>
+        <p:nvSpPr>
+          <p:cNvPr id="307" name="TextBox 306"/>
+          <p:cNvSpPr txBox="1"/>
+          <p:nvPr/>
+        </p:nvSpPr>
+        <p:spPr>
+          <a:xfrm>
+            <a:off x="6324600" y="46037"/>
+            <a:ext cx="533400" cy="369332"/>
+          </a:xfrm>
+          <a:prstGeom prst="rect">
+            <a:avLst/>
+          </a:prstGeom>
+          <a:noFill/>
+        </p:spPr>
+        <p:txBody>
+          <a:bodyPr wrap="square" rtlCol="0">
+            <a:spAutoFit/>
+          </a:bodyPr>
+          <a:lstStyle/>
+          <a:p>
+            <a:r>
+              <a:rPr lang="en-US" dirty="0" smtClean="0"/>
+              <a:t>(c)</a:t>
+            </a:r>
+            <a:endParaRPr lang="en-US" dirty="0"/>
           </a:p>
         </p:txBody>
       </p:sp>

--- a/doc/diagrams/dataTransferClasses.pptx
+++ b/doc/diagrams/dataTransferClasses.pptx
@@ -289,7 +289,7 @@
             <a:fld id="{1D8BD707-D9CF-40AE-B4C6-C98DA3205C09}" type="datetimeFigureOut">
               <a:rPr lang="en-US" smtClean="0"/>
               <a:pPr/>
-              <a:t>12/1/2012</a:t>
+              <a:t>3/24/2013</a:t>
             </a:fld>
             <a:endParaRPr lang="en-US"/>
           </a:p>
@@ -456,7 +456,7 @@
             <a:fld id="{1D8BD707-D9CF-40AE-B4C6-C98DA3205C09}" type="datetimeFigureOut">
               <a:rPr lang="en-US" smtClean="0"/>
               <a:pPr/>
-              <a:t>12/1/2012</a:t>
+              <a:t>3/24/2013</a:t>
             </a:fld>
             <a:endParaRPr lang="en-US"/>
           </a:p>
@@ -633,7 +633,7 @@
             <a:fld id="{1D8BD707-D9CF-40AE-B4C6-C98DA3205C09}" type="datetimeFigureOut">
               <a:rPr lang="en-US" smtClean="0"/>
               <a:pPr/>
-              <a:t>12/1/2012</a:t>
+              <a:t>3/24/2013</a:t>
             </a:fld>
             <a:endParaRPr lang="en-US"/>
           </a:p>
@@ -800,7 +800,7 @@
             <a:fld id="{1D8BD707-D9CF-40AE-B4C6-C98DA3205C09}" type="datetimeFigureOut">
               <a:rPr lang="en-US" smtClean="0"/>
               <a:pPr/>
-              <a:t>12/1/2012</a:t>
+              <a:t>3/24/2013</a:t>
             </a:fld>
             <a:endParaRPr lang="en-US"/>
           </a:p>
@@ -1043,7 +1043,7 @@
             <a:fld id="{1D8BD707-D9CF-40AE-B4C6-C98DA3205C09}" type="datetimeFigureOut">
               <a:rPr lang="en-US" smtClean="0"/>
               <a:pPr/>
-              <a:t>12/1/2012</a:t>
+              <a:t>3/24/2013</a:t>
             </a:fld>
             <a:endParaRPr lang="en-US"/>
           </a:p>
@@ -1328,7 +1328,7 @@
             <a:fld id="{1D8BD707-D9CF-40AE-B4C6-C98DA3205C09}" type="datetimeFigureOut">
               <a:rPr lang="en-US" smtClean="0"/>
               <a:pPr/>
-              <a:t>12/1/2012</a:t>
+              <a:t>3/24/2013</a:t>
             </a:fld>
             <a:endParaRPr lang="en-US"/>
           </a:p>
@@ -1747,7 +1747,7 @@
             <a:fld id="{1D8BD707-D9CF-40AE-B4C6-C98DA3205C09}" type="datetimeFigureOut">
               <a:rPr lang="en-US" smtClean="0"/>
               <a:pPr/>
-              <a:t>12/1/2012</a:t>
+              <a:t>3/24/2013</a:t>
             </a:fld>
             <a:endParaRPr lang="en-US"/>
           </a:p>
@@ -1862,7 +1862,7 @@
             <a:fld id="{1D8BD707-D9CF-40AE-B4C6-C98DA3205C09}" type="datetimeFigureOut">
               <a:rPr lang="en-US" smtClean="0"/>
               <a:pPr/>
-              <a:t>12/1/2012</a:t>
+              <a:t>3/24/2013</a:t>
             </a:fld>
             <a:endParaRPr lang="en-US"/>
           </a:p>
@@ -1954,7 +1954,7 @@
             <a:fld id="{1D8BD707-D9CF-40AE-B4C6-C98DA3205C09}" type="datetimeFigureOut">
               <a:rPr lang="en-US" smtClean="0"/>
               <a:pPr/>
-              <a:t>12/1/2012</a:t>
+              <a:t>3/24/2013</a:t>
             </a:fld>
             <a:endParaRPr lang="en-US"/>
           </a:p>
@@ -2228,7 +2228,7 @@
             <a:fld id="{1D8BD707-D9CF-40AE-B4C6-C98DA3205C09}" type="datetimeFigureOut">
               <a:rPr lang="en-US" smtClean="0"/>
               <a:pPr/>
-              <a:t>12/1/2012</a:t>
+              <a:t>3/24/2013</a:t>
             </a:fld>
             <a:endParaRPr lang="en-US"/>
           </a:p>
@@ -2478,7 +2478,7 @@
             <a:fld id="{1D8BD707-D9CF-40AE-B4C6-C98DA3205C09}" type="datetimeFigureOut">
               <a:rPr lang="en-US" smtClean="0"/>
               <a:pPr/>
-              <a:t>12/1/2012</a:t>
+              <a:t>3/24/2013</a:t>
             </a:fld>
             <a:endParaRPr lang="en-US"/>
           </a:p>
@@ -2688,7 +2688,7 @@
             <a:fld id="{1D8BD707-D9CF-40AE-B4C6-C98DA3205C09}" type="datetimeFigureOut">
               <a:rPr lang="en-US" smtClean="0"/>
               <a:pPr/>
-              <a:t>12/1/2012</a:t>
+              <a:t>3/24/2013</a:t>
             </a:fld>
             <a:endParaRPr lang="en-US"/>
           </a:p>
@@ -3067,8 +3067,8 @@
         </p:nvSpPr>
         <p:spPr>
           <a:xfrm>
-            <a:off x="963874" y="1720521"/>
-            <a:ext cx="1550726" cy="361770"/>
+            <a:off x="963874" y="2108709"/>
+            <a:ext cx="1550726" cy="253491"/>
           </a:xfrm>
           <a:prstGeom prst="rect">
             <a:avLst/>
@@ -3111,8 +3111,8 @@
         </p:nvSpPr>
         <p:spPr>
           <a:xfrm>
-            <a:off x="963874" y="1265237"/>
-            <a:ext cx="1550726" cy="361770"/>
+            <a:off x="963874" y="1649593"/>
+            <a:ext cx="1550726" cy="331607"/>
           </a:xfrm>
           <a:prstGeom prst="rect">
             <a:avLst/>
@@ -3155,8 +3155,8 @@
         </p:nvSpPr>
         <p:spPr>
           <a:xfrm>
-            <a:off x="963874" y="2631089"/>
-            <a:ext cx="1550726" cy="361770"/>
+            <a:off x="963874" y="2874541"/>
+            <a:ext cx="1550726" cy="249659"/>
           </a:xfrm>
           <a:prstGeom prst="rect">
             <a:avLst/>
@@ -3199,8 +3199,8 @@
         </p:nvSpPr>
         <p:spPr>
           <a:xfrm>
-            <a:off x="963874" y="3086372"/>
-            <a:ext cx="1550726" cy="361770"/>
+            <a:off x="963874" y="3200400"/>
+            <a:ext cx="1550726" cy="247742"/>
           </a:xfrm>
           <a:prstGeom prst="rect">
             <a:avLst/>
@@ -3243,8 +3243,8 @@
         </p:nvSpPr>
         <p:spPr>
           <a:xfrm>
-            <a:off x="963874" y="2175805"/>
-            <a:ext cx="1550726" cy="361770"/>
+            <a:off x="963874" y="2491625"/>
+            <a:ext cx="1550726" cy="251575"/>
           </a:xfrm>
           <a:prstGeom prst="rect">
             <a:avLst/>
@@ -3287,8 +3287,8 @@
         </p:nvSpPr>
         <p:spPr>
           <a:xfrm>
-            <a:off x="3505200" y="1121802"/>
-            <a:ext cx="1524000" cy="361770"/>
+            <a:off x="3021274" y="999565"/>
+            <a:ext cx="1169726" cy="295835"/>
           </a:xfrm>
           <a:prstGeom prst="rect">
             <a:avLst/>
@@ -3316,10 +3316,10 @@
           <a:p>
             <a:pPr algn="ctr"/>
             <a:r>
-              <a:rPr lang="en-US" sz="1600" b="1" dirty="0" err="1" smtClean="0"/>
+              <a:rPr lang="en-US" sz="1400" b="1" dirty="0" err="1" smtClean="0"/>
               <a:t>TeamData</a:t>
             </a:r>
-            <a:endParaRPr lang="en-SG" sz="1600" b="1" dirty="0"/>
+            <a:endParaRPr lang="en-SG" sz="1400" b="1" dirty="0"/>
           </a:p>
         </p:txBody>
       </p:sp>
@@ -3331,8 +3331,8 @@
         </p:nvSpPr>
         <p:spPr>
           <a:xfrm>
-            <a:off x="4419600" y="2355752"/>
-            <a:ext cx="1524000" cy="361770"/>
+            <a:off x="3810000" y="2076630"/>
+            <a:ext cx="1295400" cy="285570"/>
           </a:xfrm>
           <a:prstGeom prst="rect">
             <a:avLst/>
@@ -3360,10 +3360,10 @@
           <a:p>
             <a:pPr algn="ctr"/>
             <a:r>
-              <a:rPr lang="en-US" sz="1600" b="1" dirty="0" err="1" smtClean="0"/>
+              <a:rPr lang="en-US" sz="1400" b="1" dirty="0" err="1" smtClean="0"/>
               <a:t>EvalResultData</a:t>
             </a:r>
-            <a:endParaRPr lang="en-SG" sz="1600" b="1" dirty="0"/>
+            <a:endParaRPr lang="en-SG" sz="1400" b="1" dirty="0"/>
           </a:p>
         </p:txBody>
       </p:sp>
@@ -3465,8 +3465,8 @@
         </p:nvCxnSpPr>
         <p:spPr>
           <a:xfrm rot="16200000" flipH="1">
-            <a:off x="581995" y="1064242"/>
-            <a:ext cx="409485" cy="354274"/>
+            <a:off x="397357" y="1248880"/>
+            <a:ext cx="778760" cy="354274"/>
           </a:xfrm>
           <a:prstGeom prst="bentConnector2">
             <a:avLst/>
@@ -3503,8 +3503,8 @@
         </p:nvCxnSpPr>
         <p:spPr>
           <a:xfrm rot="16200000" flipH="1">
-            <a:off x="354353" y="1291884"/>
-            <a:ext cx="864769" cy="354274"/>
+            <a:off x="187328" y="1458909"/>
+            <a:ext cx="1198818" cy="354274"/>
           </a:xfrm>
           <a:prstGeom prst="bentConnector2">
             <a:avLst/>
@@ -3541,8 +3541,8 @@
         </p:nvCxnSpPr>
         <p:spPr>
           <a:xfrm rot="16200000" flipH="1">
-            <a:off x="126711" y="1519526"/>
-            <a:ext cx="1320053" cy="354274"/>
+            <a:off x="-3651" y="1649888"/>
+            <a:ext cx="1580776" cy="354274"/>
           </a:xfrm>
           <a:prstGeom prst="bentConnector2">
             <a:avLst/>
@@ -3579,8 +3579,8 @@
         </p:nvCxnSpPr>
         <p:spPr>
           <a:xfrm rot="16200000" flipH="1">
-            <a:off x="-100931" y="1747168"/>
-            <a:ext cx="1775337" cy="354274"/>
+            <a:off x="-194630" y="1840867"/>
+            <a:ext cx="1962734" cy="354274"/>
           </a:xfrm>
           <a:prstGeom prst="bentConnector2">
             <a:avLst/>
@@ -3617,8 +3617,8 @@
         </p:nvCxnSpPr>
         <p:spPr>
           <a:xfrm rot="16200000" flipH="1">
-            <a:off x="-328573" y="1974810"/>
-            <a:ext cx="2230620" cy="354274"/>
+            <a:off x="-357080" y="2003317"/>
+            <a:ext cx="2287634" cy="354274"/>
           </a:xfrm>
           <a:prstGeom prst="bentConnector2">
             <a:avLst/>
@@ -3652,8 +3652,8 @@
         </p:nvSpPr>
         <p:spPr>
           <a:xfrm>
-            <a:off x="762005" y="1180072"/>
-            <a:ext cx="228600" cy="369332"/>
+            <a:off x="609600" y="1524000"/>
+            <a:ext cx="152400" cy="369332"/>
           </a:xfrm>
           <a:prstGeom prst="rect">
             <a:avLst/>
@@ -3694,7 +3694,7 @@
         </p:nvSpPr>
         <p:spPr>
           <a:xfrm>
-            <a:off x="748555" y="1619342"/>
+            <a:off x="609600" y="1981200"/>
             <a:ext cx="228600" cy="369332"/>
           </a:xfrm>
           <a:prstGeom prst="rect">
@@ -3736,8 +3736,8 @@
         </p:nvSpPr>
         <p:spPr>
           <a:xfrm>
-            <a:off x="739590" y="2094472"/>
-            <a:ext cx="228600" cy="369332"/>
+            <a:off x="609600" y="2362200"/>
+            <a:ext cx="228600" cy="383430"/>
           </a:xfrm>
           <a:prstGeom prst="rect">
             <a:avLst/>
@@ -3778,7 +3778,7 @@
         </p:nvSpPr>
         <p:spPr>
           <a:xfrm>
-            <a:off x="739590" y="2554375"/>
+            <a:off x="609600" y="2743200"/>
             <a:ext cx="228600" cy="369332"/>
           </a:xfrm>
           <a:prstGeom prst="rect">
@@ -3820,7 +3820,7 @@
         </p:nvSpPr>
         <p:spPr>
           <a:xfrm>
-            <a:off x="726140" y="2993645"/>
+            <a:off x="609600" y="3048000"/>
             <a:ext cx="228600" cy="369332"/>
           </a:xfrm>
           <a:prstGeom prst="rect">
@@ -3862,8 +3862,8 @@
         </p:nvSpPr>
         <p:spPr>
           <a:xfrm>
-            <a:off x="3124200" y="503237"/>
-            <a:ext cx="1550726" cy="361770"/>
+            <a:off x="2640274" y="503237"/>
+            <a:ext cx="1398326" cy="258763"/>
           </a:xfrm>
           <a:prstGeom prst="rect">
             <a:avLst/>
@@ -3891,10 +3891,10 @@
           <a:p>
             <a:pPr algn="ctr"/>
             <a:r>
-              <a:rPr lang="en-US" sz="1600" b="1" dirty="0" err="1" smtClean="0"/>
+              <a:rPr lang="en-US" sz="1400" b="1" dirty="0" err="1" smtClean="0"/>
               <a:t>EvaluationData</a:t>
             </a:r>
-            <a:endParaRPr lang="en-SG" sz="1600" b="1" dirty="0"/>
+            <a:endParaRPr lang="en-SG" sz="1400" b="1" dirty="0"/>
           </a:p>
         </p:txBody>
       </p:sp>
@@ -3906,7 +3906,7 @@
         </p:nvSpPr>
         <p:spPr>
           <a:xfrm rot="5400000">
-            <a:off x="3200395" y="884237"/>
+            <a:off x="2716469" y="762000"/>
             <a:ext cx="152400" cy="152400"/>
           </a:xfrm>
           <a:prstGeom prst="flowChartDecision">
@@ -3952,8 +3952,8 @@
         </p:nvCxnSpPr>
         <p:spPr>
           <a:xfrm rot="16200000" flipH="1">
-            <a:off x="3257872" y="1055359"/>
-            <a:ext cx="266050" cy="228605"/>
+            <a:off x="2790430" y="916638"/>
+            <a:ext cx="233083" cy="228605"/>
           </a:xfrm>
           <a:prstGeom prst="bentConnector2">
             <a:avLst/>
@@ -3987,7 +3987,7 @@
         </p:nvSpPr>
         <p:spPr>
           <a:xfrm>
-            <a:off x="3276600" y="1036637"/>
+            <a:off x="2792674" y="914400"/>
             <a:ext cx="228600" cy="369332"/>
           </a:xfrm>
           <a:prstGeom prst="rect">
@@ -4029,8 +4029,8 @@
         </p:nvSpPr>
         <p:spPr>
           <a:xfrm>
-            <a:off x="3886200" y="1759597"/>
-            <a:ext cx="1550726" cy="361770"/>
+            <a:off x="3402274" y="1561160"/>
+            <a:ext cx="1245926" cy="267640"/>
           </a:xfrm>
           <a:prstGeom prst="rect">
             <a:avLst/>
@@ -4058,10 +4058,10 @@
           <a:p>
             <a:pPr algn="ctr"/>
             <a:r>
-              <a:rPr lang="en-US" sz="1600" b="1" dirty="0" err="1" smtClean="0"/>
+              <a:rPr lang="en-US" sz="1400" b="1" dirty="0" err="1" smtClean="0"/>
               <a:t>StudentData</a:t>
             </a:r>
-            <a:endParaRPr lang="en-SG" sz="1600" b="1" dirty="0"/>
+            <a:endParaRPr lang="en-SG" sz="1400" b="1" dirty="0"/>
           </a:p>
         </p:txBody>
       </p:sp>
@@ -4073,7 +4073,7 @@
         </p:nvSpPr>
         <p:spPr>
           <a:xfrm rot="5400000">
-            <a:off x="3581394" y="1502802"/>
+            <a:off x="3097468" y="1304365"/>
             <a:ext cx="152400" cy="152400"/>
           </a:xfrm>
           <a:prstGeom prst="flowChartDecision">
@@ -4119,8 +4119,8 @@
         </p:nvCxnSpPr>
         <p:spPr>
           <a:xfrm rot="16200000" flipH="1">
-            <a:off x="3629257" y="1683539"/>
-            <a:ext cx="285280" cy="228606"/>
+            <a:off x="3168864" y="1461569"/>
+            <a:ext cx="238215" cy="228606"/>
           </a:xfrm>
           <a:prstGeom prst="bentConnector2">
             <a:avLst/>
@@ -4154,7 +4154,7 @@
         </p:nvSpPr>
         <p:spPr>
           <a:xfrm>
-            <a:off x="3657599" y="1655202"/>
+            <a:off x="3173673" y="1456765"/>
             <a:ext cx="228600" cy="369332"/>
           </a:xfrm>
           <a:prstGeom prst="rect">
@@ -4196,7 +4196,7 @@
         </p:nvSpPr>
         <p:spPr>
           <a:xfrm rot="5400000">
-            <a:off x="4038600" y="2121367"/>
+            <a:off x="3429000" y="1842245"/>
             <a:ext cx="152400" cy="152400"/>
           </a:xfrm>
           <a:prstGeom prst="flowChartDecision">
@@ -4242,8 +4242,8 @@
         </p:nvCxnSpPr>
         <p:spPr>
           <a:xfrm rot="16200000" flipH="1">
-            <a:off x="4135765" y="2252802"/>
-            <a:ext cx="262870" cy="304800"/>
+            <a:off x="3545215" y="1954630"/>
+            <a:ext cx="224770" cy="304800"/>
           </a:xfrm>
           <a:prstGeom prst="bentConnector2">
             <a:avLst/>
@@ -4277,7 +4277,7 @@
         </p:nvSpPr>
         <p:spPr>
           <a:xfrm>
-            <a:off x="4150665" y="2273767"/>
+            <a:off x="3541065" y="1994645"/>
             <a:ext cx="228600" cy="369332"/>
           </a:xfrm>
           <a:prstGeom prst="rect">
@@ -4319,7 +4319,7 @@
         </p:nvSpPr>
         <p:spPr>
           <a:xfrm>
-            <a:off x="4724400" y="2974317"/>
+            <a:off x="4191000" y="2618995"/>
             <a:ext cx="1550726" cy="361770"/>
           </a:xfrm>
           <a:prstGeom prst="rect">
@@ -4348,10 +4348,10 @@
           <a:p>
             <a:pPr algn="ctr"/>
             <a:r>
-              <a:rPr lang="en-US" sz="1600" b="1" dirty="0" err="1" smtClean="0"/>
+              <a:rPr lang="en-US" sz="1400" b="1" dirty="0" err="1" smtClean="0"/>
               <a:t>SubmissionData</a:t>
             </a:r>
-            <a:endParaRPr lang="en-SG" sz="1600" b="1" dirty="0"/>
+            <a:endParaRPr lang="en-SG" sz="1400" b="1" dirty="0"/>
           </a:p>
         </p:txBody>
       </p:sp>
@@ -4363,7 +4363,7 @@
         </p:nvSpPr>
         <p:spPr>
           <a:xfrm rot="5400000">
-            <a:off x="4419600" y="2717522"/>
+            <a:off x="3886200" y="2362200"/>
             <a:ext cx="152400" cy="152400"/>
           </a:xfrm>
           <a:prstGeom prst="flowChartDecision">
@@ -4409,7 +4409,7 @@
         </p:nvCxnSpPr>
         <p:spPr>
           <a:xfrm rot="16200000" flipH="1">
-            <a:off x="4467460" y="2898262"/>
+            <a:off x="3934060" y="2542940"/>
             <a:ext cx="285280" cy="228600"/>
           </a:xfrm>
           <a:prstGeom prst="bentConnector2">
@@ -4444,7 +4444,7 @@
         </p:nvSpPr>
         <p:spPr>
           <a:xfrm>
-            <a:off x="4495805" y="2869922"/>
+            <a:off x="3962400" y="2526268"/>
             <a:ext cx="228600" cy="369332"/>
           </a:xfrm>
           <a:prstGeom prst="rect">
@@ -4480,14 +4480,14 @@
       </p:sp>
       <p:sp>
         <p:nvSpPr>
-          <p:cNvPr id="289" name="Rectangle 288"/>
+          <p:cNvPr id="290" name="Rectangle 289"/>
           <p:cNvSpPr/>
           <p:nvPr/>
         </p:nvSpPr>
         <p:spPr>
           <a:xfrm>
-            <a:off x="5943600" y="503237"/>
-            <a:ext cx="1550726" cy="361770"/>
+            <a:off x="6019800" y="1219200"/>
+            <a:ext cx="1245926" cy="285570"/>
           </a:xfrm>
           <a:prstGeom prst="rect">
             <a:avLst/>
@@ -4515,23 +4515,23 @@
           <a:p>
             <a:pPr algn="ctr"/>
             <a:r>
-              <a:rPr lang="en-US" sz="1600" b="1" dirty="0" err="1" smtClean="0"/>
-              <a:t>InstructorData</a:t>
-            </a:r>
-            <a:endParaRPr lang="en-SG" sz="1600" b="1" dirty="0"/>
-          </a:p>
-        </p:txBody>
-      </p:sp>
-      <p:sp>
-        <p:nvSpPr>
-          <p:cNvPr id="290" name="Rectangle 289"/>
+              <a:rPr lang="en-US" sz="1400" b="1" dirty="0" err="1" smtClean="0"/>
+              <a:t>CourseData</a:t>
+            </a:r>
+            <a:endParaRPr lang="en-SG" sz="1400" b="1" dirty="0"/>
+          </a:p>
+        </p:txBody>
+      </p:sp>
+      <p:sp>
+        <p:nvSpPr>
+          <p:cNvPr id="294" name="Rectangle 293"/>
           <p:cNvSpPr/>
           <p:nvPr/>
         </p:nvSpPr>
         <p:spPr>
           <a:xfrm>
-            <a:off x="6396484" y="1117970"/>
-            <a:ext cx="1550726" cy="361770"/>
+            <a:off x="6405116" y="1828800"/>
+            <a:ext cx="1367284" cy="228601"/>
           </a:xfrm>
           <a:prstGeom prst="rect">
             <a:avLst/>
@@ -4559,22 +4559,64 @@
           <a:p>
             <a:pPr algn="ctr"/>
             <a:r>
-              <a:rPr lang="en-US" sz="1600" b="1" dirty="0" err="1" smtClean="0"/>
-              <a:t>CourseData</a:t>
-            </a:r>
-            <a:endParaRPr lang="en-SG" sz="1600" b="1" dirty="0"/>
-          </a:p>
-        </p:txBody>
-      </p:sp>
-      <p:sp>
-        <p:nvSpPr>
-          <p:cNvPr id="291" name="Flowchart: Decision 290"/>
+              <a:rPr lang="en-US" sz="1400" b="1" dirty="0" err="1" smtClean="0"/>
+              <a:t>EvaluationData</a:t>
+            </a:r>
+            <a:endParaRPr lang="en-SG" sz="1400" b="1" dirty="0"/>
+          </a:p>
+        </p:txBody>
+      </p:sp>
+      <p:sp>
+        <p:nvSpPr>
+          <p:cNvPr id="295" name="TextBox 294"/>
+          <p:cNvSpPr txBox="1"/>
+          <p:nvPr/>
+        </p:nvSpPr>
+        <p:spPr>
+          <a:xfrm>
+            <a:off x="6180832" y="1676400"/>
+            <a:ext cx="228600" cy="369332"/>
+          </a:xfrm>
+          <a:prstGeom prst="rect">
+            <a:avLst/>
+          </a:prstGeom>
+          <a:noFill/>
+        </p:spPr>
+        <p:txBody>
+          <a:bodyPr wrap="square" rtlCol="0">
+            <a:spAutoFit/>
+          </a:bodyPr>
+          <a:lstStyle/>
+          <a:p>
+            <a:r>
+              <a:rPr lang="en-US" dirty="0" smtClean="0">
+                <a:solidFill>
+                  <a:schemeClr val="accent5">
+                    <a:lumMod val="75000"/>
+                  </a:schemeClr>
+                </a:solidFill>
+              </a:rPr>
+              <a:t>*</a:t>
+            </a:r>
+            <a:endParaRPr lang="en-US" dirty="0">
+              <a:solidFill>
+                <a:schemeClr val="accent5">
+                  <a:lumMod val="75000"/>
+                </a:schemeClr>
+              </a:solidFill>
+            </a:endParaRPr>
+          </a:p>
+        </p:txBody>
+      </p:sp>
+      <p:sp>
+        <p:nvSpPr>
+          <p:cNvPr id="296" name="Flowchart: Decision 295"/>
           <p:cNvSpPr/>
           <p:nvPr/>
         </p:nvSpPr>
         <p:spPr>
           <a:xfrm rot="5400000">
-            <a:off x="6096000" y="884238"/>
+            <a:off x="6100316" y="1518867"/>
             <a:ext cx="152400" cy="152400"/>
           </a:xfrm>
           <a:prstGeom prst="flowChartDecision">
@@ -4611,17 +4653,17 @@
       </p:sp>
       <p:cxnSp>
         <p:nvCxnSpPr>
-          <p:cNvPr id="292" name="Elbow Connector 190"/>
+          <p:cNvPr id="297" name="Elbow Connector 196"/>
           <p:cNvCxnSpPr>
-            <a:stCxn id="291" idx="3"/>
-            <a:endCxn id="290" idx="1"/>
+            <a:stCxn id="296" idx="3"/>
+            <a:endCxn id="294" idx="1"/>
           </p:cNvCxnSpPr>
           <p:nvPr/>
         </p:nvCxnSpPr>
         <p:spPr>
           <a:xfrm rot="16200000" flipH="1">
-            <a:off x="6153234" y="1055604"/>
-            <a:ext cx="262217" cy="224284"/>
+            <a:off x="6154899" y="1692884"/>
+            <a:ext cx="271834" cy="228600"/>
           </a:xfrm>
           <a:prstGeom prst="bentConnector2">
             <a:avLst/>
@@ -4649,149 +4691,18 @@
       </p:cxnSp>
       <p:sp>
         <p:nvSpPr>
-          <p:cNvPr id="293" name="TextBox 292"/>
-          <p:cNvSpPr txBox="1"/>
-          <p:nvPr/>
-        </p:nvSpPr>
-        <p:spPr>
-          <a:xfrm>
-            <a:off x="6172200" y="1036637"/>
-            <a:ext cx="228600" cy="369332"/>
-          </a:xfrm>
-          <a:prstGeom prst="rect">
-            <a:avLst/>
-          </a:prstGeom>
-          <a:noFill/>
-        </p:spPr>
-        <p:txBody>
-          <a:bodyPr wrap="square" rtlCol="0">
-            <a:spAutoFit/>
-          </a:bodyPr>
-          <a:lstStyle/>
-          <a:p>
-            <a:r>
-              <a:rPr lang="en-US" dirty="0" smtClean="0">
-                <a:solidFill>
-                  <a:schemeClr val="accent5">
-                    <a:lumMod val="75000"/>
-                  </a:schemeClr>
-                </a:solidFill>
-              </a:rPr>
-              <a:t>*</a:t>
-            </a:r>
-            <a:endParaRPr lang="en-US" dirty="0">
-              <a:solidFill>
-                <a:schemeClr val="accent5">
-                  <a:lumMod val="75000"/>
-                </a:schemeClr>
-              </a:solidFill>
-            </a:endParaRPr>
-          </a:p>
-        </p:txBody>
-      </p:sp>
-      <p:sp>
-        <p:nvSpPr>
-          <p:cNvPr id="294" name="Rectangle 293"/>
+          <p:cNvPr id="298" name="Rectangle 297"/>
           <p:cNvSpPr/>
           <p:nvPr/>
         </p:nvSpPr>
         <p:spPr>
           <a:xfrm>
-            <a:off x="6781800" y="1798637"/>
-            <a:ext cx="1550726" cy="361770"/>
+            <a:off x="6405122" y="2209800"/>
+            <a:ext cx="1367278" cy="228600"/>
           </a:xfrm>
           <a:prstGeom prst="rect">
             <a:avLst/>
           </a:prstGeom>
-        </p:spPr>
-        <p:style>
-          <a:lnRef idx="2">
-            <a:schemeClr val="accent6">
-              <a:shade val="50000"/>
-            </a:schemeClr>
-          </a:lnRef>
-          <a:fillRef idx="1">
-            <a:schemeClr val="accent6"/>
-          </a:fillRef>
-          <a:effectRef idx="0">
-            <a:schemeClr val="accent6"/>
-          </a:effectRef>
-          <a:fontRef idx="minor">
-            <a:schemeClr val="lt1"/>
-          </a:fontRef>
-        </p:style>
-        <p:txBody>
-          <a:bodyPr rtlCol="0" anchor="ctr"/>
-          <a:lstStyle/>
-          <a:p>
-            <a:pPr algn="ctr"/>
-            <a:r>
-              <a:rPr lang="en-US" sz="1600" b="1" dirty="0" err="1" smtClean="0"/>
-              <a:t>EvaluationData</a:t>
-            </a:r>
-            <a:endParaRPr lang="en-SG" sz="1600" b="1" dirty="0"/>
-          </a:p>
-        </p:txBody>
-      </p:sp>
-      <p:sp>
-        <p:nvSpPr>
-          <p:cNvPr id="295" name="TextBox 294"/>
-          <p:cNvSpPr txBox="1"/>
-          <p:nvPr/>
-        </p:nvSpPr>
-        <p:spPr>
-          <a:xfrm>
-            <a:off x="6557516" y="1721923"/>
-            <a:ext cx="228600" cy="369332"/>
-          </a:xfrm>
-          <a:prstGeom prst="rect">
-            <a:avLst/>
-          </a:prstGeom>
-          <a:noFill/>
-        </p:spPr>
-        <p:txBody>
-          <a:bodyPr wrap="square" rtlCol="0">
-            <a:spAutoFit/>
-          </a:bodyPr>
-          <a:lstStyle/>
-          <a:p>
-            <a:r>
-              <a:rPr lang="en-US" dirty="0" smtClean="0">
-                <a:solidFill>
-                  <a:schemeClr val="accent5">
-                    <a:lumMod val="75000"/>
-                  </a:schemeClr>
-                </a:solidFill>
-              </a:rPr>
-              <a:t>*</a:t>
-            </a:r>
-            <a:endParaRPr lang="en-US" dirty="0">
-              <a:solidFill>
-                <a:schemeClr val="accent5">
-                  <a:lumMod val="75000"/>
-                </a:schemeClr>
-              </a:solidFill>
-            </a:endParaRPr>
-          </a:p>
-        </p:txBody>
-      </p:sp>
-      <p:sp>
-        <p:nvSpPr>
-          <p:cNvPr id="296" name="Flowchart: Decision 295"/>
-          <p:cNvSpPr/>
-          <p:nvPr/>
-        </p:nvSpPr>
-        <p:spPr>
-          <a:xfrm rot="5400000">
-            <a:off x="6477000" y="1493837"/>
-            <a:ext cx="152400" cy="152400"/>
-          </a:xfrm>
-          <a:prstGeom prst="flowChartDecision">
-            <a:avLst/>
-          </a:prstGeom>
-          <a:solidFill>
-            <a:schemeClr val="bg1"/>
-          </a:solidFill>
         </p:spPr>
         <p:style>
           <a:lnRef idx="2">
@@ -4814,23 +4725,27 @@
           <a:lstStyle/>
           <a:p>
             <a:pPr algn="ctr"/>
-            <a:endParaRPr lang="en-US"/>
+            <a:r>
+              <a:rPr lang="en-US" sz="1400" b="1" dirty="0" err="1" smtClean="0"/>
+              <a:t>TeamData</a:t>
+            </a:r>
+            <a:endParaRPr lang="en-SG" sz="1400" b="1" dirty="0"/>
           </a:p>
         </p:txBody>
       </p:sp>
       <p:cxnSp>
         <p:nvCxnSpPr>
-          <p:cNvPr id="297" name="Elbow Connector 196"/>
+          <p:cNvPr id="299" name="Elbow Connector 186"/>
           <p:cNvCxnSpPr>
             <a:stCxn id="296" idx="3"/>
-            <a:endCxn id="294" idx="1"/>
+            <a:endCxn id="298" idx="1"/>
           </p:cNvCxnSpPr>
           <p:nvPr/>
         </p:nvCxnSpPr>
         <p:spPr>
           <a:xfrm rot="16200000" flipH="1">
-            <a:off x="6500858" y="1698579"/>
-            <a:ext cx="333285" cy="228600"/>
+            <a:off x="5964403" y="1883380"/>
+            <a:ext cx="652833" cy="228606"/>
           </a:xfrm>
           <a:prstGeom prst="bentConnector2">
             <a:avLst/>
@@ -4858,18 +4773,107 @@
       </p:cxnSp>
       <p:sp>
         <p:nvSpPr>
-          <p:cNvPr id="298" name="Rectangle 297"/>
+          <p:cNvPr id="300" name="TextBox 299"/>
+          <p:cNvSpPr txBox="1"/>
+          <p:nvPr/>
+        </p:nvSpPr>
+        <p:spPr>
+          <a:xfrm>
+            <a:off x="6176522" y="2057400"/>
+            <a:ext cx="228600" cy="369332"/>
+          </a:xfrm>
+          <a:prstGeom prst="rect">
+            <a:avLst/>
+          </a:prstGeom>
+          <a:noFill/>
+        </p:spPr>
+        <p:txBody>
+          <a:bodyPr wrap="square" rtlCol="0">
+            <a:spAutoFit/>
+          </a:bodyPr>
+          <a:lstStyle/>
+          <a:p>
+            <a:r>
+              <a:rPr lang="en-US" dirty="0" smtClean="0">
+                <a:solidFill>
+                  <a:schemeClr val="accent5">
+                    <a:lumMod val="75000"/>
+                  </a:schemeClr>
+                </a:solidFill>
+              </a:rPr>
+              <a:t>*</a:t>
+            </a:r>
+            <a:endParaRPr lang="en-US" dirty="0">
+              <a:solidFill>
+                <a:schemeClr val="accent5">
+                  <a:lumMod val="75000"/>
+                </a:schemeClr>
+              </a:solidFill>
+            </a:endParaRPr>
+          </a:p>
+        </p:txBody>
+      </p:sp>
+      <p:sp>
+        <p:nvSpPr>
+          <p:cNvPr id="301" name="Rectangle 300"/>
           <p:cNvSpPr/>
           <p:nvPr/>
         </p:nvSpPr>
         <p:spPr>
           <a:xfrm>
-            <a:off x="6781806" y="2408237"/>
-            <a:ext cx="1524000" cy="361770"/>
+            <a:off x="6705600" y="2667000"/>
+            <a:ext cx="1447800" cy="304800"/>
           </a:xfrm>
           <a:prstGeom prst="rect">
             <a:avLst/>
           </a:prstGeom>
+        </p:spPr>
+        <p:style>
+          <a:lnRef idx="2">
+            <a:schemeClr val="accent6">
+              <a:shade val="50000"/>
+            </a:schemeClr>
+          </a:lnRef>
+          <a:fillRef idx="1">
+            <a:schemeClr val="accent6"/>
+          </a:fillRef>
+          <a:effectRef idx="0">
+            <a:schemeClr val="accent6"/>
+          </a:effectRef>
+          <a:fontRef idx="minor">
+            <a:schemeClr val="lt1"/>
+          </a:fontRef>
+        </p:style>
+        <p:txBody>
+          <a:bodyPr rtlCol="0" anchor="ctr"/>
+          <a:lstStyle/>
+          <a:p>
+            <a:pPr algn="ctr"/>
+            <a:r>
+              <a:rPr lang="en-US" sz="1400" b="1" dirty="0" err="1" smtClean="0"/>
+              <a:t>StudentData</a:t>
+            </a:r>
+            <a:endParaRPr lang="en-SG" sz="1400" b="1" dirty="0"/>
+          </a:p>
+        </p:txBody>
+      </p:sp>
+      <p:sp>
+        <p:nvSpPr>
+          <p:cNvPr id="302" name="Flowchart: Decision 301"/>
+          <p:cNvSpPr/>
+          <p:nvPr/>
+        </p:nvSpPr>
+        <p:spPr>
+          <a:xfrm rot="5400000">
+            <a:off x="6400800" y="2438400"/>
+            <a:ext cx="152400" cy="152400"/>
+          </a:xfrm>
+          <a:prstGeom prst="flowChartDecision">
+            <a:avLst/>
+          </a:prstGeom>
+          <a:solidFill>
+            <a:schemeClr val="bg1"/>
+          </a:solidFill>
         </p:spPr>
         <p:style>
           <a:lnRef idx="2">
@@ -4892,27 +4896,23 @@
           <a:lstStyle/>
           <a:p>
             <a:pPr algn="ctr"/>
-            <a:r>
-              <a:rPr lang="en-US" sz="1600" b="1" dirty="0" err="1" smtClean="0"/>
-              <a:t>TeamData</a:t>
-            </a:r>
-            <a:endParaRPr lang="en-SG" sz="1600" b="1" dirty="0"/>
+            <a:endParaRPr lang="en-US"/>
           </a:p>
         </p:txBody>
       </p:sp>
       <p:cxnSp>
         <p:nvCxnSpPr>
-          <p:cNvPr id="299" name="Elbow Connector 186"/>
+          <p:cNvPr id="303" name="Elbow Connector 186"/>
           <p:cNvCxnSpPr>
-            <a:stCxn id="296" idx="3"/>
-            <a:endCxn id="298" idx="1"/>
+            <a:stCxn id="302" idx="3"/>
+            <a:endCxn id="301" idx="1"/>
           </p:cNvCxnSpPr>
           <p:nvPr/>
         </p:nvCxnSpPr>
         <p:spPr>
           <a:xfrm rot="16200000" flipH="1">
-            <a:off x="6196061" y="2003376"/>
-            <a:ext cx="942885" cy="228606"/>
+            <a:off x="6477000" y="2590800"/>
+            <a:ext cx="228600" cy="228600"/>
           </a:xfrm>
           <a:prstGeom prst="bentConnector2">
             <a:avLst/>
@@ -4940,13 +4940,13 @@
       </p:cxnSp>
       <p:sp>
         <p:nvSpPr>
-          <p:cNvPr id="300" name="TextBox 299"/>
+          <p:cNvPr id="304" name="TextBox 303"/>
           <p:cNvSpPr txBox="1"/>
           <p:nvPr/>
         </p:nvSpPr>
         <p:spPr>
           <a:xfrm>
-            <a:off x="6553206" y="2316810"/>
+            <a:off x="6476999" y="2562605"/>
             <a:ext cx="228600" cy="369332"/>
           </a:xfrm>
           <a:prstGeom prst="rect">
@@ -4982,14 +4982,104 @@
       </p:sp>
       <p:sp>
         <p:nvSpPr>
-          <p:cNvPr id="301" name="Rectangle 300"/>
+          <p:cNvPr id="305" name="TextBox 304"/>
+          <p:cNvSpPr txBox="1"/>
+          <p:nvPr/>
+        </p:nvSpPr>
+        <p:spPr>
+          <a:xfrm>
+            <a:off x="914400" y="46037"/>
+            <a:ext cx="533400" cy="369332"/>
+          </a:xfrm>
+          <a:prstGeom prst="rect">
+            <a:avLst/>
+          </a:prstGeom>
+          <a:noFill/>
+        </p:spPr>
+        <p:txBody>
+          <a:bodyPr wrap="square" rtlCol="0">
+            <a:spAutoFit/>
+          </a:bodyPr>
+          <a:lstStyle/>
+          <a:p>
+            <a:r>
+              <a:rPr lang="en-US" dirty="0" smtClean="0"/>
+              <a:t>(a)</a:t>
+            </a:r>
+            <a:endParaRPr lang="en-US" dirty="0"/>
+          </a:p>
+        </p:txBody>
+      </p:sp>
+      <p:sp>
+        <p:nvSpPr>
+          <p:cNvPr id="306" name="TextBox 305"/>
+          <p:cNvSpPr txBox="1"/>
+          <p:nvPr/>
+        </p:nvSpPr>
+        <p:spPr>
+          <a:xfrm>
+            <a:off x="3429000" y="57705"/>
+            <a:ext cx="533400" cy="369332"/>
+          </a:xfrm>
+          <a:prstGeom prst="rect">
+            <a:avLst/>
+          </a:prstGeom>
+          <a:noFill/>
+        </p:spPr>
+        <p:txBody>
+          <a:bodyPr wrap="square" rtlCol="0">
+            <a:spAutoFit/>
+          </a:bodyPr>
+          <a:lstStyle/>
+          <a:p>
+            <a:r>
+              <a:rPr lang="en-US" dirty="0" smtClean="0"/>
+              <a:t>(b)</a:t>
+            </a:r>
+            <a:endParaRPr lang="en-US" dirty="0"/>
+          </a:p>
+        </p:txBody>
+      </p:sp>
+      <p:sp>
+        <p:nvSpPr>
+          <p:cNvPr id="307" name="TextBox 306"/>
+          <p:cNvSpPr txBox="1"/>
+          <p:nvPr/>
+        </p:nvSpPr>
+        <p:spPr>
+          <a:xfrm>
+            <a:off x="5867400" y="46037"/>
+            <a:ext cx="533400" cy="369332"/>
+          </a:xfrm>
+          <a:prstGeom prst="rect">
+            <a:avLst/>
+          </a:prstGeom>
+          <a:noFill/>
+        </p:spPr>
+        <p:txBody>
+          <a:bodyPr wrap="square" rtlCol="0">
+            <a:spAutoFit/>
+          </a:bodyPr>
+          <a:lstStyle/>
+          <a:p>
+            <a:r>
+              <a:rPr lang="en-US" dirty="0" smtClean="0"/>
+              <a:t>(c)</a:t>
+            </a:r>
+            <a:endParaRPr lang="en-US" dirty="0"/>
+          </a:p>
+        </p:txBody>
+      </p:sp>
+      <p:sp>
+        <p:nvSpPr>
+          <p:cNvPr id="60" name="Rectangle 59"/>
           <p:cNvSpPr/>
           <p:nvPr/>
         </p:nvSpPr>
         <p:spPr>
           <a:xfrm>
-            <a:off x="7162806" y="3046032"/>
-            <a:ext cx="1550726" cy="361770"/>
+            <a:off x="963874" y="1192393"/>
+            <a:ext cx="1550726" cy="331607"/>
           </a:xfrm>
           <a:prstGeom prst="rect">
             <a:avLst/>
@@ -5018,7 +5108,7 @@
             <a:pPr algn="ctr"/>
             <a:r>
               <a:rPr lang="en-US" sz="1600" b="1" dirty="0" err="1" smtClean="0"/>
-              <a:t>StudentData</a:t>
+              <a:t>AccountData</a:t>
             </a:r>
             <a:endParaRPr lang="en-SG" sz="1600" b="1" dirty="0"/>
           </a:p>
@@ -5026,60 +5116,58 @@
       </p:sp>
       <p:sp>
         <p:nvSpPr>
-          <p:cNvPr id="302" name="Flowchart: Decision 301"/>
-          <p:cNvSpPr/>
+          <p:cNvPr id="61" name="TextBox 60"/>
+          <p:cNvSpPr txBox="1"/>
           <p:nvPr/>
         </p:nvSpPr>
         <p:spPr>
-          <a:xfrm rot="5400000">
-            <a:off x="6858000" y="2789237"/>
-            <a:ext cx="152400" cy="152400"/>
-          </a:xfrm>
-          <a:prstGeom prst="flowChartDecision">
-            <a:avLst/>
-          </a:prstGeom>
-          <a:solidFill>
-            <a:schemeClr val="bg1"/>
-          </a:solidFill>
-        </p:spPr>
-        <p:style>
-          <a:lnRef idx="2">
-            <a:schemeClr val="accent5">
-              <a:shade val="50000"/>
-            </a:schemeClr>
-          </a:lnRef>
-          <a:fillRef idx="1">
-            <a:schemeClr val="accent5"/>
-          </a:fillRef>
-          <a:effectRef idx="0">
-            <a:schemeClr val="accent5"/>
-          </a:effectRef>
-          <a:fontRef idx="minor">
-            <a:schemeClr val="lt1"/>
-          </a:fontRef>
-        </p:style>
-        <p:txBody>
-          <a:bodyPr rtlCol="0" anchor="ctr"/>
-          <a:lstStyle/>
-          <a:p>
-            <a:pPr algn="ctr"/>
-            <a:endParaRPr lang="en-US"/>
+          <a:xfrm>
+            <a:off x="609600" y="1066800"/>
+            <a:ext cx="152400" cy="369332"/>
+          </a:xfrm>
+          <a:prstGeom prst="rect">
+            <a:avLst/>
+          </a:prstGeom>
+          <a:noFill/>
+        </p:spPr>
+        <p:txBody>
+          <a:bodyPr wrap="square" rtlCol="0">
+            <a:spAutoFit/>
+          </a:bodyPr>
+          <a:lstStyle/>
+          <a:p>
+            <a:r>
+              <a:rPr lang="en-US" dirty="0" smtClean="0">
+                <a:solidFill>
+                  <a:schemeClr val="accent5">
+                    <a:lumMod val="75000"/>
+                  </a:schemeClr>
+                </a:solidFill>
+              </a:rPr>
+              <a:t>*</a:t>
+            </a:r>
+            <a:endParaRPr lang="en-US" dirty="0">
+              <a:solidFill>
+                <a:schemeClr val="accent5">
+                  <a:lumMod val="75000"/>
+                </a:schemeClr>
+              </a:solidFill>
+            </a:endParaRPr>
           </a:p>
         </p:txBody>
       </p:sp>
       <p:cxnSp>
         <p:nvCxnSpPr>
-          <p:cNvPr id="303" name="Elbow Connector 186"/>
+          <p:cNvPr id="62" name="Elbow Connector 187"/>
           <p:cNvCxnSpPr>
-            <a:stCxn id="302" idx="3"/>
-            <a:endCxn id="301" idx="1"/>
+            <a:stCxn id="263" idx="3"/>
           </p:cNvCxnSpPr>
           <p:nvPr/>
         </p:nvCxnSpPr>
         <p:spPr>
           <a:xfrm rot="16200000" flipH="1">
-            <a:off x="6905863" y="2969974"/>
-            <a:ext cx="285280" cy="228606"/>
+            <a:off x="629447" y="1016790"/>
+            <a:ext cx="314581" cy="354274"/>
           </a:xfrm>
           <a:prstGeom prst="bentConnector2">
             <a:avLst/>
@@ -5107,140 +5195,215 @@
       </p:cxnSp>
       <p:sp>
         <p:nvSpPr>
-          <p:cNvPr id="304" name="TextBox 303"/>
-          <p:cNvSpPr txBox="1"/>
+          <p:cNvPr id="74" name="Rectangle 73"/>
+          <p:cNvSpPr/>
           <p:nvPr/>
         </p:nvSpPr>
         <p:spPr>
           <a:xfrm>
-            <a:off x="6934205" y="2941637"/>
-            <a:ext cx="228600" cy="369332"/>
+            <a:off x="6019800" y="381000"/>
+            <a:ext cx="1219200" cy="255407"/>
           </a:xfrm>
           <a:prstGeom prst="rect">
             <a:avLst/>
           </a:prstGeom>
-          <a:noFill/>
-        </p:spPr>
-        <p:txBody>
-          <a:bodyPr wrap="square" rtlCol="0">
-            <a:spAutoFit/>
-          </a:bodyPr>
-          <a:lstStyle/>
-          <a:p>
-            <a:r>
-              <a:rPr lang="en-US" dirty="0" smtClean="0">
-                <a:solidFill>
-                  <a:schemeClr val="accent5">
-                    <a:lumMod val="75000"/>
-                  </a:schemeClr>
-                </a:solidFill>
-              </a:rPr>
-              <a:t>*</a:t>
-            </a:r>
-            <a:endParaRPr lang="en-US" dirty="0">
-              <a:solidFill>
-                <a:schemeClr val="accent5">
-                  <a:lumMod val="75000"/>
-                </a:schemeClr>
-              </a:solidFill>
-            </a:endParaRPr>
-          </a:p>
-        </p:txBody>
-      </p:sp>
-      <p:sp>
-        <p:nvSpPr>
-          <p:cNvPr id="305" name="TextBox 304"/>
-          <p:cNvSpPr txBox="1"/>
+        </p:spPr>
+        <p:style>
+          <a:lnRef idx="2">
+            <a:schemeClr val="accent6">
+              <a:shade val="50000"/>
+            </a:schemeClr>
+          </a:lnRef>
+          <a:fillRef idx="1">
+            <a:schemeClr val="accent6"/>
+          </a:fillRef>
+          <a:effectRef idx="0">
+            <a:schemeClr val="accent6"/>
+          </a:effectRef>
+          <a:fontRef idx="minor">
+            <a:schemeClr val="lt1"/>
+          </a:fontRef>
+        </p:style>
+        <p:txBody>
+          <a:bodyPr rtlCol="0" anchor="ctr"/>
+          <a:lstStyle/>
+          <a:p>
+            <a:pPr algn="ctr"/>
+            <a:r>
+              <a:rPr lang="en-US" sz="1400" b="1" dirty="0" err="1" smtClean="0"/>
+              <a:t>AccountData</a:t>
+            </a:r>
+            <a:endParaRPr lang="en-SG" sz="1400" b="1" dirty="0"/>
+          </a:p>
+        </p:txBody>
+      </p:sp>
+      <p:sp>
+        <p:nvSpPr>
+          <p:cNvPr id="75" name="Rectangle 74"/>
+          <p:cNvSpPr/>
           <p:nvPr/>
         </p:nvSpPr>
         <p:spPr>
           <a:xfrm>
-            <a:off x="914400" y="46037"/>
-            <a:ext cx="533400" cy="369332"/>
+            <a:off x="7620000" y="762000"/>
+            <a:ext cx="1371600" cy="331607"/>
           </a:xfrm>
           <a:prstGeom prst="rect">
             <a:avLst/>
           </a:prstGeom>
-          <a:noFill/>
-        </p:spPr>
-        <p:txBody>
-          <a:bodyPr wrap="square" rtlCol="0">
-            <a:spAutoFit/>
-          </a:bodyPr>
-          <a:lstStyle/>
-          <a:p>
-            <a:r>
-              <a:rPr lang="en-US" dirty="0" smtClean="0"/>
-              <a:t>(a)</a:t>
-            </a:r>
-            <a:endParaRPr lang="en-US" dirty="0"/>
-          </a:p>
-        </p:txBody>
-      </p:sp>
-      <p:sp>
-        <p:nvSpPr>
-          <p:cNvPr id="306" name="TextBox 305"/>
-          <p:cNvSpPr txBox="1"/>
+        </p:spPr>
+        <p:style>
+          <a:lnRef idx="2">
+            <a:schemeClr val="accent6">
+              <a:shade val="50000"/>
+            </a:schemeClr>
+          </a:lnRef>
+          <a:fillRef idx="1">
+            <a:schemeClr val="accent6"/>
+          </a:fillRef>
+          <a:effectRef idx="0">
+            <a:schemeClr val="accent6"/>
+          </a:effectRef>
+          <a:fontRef idx="minor">
+            <a:schemeClr val="lt1"/>
+          </a:fontRef>
+        </p:style>
+        <p:txBody>
+          <a:bodyPr rtlCol="0" anchor="ctr"/>
+          <a:lstStyle/>
+          <a:p>
+            <a:pPr algn="ctr"/>
+            <a:r>
+              <a:rPr lang="en-US" sz="1400" b="1" dirty="0" err="1" smtClean="0"/>
+              <a:t>InstructorData</a:t>
+            </a:r>
+            <a:endParaRPr lang="en-SG" sz="1400" b="1" dirty="0"/>
+          </a:p>
+        </p:txBody>
+      </p:sp>
+      <p:sp>
+        <p:nvSpPr>
+          <p:cNvPr id="89" name="Flowchart: Decision 88"/>
+          <p:cNvSpPr/>
           <p:nvPr/>
         </p:nvSpPr>
         <p:spPr>
-          <a:xfrm>
-            <a:off x="3429000" y="57705"/>
-            <a:ext cx="533400" cy="369332"/>
-          </a:xfrm>
-          <a:prstGeom prst="rect">
-            <a:avLst/>
-          </a:prstGeom>
-          <a:noFill/>
-        </p:spPr>
-        <p:txBody>
-          <a:bodyPr wrap="square" rtlCol="0">
-            <a:spAutoFit/>
-          </a:bodyPr>
-          <a:lstStyle/>
-          <a:p>
-            <a:r>
-              <a:rPr lang="en-US" dirty="0" smtClean="0"/>
-              <a:t>(b)</a:t>
-            </a:r>
-            <a:endParaRPr lang="en-US" dirty="0"/>
-          </a:p>
-        </p:txBody>
-      </p:sp>
-      <p:sp>
-        <p:nvSpPr>
-          <p:cNvPr id="307" name="TextBox 306"/>
-          <p:cNvSpPr txBox="1"/>
+          <a:xfrm rot="5400000">
+            <a:off x="7467600" y="838200"/>
+            <a:ext cx="152400" cy="152400"/>
+          </a:xfrm>
+          <a:prstGeom prst="flowChartDecision">
+            <a:avLst/>
+          </a:prstGeom>
+          <a:solidFill>
+            <a:schemeClr val="bg1"/>
+          </a:solidFill>
+        </p:spPr>
+        <p:style>
+          <a:lnRef idx="2">
+            <a:schemeClr val="accent5">
+              <a:shade val="50000"/>
+            </a:schemeClr>
+          </a:lnRef>
+          <a:fillRef idx="1">
+            <a:schemeClr val="accent5"/>
+          </a:fillRef>
+          <a:effectRef idx="0">
+            <a:schemeClr val="accent5"/>
+          </a:effectRef>
+          <a:fontRef idx="minor">
+            <a:schemeClr val="lt1"/>
+          </a:fontRef>
+        </p:style>
+        <p:txBody>
+          <a:bodyPr rtlCol="0" anchor="ctr"/>
+          <a:lstStyle/>
+          <a:p>
+            <a:pPr algn="ctr"/>
+            <a:endParaRPr lang="en-US"/>
+          </a:p>
+        </p:txBody>
+      </p:sp>
+      <p:cxnSp>
+        <p:nvCxnSpPr>
+          <p:cNvPr id="90" name="Elbow Connector 186"/>
+          <p:cNvCxnSpPr>
+            <a:stCxn id="89" idx="3"/>
+            <a:endCxn id="290" idx="3"/>
+          </p:cNvCxnSpPr>
           <p:nvPr/>
-        </p:nvSpPr>
-        <p:spPr>
-          <a:xfrm>
-            <a:off x="6324600" y="46037"/>
-            <a:ext cx="533400" cy="369332"/>
-          </a:xfrm>
-          <a:prstGeom prst="rect">
-            <a:avLst/>
-          </a:prstGeom>
-          <a:noFill/>
-        </p:spPr>
-        <p:txBody>
-          <a:bodyPr wrap="square" rtlCol="0">
-            <a:spAutoFit/>
-          </a:bodyPr>
-          <a:lstStyle/>
-          <a:p>
-            <a:r>
-              <a:rPr lang="en-US" dirty="0" smtClean="0"/>
-              <a:t>(c)</a:t>
-            </a:r>
-            <a:endParaRPr lang="en-US" dirty="0"/>
-          </a:p>
-        </p:txBody>
-      </p:sp>
+        </p:nvCxnSpPr>
+        <p:spPr>
+          <a:xfrm rot="5400000">
+            <a:off x="7219071" y="1037255"/>
+            <a:ext cx="371385" cy="278074"/>
+          </a:xfrm>
+          <a:prstGeom prst="bentConnector2">
+            <a:avLst/>
+          </a:prstGeom>
+          <a:ln>
+            <a:tailEnd type="arrow"/>
+          </a:ln>
+        </p:spPr>
+        <p:style>
+          <a:lnRef idx="2">
+            <a:schemeClr val="accent5">
+              <a:shade val="50000"/>
+            </a:schemeClr>
+          </a:lnRef>
+          <a:fillRef idx="1">
+            <a:schemeClr val="accent5"/>
+          </a:fillRef>
+          <a:effectRef idx="0">
+            <a:schemeClr val="accent5"/>
+          </a:effectRef>
+          <a:fontRef idx="minor">
+            <a:schemeClr val="lt1"/>
+          </a:fontRef>
+        </p:style>
+      </p:cxnSp>
+      <p:cxnSp>
+        <p:nvCxnSpPr>
+          <p:cNvPr id="94" name="Elbow Connector 186"/>
+          <p:cNvCxnSpPr>
+            <a:stCxn id="89" idx="1"/>
+            <a:endCxn id="74" idx="3"/>
+          </p:cNvCxnSpPr>
+          <p:nvPr/>
+        </p:nvCxnSpPr>
+        <p:spPr>
+          <a:xfrm rot="16200000" flipV="1">
+            <a:off x="7226652" y="521052"/>
+            <a:ext cx="329496" cy="304800"/>
+          </a:xfrm>
+          <a:prstGeom prst="bentConnector2">
+            <a:avLst/>
+          </a:prstGeom>
+          <a:ln>
+            <a:tailEnd type="arrow"/>
+          </a:ln>
+        </p:spPr>
+        <p:style>
+          <a:lnRef idx="2">
+            <a:schemeClr val="accent5">
+              <a:shade val="50000"/>
+            </a:schemeClr>
+          </a:lnRef>
+          <a:fillRef idx="1">
+            <a:schemeClr val="accent5"/>
+          </a:fillRef>
+          <a:effectRef idx="0">
+            <a:schemeClr val="accent5"/>
+          </a:effectRef>
+          <a:fontRef idx="minor">
+            <a:schemeClr val="lt1"/>
+          </a:fontRef>
+        </p:style>
+      </p:cxnSp>
     </p:spTree>
     <p:extLst>
       <p:ext uri="{BB962C8B-B14F-4D97-AF65-F5344CB8AC3E}">
-        <p14:creationId xmlns:p14="http://schemas.microsoft.com/office/powerpoint/2010/main" val="2312643091"/>
+        <p14:creationId xmlns:p14="http://schemas.microsoft.com/office/powerpoint/2010/main" xmlns="" val="2312643091"/>
       </p:ext>
     </p:extLst>
   </p:cSld>

--- a/doc/diagrams/dataTransferClasses.pptx
+++ b/doc/diagrams/dataTransferClasses.pptx
@@ -289,7 +289,7 @@
             <a:fld id="{1D8BD707-D9CF-40AE-B4C6-C98DA3205C09}" type="datetimeFigureOut">
               <a:rPr lang="en-US" smtClean="0"/>
               <a:pPr/>
-              <a:t>3/24/2013</a:t>
+              <a:t>12/1/2012</a:t>
             </a:fld>
             <a:endParaRPr lang="en-US"/>
           </a:p>
@@ -456,7 +456,7 @@
             <a:fld id="{1D8BD707-D9CF-40AE-B4C6-C98DA3205C09}" type="datetimeFigureOut">
               <a:rPr lang="en-US" smtClean="0"/>
               <a:pPr/>
-              <a:t>3/24/2013</a:t>
+              <a:t>12/1/2012</a:t>
             </a:fld>
             <a:endParaRPr lang="en-US"/>
           </a:p>
@@ -633,7 +633,7 @@
             <a:fld id="{1D8BD707-D9CF-40AE-B4C6-C98DA3205C09}" type="datetimeFigureOut">
               <a:rPr lang="en-US" smtClean="0"/>
               <a:pPr/>
-              <a:t>3/24/2013</a:t>
+              <a:t>12/1/2012</a:t>
             </a:fld>
             <a:endParaRPr lang="en-US"/>
           </a:p>
@@ -800,7 +800,7 @@
             <a:fld id="{1D8BD707-D9CF-40AE-B4C6-C98DA3205C09}" type="datetimeFigureOut">
               <a:rPr lang="en-US" smtClean="0"/>
               <a:pPr/>
-              <a:t>3/24/2013</a:t>
+              <a:t>12/1/2012</a:t>
             </a:fld>
             <a:endParaRPr lang="en-US"/>
           </a:p>
@@ -1043,7 +1043,7 @@
             <a:fld id="{1D8BD707-D9CF-40AE-B4C6-C98DA3205C09}" type="datetimeFigureOut">
               <a:rPr lang="en-US" smtClean="0"/>
               <a:pPr/>
-              <a:t>3/24/2013</a:t>
+              <a:t>12/1/2012</a:t>
             </a:fld>
             <a:endParaRPr lang="en-US"/>
           </a:p>
@@ -1328,7 +1328,7 @@
             <a:fld id="{1D8BD707-D9CF-40AE-B4C6-C98DA3205C09}" type="datetimeFigureOut">
               <a:rPr lang="en-US" smtClean="0"/>
               <a:pPr/>
-              <a:t>3/24/2013</a:t>
+              <a:t>12/1/2012</a:t>
             </a:fld>
             <a:endParaRPr lang="en-US"/>
           </a:p>
@@ -1747,7 +1747,7 @@
             <a:fld id="{1D8BD707-D9CF-40AE-B4C6-C98DA3205C09}" type="datetimeFigureOut">
               <a:rPr lang="en-US" smtClean="0"/>
               <a:pPr/>
-              <a:t>3/24/2013</a:t>
+              <a:t>12/1/2012</a:t>
             </a:fld>
             <a:endParaRPr lang="en-US"/>
           </a:p>
@@ -1862,7 +1862,7 @@
             <a:fld id="{1D8BD707-D9CF-40AE-B4C6-C98DA3205C09}" type="datetimeFigureOut">
               <a:rPr lang="en-US" smtClean="0"/>
               <a:pPr/>
-              <a:t>3/24/2013</a:t>
+              <a:t>12/1/2012</a:t>
             </a:fld>
             <a:endParaRPr lang="en-US"/>
           </a:p>
@@ -1954,7 +1954,7 @@
             <a:fld id="{1D8BD707-D9CF-40AE-B4C6-C98DA3205C09}" type="datetimeFigureOut">
               <a:rPr lang="en-US" smtClean="0"/>
               <a:pPr/>
-              <a:t>3/24/2013</a:t>
+              <a:t>12/1/2012</a:t>
             </a:fld>
             <a:endParaRPr lang="en-US"/>
           </a:p>
@@ -2228,7 +2228,7 @@
             <a:fld id="{1D8BD707-D9CF-40AE-B4C6-C98DA3205C09}" type="datetimeFigureOut">
               <a:rPr lang="en-US" smtClean="0"/>
               <a:pPr/>
-              <a:t>3/24/2013</a:t>
+              <a:t>12/1/2012</a:t>
             </a:fld>
             <a:endParaRPr lang="en-US"/>
           </a:p>
@@ -2478,7 +2478,7 @@
             <a:fld id="{1D8BD707-D9CF-40AE-B4C6-C98DA3205C09}" type="datetimeFigureOut">
               <a:rPr lang="en-US" smtClean="0"/>
               <a:pPr/>
-              <a:t>3/24/2013</a:t>
+              <a:t>12/1/2012</a:t>
             </a:fld>
             <a:endParaRPr lang="en-US"/>
           </a:p>
@@ -2688,7 +2688,7 @@
             <a:fld id="{1D8BD707-D9CF-40AE-B4C6-C98DA3205C09}" type="datetimeFigureOut">
               <a:rPr lang="en-US" smtClean="0"/>
               <a:pPr/>
-              <a:t>3/24/2013</a:t>
+              <a:t>12/1/2012</a:t>
             </a:fld>
             <a:endParaRPr lang="en-US"/>
           </a:p>
@@ -3067,8 +3067,8 @@
         </p:nvSpPr>
         <p:spPr>
           <a:xfrm>
-            <a:off x="963874" y="2108709"/>
-            <a:ext cx="1550726" cy="253491"/>
+            <a:off x="963874" y="1720521"/>
+            <a:ext cx="1550726" cy="361770"/>
           </a:xfrm>
           <a:prstGeom prst="rect">
             <a:avLst/>
@@ -3111,8 +3111,8 @@
         </p:nvSpPr>
         <p:spPr>
           <a:xfrm>
-            <a:off x="963874" y="1649593"/>
-            <a:ext cx="1550726" cy="331607"/>
+            <a:off x="963874" y="1265237"/>
+            <a:ext cx="1550726" cy="361770"/>
           </a:xfrm>
           <a:prstGeom prst="rect">
             <a:avLst/>
@@ -3155,8 +3155,8 @@
         </p:nvSpPr>
         <p:spPr>
           <a:xfrm>
-            <a:off x="963874" y="2874541"/>
-            <a:ext cx="1550726" cy="249659"/>
+            <a:off x="963874" y="2631089"/>
+            <a:ext cx="1550726" cy="361770"/>
           </a:xfrm>
           <a:prstGeom prst="rect">
             <a:avLst/>
@@ -3199,8 +3199,8 @@
         </p:nvSpPr>
         <p:spPr>
           <a:xfrm>
-            <a:off x="963874" y="3200400"/>
-            <a:ext cx="1550726" cy="247742"/>
+            <a:off x="963874" y="3086372"/>
+            <a:ext cx="1550726" cy="361770"/>
           </a:xfrm>
           <a:prstGeom prst="rect">
             <a:avLst/>
@@ -3243,8 +3243,8 @@
         </p:nvSpPr>
         <p:spPr>
           <a:xfrm>
-            <a:off x="963874" y="2491625"/>
-            <a:ext cx="1550726" cy="251575"/>
+            <a:off x="963874" y="2175805"/>
+            <a:ext cx="1550726" cy="361770"/>
           </a:xfrm>
           <a:prstGeom prst="rect">
             <a:avLst/>
@@ -3287,8 +3287,8 @@
         </p:nvSpPr>
         <p:spPr>
           <a:xfrm>
-            <a:off x="3021274" y="999565"/>
-            <a:ext cx="1169726" cy="295835"/>
+            <a:off x="3505200" y="1121802"/>
+            <a:ext cx="1524000" cy="361770"/>
           </a:xfrm>
           <a:prstGeom prst="rect">
             <a:avLst/>
@@ -3316,10 +3316,10 @@
           <a:p>
             <a:pPr algn="ctr"/>
             <a:r>
-              <a:rPr lang="en-US" sz="1400" b="1" dirty="0" err="1" smtClean="0"/>
+              <a:rPr lang="en-US" sz="1600" b="1" dirty="0" err="1" smtClean="0"/>
               <a:t>TeamData</a:t>
             </a:r>
-            <a:endParaRPr lang="en-SG" sz="1400" b="1" dirty="0"/>
+            <a:endParaRPr lang="en-SG" sz="1600" b="1" dirty="0"/>
           </a:p>
         </p:txBody>
       </p:sp>
@@ -3331,8 +3331,8 @@
         </p:nvSpPr>
         <p:spPr>
           <a:xfrm>
-            <a:off x="3810000" y="2076630"/>
-            <a:ext cx="1295400" cy="285570"/>
+            <a:off x="4419600" y="2355752"/>
+            <a:ext cx="1524000" cy="361770"/>
           </a:xfrm>
           <a:prstGeom prst="rect">
             <a:avLst/>
@@ -3360,10 +3360,10 @@
           <a:p>
             <a:pPr algn="ctr"/>
             <a:r>
-              <a:rPr lang="en-US" sz="1400" b="1" dirty="0" err="1" smtClean="0"/>
+              <a:rPr lang="en-US" sz="1600" b="1" dirty="0" err="1" smtClean="0"/>
               <a:t>EvalResultData</a:t>
             </a:r>
-            <a:endParaRPr lang="en-SG" sz="1400" b="1" dirty="0"/>
+            <a:endParaRPr lang="en-SG" sz="1600" b="1" dirty="0"/>
           </a:p>
         </p:txBody>
       </p:sp>
@@ -3465,8 +3465,8 @@
         </p:nvCxnSpPr>
         <p:spPr>
           <a:xfrm rot="16200000" flipH="1">
-            <a:off x="397357" y="1248880"/>
-            <a:ext cx="778760" cy="354274"/>
+            <a:off x="581995" y="1064242"/>
+            <a:ext cx="409485" cy="354274"/>
           </a:xfrm>
           <a:prstGeom prst="bentConnector2">
             <a:avLst/>
@@ -3503,8 +3503,8 @@
         </p:nvCxnSpPr>
         <p:spPr>
           <a:xfrm rot="16200000" flipH="1">
-            <a:off x="187328" y="1458909"/>
-            <a:ext cx="1198818" cy="354274"/>
+            <a:off x="354353" y="1291884"/>
+            <a:ext cx="864769" cy="354274"/>
           </a:xfrm>
           <a:prstGeom prst="bentConnector2">
             <a:avLst/>
@@ -3541,8 +3541,8 @@
         </p:nvCxnSpPr>
         <p:spPr>
           <a:xfrm rot="16200000" flipH="1">
-            <a:off x="-3651" y="1649888"/>
-            <a:ext cx="1580776" cy="354274"/>
+            <a:off x="126711" y="1519526"/>
+            <a:ext cx="1320053" cy="354274"/>
           </a:xfrm>
           <a:prstGeom prst="bentConnector2">
             <a:avLst/>
@@ -3579,8 +3579,8 @@
         </p:nvCxnSpPr>
         <p:spPr>
           <a:xfrm rot="16200000" flipH="1">
-            <a:off x="-194630" y="1840867"/>
-            <a:ext cx="1962734" cy="354274"/>
+            <a:off x="-100931" y="1747168"/>
+            <a:ext cx="1775337" cy="354274"/>
           </a:xfrm>
           <a:prstGeom prst="bentConnector2">
             <a:avLst/>
@@ -3617,8 +3617,8 @@
         </p:nvCxnSpPr>
         <p:spPr>
           <a:xfrm rot="16200000" flipH="1">
-            <a:off x="-357080" y="2003317"/>
-            <a:ext cx="2287634" cy="354274"/>
+            <a:off x="-328573" y="1974810"/>
+            <a:ext cx="2230620" cy="354274"/>
           </a:xfrm>
           <a:prstGeom prst="bentConnector2">
             <a:avLst/>
@@ -3652,8 +3652,8 @@
         </p:nvSpPr>
         <p:spPr>
           <a:xfrm>
-            <a:off x="609600" y="1524000"/>
-            <a:ext cx="152400" cy="369332"/>
+            <a:off x="762005" y="1180072"/>
+            <a:ext cx="228600" cy="369332"/>
           </a:xfrm>
           <a:prstGeom prst="rect">
             <a:avLst/>
@@ -3694,7 +3694,7 @@
         </p:nvSpPr>
         <p:spPr>
           <a:xfrm>
-            <a:off x="609600" y="1981200"/>
+            <a:off x="748555" y="1619342"/>
             <a:ext cx="228600" cy="369332"/>
           </a:xfrm>
           <a:prstGeom prst="rect">
@@ -3736,8 +3736,8 @@
         </p:nvSpPr>
         <p:spPr>
           <a:xfrm>
-            <a:off x="609600" y="2362200"/>
-            <a:ext cx="228600" cy="383430"/>
+            <a:off x="739590" y="2094472"/>
+            <a:ext cx="228600" cy="369332"/>
           </a:xfrm>
           <a:prstGeom prst="rect">
             <a:avLst/>
@@ -3778,7 +3778,7 @@
         </p:nvSpPr>
         <p:spPr>
           <a:xfrm>
-            <a:off x="609600" y="2743200"/>
+            <a:off x="739590" y="2554375"/>
             <a:ext cx="228600" cy="369332"/>
           </a:xfrm>
           <a:prstGeom prst="rect">
@@ -3820,7 +3820,7 @@
         </p:nvSpPr>
         <p:spPr>
           <a:xfrm>
-            <a:off x="609600" y="3048000"/>
+            <a:off x="726140" y="2993645"/>
             <a:ext cx="228600" cy="369332"/>
           </a:xfrm>
           <a:prstGeom prst="rect">
@@ -3862,8 +3862,8 @@
         </p:nvSpPr>
         <p:spPr>
           <a:xfrm>
-            <a:off x="2640274" y="503237"/>
-            <a:ext cx="1398326" cy="258763"/>
+            <a:off x="3124200" y="503237"/>
+            <a:ext cx="1550726" cy="361770"/>
           </a:xfrm>
           <a:prstGeom prst="rect">
             <a:avLst/>
@@ -3891,10 +3891,10 @@
           <a:p>
             <a:pPr algn="ctr"/>
             <a:r>
-              <a:rPr lang="en-US" sz="1400" b="1" dirty="0" err="1" smtClean="0"/>
+              <a:rPr lang="en-US" sz="1600" b="1" dirty="0" err="1" smtClean="0"/>
               <a:t>EvaluationData</a:t>
             </a:r>
-            <a:endParaRPr lang="en-SG" sz="1400" b="1" dirty="0"/>
+            <a:endParaRPr lang="en-SG" sz="1600" b="1" dirty="0"/>
           </a:p>
         </p:txBody>
       </p:sp>
@@ -3906,7 +3906,7 @@
         </p:nvSpPr>
         <p:spPr>
           <a:xfrm rot="5400000">
-            <a:off x="2716469" y="762000"/>
+            <a:off x="3200395" y="884237"/>
             <a:ext cx="152400" cy="152400"/>
           </a:xfrm>
           <a:prstGeom prst="flowChartDecision">
@@ -3952,8 +3952,8 @@
         </p:nvCxnSpPr>
         <p:spPr>
           <a:xfrm rot="16200000" flipH="1">
-            <a:off x="2790430" y="916638"/>
-            <a:ext cx="233083" cy="228605"/>
+            <a:off x="3257872" y="1055359"/>
+            <a:ext cx="266050" cy="228605"/>
           </a:xfrm>
           <a:prstGeom prst="bentConnector2">
             <a:avLst/>
@@ -3987,7 +3987,7 @@
         </p:nvSpPr>
         <p:spPr>
           <a:xfrm>
-            <a:off x="2792674" y="914400"/>
+            <a:off x="3276600" y="1036637"/>
             <a:ext cx="228600" cy="369332"/>
           </a:xfrm>
           <a:prstGeom prst="rect">
@@ -4029,8 +4029,8 @@
         </p:nvSpPr>
         <p:spPr>
           <a:xfrm>
-            <a:off x="3402274" y="1561160"/>
-            <a:ext cx="1245926" cy="267640"/>
+            <a:off x="3886200" y="1759597"/>
+            <a:ext cx="1550726" cy="361770"/>
           </a:xfrm>
           <a:prstGeom prst="rect">
             <a:avLst/>
@@ -4058,10 +4058,10 @@
           <a:p>
             <a:pPr algn="ctr"/>
             <a:r>
-              <a:rPr lang="en-US" sz="1400" b="1" dirty="0" err="1" smtClean="0"/>
+              <a:rPr lang="en-US" sz="1600" b="1" dirty="0" err="1" smtClean="0"/>
               <a:t>StudentData</a:t>
             </a:r>
-            <a:endParaRPr lang="en-SG" sz="1400" b="1" dirty="0"/>
+            <a:endParaRPr lang="en-SG" sz="1600" b="1" dirty="0"/>
           </a:p>
         </p:txBody>
       </p:sp>
@@ -4073,7 +4073,7 @@
         </p:nvSpPr>
         <p:spPr>
           <a:xfrm rot="5400000">
-            <a:off x="3097468" y="1304365"/>
+            <a:off x="3581394" y="1502802"/>
             <a:ext cx="152400" cy="152400"/>
           </a:xfrm>
           <a:prstGeom prst="flowChartDecision">
@@ -4119,8 +4119,8 @@
         </p:nvCxnSpPr>
         <p:spPr>
           <a:xfrm rot="16200000" flipH="1">
-            <a:off x="3168864" y="1461569"/>
-            <a:ext cx="238215" cy="228606"/>
+            <a:off x="3629257" y="1683539"/>
+            <a:ext cx="285280" cy="228606"/>
           </a:xfrm>
           <a:prstGeom prst="bentConnector2">
             <a:avLst/>
@@ -4154,7 +4154,7 @@
         </p:nvSpPr>
         <p:spPr>
           <a:xfrm>
-            <a:off x="3173673" y="1456765"/>
+            <a:off x="3657599" y="1655202"/>
             <a:ext cx="228600" cy="369332"/>
           </a:xfrm>
           <a:prstGeom prst="rect">
@@ -4196,7 +4196,7 @@
         </p:nvSpPr>
         <p:spPr>
           <a:xfrm rot="5400000">
-            <a:off x="3429000" y="1842245"/>
+            <a:off x="4038600" y="2121367"/>
             <a:ext cx="152400" cy="152400"/>
           </a:xfrm>
           <a:prstGeom prst="flowChartDecision">
@@ -4242,8 +4242,8 @@
         </p:nvCxnSpPr>
         <p:spPr>
           <a:xfrm rot="16200000" flipH="1">
-            <a:off x="3545215" y="1954630"/>
-            <a:ext cx="224770" cy="304800"/>
+            <a:off x="4135765" y="2252802"/>
+            <a:ext cx="262870" cy="304800"/>
           </a:xfrm>
           <a:prstGeom prst="bentConnector2">
             <a:avLst/>
@@ -4277,7 +4277,7 @@
         </p:nvSpPr>
         <p:spPr>
           <a:xfrm>
-            <a:off x="3541065" y="1994645"/>
+            <a:off x="4150665" y="2273767"/>
             <a:ext cx="228600" cy="369332"/>
           </a:xfrm>
           <a:prstGeom prst="rect">
@@ -4319,7 +4319,7 @@
         </p:nvSpPr>
         <p:spPr>
           <a:xfrm>
-            <a:off x="4191000" y="2618995"/>
+            <a:off x="4724400" y="2974317"/>
             <a:ext cx="1550726" cy="361770"/>
           </a:xfrm>
           <a:prstGeom prst="rect">
@@ -4348,10 +4348,10 @@
           <a:p>
             <a:pPr algn="ctr"/>
             <a:r>
-              <a:rPr lang="en-US" sz="1400" b="1" dirty="0" err="1" smtClean="0"/>
+              <a:rPr lang="en-US" sz="1600" b="1" dirty="0" err="1" smtClean="0"/>
               <a:t>SubmissionData</a:t>
             </a:r>
-            <a:endParaRPr lang="en-SG" sz="1400" b="1" dirty="0"/>
+            <a:endParaRPr lang="en-SG" sz="1600" b="1" dirty="0"/>
           </a:p>
         </p:txBody>
       </p:sp>
@@ -4363,7 +4363,7 @@
         </p:nvSpPr>
         <p:spPr>
           <a:xfrm rot="5400000">
-            <a:off x="3886200" y="2362200"/>
+            <a:off x="4419600" y="2717522"/>
             <a:ext cx="152400" cy="152400"/>
           </a:xfrm>
           <a:prstGeom prst="flowChartDecision">
@@ -4409,7 +4409,7 @@
         </p:nvCxnSpPr>
         <p:spPr>
           <a:xfrm rot="16200000" flipH="1">
-            <a:off x="3934060" y="2542940"/>
+            <a:off x="4467460" y="2898262"/>
             <a:ext cx="285280" cy="228600"/>
           </a:xfrm>
           <a:prstGeom prst="bentConnector2">
@@ -4444,7 +4444,7 @@
         </p:nvSpPr>
         <p:spPr>
           <a:xfrm>
-            <a:off x="3962400" y="2526268"/>
+            <a:off x="4495805" y="2869922"/>
             <a:ext cx="228600" cy="369332"/>
           </a:xfrm>
           <a:prstGeom prst="rect">
@@ -4480,14 +4480,14 @@
       </p:sp>
       <p:sp>
         <p:nvSpPr>
-          <p:cNvPr id="290" name="Rectangle 289"/>
+          <p:cNvPr id="289" name="Rectangle 288"/>
           <p:cNvSpPr/>
           <p:nvPr/>
         </p:nvSpPr>
         <p:spPr>
           <a:xfrm>
-            <a:off x="6019800" y="1219200"/>
-            <a:ext cx="1245926" cy="285570"/>
+            <a:off x="5943600" y="503237"/>
+            <a:ext cx="1550726" cy="361770"/>
           </a:xfrm>
           <a:prstGeom prst="rect">
             <a:avLst/>
@@ -4515,23 +4515,23 @@
           <a:p>
             <a:pPr algn="ctr"/>
             <a:r>
-              <a:rPr lang="en-US" sz="1400" b="1" dirty="0" err="1" smtClean="0"/>
-              <a:t>CourseData</a:t>
-            </a:r>
-            <a:endParaRPr lang="en-SG" sz="1400" b="1" dirty="0"/>
-          </a:p>
-        </p:txBody>
-      </p:sp>
-      <p:sp>
-        <p:nvSpPr>
-          <p:cNvPr id="294" name="Rectangle 293"/>
+              <a:rPr lang="en-US" sz="1600" b="1" dirty="0" err="1" smtClean="0"/>
+              <a:t>InstructorData</a:t>
+            </a:r>
+            <a:endParaRPr lang="en-SG" sz="1600" b="1" dirty="0"/>
+          </a:p>
+        </p:txBody>
+      </p:sp>
+      <p:sp>
+        <p:nvSpPr>
+          <p:cNvPr id="290" name="Rectangle 289"/>
           <p:cNvSpPr/>
           <p:nvPr/>
         </p:nvSpPr>
         <p:spPr>
           <a:xfrm>
-            <a:off x="6405116" y="1828800"/>
-            <a:ext cx="1367284" cy="228601"/>
+            <a:off x="6396484" y="1117970"/>
+            <a:ext cx="1550726" cy="361770"/>
           </a:xfrm>
           <a:prstGeom prst="rect">
             <a:avLst/>
@@ -4559,64 +4559,22 @@
           <a:p>
             <a:pPr algn="ctr"/>
             <a:r>
-              <a:rPr lang="en-US" sz="1400" b="1" dirty="0" err="1" smtClean="0"/>
-              <a:t>EvaluationData</a:t>
-            </a:r>
-            <a:endParaRPr lang="en-SG" sz="1400" b="1" dirty="0"/>
-          </a:p>
-        </p:txBody>
-      </p:sp>
-      <p:sp>
-        <p:nvSpPr>
-          <p:cNvPr id="295" name="TextBox 294"/>
-          <p:cNvSpPr txBox="1"/>
-          <p:nvPr/>
-        </p:nvSpPr>
-        <p:spPr>
-          <a:xfrm>
-            <a:off x="6180832" y="1676400"/>
-            <a:ext cx="228600" cy="369332"/>
-          </a:xfrm>
-          <a:prstGeom prst="rect">
-            <a:avLst/>
-          </a:prstGeom>
-          <a:noFill/>
-        </p:spPr>
-        <p:txBody>
-          <a:bodyPr wrap="square" rtlCol="0">
-            <a:spAutoFit/>
-          </a:bodyPr>
-          <a:lstStyle/>
-          <a:p>
-            <a:r>
-              <a:rPr lang="en-US" dirty="0" smtClean="0">
-                <a:solidFill>
-                  <a:schemeClr val="accent5">
-                    <a:lumMod val="75000"/>
-                  </a:schemeClr>
-                </a:solidFill>
-              </a:rPr>
-              <a:t>*</a:t>
-            </a:r>
-            <a:endParaRPr lang="en-US" dirty="0">
-              <a:solidFill>
-                <a:schemeClr val="accent5">
-                  <a:lumMod val="75000"/>
-                </a:schemeClr>
-              </a:solidFill>
-            </a:endParaRPr>
-          </a:p>
-        </p:txBody>
-      </p:sp>
-      <p:sp>
-        <p:nvSpPr>
-          <p:cNvPr id="296" name="Flowchart: Decision 295"/>
+              <a:rPr lang="en-US" sz="1600" b="1" dirty="0" err="1" smtClean="0"/>
+              <a:t>CourseData</a:t>
+            </a:r>
+            <a:endParaRPr lang="en-SG" sz="1600" b="1" dirty="0"/>
+          </a:p>
+        </p:txBody>
+      </p:sp>
+      <p:sp>
+        <p:nvSpPr>
+          <p:cNvPr id="291" name="Flowchart: Decision 290"/>
           <p:cNvSpPr/>
           <p:nvPr/>
         </p:nvSpPr>
         <p:spPr>
           <a:xfrm rot="5400000">
-            <a:off x="6100316" y="1518867"/>
+            <a:off x="6096000" y="884238"/>
             <a:ext cx="152400" cy="152400"/>
           </a:xfrm>
           <a:prstGeom prst="flowChartDecision">
@@ -4653,17 +4611,17 @@
       </p:sp>
       <p:cxnSp>
         <p:nvCxnSpPr>
-          <p:cNvPr id="297" name="Elbow Connector 196"/>
+          <p:cNvPr id="292" name="Elbow Connector 190"/>
           <p:cNvCxnSpPr>
-            <a:stCxn id="296" idx="3"/>
-            <a:endCxn id="294" idx="1"/>
+            <a:stCxn id="291" idx="3"/>
+            <a:endCxn id="290" idx="1"/>
           </p:cNvCxnSpPr>
           <p:nvPr/>
         </p:nvCxnSpPr>
         <p:spPr>
           <a:xfrm rot="16200000" flipH="1">
-            <a:off x="6154899" y="1692884"/>
-            <a:ext cx="271834" cy="228600"/>
+            <a:off x="6153234" y="1055604"/>
+            <a:ext cx="262217" cy="224284"/>
           </a:xfrm>
           <a:prstGeom prst="bentConnector2">
             <a:avLst/>
@@ -4691,18 +4649,149 @@
       </p:cxnSp>
       <p:sp>
         <p:nvSpPr>
-          <p:cNvPr id="298" name="Rectangle 297"/>
+          <p:cNvPr id="293" name="TextBox 292"/>
+          <p:cNvSpPr txBox="1"/>
+          <p:nvPr/>
+        </p:nvSpPr>
+        <p:spPr>
+          <a:xfrm>
+            <a:off x="6172200" y="1036637"/>
+            <a:ext cx="228600" cy="369332"/>
+          </a:xfrm>
+          <a:prstGeom prst="rect">
+            <a:avLst/>
+          </a:prstGeom>
+          <a:noFill/>
+        </p:spPr>
+        <p:txBody>
+          <a:bodyPr wrap="square" rtlCol="0">
+            <a:spAutoFit/>
+          </a:bodyPr>
+          <a:lstStyle/>
+          <a:p>
+            <a:r>
+              <a:rPr lang="en-US" dirty="0" smtClean="0">
+                <a:solidFill>
+                  <a:schemeClr val="accent5">
+                    <a:lumMod val="75000"/>
+                  </a:schemeClr>
+                </a:solidFill>
+              </a:rPr>
+              <a:t>*</a:t>
+            </a:r>
+            <a:endParaRPr lang="en-US" dirty="0">
+              <a:solidFill>
+                <a:schemeClr val="accent5">
+                  <a:lumMod val="75000"/>
+                </a:schemeClr>
+              </a:solidFill>
+            </a:endParaRPr>
+          </a:p>
+        </p:txBody>
+      </p:sp>
+      <p:sp>
+        <p:nvSpPr>
+          <p:cNvPr id="294" name="Rectangle 293"/>
           <p:cNvSpPr/>
           <p:nvPr/>
         </p:nvSpPr>
         <p:spPr>
           <a:xfrm>
-            <a:off x="6405122" y="2209800"/>
-            <a:ext cx="1367278" cy="228600"/>
+            <a:off x="6781800" y="1798637"/>
+            <a:ext cx="1550726" cy="361770"/>
           </a:xfrm>
           <a:prstGeom prst="rect">
             <a:avLst/>
           </a:prstGeom>
+        </p:spPr>
+        <p:style>
+          <a:lnRef idx="2">
+            <a:schemeClr val="accent6">
+              <a:shade val="50000"/>
+            </a:schemeClr>
+          </a:lnRef>
+          <a:fillRef idx="1">
+            <a:schemeClr val="accent6"/>
+          </a:fillRef>
+          <a:effectRef idx="0">
+            <a:schemeClr val="accent6"/>
+          </a:effectRef>
+          <a:fontRef idx="minor">
+            <a:schemeClr val="lt1"/>
+          </a:fontRef>
+        </p:style>
+        <p:txBody>
+          <a:bodyPr rtlCol="0" anchor="ctr"/>
+          <a:lstStyle/>
+          <a:p>
+            <a:pPr algn="ctr"/>
+            <a:r>
+              <a:rPr lang="en-US" sz="1600" b="1" dirty="0" err="1" smtClean="0"/>
+              <a:t>EvaluationData</a:t>
+            </a:r>
+            <a:endParaRPr lang="en-SG" sz="1600" b="1" dirty="0"/>
+          </a:p>
+        </p:txBody>
+      </p:sp>
+      <p:sp>
+        <p:nvSpPr>
+          <p:cNvPr id="295" name="TextBox 294"/>
+          <p:cNvSpPr txBox="1"/>
+          <p:nvPr/>
+        </p:nvSpPr>
+        <p:spPr>
+          <a:xfrm>
+            <a:off x="6557516" y="1721923"/>
+            <a:ext cx="228600" cy="369332"/>
+          </a:xfrm>
+          <a:prstGeom prst="rect">
+            <a:avLst/>
+          </a:prstGeom>
+          <a:noFill/>
+        </p:spPr>
+        <p:txBody>
+          <a:bodyPr wrap="square" rtlCol="0">
+            <a:spAutoFit/>
+          </a:bodyPr>
+          <a:lstStyle/>
+          <a:p>
+            <a:r>
+              <a:rPr lang="en-US" dirty="0" smtClean="0">
+                <a:solidFill>
+                  <a:schemeClr val="accent5">
+                    <a:lumMod val="75000"/>
+                  </a:schemeClr>
+                </a:solidFill>
+              </a:rPr>
+              <a:t>*</a:t>
+            </a:r>
+            <a:endParaRPr lang="en-US" dirty="0">
+              <a:solidFill>
+                <a:schemeClr val="accent5">
+                  <a:lumMod val="75000"/>
+                </a:schemeClr>
+              </a:solidFill>
+            </a:endParaRPr>
+          </a:p>
+        </p:txBody>
+      </p:sp>
+      <p:sp>
+        <p:nvSpPr>
+          <p:cNvPr id="296" name="Flowchart: Decision 295"/>
+          <p:cNvSpPr/>
+          <p:nvPr/>
+        </p:nvSpPr>
+        <p:spPr>
+          <a:xfrm rot="5400000">
+            <a:off x="6477000" y="1493837"/>
+            <a:ext cx="152400" cy="152400"/>
+          </a:xfrm>
+          <a:prstGeom prst="flowChartDecision">
+            <a:avLst/>
+          </a:prstGeom>
+          <a:solidFill>
+            <a:schemeClr val="bg1"/>
+          </a:solidFill>
         </p:spPr>
         <p:style>
           <a:lnRef idx="2">
@@ -4725,27 +4814,23 @@
           <a:lstStyle/>
           <a:p>
             <a:pPr algn="ctr"/>
-            <a:r>
-              <a:rPr lang="en-US" sz="1400" b="1" dirty="0" err="1" smtClean="0"/>
-              <a:t>TeamData</a:t>
-            </a:r>
-            <a:endParaRPr lang="en-SG" sz="1400" b="1" dirty="0"/>
+            <a:endParaRPr lang="en-US"/>
           </a:p>
         </p:txBody>
       </p:sp>
       <p:cxnSp>
         <p:nvCxnSpPr>
-          <p:cNvPr id="299" name="Elbow Connector 186"/>
+          <p:cNvPr id="297" name="Elbow Connector 196"/>
           <p:cNvCxnSpPr>
             <a:stCxn id="296" idx="3"/>
-            <a:endCxn id="298" idx="1"/>
+            <a:endCxn id="294" idx="1"/>
           </p:cNvCxnSpPr>
           <p:nvPr/>
         </p:nvCxnSpPr>
         <p:spPr>
           <a:xfrm rot="16200000" flipH="1">
-            <a:off x="5964403" y="1883380"/>
-            <a:ext cx="652833" cy="228606"/>
+            <a:off x="6500858" y="1698579"/>
+            <a:ext cx="333285" cy="228600"/>
           </a:xfrm>
           <a:prstGeom prst="bentConnector2">
             <a:avLst/>
@@ -4773,107 +4858,18 @@
       </p:cxnSp>
       <p:sp>
         <p:nvSpPr>
-          <p:cNvPr id="300" name="TextBox 299"/>
-          <p:cNvSpPr txBox="1"/>
-          <p:nvPr/>
-        </p:nvSpPr>
-        <p:spPr>
-          <a:xfrm>
-            <a:off x="6176522" y="2057400"/>
-            <a:ext cx="228600" cy="369332"/>
-          </a:xfrm>
-          <a:prstGeom prst="rect">
-            <a:avLst/>
-          </a:prstGeom>
-          <a:noFill/>
-        </p:spPr>
-        <p:txBody>
-          <a:bodyPr wrap="square" rtlCol="0">
-            <a:spAutoFit/>
-          </a:bodyPr>
-          <a:lstStyle/>
-          <a:p>
-            <a:r>
-              <a:rPr lang="en-US" dirty="0" smtClean="0">
-                <a:solidFill>
-                  <a:schemeClr val="accent5">
-                    <a:lumMod val="75000"/>
-                  </a:schemeClr>
-                </a:solidFill>
-              </a:rPr>
-              <a:t>*</a:t>
-            </a:r>
-            <a:endParaRPr lang="en-US" dirty="0">
-              <a:solidFill>
-                <a:schemeClr val="accent5">
-                  <a:lumMod val="75000"/>
-                </a:schemeClr>
-              </a:solidFill>
-            </a:endParaRPr>
-          </a:p>
-        </p:txBody>
-      </p:sp>
-      <p:sp>
-        <p:nvSpPr>
-          <p:cNvPr id="301" name="Rectangle 300"/>
+          <p:cNvPr id="298" name="Rectangle 297"/>
           <p:cNvSpPr/>
           <p:nvPr/>
         </p:nvSpPr>
         <p:spPr>
           <a:xfrm>
-            <a:off x="6705600" y="2667000"/>
-            <a:ext cx="1447800" cy="304800"/>
+            <a:off x="6781806" y="2408237"/>
+            <a:ext cx="1524000" cy="361770"/>
           </a:xfrm>
           <a:prstGeom prst="rect">
             <a:avLst/>
           </a:prstGeom>
-        </p:spPr>
-        <p:style>
-          <a:lnRef idx="2">
-            <a:schemeClr val="accent6">
-              <a:shade val="50000"/>
-            </a:schemeClr>
-          </a:lnRef>
-          <a:fillRef idx="1">
-            <a:schemeClr val="accent6"/>
-          </a:fillRef>
-          <a:effectRef idx="0">
-            <a:schemeClr val="accent6"/>
-          </a:effectRef>
-          <a:fontRef idx="minor">
-            <a:schemeClr val="lt1"/>
-          </a:fontRef>
-        </p:style>
-        <p:txBody>
-          <a:bodyPr rtlCol="0" anchor="ctr"/>
-          <a:lstStyle/>
-          <a:p>
-            <a:pPr algn="ctr"/>
-            <a:r>
-              <a:rPr lang="en-US" sz="1400" b="1" dirty="0" err="1" smtClean="0"/>
-              <a:t>StudentData</a:t>
-            </a:r>
-            <a:endParaRPr lang="en-SG" sz="1400" b="1" dirty="0"/>
-          </a:p>
-        </p:txBody>
-      </p:sp>
-      <p:sp>
-        <p:nvSpPr>
-          <p:cNvPr id="302" name="Flowchart: Decision 301"/>
-          <p:cNvSpPr/>
-          <p:nvPr/>
-        </p:nvSpPr>
-        <p:spPr>
-          <a:xfrm rot="5400000">
-            <a:off x="6400800" y="2438400"/>
-            <a:ext cx="152400" cy="152400"/>
-          </a:xfrm>
-          <a:prstGeom prst="flowChartDecision">
-            <a:avLst/>
-          </a:prstGeom>
-          <a:solidFill>
-            <a:schemeClr val="bg1"/>
-          </a:solidFill>
         </p:spPr>
         <p:style>
           <a:lnRef idx="2">
@@ -4896,23 +4892,27 @@
           <a:lstStyle/>
           <a:p>
             <a:pPr algn="ctr"/>
-            <a:endParaRPr lang="en-US"/>
+            <a:r>
+              <a:rPr lang="en-US" sz="1600" b="1" dirty="0" err="1" smtClean="0"/>
+              <a:t>TeamData</a:t>
+            </a:r>
+            <a:endParaRPr lang="en-SG" sz="1600" b="1" dirty="0"/>
           </a:p>
         </p:txBody>
       </p:sp>
       <p:cxnSp>
         <p:nvCxnSpPr>
-          <p:cNvPr id="303" name="Elbow Connector 186"/>
+          <p:cNvPr id="299" name="Elbow Connector 186"/>
           <p:cNvCxnSpPr>
-            <a:stCxn id="302" idx="3"/>
-            <a:endCxn id="301" idx="1"/>
+            <a:stCxn id="296" idx="3"/>
+            <a:endCxn id="298" idx="1"/>
           </p:cNvCxnSpPr>
           <p:nvPr/>
         </p:nvCxnSpPr>
         <p:spPr>
           <a:xfrm rot="16200000" flipH="1">
-            <a:off x="6477000" y="2590800"/>
-            <a:ext cx="228600" cy="228600"/>
+            <a:off x="6196061" y="2003376"/>
+            <a:ext cx="942885" cy="228606"/>
           </a:xfrm>
           <a:prstGeom prst="bentConnector2">
             <a:avLst/>
@@ -4940,13 +4940,13 @@
       </p:cxnSp>
       <p:sp>
         <p:nvSpPr>
-          <p:cNvPr id="304" name="TextBox 303"/>
+          <p:cNvPr id="300" name="TextBox 299"/>
           <p:cNvSpPr txBox="1"/>
           <p:nvPr/>
         </p:nvSpPr>
         <p:spPr>
           <a:xfrm>
-            <a:off x="6476999" y="2562605"/>
+            <a:off x="6553206" y="2316810"/>
             <a:ext cx="228600" cy="369332"/>
           </a:xfrm>
           <a:prstGeom prst="rect">
@@ -4982,104 +4982,14 @@
       </p:sp>
       <p:sp>
         <p:nvSpPr>
-          <p:cNvPr id="305" name="TextBox 304"/>
-          <p:cNvSpPr txBox="1"/>
-          <p:nvPr/>
-        </p:nvSpPr>
-        <p:spPr>
-          <a:xfrm>
-            <a:off x="914400" y="46037"/>
-            <a:ext cx="533400" cy="369332"/>
-          </a:xfrm>
-          <a:prstGeom prst="rect">
-            <a:avLst/>
-          </a:prstGeom>
-          <a:noFill/>
-        </p:spPr>
-        <p:txBody>
-          <a:bodyPr wrap="square" rtlCol="0">
-            <a:spAutoFit/>
-          </a:bodyPr>
-          <a:lstStyle/>
-          <a:p>
-            <a:r>
-              <a:rPr lang="en-US" dirty="0" smtClean="0"/>
-              <a:t>(a)</a:t>
-            </a:r>
-            <a:endParaRPr lang="en-US" dirty="0"/>
-          </a:p>
-        </p:txBody>
-      </p:sp>
-      <p:sp>
-        <p:nvSpPr>
-          <p:cNvPr id="306" name="TextBox 305"/>
-          <p:cNvSpPr txBox="1"/>
-          <p:nvPr/>
-        </p:nvSpPr>
-        <p:spPr>
-          <a:xfrm>
-            <a:off x="3429000" y="57705"/>
-            <a:ext cx="533400" cy="369332"/>
-          </a:xfrm>
-          <a:prstGeom prst="rect">
-            <a:avLst/>
-          </a:prstGeom>
-          <a:noFill/>
-        </p:spPr>
-        <p:txBody>
-          <a:bodyPr wrap="square" rtlCol="0">
-            <a:spAutoFit/>
-          </a:bodyPr>
-          <a:lstStyle/>
-          <a:p>
-            <a:r>
-              <a:rPr lang="en-US" dirty="0" smtClean="0"/>
-              <a:t>(b)</a:t>
-            </a:r>
-            <a:endParaRPr lang="en-US" dirty="0"/>
-          </a:p>
-        </p:txBody>
-      </p:sp>
-      <p:sp>
-        <p:nvSpPr>
-          <p:cNvPr id="307" name="TextBox 306"/>
-          <p:cNvSpPr txBox="1"/>
-          <p:nvPr/>
-        </p:nvSpPr>
-        <p:spPr>
-          <a:xfrm>
-            <a:off x="5867400" y="46037"/>
-            <a:ext cx="533400" cy="369332"/>
-          </a:xfrm>
-          <a:prstGeom prst="rect">
-            <a:avLst/>
-          </a:prstGeom>
-          <a:noFill/>
-        </p:spPr>
-        <p:txBody>
-          <a:bodyPr wrap="square" rtlCol="0">
-            <a:spAutoFit/>
-          </a:bodyPr>
-          <a:lstStyle/>
-          <a:p>
-            <a:r>
-              <a:rPr lang="en-US" dirty="0" smtClean="0"/>
-              <a:t>(c)</a:t>
-            </a:r>
-            <a:endParaRPr lang="en-US" dirty="0"/>
-          </a:p>
-        </p:txBody>
-      </p:sp>
-      <p:sp>
-        <p:nvSpPr>
-          <p:cNvPr id="60" name="Rectangle 59"/>
+          <p:cNvPr id="301" name="Rectangle 300"/>
           <p:cNvSpPr/>
           <p:nvPr/>
         </p:nvSpPr>
         <p:spPr>
           <a:xfrm>
-            <a:off x="963874" y="1192393"/>
-            <a:ext cx="1550726" cy="331607"/>
+            <a:off x="7162806" y="3046032"/>
+            <a:ext cx="1550726" cy="361770"/>
           </a:xfrm>
           <a:prstGeom prst="rect">
             <a:avLst/>
@@ -5108,7 +5018,7 @@
             <a:pPr algn="ctr"/>
             <a:r>
               <a:rPr lang="en-US" sz="1600" b="1" dirty="0" err="1" smtClean="0"/>
-              <a:t>AccountData</a:t>
+              <a:t>StudentData</a:t>
             </a:r>
             <a:endParaRPr lang="en-SG" sz="1600" b="1" dirty="0"/>
           </a:p>
@@ -5116,58 +5026,60 @@
       </p:sp>
       <p:sp>
         <p:nvSpPr>
-          <p:cNvPr id="61" name="TextBox 60"/>
-          <p:cNvSpPr txBox="1"/>
+          <p:cNvPr id="302" name="Flowchart: Decision 301"/>
+          <p:cNvSpPr/>
           <p:nvPr/>
         </p:nvSpPr>
         <p:spPr>
-          <a:xfrm>
-            <a:off x="609600" y="1066800"/>
-            <a:ext cx="152400" cy="369332"/>
-          </a:xfrm>
-          <a:prstGeom prst="rect">
-            <a:avLst/>
-          </a:prstGeom>
-          <a:noFill/>
-        </p:spPr>
-        <p:txBody>
-          <a:bodyPr wrap="square" rtlCol="0">
-            <a:spAutoFit/>
-          </a:bodyPr>
-          <a:lstStyle/>
-          <a:p>
-            <a:r>
-              <a:rPr lang="en-US" dirty="0" smtClean="0">
-                <a:solidFill>
-                  <a:schemeClr val="accent5">
-                    <a:lumMod val="75000"/>
-                  </a:schemeClr>
-                </a:solidFill>
-              </a:rPr>
-              <a:t>*</a:t>
-            </a:r>
-            <a:endParaRPr lang="en-US" dirty="0">
-              <a:solidFill>
-                <a:schemeClr val="accent5">
-                  <a:lumMod val="75000"/>
-                </a:schemeClr>
-              </a:solidFill>
-            </a:endParaRPr>
+          <a:xfrm rot="5400000">
+            <a:off x="6858000" y="2789237"/>
+            <a:ext cx="152400" cy="152400"/>
+          </a:xfrm>
+          <a:prstGeom prst="flowChartDecision">
+            <a:avLst/>
+          </a:prstGeom>
+          <a:solidFill>
+            <a:schemeClr val="bg1"/>
+          </a:solidFill>
+        </p:spPr>
+        <p:style>
+          <a:lnRef idx="2">
+            <a:schemeClr val="accent5">
+              <a:shade val="50000"/>
+            </a:schemeClr>
+          </a:lnRef>
+          <a:fillRef idx="1">
+            <a:schemeClr val="accent5"/>
+          </a:fillRef>
+          <a:effectRef idx="0">
+            <a:schemeClr val="accent5"/>
+          </a:effectRef>
+          <a:fontRef idx="minor">
+            <a:schemeClr val="lt1"/>
+          </a:fontRef>
+        </p:style>
+        <p:txBody>
+          <a:bodyPr rtlCol="0" anchor="ctr"/>
+          <a:lstStyle/>
+          <a:p>
+            <a:pPr algn="ctr"/>
+            <a:endParaRPr lang="en-US"/>
           </a:p>
         </p:txBody>
       </p:sp>
       <p:cxnSp>
         <p:nvCxnSpPr>
-          <p:cNvPr id="62" name="Elbow Connector 187"/>
+          <p:cNvPr id="303" name="Elbow Connector 186"/>
           <p:cNvCxnSpPr>
-            <a:stCxn id="263" idx="3"/>
+            <a:stCxn id="302" idx="3"/>
+            <a:endCxn id="301" idx="1"/>
           </p:cNvCxnSpPr>
           <p:nvPr/>
         </p:nvCxnSpPr>
         <p:spPr>
           <a:xfrm rot="16200000" flipH="1">
-            <a:off x="629447" y="1016790"/>
-            <a:ext cx="314581" cy="354274"/>
+            <a:off x="6905863" y="2969974"/>
+            <a:ext cx="285280" cy="228606"/>
           </a:xfrm>
           <a:prstGeom prst="bentConnector2">
             <a:avLst/>
@@ -5195,215 +5107,140 @@
       </p:cxnSp>
       <p:sp>
         <p:nvSpPr>
-          <p:cNvPr id="74" name="Rectangle 73"/>
-          <p:cNvSpPr/>
+          <p:cNvPr id="304" name="TextBox 303"/>
+          <p:cNvSpPr txBox="1"/>
           <p:nvPr/>
         </p:nvSpPr>
         <p:spPr>
           <a:xfrm>
-            <a:off x="6019800" y="381000"/>
-            <a:ext cx="1219200" cy="255407"/>
+            <a:off x="6934205" y="2941637"/>
+            <a:ext cx="228600" cy="369332"/>
           </a:xfrm>
           <a:prstGeom prst="rect">
             <a:avLst/>
           </a:prstGeom>
-        </p:spPr>
-        <p:style>
-          <a:lnRef idx="2">
-            <a:schemeClr val="accent6">
-              <a:shade val="50000"/>
-            </a:schemeClr>
-          </a:lnRef>
-          <a:fillRef idx="1">
-            <a:schemeClr val="accent6"/>
-          </a:fillRef>
-          <a:effectRef idx="0">
-            <a:schemeClr val="accent6"/>
-          </a:effectRef>
-          <a:fontRef idx="minor">
-            <a:schemeClr val="lt1"/>
-          </a:fontRef>
-        </p:style>
-        <p:txBody>
-          <a:bodyPr rtlCol="0" anchor="ctr"/>
-          <a:lstStyle/>
-          <a:p>
-            <a:pPr algn="ctr"/>
-            <a:r>
-              <a:rPr lang="en-US" sz="1400" b="1" dirty="0" err="1" smtClean="0"/>
-              <a:t>AccountData</a:t>
-            </a:r>
-            <a:endParaRPr lang="en-SG" sz="1400" b="1" dirty="0"/>
-          </a:p>
-        </p:txBody>
-      </p:sp>
-      <p:sp>
-        <p:nvSpPr>
-          <p:cNvPr id="75" name="Rectangle 74"/>
-          <p:cNvSpPr/>
+          <a:noFill/>
+        </p:spPr>
+        <p:txBody>
+          <a:bodyPr wrap="square" rtlCol="0">
+            <a:spAutoFit/>
+          </a:bodyPr>
+          <a:lstStyle/>
+          <a:p>
+            <a:r>
+              <a:rPr lang="en-US" dirty="0" smtClean="0">
+                <a:solidFill>
+                  <a:schemeClr val="accent5">
+                    <a:lumMod val="75000"/>
+                  </a:schemeClr>
+                </a:solidFill>
+              </a:rPr>
+              <a:t>*</a:t>
+            </a:r>
+            <a:endParaRPr lang="en-US" dirty="0">
+              <a:solidFill>
+                <a:schemeClr val="accent5">
+                  <a:lumMod val="75000"/>
+                </a:schemeClr>
+              </a:solidFill>
+            </a:endParaRPr>
+          </a:p>
+        </p:txBody>
+      </p:sp>
+      <p:sp>
+        <p:nvSpPr>
+          <p:cNvPr id="305" name="TextBox 304"/>
+          <p:cNvSpPr txBox="1"/>
           <p:nvPr/>
         </p:nvSpPr>
         <p:spPr>
           <a:xfrm>
-            <a:off x="7620000" y="762000"/>
-            <a:ext cx="1371600" cy="331607"/>
+            <a:off x="914400" y="46037"/>
+            <a:ext cx="533400" cy="369332"/>
           </a:xfrm>
           <a:prstGeom prst="rect">
             <a:avLst/>
           </a:prstGeom>
-        </p:spPr>
-        <p:style>
-          <a:lnRef idx="2">
-            <a:schemeClr val="accent6">
-              <a:shade val="50000"/>
-            </a:schemeClr>
-          </a:lnRef>
-          <a:fillRef idx="1">
-            <a:schemeClr val="accent6"/>
-          </a:fillRef>
-          <a:effectRef idx="0">
-            <a:schemeClr val="accent6"/>
-          </a:effectRef>
-          <a:fontRef idx="minor">
-            <a:schemeClr val="lt1"/>
-          </a:fontRef>
-        </p:style>
-        <p:txBody>
-          <a:bodyPr rtlCol="0" anchor="ctr"/>
-          <a:lstStyle/>
-          <a:p>
-            <a:pPr algn="ctr"/>
-            <a:r>
-              <a:rPr lang="en-US" sz="1400" b="1" dirty="0" err="1" smtClean="0"/>
-              <a:t>InstructorData</a:t>
-            </a:r>
-            <a:endParaRPr lang="en-SG" sz="1400" b="1" dirty="0"/>
-          </a:p>
-        </p:txBody>
-      </p:sp>
-      <p:sp>
-        <p:nvSpPr>
-          <p:cNvPr id="89" name="Flowchart: Decision 88"/>
-          <p:cNvSpPr/>
+          <a:noFill/>
+        </p:spPr>
+        <p:txBody>
+          <a:bodyPr wrap="square" rtlCol="0">
+            <a:spAutoFit/>
+          </a:bodyPr>
+          <a:lstStyle/>
+          <a:p>
+            <a:r>
+              <a:rPr lang="en-US" dirty="0" smtClean="0"/>
+              <a:t>(a)</a:t>
+            </a:r>
+            <a:endParaRPr lang="en-US" dirty="0"/>
+          </a:p>
+        </p:txBody>
+      </p:sp>
+      <p:sp>
+        <p:nvSpPr>
+          <p:cNvPr id="306" name="TextBox 305"/>
+          <p:cNvSpPr txBox="1"/>
           <p:nvPr/>
         </p:nvSpPr>
         <p:spPr>
-          <a:xfrm rot="5400000">
-            <a:off x="7467600" y="838200"/>
-            <a:ext cx="152400" cy="152400"/>
-          </a:xfrm>
-          <a:prstGeom prst="flowChartDecision">
-            <a:avLst/>
-          </a:prstGeom>
-          <a:solidFill>
-            <a:schemeClr val="bg1"/>
-          </a:solidFill>
-        </p:spPr>
-        <p:style>
-          <a:lnRef idx="2">
-            <a:schemeClr val="accent5">
-              <a:shade val="50000"/>
-            </a:schemeClr>
-          </a:lnRef>
-          <a:fillRef idx="1">
-            <a:schemeClr val="accent5"/>
-          </a:fillRef>
-          <a:effectRef idx="0">
-            <a:schemeClr val="accent5"/>
-          </a:effectRef>
-          <a:fontRef idx="minor">
-            <a:schemeClr val="lt1"/>
-          </a:fontRef>
-        </p:style>
-        <p:txBody>
-          <a:bodyPr rtlCol="0" anchor="ctr"/>
-          <a:lstStyle/>
-          <a:p>
-            <a:pPr algn="ctr"/>
-            <a:endParaRPr lang="en-US"/>
-          </a:p>
-        </p:txBody>
-      </p:sp>
-      <p:cxnSp>
-        <p:nvCxnSpPr>
-          <p:cNvPr id="90" name="Elbow Connector 186"/>
-          <p:cNvCxnSpPr>
-            <a:stCxn id="89" idx="3"/>
-            <a:endCxn id="290" idx="3"/>
-          </p:cNvCxnSpPr>
+          <a:xfrm>
+            <a:off x="3429000" y="57705"/>
+            <a:ext cx="533400" cy="369332"/>
+          </a:xfrm>
+          <a:prstGeom prst="rect">
+            <a:avLst/>
+          </a:prstGeom>
+          <a:noFill/>
+        </p:spPr>
+        <p:txBody>
+          <a:bodyPr wrap="square" rtlCol="0">
+            <a:spAutoFit/>
+          </a:bodyPr>
+          <a:lstStyle/>
+          <a:p>
+            <a:r>
+              <a:rPr lang="en-US" dirty="0" smtClean="0"/>
+              <a:t>(b)</a:t>
+            </a:r>
+            <a:endParaRPr lang="en-US" dirty="0"/>
+          </a:p>
+        </p:txBody>
+      </p:sp>
+      <p:sp>
+        <p:nvSpPr>
+          <p:cNvPr id="307" name="TextBox 306"/>
+          <p:cNvSpPr txBox="1"/>
           <p:nvPr/>
-        </p:nvCxnSpPr>
-        <p:spPr>
-          <a:xfrm rot="5400000">
-            <a:off x="7219071" y="1037255"/>
-            <a:ext cx="371385" cy="278074"/>
-          </a:xfrm>
-          <a:prstGeom prst="bentConnector2">
-            <a:avLst/>
-          </a:prstGeom>
-          <a:ln>
-            <a:tailEnd type="arrow"/>
-          </a:ln>
-        </p:spPr>
-        <p:style>
-          <a:lnRef idx="2">
-            <a:schemeClr val="accent5">
-              <a:shade val="50000"/>
-            </a:schemeClr>
-          </a:lnRef>
-          <a:fillRef idx="1">
-            <a:schemeClr val="accent5"/>
-          </a:fillRef>
-          <a:effectRef idx="0">
-            <a:schemeClr val="accent5"/>
-          </a:effectRef>
-          <a:fontRef idx="minor">
-            <a:schemeClr val="lt1"/>
-          </a:fontRef>
-        </p:style>
-      </p:cxnSp>
-      <p:cxnSp>
-        <p:nvCxnSpPr>
-          <p:cNvPr id="94" name="Elbow Connector 186"/>
-          <p:cNvCxnSpPr>
-            <a:stCxn id="89" idx="1"/>
-            <a:endCxn id="74" idx="3"/>
-          </p:cNvCxnSpPr>
-          <p:nvPr/>
-        </p:nvCxnSpPr>
-        <p:spPr>
-          <a:xfrm rot="16200000" flipV="1">
-            <a:off x="7226652" y="521052"/>
-            <a:ext cx="329496" cy="304800"/>
-          </a:xfrm>
-          <a:prstGeom prst="bentConnector2">
-            <a:avLst/>
-          </a:prstGeom>
-          <a:ln>
-            <a:tailEnd type="arrow"/>
-          </a:ln>
-        </p:spPr>
-        <p:style>
-          <a:lnRef idx="2">
-            <a:schemeClr val="accent5">
-              <a:shade val="50000"/>
-            </a:schemeClr>
-          </a:lnRef>
-          <a:fillRef idx="1">
-            <a:schemeClr val="accent5"/>
-          </a:fillRef>
-          <a:effectRef idx="0">
-            <a:schemeClr val="accent5"/>
-          </a:effectRef>
-          <a:fontRef idx="minor">
-            <a:schemeClr val="lt1"/>
-          </a:fontRef>
-        </p:style>
-      </p:cxnSp>
+        </p:nvSpPr>
+        <p:spPr>
+          <a:xfrm>
+            <a:off x="6324600" y="46037"/>
+            <a:ext cx="533400" cy="369332"/>
+          </a:xfrm>
+          <a:prstGeom prst="rect">
+            <a:avLst/>
+          </a:prstGeom>
+          <a:noFill/>
+        </p:spPr>
+        <p:txBody>
+          <a:bodyPr wrap="square" rtlCol="0">
+            <a:spAutoFit/>
+          </a:bodyPr>
+          <a:lstStyle/>
+          <a:p>
+            <a:r>
+              <a:rPr lang="en-US" dirty="0" smtClean="0"/>
+              <a:t>(c)</a:t>
+            </a:r>
+            <a:endParaRPr lang="en-US" dirty="0"/>
+          </a:p>
+        </p:txBody>
+      </p:sp>
     </p:spTree>
     <p:extLst>
       <p:ext uri="{BB962C8B-B14F-4D97-AF65-F5344CB8AC3E}">
-        <p14:creationId xmlns:p14="http://schemas.microsoft.com/office/powerpoint/2010/main" xmlns="" val="2312643091"/>
+        <p14:creationId xmlns:p14="http://schemas.microsoft.com/office/powerpoint/2010/main" val="2312643091"/>
       </p:ext>
     </p:extLst>
   </p:cSld>

--- a/doc/diagrams/dataTransferClasses.pptx
+++ b/doc/diagrams/dataTransferClasses.pptx
@@ -289,7 +289,7 @@
             <a:fld id="{1D8BD707-D9CF-40AE-B4C6-C98DA3205C09}" type="datetimeFigureOut">
               <a:rPr lang="en-US" smtClean="0"/>
               <a:pPr/>
-              <a:t>12/1/2012</a:t>
+              <a:t>5/18/2013</a:t>
             </a:fld>
             <a:endParaRPr lang="en-US"/>
           </a:p>
@@ -456,7 +456,7 @@
             <a:fld id="{1D8BD707-D9CF-40AE-B4C6-C98DA3205C09}" type="datetimeFigureOut">
               <a:rPr lang="en-US" smtClean="0"/>
               <a:pPr/>
-              <a:t>12/1/2012</a:t>
+              <a:t>5/18/2013</a:t>
             </a:fld>
             <a:endParaRPr lang="en-US"/>
           </a:p>
@@ -633,7 +633,7 @@
             <a:fld id="{1D8BD707-D9CF-40AE-B4C6-C98DA3205C09}" type="datetimeFigureOut">
               <a:rPr lang="en-US" smtClean="0"/>
               <a:pPr/>
-              <a:t>12/1/2012</a:t>
+              <a:t>5/18/2013</a:t>
             </a:fld>
             <a:endParaRPr lang="en-US"/>
           </a:p>
@@ -800,7 +800,7 @@
             <a:fld id="{1D8BD707-D9CF-40AE-B4C6-C98DA3205C09}" type="datetimeFigureOut">
               <a:rPr lang="en-US" smtClean="0"/>
               <a:pPr/>
-              <a:t>12/1/2012</a:t>
+              <a:t>5/18/2013</a:t>
             </a:fld>
             <a:endParaRPr lang="en-US"/>
           </a:p>
@@ -1043,7 +1043,7 @@
             <a:fld id="{1D8BD707-D9CF-40AE-B4C6-C98DA3205C09}" type="datetimeFigureOut">
               <a:rPr lang="en-US" smtClean="0"/>
               <a:pPr/>
-              <a:t>12/1/2012</a:t>
+              <a:t>5/18/2013</a:t>
             </a:fld>
             <a:endParaRPr lang="en-US"/>
           </a:p>
@@ -1328,7 +1328,7 @@
             <a:fld id="{1D8BD707-D9CF-40AE-B4C6-C98DA3205C09}" type="datetimeFigureOut">
               <a:rPr lang="en-US" smtClean="0"/>
               <a:pPr/>
-              <a:t>12/1/2012</a:t>
+              <a:t>5/18/2013</a:t>
             </a:fld>
             <a:endParaRPr lang="en-US"/>
           </a:p>
@@ -1747,7 +1747,7 @@
             <a:fld id="{1D8BD707-D9CF-40AE-B4C6-C98DA3205C09}" type="datetimeFigureOut">
               <a:rPr lang="en-US" smtClean="0"/>
               <a:pPr/>
-              <a:t>12/1/2012</a:t>
+              <a:t>5/18/2013</a:t>
             </a:fld>
             <a:endParaRPr lang="en-US"/>
           </a:p>
@@ -1862,7 +1862,7 @@
             <a:fld id="{1D8BD707-D9CF-40AE-B4C6-C98DA3205C09}" type="datetimeFigureOut">
               <a:rPr lang="en-US" smtClean="0"/>
               <a:pPr/>
-              <a:t>12/1/2012</a:t>
+              <a:t>5/18/2013</a:t>
             </a:fld>
             <a:endParaRPr lang="en-US"/>
           </a:p>
@@ -1954,7 +1954,7 @@
             <a:fld id="{1D8BD707-D9CF-40AE-B4C6-C98DA3205C09}" type="datetimeFigureOut">
               <a:rPr lang="en-US" smtClean="0"/>
               <a:pPr/>
-              <a:t>12/1/2012</a:t>
+              <a:t>5/18/2013</a:t>
             </a:fld>
             <a:endParaRPr lang="en-US"/>
           </a:p>
@@ -2228,7 +2228,7 @@
             <a:fld id="{1D8BD707-D9CF-40AE-B4C6-C98DA3205C09}" type="datetimeFigureOut">
               <a:rPr lang="en-US" smtClean="0"/>
               <a:pPr/>
-              <a:t>12/1/2012</a:t>
+              <a:t>5/18/2013</a:t>
             </a:fld>
             <a:endParaRPr lang="en-US"/>
           </a:p>
@@ -2478,7 +2478,7 @@
             <a:fld id="{1D8BD707-D9CF-40AE-B4C6-C98DA3205C09}" type="datetimeFigureOut">
               <a:rPr lang="en-US" smtClean="0"/>
               <a:pPr/>
-              <a:t>12/1/2012</a:t>
+              <a:t>5/18/2013</a:t>
             </a:fld>
             <a:endParaRPr lang="en-US"/>
           </a:p>
@@ -2688,7 +2688,7 @@
             <a:fld id="{1D8BD707-D9CF-40AE-B4C6-C98DA3205C09}" type="datetimeFigureOut">
               <a:rPr lang="en-US" smtClean="0"/>
               <a:pPr/>
-              <a:t>12/1/2012</a:t>
+              <a:t>5/18/2013</a:t>
             </a:fld>
             <a:endParaRPr lang="en-US"/>
           </a:p>
@@ -3067,8 +3067,8 @@
         </p:nvSpPr>
         <p:spPr>
           <a:xfrm>
-            <a:off x="963874" y="1720521"/>
-            <a:ext cx="1550726" cy="361770"/>
+            <a:off x="582874" y="1719308"/>
+            <a:ext cx="2007926" cy="361770"/>
           </a:xfrm>
           <a:prstGeom prst="rect">
             <a:avLst/>
@@ -3097,7 +3097,7 @@
             <a:pPr algn="ctr"/>
             <a:r>
               <a:rPr lang="en-US" sz="1600" b="1" dirty="0" err="1" smtClean="0"/>
-              <a:t>StudentData</a:t>
+              <a:t>StudentAttributes</a:t>
             </a:r>
             <a:endParaRPr lang="en-SG" sz="1600" b="1" dirty="0"/>
           </a:p>
@@ -3111,8 +3111,8 @@
         </p:nvSpPr>
         <p:spPr>
           <a:xfrm>
-            <a:off x="963874" y="1265237"/>
-            <a:ext cx="1550726" cy="361770"/>
+            <a:off x="582874" y="1219200"/>
+            <a:ext cx="2007926" cy="361770"/>
           </a:xfrm>
           <a:prstGeom prst="rect">
             <a:avLst/>
@@ -3141,7 +3141,7 @@
             <a:pPr algn="ctr"/>
             <a:r>
               <a:rPr lang="en-US" sz="1600" b="1" dirty="0" err="1" smtClean="0"/>
-              <a:t>InstructorData</a:t>
+              <a:t>InstructorAttributes</a:t>
             </a:r>
             <a:endParaRPr lang="en-SG" sz="1600" b="1" dirty="0"/>
           </a:p>
@@ -3155,8 +3155,8 @@
         </p:nvSpPr>
         <p:spPr>
           <a:xfrm>
-            <a:off x="963874" y="2631089"/>
-            <a:ext cx="1550726" cy="361770"/>
+            <a:off x="582874" y="2719524"/>
+            <a:ext cx="2007926" cy="361770"/>
           </a:xfrm>
           <a:prstGeom prst="rect">
             <a:avLst/>
@@ -3185,7 +3185,7 @@
             <a:pPr algn="ctr"/>
             <a:r>
               <a:rPr lang="en-US" sz="1600" b="1" dirty="0" err="1" smtClean="0"/>
-              <a:t>EvaluationData</a:t>
+              <a:t>EvaluationAttributes</a:t>
             </a:r>
             <a:endParaRPr lang="en-SG" sz="1600" b="1" dirty="0"/>
           </a:p>
@@ -3199,8 +3199,8 @@
         </p:nvSpPr>
         <p:spPr>
           <a:xfrm>
-            <a:off x="963874" y="3086372"/>
-            <a:ext cx="1550726" cy="361770"/>
+            <a:off x="582874" y="3219630"/>
+            <a:ext cx="2007926" cy="361770"/>
           </a:xfrm>
           <a:prstGeom prst="rect">
             <a:avLst/>
@@ -3229,7 +3229,7 @@
             <a:pPr algn="ctr"/>
             <a:r>
               <a:rPr lang="en-US" sz="1600" b="1" dirty="0" err="1" smtClean="0"/>
-              <a:t>SubmissionData</a:t>
+              <a:t>SubmissionAttributes</a:t>
             </a:r>
             <a:endParaRPr lang="en-SG" sz="1600" b="1" dirty="0"/>
           </a:p>
@@ -3243,8 +3243,8 @@
         </p:nvSpPr>
         <p:spPr>
           <a:xfrm>
-            <a:off x="963874" y="2175805"/>
-            <a:ext cx="1550726" cy="361770"/>
+            <a:off x="582874" y="2219416"/>
+            <a:ext cx="2007926" cy="361770"/>
           </a:xfrm>
           <a:prstGeom prst="rect">
             <a:avLst/>
@@ -3273,7 +3273,7 @@
             <a:pPr algn="ctr"/>
             <a:r>
               <a:rPr lang="en-US" sz="1600" b="1" dirty="0" err="1" smtClean="0"/>
-              <a:t>CourseData</a:t>
+              <a:t>CourseAttributes</a:t>
             </a:r>
             <a:endParaRPr lang="en-SG" sz="1600" b="1" dirty="0"/>
           </a:p>
@@ -3281,14 +3281,14 @@
       </p:sp>
       <p:sp>
         <p:nvSpPr>
-          <p:cNvPr id="260" name="Rectangle 259"/>
+          <p:cNvPr id="261" name="Rectangle 260"/>
           <p:cNvSpPr/>
           <p:nvPr/>
         </p:nvSpPr>
         <p:spPr>
           <a:xfrm>
-            <a:off x="3505200" y="1121802"/>
-            <a:ext cx="1524000" cy="361770"/>
+            <a:off x="3352793" y="1942636"/>
+            <a:ext cx="2299249" cy="354635"/>
           </a:xfrm>
           <a:prstGeom prst="rect">
             <a:avLst/>
@@ -3317,7 +3317,7 @@
             <a:pPr algn="ctr"/>
             <a:r>
               <a:rPr lang="en-US" sz="1600" b="1" dirty="0" err="1" smtClean="0"/>
-              <a:t>TeamData</a:t>
+              <a:t>EvaluationDetailsBundle</a:t>
             </a:r>
             <a:endParaRPr lang="en-SG" sz="1600" b="1" dirty="0"/>
           </a:p>
@@ -3325,13 +3325,13 @@
       </p:sp>
       <p:sp>
         <p:nvSpPr>
-          <p:cNvPr id="261" name="Rectangle 260"/>
+          <p:cNvPr id="262" name="Rectangle 261"/>
           <p:cNvSpPr/>
           <p:nvPr/>
         </p:nvSpPr>
         <p:spPr>
           <a:xfrm>
-            <a:off x="4419600" y="2355752"/>
+            <a:off x="76200" y="457200"/>
             <a:ext cx="1524000" cy="361770"/>
           </a:xfrm>
           <a:prstGeom prst="rect">
@@ -3361,7 +3361,7 @@
             <a:pPr algn="ctr"/>
             <a:r>
               <a:rPr lang="en-US" sz="1600" b="1" dirty="0" err="1" smtClean="0"/>
-              <a:t>EvalResultData</a:t>
+              <a:t>DataBundle</a:t>
             </a:r>
             <a:endParaRPr lang="en-SG" sz="1600" b="1" dirty="0"/>
           </a:p>
@@ -3369,18 +3369,21 @@
       </p:sp>
       <p:sp>
         <p:nvSpPr>
-          <p:cNvPr id="262" name="Rectangle 261"/>
+          <p:cNvPr id="263" name="Flowchart: Decision 262"/>
           <p:cNvSpPr/>
           <p:nvPr/>
         </p:nvSpPr>
         <p:spPr>
-          <a:xfrm>
-            <a:off x="381000" y="503237"/>
-            <a:ext cx="1524000" cy="361770"/>
-          </a:xfrm>
-          <a:prstGeom prst="rect">
-            <a:avLst/>
-          </a:prstGeom>
+          <a:xfrm rot="5400000">
+            <a:off x="152400" y="838200"/>
+            <a:ext cx="152400" cy="152400"/>
+          </a:xfrm>
+          <a:prstGeom prst="flowChartDecision">
+            <a:avLst/>
+          </a:prstGeom>
+          <a:solidFill>
+            <a:schemeClr val="bg1"/>
+          </a:solidFill>
         </p:spPr>
         <p:style>
           <a:lnRef idx="2">
@@ -3403,53 +3406,6 @@
           <a:lstStyle/>
           <a:p>
             <a:pPr algn="ctr"/>
-            <a:r>
-              <a:rPr lang="en-US" sz="1600" b="1" dirty="0" err="1" smtClean="0"/>
-              <a:t>DataBundle</a:t>
-            </a:r>
-            <a:endParaRPr lang="en-SG" sz="1600" b="1" dirty="0"/>
-          </a:p>
-        </p:txBody>
-      </p:sp>
-      <p:sp>
-        <p:nvSpPr>
-          <p:cNvPr id="263" name="Flowchart: Decision 262"/>
-          <p:cNvSpPr/>
-          <p:nvPr/>
-        </p:nvSpPr>
-        <p:spPr>
-          <a:xfrm rot="5400000">
-            <a:off x="533400" y="884237"/>
-            <a:ext cx="152400" cy="152400"/>
-          </a:xfrm>
-          <a:prstGeom prst="flowChartDecision">
-            <a:avLst/>
-          </a:prstGeom>
-          <a:solidFill>
-            <a:schemeClr val="bg1"/>
-          </a:solidFill>
-        </p:spPr>
-        <p:style>
-          <a:lnRef idx="2">
-            <a:schemeClr val="accent5">
-              <a:shade val="50000"/>
-            </a:schemeClr>
-          </a:lnRef>
-          <a:fillRef idx="1">
-            <a:schemeClr val="accent5"/>
-          </a:fillRef>
-          <a:effectRef idx="0">
-            <a:schemeClr val="accent5"/>
-          </a:effectRef>
-          <a:fontRef idx="minor">
-            <a:schemeClr val="lt1"/>
-          </a:fontRef>
-        </p:style>
-        <p:txBody>
-          <a:bodyPr rtlCol="0" anchor="ctr"/>
-          <a:lstStyle/>
-          <a:p>
-            <a:pPr algn="ctr"/>
             <a:endParaRPr lang="en-US"/>
           </a:p>
         </p:txBody>
@@ -3465,7 +3421,7 @@
         </p:nvCxnSpPr>
         <p:spPr>
           <a:xfrm rot="16200000" flipH="1">
-            <a:off x="581995" y="1064242"/>
+            <a:off x="200995" y="1018205"/>
             <a:ext cx="409485" cy="354274"/>
           </a:xfrm>
           <a:prstGeom prst="bentConnector2">
@@ -3503,8 +3459,8 @@
         </p:nvCxnSpPr>
         <p:spPr>
           <a:xfrm rot="16200000" flipH="1">
-            <a:off x="354353" y="1291884"/>
-            <a:ext cx="864769" cy="354274"/>
+            <a:off x="-49059" y="1268259"/>
+            <a:ext cx="909593" cy="354274"/>
           </a:xfrm>
           <a:prstGeom prst="bentConnector2">
             <a:avLst/>
@@ -3541,8 +3497,8 @@
         </p:nvCxnSpPr>
         <p:spPr>
           <a:xfrm rot="16200000" flipH="1">
-            <a:off x="126711" y="1519526"/>
-            <a:ext cx="1320053" cy="354274"/>
+            <a:off x="-299113" y="1518313"/>
+            <a:ext cx="1409701" cy="354274"/>
           </a:xfrm>
           <a:prstGeom prst="bentConnector2">
             <a:avLst/>
@@ -3579,8 +3535,8 @@
         </p:nvCxnSpPr>
         <p:spPr>
           <a:xfrm rot="16200000" flipH="1">
-            <a:off x="-100931" y="1747168"/>
-            <a:ext cx="1775337" cy="354274"/>
+            <a:off x="-549167" y="1768367"/>
+            <a:ext cx="1909809" cy="354274"/>
           </a:xfrm>
           <a:prstGeom prst="bentConnector2">
             <a:avLst/>
@@ -3617,8 +3573,8 @@
         </p:nvCxnSpPr>
         <p:spPr>
           <a:xfrm rot="16200000" flipH="1">
-            <a:off x="-328573" y="1974810"/>
-            <a:ext cx="2230620" cy="354274"/>
+            <a:off x="-799220" y="2018420"/>
+            <a:ext cx="2409915" cy="354274"/>
           </a:xfrm>
           <a:prstGeom prst="bentConnector2">
             <a:avLst/>
@@ -3652,7 +3608,7 @@
         </p:nvSpPr>
         <p:spPr>
           <a:xfrm>
-            <a:off x="762005" y="1180072"/>
+            <a:off x="381005" y="1134035"/>
             <a:ext cx="228600" cy="369332"/>
           </a:xfrm>
           <a:prstGeom prst="rect">
@@ -3694,7 +3650,7 @@
         </p:nvSpPr>
         <p:spPr>
           <a:xfrm>
-            <a:off x="748555" y="1619342"/>
+            <a:off x="367555" y="1634493"/>
             <a:ext cx="228600" cy="369332"/>
           </a:xfrm>
           <a:prstGeom prst="rect">
@@ -3736,7 +3692,7 @@
         </p:nvSpPr>
         <p:spPr>
           <a:xfrm>
-            <a:off x="739590" y="2094472"/>
+            <a:off x="358590" y="2134951"/>
             <a:ext cx="228600" cy="369332"/>
           </a:xfrm>
           <a:prstGeom prst="rect">
@@ -3778,7 +3734,7 @@
         </p:nvSpPr>
         <p:spPr>
           <a:xfrm>
-            <a:off x="739590" y="2554375"/>
+            <a:off x="358590" y="2635409"/>
             <a:ext cx="228600" cy="369332"/>
           </a:xfrm>
           <a:prstGeom prst="rect">
@@ -3820,7 +3776,7 @@
         </p:nvSpPr>
         <p:spPr>
           <a:xfrm>
-            <a:off x="726140" y="2993645"/>
+            <a:off x="345140" y="3135868"/>
             <a:ext cx="228600" cy="369332"/>
           </a:xfrm>
           <a:prstGeom prst="rect">
@@ -3862,8 +3818,132 @@
         </p:nvSpPr>
         <p:spPr>
           <a:xfrm>
-            <a:off x="3124200" y="503237"/>
-            <a:ext cx="1550726" cy="361770"/>
+            <a:off x="2743200" y="457200"/>
+            <a:ext cx="2057400" cy="361770"/>
+          </a:xfrm>
+          <a:prstGeom prst="rect">
+            <a:avLst/>
+          </a:prstGeom>
+        </p:spPr>
+        <p:style>
+          <a:lnRef idx="2">
+            <a:schemeClr val="accent5">
+              <a:shade val="50000"/>
+            </a:schemeClr>
+          </a:lnRef>
+          <a:fillRef idx="1">
+            <a:schemeClr val="accent5"/>
+          </a:fillRef>
+          <a:effectRef idx="0">
+            <a:schemeClr val="accent5"/>
+          </a:effectRef>
+          <a:fontRef idx="minor">
+            <a:schemeClr val="lt1"/>
+          </a:fontRef>
+        </p:style>
+        <p:txBody>
+          <a:bodyPr rtlCol="0" anchor="ctr"/>
+          <a:lstStyle/>
+          <a:p>
+            <a:pPr algn="ctr"/>
+            <a:r>
+              <a:rPr lang="en-US" sz="1600" b="1" dirty="0" err="1"/>
+              <a:t>CourseDetailsBundle</a:t>
+            </a:r>
+            <a:endParaRPr lang="en-SG" sz="1600" b="1" dirty="0"/>
+          </a:p>
+        </p:txBody>
+      </p:sp>
+      <p:sp>
+        <p:nvSpPr>
+          <p:cNvPr id="275" name="Flowchart: Decision 274"/>
+          <p:cNvSpPr/>
+          <p:nvPr/>
+        </p:nvSpPr>
+        <p:spPr>
+          <a:xfrm rot="5400000">
+            <a:off x="2819395" y="838200"/>
+            <a:ext cx="152400" cy="152400"/>
+          </a:xfrm>
+          <a:prstGeom prst="flowChartDecision">
+            <a:avLst/>
+          </a:prstGeom>
+          <a:solidFill>
+            <a:schemeClr val="bg1"/>
+          </a:solidFill>
+        </p:spPr>
+        <p:style>
+          <a:lnRef idx="2">
+            <a:schemeClr val="accent5">
+              <a:shade val="50000"/>
+            </a:schemeClr>
+          </a:lnRef>
+          <a:fillRef idx="1">
+            <a:schemeClr val="accent5"/>
+          </a:fillRef>
+          <a:effectRef idx="0">
+            <a:schemeClr val="accent5"/>
+          </a:effectRef>
+          <a:fontRef idx="minor">
+            <a:schemeClr val="lt1"/>
+          </a:fontRef>
+        </p:style>
+        <p:txBody>
+          <a:bodyPr rtlCol="0" anchor="ctr"/>
+          <a:lstStyle/>
+          <a:p>
+            <a:pPr algn="ctr"/>
+            <a:endParaRPr lang="en-US"/>
+          </a:p>
+        </p:txBody>
+      </p:sp>
+      <p:cxnSp>
+        <p:nvCxnSpPr>
+          <p:cNvPr id="276" name="Elbow Connector 186"/>
+          <p:cNvCxnSpPr>
+            <a:endCxn id="76" idx="1"/>
+          </p:cNvCxnSpPr>
+          <p:nvPr/>
+        </p:nvCxnSpPr>
+        <p:spPr>
+          <a:xfrm rot="16200000" flipH="1">
+            <a:off x="2888735" y="1163956"/>
+            <a:ext cx="262218" cy="248499"/>
+          </a:xfrm>
+          <a:prstGeom prst="bentConnector2">
+            <a:avLst/>
+          </a:prstGeom>
+          <a:ln>
+            <a:tailEnd type="arrow"/>
+          </a:ln>
+        </p:spPr>
+        <p:style>
+          <a:lnRef idx="2">
+            <a:schemeClr val="accent5">
+              <a:shade val="50000"/>
+            </a:schemeClr>
+          </a:lnRef>
+          <a:fillRef idx="1">
+            <a:schemeClr val="accent5"/>
+          </a:fillRef>
+          <a:effectRef idx="0">
+            <a:schemeClr val="accent5"/>
+          </a:effectRef>
+          <a:fontRef idx="minor">
+            <a:schemeClr val="lt1"/>
+          </a:fontRef>
+        </p:style>
+      </p:cxnSp>
+      <p:sp>
+        <p:nvSpPr>
+          <p:cNvPr id="278" name="Rectangle 277"/>
+          <p:cNvSpPr/>
+          <p:nvPr/>
+        </p:nvSpPr>
+        <p:spPr>
+          <a:xfrm>
+            <a:off x="3698293" y="3219630"/>
+            <a:ext cx="2245307" cy="361770"/>
           </a:xfrm>
           <a:prstGeom prst="rect">
             <a:avLst/>
@@ -3892,7 +3972,7 @@
             <a:pPr algn="ctr"/>
             <a:r>
               <a:rPr lang="en-US" sz="1600" b="1" dirty="0" err="1" smtClean="0"/>
-              <a:t>EvaluationData</a:t>
+              <a:t>StudentAttributes</a:t>
             </a:r>
             <a:endParaRPr lang="en-SG" sz="1600" b="1" dirty="0"/>
           </a:p>
@@ -3900,13 +3980,13 @@
       </p:sp>
       <p:sp>
         <p:nvSpPr>
-          <p:cNvPr id="275" name="Flowchart: Decision 274"/>
+          <p:cNvPr id="279" name="Flowchart: Decision 278"/>
           <p:cNvSpPr/>
           <p:nvPr/>
         </p:nvSpPr>
         <p:spPr>
           <a:xfrm rot="5400000">
-            <a:off x="3200395" y="884237"/>
+            <a:off x="3428937" y="2964725"/>
             <a:ext cx="152400" cy="152400"/>
           </a:xfrm>
           <a:prstGeom prst="flowChartDecision">
@@ -3943,17 +4023,17 @@
       </p:sp>
       <p:cxnSp>
         <p:nvCxnSpPr>
-          <p:cNvPr id="276" name="Elbow Connector 186"/>
+          <p:cNvPr id="280" name="Elbow Connector 186"/>
           <p:cNvCxnSpPr>
-            <a:stCxn id="275" idx="3"/>
-            <a:endCxn id="260" idx="1"/>
+            <a:stCxn id="279" idx="3"/>
+            <a:endCxn id="278" idx="1"/>
           </p:cNvCxnSpPr>
           <p:nvPr/>
         </p:nvCxnSpPr>
         <p:spPr>
           <a:xfrm rot="16200000" flipH="1">
-            <a:off x="3257872" y="1055359"/>
-            <a:ext cx="266050" cy="228605"/>
+            <a:off x="3460020" y="3162242"/>
+            <a:ext cx="283390" cy="193156"/>
           </a:xfrm>
           <a:prstGeom prst="bentConnector2">
             <a:avLst/>
@@ -3981,13 +4061,13 @@
       </p:cxnSp>
       <p:sp>
         <p:nvSpPr>
-          <p:cNvPr id="277" name="TextBox 276"/>
+          <p:cNvPr id="281" name="TextBox 280"/>
           <p:cNvSpPr txBox="1"/>
           <p:nvPr/>
         </p:nvSpPr>
         <p:spPr>
           <a:xfrm>
-            <a:off x="3276600" y="1036637"/>
+            <a:off x="3505142" y="3031183"/>
             <a:ext cx="228600" cy="369332"/>
           </a:xfrm>
           <a:prstGeom prst="rect">
@@ -4021,16 +4101,186 @@
           </a:p>
         </p:txBody>
       </p:sp>
-      <p:sp>
-        <p:nvSpPr>
-          <p:cNvPr id="278" name="Rectangle 277"/>
+      <p:cxnSp>
+        <p:nvCxnSpPr>
+          <p:cNvPr id="283" name="Elbow Connector 186"/>
+          <p:cNvCxnSpPr>
+            <a:stCxn id="275" idx="3"/>
+            <a:endCxn id="261" idx="1"/>
+          </p:cNvCxnSpPr>
+          <p:nvPr/>
+        </p:nvCxnSpPr>
+        <p:spPr>
+          <a:xfrm rot="16200000" flipH="1">
+            <a:off x="2559517" y="1326678"/>
+            <a:ext cx="1129354" cy="457198"/>
+          </a:xfrm>
+          <a:prstGeom prst="bentConnector2">
+            <a:avLst/>
+          </a:prstGeom>
+          <a:ln>
+            <a:tailEnd type="arrow"/>
+          </a:ln>
+        </p:spPr>
+        <p:style>
+          <a:lnRef idx="2">
+            <a:schemeClr val="accent5">
+              <a:shade val="50000"/>
+            </a:schemeClr>
+          </a:lnRef>
+          <a:fillRef idx="1">
+            <a:schemeClr val="accent5"/>
+          </a:fillRef>
+          <a:effectRef idx="0">
+            <a:schemeClr val="accent5"/>
+          </a:effectRef>
+          <a:fontRef idx="minor">
+            <a:schemeClr val="lt1"/>
+          </a:fontRef>
+        </p:style>
+      </p:cxnSp>
+      <p:sp>
+        <p:nvSpPr>
+          <p:cNvPr id="284" name="TextBox 283"/>
+          <p:cNvSpPr txBox="1"/>
+          <p:nvPr/>
+        </p:nvSpPr>
+        <p:spPr>
+          <a:xfrm>
+            <a:off x="3124200" y="1791292"/>
+            <a:ext cx="228600" cy="369332"/>
+          </a:xfrm>
+          <a:prstGeom prst="rect">
+            <a:avLst/>
+          </a:prstGeom>
+          <a:noFill/>
+        </p:spPr>
+        <p:txBody>
+          <a:bodyPr wrap="square" rtlCol="0">
+            <a:spAutoFit/>
+          </a:bodyPr>
+          <a:lstStyle/>
+          <a:p>
+            <a:r>
+              <a:rPr lang="en-US" dirty="0" smtClean="0">
+                <a:solidFill>
+                  <a:schemeClr val="accent5">
+                    <a:lumMod val="75000"/>
+                  </a:schemeClr>
+                </a:solidFill>
+              </a:rPr>
+              <a:t>*</a:t>
+            </a:r>
+            <a:endParaRPr lang="en-US" dirty="0">
+              <a:solidFill>
+                <a:schemeClr val="accent5">
+                  <a:lumMod val="75000"/>
+                </a:schemeClr>
+              </a:solidFill>
+            </a:endParaRPr>
+          </a:p>
+        </p:txBody>
+      </p:sp>
+      <p:sp>
+        <p:nvSpPr>
+          <p:cNvPr id="305" name="TextBox 304"/>
+          <p:cNvSpPr txBox="1"/>
+          <p:nvPr/>
+        </p:nvSpPr>
+        <p:spPr>
+          <a:xfrm>
+            <a:off x="609600" y="0"/>
+            <a:ext cx="533400" cy="369332"/>
+          </a:xfrm>
+          <a:prstGeom prst="rect">
+            <a:avLst/>
+          </a:prstGeom>
+          <a:noFill/>
+        </p:spPr>
+        <p:txBody>
+          <a:bodyPr wrap="square" rtlCol="0">
+            <a:spAutoFit/>
+          </a:bodyPr>
+          <a:lstStyle/>
+          <a:p>
+            <a:r>
+              <a:rPr lang="en-US" dirty="0" smtClean="0"/>
+              <a:t>(a)</a:t>
+            </a:r>
+            <a:endParaRPr lang="en-US" dirty="0"/>
+          </a:p>
+        </p:txBody>
+      </p:sp>
+      <p:sp>
+        <p:nvSpPr>
+          <p:cNvPr id="306" name="TextBox 305"/>
+          <p:cNvSpPr txBox="1"/>
+          <p:nvPr/>
+        </p:nvSpPr>
+        <p:spPr>
+          <a:xfrm>
+            <a:off x="3048000" y="11668"/>
+            <a:ext cx="533400" cy="369332"/>
+          </a:xfrm>
+          <a:prstGeom prst="rect">
+            <a:avLst/>
+          </a:prstGeom>
+          <a:noFill/>
+        </p:spPr>
+        <p:txBody>
+          <a:bodyPr wrap="square" rtlCol="0">
+            <a:spAutoFit/>
+          </a:bodyPr>
+          <a:lstStyle/>
+          <a:p>
+            <a:r>
+              <a:rPr lang="en-US" dirty="0" smtClean="0"/>
+              <a:t>(b)</a:t>
+            </a:r>
+            <a:endParaRPr lang="en-US" dirty="0"/>
+          </a:p>
+        </p:txBody>
+      </p:sp>
+      <p:sp>
+        <p:nvSpPr>
+          <p:cNvPr id="307" name="TextBox 306"/>
+          <p:cNvSpPr txBox="1"/>
+          <p:nvPr/>
+        </p:nvSpPr>
+        <p:spPr>
+          <a:xfrm>
+            <a:off x="6463640" y="0"/>
+            <a:ext cx="533400" cy="369332"/>
+          </a:xfrm>
+          <a:prstGeom prst="rect">
+            <a:avLst/>
+          </a:prstGeom>
+          <a:noFill/>
+        </p:spPr>
+        <p:txBody>
+          <a:bodyPr wrap="square" rtlCol="0">
+            <a:spAutoFit/>
+          </a:bodyPr>
+          <a:lstStyle/>
+          <a:p>
+            <a:r>
+              <a:rPr lang="en-US" dirty="0" smtClean="0"/>
+              <a:t>(c)</a:t>
+            </a:r>
+            <a:endParaRPr lang="en-US" dirty="0"/>
+          </a:p>
+        </p:txBody>
+      </p:sp>
+      <p:sp>
+        <p:nvSpPr>
+          <p:cNvPr id="76" name="Rectangle 75"/>
           <p:cNvSpPr/>
           <p:nvPr/>
         </p:nvSpPr>
         <p:spPr>
           <a:xfrm>
-            <a:off x="3886200" y="1759597"/>
-            <a:ext cx="1550726" cy="361770"/>
+            <a:off x="3144094" y="1238430"/>
+            <a:ext cx="1885106" cy="361770"/>
           </a:xfrm>
           <a:prstGeom prst="rect">
             <a:avLst/>
@@ -4059,7 +4309,7 @@
             <a:pPr algn="ctr"/>
             <a:r>
               <a:rPr lang="en-US" sz="1600" b="1" dirty="0" err="1" smtClean="0"/>
-              <a:t>StudentData</a:t>
+              <a:t>CourseAttributes</a:t>
             </a:r>
             <a:endParaRPr lang="en-SG" sz="1600" b="1" dirty="0"/>
           </a:p>
@@ -4067,21 +4317,60 @@
       </p:sp>
       <p:sp>
         <p:nvSpPr>
-          <p:cNvPr id="279" name="Flowchart: Decision 278"/>
+          <p:cNvPr id="79" name="TextBox 78"/>
+          <p:cNvSpPr txBox="1"/>
+          <p:nvPr/>
+        </p:nvSpPr>
+        <p:spPr>
+          <a:xfrm>
+            <a:off x="2916282" y="1063823"/>
+            <a:ext cx="228600" cy="307777"/>
+          </a:xfrm>
+          <a:prstGeom prst="rect">
+            <a:avLst/>
+          </a:prstGeom>
+          <a:noFill/>
+        </p:spPr>
+        <p:txBody>
+          <a:bodyPr wrap="square" rtlCol="0">
+            <a:spAutoFit/>
+          </a:bodyPr>
+          <a:lstStyle/>
+          <a:p>
+            <a:r>
+              <a:rPr lang="en-US" sz="1400" b="1" dirty="0" smtClean="0">
+                <a:solidFill>
+                  <a:schemeClr val="accent5">
+                    <a:lumMod val="75000"/>
+                  </a:schemeClr>
+                </a:solidFill>
+              </a:rPr>
+              <a:t>1</a:t>
+            </a:r>
+            <a:endParaRPr lang="en-US" sz="1400" b="1" dirty="0">
+              <a:solidFill>
+                <a:schemeClr val="accent5">
+                  <a:lumMod val="75000"/>
+                </a:schemeClr>
+              </a:solidFill>
+            </a:endParaRPr>
+          </a:p>
+        </p:txBody>
+      </p:sp>
+      <p:sp>
+        <p:nvSpPr>
+          <p:cNvPr id="86" name="Rectangle 85"/>
           <p:cNvSpPr/>
           <p:nvPr/>
         </p:nvSpPr>
         <p:spPr>
-          <a:xfrm rot="5400000">
-            <a:off x="3581394" y="1502802"/>
-            <a:ext cx="152400" cy="152400"/>
-          </a:xfrm>
-          <a:prstGeom prst="flowChartDecision">
-            <a:avLst/>
-          </a:prstGeom>
-          <a:solidFill>
-            <a:schemeClr val="bg1"/>
-          </a:solidFill>
+          <a:xfrm>
+            <a:off x="3352794" y="2593501"/>
+            <a:ext cx="2286000" cy="352019"/>
+          </a:xfrm>
+          <a:prstGeom prst="rect">
+            <a:avLst/>
+          </a:prstGeom>
         </p:spPr>
         <p:style>
           <a:lnRef idx="2">
@@ -4104,57 +4393,23 @@
           <a:lstStyle/>
           <a:p>
             <a:pPr algn="ctr"/>
-            <a:endParaRPr lang="en-US"/>
-          </a:p>
-        </p:txBody>
-      </p:sp>
-      <p:cxnSp>
-        <p:nvCxnSpPr>
-          <p:cNvPr id="280" name="Elbow Connector 186"/>
-          <p:cNvCxnSpPr>
-            <a:stCxn id="279" idx="3"/>
-            <a:endCxn id="278" idx="1"/>
-          </p:cNvCxnSpPr>
-          <p:nvPr/>
-        </p:nvCxnSpPr>
-        <p:spPr>
-          <a:xfrm rot="16200000" flipH="1">
-            <a:off x="3629257" y="1683539"/>
-            <a:ext cx="285280" cy="228606"/>
-          </a:xfrm>
-          <a:prstGeom prst="bentConnector2">
-            <a:avLst/>
-          </a:prstGeom>
-          <a:ln>
-            <a:tailEnd type="arrow"/>
-          </a:ln>
-        </p:spPr>
-        <p:style>
-          <a:lnRef idx="2">
-            <a:schemeClr val="accent5">
-              <a:shade val="50000"/>
-            </a:schemeClr>
-          </a:lnRef>
-          <a:fillRef idx="1">
-            <a:schemeClr val="accent5"/>
-          </a:fillRef>
-          <a:effectRef idx="0">
-            <a:schemeClr val="accent5"/>
-          </a:effectRef>
-          <a:fontRef idx="minor">
-            <a:schemeClr val="lt1"/>
-          </a:fontRef>
-        </p:style>
-      </p:cxnSp>
-      <p:sp>
-        <p:nvSpPr>
-          <p:cNvPr id="281" name="TextBox 280"/>
+            <a:r>
+              <a:rPr lang="en-US" sz="1600" b="1" dirty="0" err="1" smtClean="0"/>
+              <a:t>TeamDetailsBundle</a:t>
+            </a:r>
+            <a:endParaRPr lang="en-SG" sz="1600" b="1" dirty="0"/>
+          </a:p>
+        </p:txBody>
+      </p:sp>
+      <p:sp>
+        <p:nvSpPr>
+          <p:cNvPr id="87" name="TextBox 86"/>
           <p:cNvSpPr txBox="1"/>
           <p:nvPr/>
         </p:nvSpPr>
         <p:spPr>
           <a:xfrm>
-            <a:off x="3657599" y="1655202"/>
+            <a:off x="3124200" y="2439541"/>
             <a:ext cx="228600" cy="369332"/>
           </a:xfrm>
           <a:prstGeom prst="rect">
@@ -4188,23 +4443,26 @@
           </a:p>
         </p:txBody>
       </p:sp>
-      <p:sp>
-        <p:nvSpPr>
-          <p:cNvPr id="282" name="Flowchart: Decision 281"/>
-          <p:cNvSpPr/>
-          <p:nvPr/>
-        </p:nvSpPr>
-        <p:spPr>
-          <a:xfrm rot="5400000">
-            <a:off x="4038600" y="2121367"/>
-            <a:ext cx="152400" cy="152400"/>
-          </a:xfrm>
-          <a:prstGeom prst="flowChartDecision">
-            <a:avLst/>
-          </a:prstGeom>
-          <a:solidFill>
-            <a:schemeClr val="bg1"/>
-          </a:solidFill>
+      <p:cxnSp>
+        <p:nvCxnSpPr>
+          <p:cNvPr id="88" name="Elbow Connector 186"/>
+          <p:cNvCxnSpPr>
+            <a:stCxn id="275" idx="3"/>
+            <a:endCxn id="86" idx="1"/>
+          </p:cNvCxnSpPr>
+          <p:nvPr/>
+        </p:nvCxnSpPr>
+        <p:spPr>
+          <a:xfrm rot="16200000" flipH="1">
+            <a:off x="2234739" y="1651455"/>
+            <a:ext cx="1778911" cy="457199"/>
+          </a:xfrm>
+          <a:prstGeom prst="bentConnector2">
+            <a:avLst/>
+          </a:prstGeom>
+          <a:ln>
+            <a:tailEnd type="arrow"/>
+          </a:ln>
         </p:spPr>
         <p:style>
           <a:lnRef idx="2">
@@ -4222,35 +4480,21 @@
             <a:schemeClr val="lt1"/>
           </a:fontRef>
         </p:style>
-        <p:txBody>
-          <a:bodyPr rtlCol="0" anchor="ctr"/>
-          <a:lstStyle/>
-          <a:p>
-            <a:pPr algn="ctr"/>
-            <a:endParaRPr lang="en-US"/>
-          </a:p>
-        </p:txBody>
-      </p:sp>
-      <p:cxnSp>
-        <p:nvCxnSpPr>
-          <p:cNvPr id="283" name="Elbow Connector 186"/>
-          <p:cNvCxnSpPr>
-            <a:stCxn id="282" idx="3"/>
-            <a:endCxn id="261" idx="1"/>
-          </p:cNvCxnSpPr>
-          <p:nvPr/>
-        </p:nvCxnSpPr>
-        <p:spPr>
-          <a:xfrm rot="16200000" flipH="1">
-            <a:off x="4135765" y="2252802"/>
-            <a:ext cx="262870" cy="304800"/>
-          </a:xfrm>
-          <a:prstGeom prst="bentConnector2">
-            <a:avLst/>
-          </a:prstGeom>
-          <a:ln>
-            <a:tailEnd type="arrow"/>
-          </a:ln>
+      </p:cxnSp>
+      <p:sp>
+        <p:nvSpPr>
+          <p:cNvPr id="96" name="Rectangle 95"/>
+          <p:cNvSpPr/>
+          <p:nvPr/>
+        </p:nvSpPr>
+        <p:spPr>
+          <a:xfrm>
+            <a:off x="5930234" y="1393280"/>
+            <a:ext cx="2223166" cy="361770"/>
+          </a:xfrm>
+          <a:prstGeom prst="rect">
+            <a:avLst/>
+          </a:prstGeom>
         </p:spPr>
         <p:style>
           <a:lnRef idx="2">
@@ -4268,16 +4512,191 @@
             <a:schemeClr val="lt1"/>
           </a:fontRef>
         </p:style>
+        <p:txBody>
+          <a:bodyPr rtlCol="0" anchor="ctr"/>
+          <a:lstStyle/>
+          <a:p>
+            <a:pPr algn="ctr"/>
+            <a:r>
+              <a:rPr lang="en-US" sz="1600" b="1" dirty="0" err="1" smtClean="0"/>
+              <a:t>TeamResultsBundle</a:t>
+            </a:r>
+            <a:endParaRPr lang="en-SG" sz="1600" b="1" dirty="0"/>
+          </a:p>
+        </p:txBody>
+      </p:sp>
+      <p:sp>
+        <p:nvSpPr>
+          <p:cNvPr id="97" name="Rectangle 96"/>
+          <p:cNvSpPr/>
+          <p:nvPr/>
+        </p:nvSpPr>
+        <p:spPr>
+          <a:xfrm>
+            <a:off x="5535880" y="460890"/>
+            <a:ext cx="2312726" cy="361770"/>
+          </a:xfrm>
+          <a:prstGeom prst="rect">
+            <a:avLst/>
+          </a:prstGeom>
+        </p:spPr>
+        <p:style>
+          <a:lnRef idx="2">
+            <a:schemeClr val="accent5">
+              <a:shade val="50000"/>
+            </a:schemeClr>
+          </a:lnRef>
+          <a:fillRef idx="1">
+            <a:schemeClr val="accent5"/>
+          </a:fillRef>
+          <a:effectRef idx="0">
+            <a:schemeClr val="accent5"/>
+          </a:effectRef>
+          <a:fontRef idx="minor">
+            <a:schemeClr val="lt1"/>
+          </a:fontRef>
+        </p:style>
+        <p:txBody>
+          <a:bodyPr rtlCol="0" anchor="ctr"/>
+          <a:lstStyle/>
+          <a:p>
+            <a:pPr algn="ctr"/>
+            <a:r>
+              <a:rPr lang="en-US" sz="1600" b="1" dirty="0" err="1" smtClean="0"/>
+              <a:t>EvaluationResultsBundle</a:t>
+            </a:r>
+            <a:endParaRPr lang="en-SG" sz="1600" b="1" dirty="0"/>
+          </a:p>
+        </p:txBody>
+      </p:sp>
+      <p:sp>
+        <p:nvSpPr>
+          <p:cNvPr id="98" name="Flowchart: Decision 97"/>
+          <p:cNvSpPr/>
+          <p:nvPr/>
+        </p:nvSpPr>
+        <p:spPr>
+          <a:xfrm rot="5400000">
+            <a:off x="5612075" y="841890"/>
+            <a:ext cx="152400" cy="152400"/>
+          </a:xfrm>
+          <a:prstGeom prst="flowChartDecision">
+            <a:avLst/>
+          </a:prstGeom>
+          <a:solidFill>
+            <a:schemeClr val="bg1"/>
+          </a:solidFill>
+        </p:spPr>
+        <p:style>
+          <a:lnRef idx="2">
+            <a:schemeClr val="accent5">
+              <a:shade val="50000"/>
+            </a:schemeClr>
+          </a:lnRef>
+          <a:fillRef idx="1">
+            <a:schemeClr val="accent5"/>
+          </a:fillRef>
+          <a:effectRef idx="0">
+            <a:schemeClr val="accent5"/>
+          </a:effectRef>
+          <a:fontRef idx="minor">
+            <a:schemeClr val="lt1"/>
+          </a:fontRef>
+        </p:style>
+        <p:txBody>
+          <a:bodyPr rtlCol="0" anchor="ctr"/>
+          <a:lstStyle/>
+          <a:p>
+            <a:pPr algn="ctr"/>
+            <a:endParaRPr lang="en-US"/>
+          </a:p>
+        </p:txBody>
+      </p:sp>
+      <p:cxnSp>
+        <p:nvCxnSpPr>
+          <p:cNvPr id="99" name="Elbow Connector 186"/>
+          <p:cNvCxnSpPr>
+            <a:stCxn id="98" idx="3"/>
+            <a:endCxn id="102" idx="1"/>
+          </p:cNvCxnSpPr>
+          <p:nvPr/>
+        </p:nvCxnSpPr>
+        <p:spPr>
+          <a:xfrm rot="16200000" flipH="1">
+            <a:off x="5759189" y="923375"/>
+            <a:ext cx="106671" cy="248499"/>
+          </a:xfrm>
+          <a:prstGeom prst="bentConnector2">
+            <a:avLst/>
+          </a:prstGeom>
+          <a:ln>
+            <a:tailEnd type="arrow"/>
+          </a:ln>
+        </p:spPr>
+        <p:style>
+          <a:lnRef idx="2">
+            <a:schemeClr val="accent5">
+              <a:shade val="50000"/>
+            </a:schemeClr>
+          </a:lnRef>
+          <a:fillRef idx="1">
+            <a:schemeClr val="accent5"/>
+          </a:fillRef>
+          <a:effectRef idx="0">
+            <a:schemeClr val="accent5"/>
+          </a:effectRef>
+          <a:fontRef idx="minor">
+            <a:schemeClr val="lt1"/>
+          </a:fontRef>
+        </p:style>
       </p:cxnSp>
-      <p:sp>
-        <p:nvSpPr>
-          <p:cNvPr id="284" name="TextBox 283"/>
+      <p:cxnSp>
+        <p:nvCxnSpPr>
+          <p:cNvPr id="100" name="Elbow Connector 186"/>
+          <p:cNvCxnSpPr>
+            <a:stCxn id="98" idx="3"/>
+            <a:endCxn id="96" idx="1"/>
+          </p:cNvCxnSpPr>
+          <p:nvPr/>
+        </p:nvCxnSpPr>
+        <p:spPr>
+          <a:xfrm rot="16200000" flipH="1">
+            <a:off x="5519317" y="1163247"/>
+            <a:ext cx="579875" cy="241959"/>
+          </a:xfrm>
+          <a:prstGeom prst="bentConnector2">
+            <a:avLst/>
+          </a:prstGeom>
+          <a:ln>
+            <a:tailEnd type="arrow"/>
+          </a:ln>
+        </p:spPr>
+        <p:style>
+          <a:lnRef idx="2">
+            <a:schemeClr val="accent5">
+              <a:shade val="50000"/>
+            </a:schemeClr>
+          </a:lnRef>
+          <a:fillRef idx="1">
+            <a:schemeClr val="accent5"/>
+          </a:fillRef>
+          <a:effectRef idx="0">
+            <a:schemeClr val="accent5"/>
+          </a:effectRef>
+          <a:fontRef idx="minor">
+            <a:schemeClr val="lt1"/>
+          </a:fontRef>
+        </p:style>
+      </p:cxnSp>
+      <p:sp>
+        <p:nvSpPr>
+          <p:cNvPr id="101" name="TextBox 100"/>
           <p:cNvSpPr txBox="1"/>
           <p:nvPr/>
         </p:nvSpPr>
         <p:spPr>
           <a:xfrm>
-            <a:off x="4150665" y="2273767"/>
+            <a:off x="5701640" y="1322416"/>
             <a:ext cx="228600" cy="369332"/>
           </a:xfrm>
           <a:prstGeom prst="rect">
@@ -4313,14 +4732,14 @@
       </p:sp>
       <p:sp>
         <p:nvSpPr>
-          <p:cNvPr id="285" name="Rectangle 284"/>
+          <p:cNvPr id="102" name="Rectangle 101"/>
           <p:cNvSpPr/>
           <p:nvPr/>
         </p:nvSpPr>
         <p:spPr>
           <a:xfrm>
-            <a:off x="4724400" y="2974317"/>
-            <a:ext cx="1550726" cy="361770"/>
+            <a:off x="5936774" y="920076"/>
+            <a:ext cx="2216626" cy="361770"/>
           </a:xfrm>
           <a:prstGeom prst="rect">
             <a:avLst/>
@@ -4349,7 +4768,7 @@
             <a:pPr algn="ctr"/>
             <a:r>
               <a:rPr lang="en-US" sz="1600" b="1" dirty="0" err="1" smtClean="0"/>
-              <a:t>SubmissionData</a:t>
+              <a:t>EvaluationAttributes</a:t>
             </a:r>
             <a:endParaRPr lang="en-SG" sz="1600" b="1" dirty="0"/>
           </a:p>
@@ -4357,13 +4776,55 @@
       </p:sp>
       <p:sp>
         <p:nvSpPr>
-          <p:cNvPr id="286" name="Flowchart: Decision 285"/>
+          <p:cNvPr id="103" name="TextBox 102"/>
+          <p:cNvSpPr txBox="1"/>
+          <p:nvPr/>
+        </p:nvSpPr>
+        <p:spPr>
+          <a:xfrm>
+            <a:off x="5714882" y="814909"/>
+            <a:ext cx="228600" cy="307777"/>
+          </a:xfrm>
+          <a:prstGeom prst="rect">
+            <a:avLst/>
+          </a:prstGeom>
+          <a:noFill/>
+        </p:spPr>
+        <p:txBody>
+          <a:bodyPr wrap="square" rtlCol="0">
+            <a:spAutoFit/>
+          </a:bodyPr>
+          <a:lstStyle/>
+          <a:p>
+            <a:r>
+              <a:rPr lang="en-US" sz="1400" b="1" dirty="0" smtClean="0">
+                <a:solidFill>
+                  <a:schemeClr val="accent5">
+                    <a:lumMod val="75000"/>
+                  </a:schemeClr>
+                </a:solidFill>
+              </a:rPr>
+              <a:t>1</a:t>
+            </a:r>
+            <a:endParaRPr lang="en-US" sz="1400" b="1" dirty="0">
+              <a:solidFill>
+                <a:schemeClr val="accent5">
+                  <a:lumMod val="75000"/>
+                </a:schemeClr>
+              </a:solidFill>
+            </a:endParaRPr>
+          </a:p>
+        </p:txBody>
+      </p:sp>
+      <p:sp>
+        <p:nvSpPr>
+          <p:cNvPr id="109" name="Flowchart: Decision 108"/>
           <p:cNvSpPr/>
           <p:nvPr/>
         </p:nvSpPr>
         <p:spPr>
           <a:xfrm rot="5400000">
-            <a:off x="4419600" y="2717522"/>
+            <a:off x="6076101" y="1754500"/>
             <a:ext cx="152400" cy="152400"/>
           </a:xfrm>
           <a:prstGeom prst="flowChartDecision">
@@ -4398,53 +4859,15 @@
           </a:p>
         </p:txBody>
       </p:sp>
-      <p:cxnSp>
-        <p:nvCxnSpPr>
-          <p:cNvPr id="287" name="Elbow Connector 186"/>
-          <p:cNvCxnSpPr>
-            <a:stCxn id="286" idx="3"/>
-            <a:endCxn id="285" idx="1"/>
-          </p:cNvCxnSpPr>
-          <p:nvPr/>
-        </p:nvCxnSpPr>
-        <p:spPr>
-          <a:xfrm rot="16200000" flipH="1">
-            <a:off x="4467460" y="2898262"/>
-            <a:ext cx="285280" cy="228600"/>
-          </a:xfrm>
-          <a:prstGeom prst="bentConnector2">
-            <a:avLst/>
-          </a:prstGeom>
-          <a:ln>
-            <a:tailEnd type="arrow"/>
-          </a:ln>
-        </p:spPr>
-        <p:style>
-          <a:lnRef idx="2">
-            <a:schemeClr val="accent5">
-              <a:shade val="50000"/>
-            </a:schemeClr>
-          </a:lnRef>
-          <a:fillRef idx="1">
-            <a:schemeClr val="accent5"/>
-          </a:fillRef>
-          <a:effectRef idx="0">
-            <a:schemeClr val="accent5"/>
-          </a:effectRef>
-          <a:fontRef idx="minor">
-            <a:schemeClr val="lt1"/>
-          </a:fontRef>
-        </p:style>
-      </p:cxnSp>
-      <p:sp>
-        <p:nvSpPr>
-          <p:cNvPr id="288" name="TextBox 287"/>
+      <p:sp>
+        <p:nvSpPr>
+          <p:cNvPr id="114" name="TextBox 113"/>
           <p:cNvSpPr txBox="1"/>
           <p:nvPr/>
         </p:nvSpPr>
         <p:spPr>
           <a:xfrm>
-            <a:off x="4495805" y="2869922"/>
+            <a:off x="6160714" y="1779616"/>
             <a:ext cx="228600" cy="369332"/>
           </a:xfrm>
           <a:prstGeom prst="rect">
@@ -4478,16 +4901,54 @@
           </a:p>
         </p:txBody>
       </p:sp>
-      <p:sp>
-        <p:nvSpPr>
-          <p:cNvPr id="289" name="Rectangle 288"/>
+      <p:cxnSp>
+        <p:nvCxnSpPr>
+          <p:cNvPr id="118" name="Elbow Connector 186"/>
+          <p:cNvCxnSpPr>
+            <a:stCxn id="117" idx="3"/>
+            <a:endCxn id="119" idx="1"/>
+          </p:cNvCxnSpPr>
+          <p:nvPr/>
+        </p:nvCxnSpPr>
+        <p:spPr>
+          <a:xfrm rot="16200000" flipH="1">
+            <a:off x="6611036" y="2345782"/>
+            <a:ext cx="162397" cy="248499"/>
+          </a:xfrm>
+          <a:prstGeom prst="bentConnector2">
+            <a:avLst/>
+          </a:prstGeom>
+          <a:ln>
+            <a:tailEnd type="arrow"/>
+          </a:ln>
+        </p:spPr>
+        <p:style>
+          <a:lnRef idx="2">
+            <a:schemeClr val="accent5">
+              <a:shade val="50000"/>
+            </a:schemeClr>
+          </a:lnRef>
+          <a:fillRef idx="1">
+            <a:schemeClr val="accent5"/>
+          </a:fillRef>
+          <a:effectRef idx="0">
+            <a:schemeClr val="accent5"/>
+          </a:effectRef>
+          <a:fontRef idx="minor">
+            <a:schemeClr val="lt1"/>
+          </a:fontRef>
+        </p:style>
+      </p:cxnSp>
+      <p:sp>
+        <p:nvSpPr>
+          <p:cNvPr id="119" name="Rectangle 118"/>
           <p:cNvSpPr/>
           <p:nvPr/>
         </p:nvSpPr>
         <p:spPr>
           <a:xfrm>
-            <a:off x="5943600" y="503237"/>
-            <a:ext cx="1550726" cy="361770"/>
+            <a:off x="6816484" y="2408446"/>
+            <a:ext cx="2294860" cy="285570"/>
           </a:xfrm>
           <a:prstGeom prst="rect">
             <a:avLst/>
@@ -4513,10 +4974,9 @@
           <a:bodyPr rtlCol="0" anchor="ctr"/>
           <a:lstStyle/>
           <a:p>
-            <a:pPr algn="ctr"/>
             <a:r>
               <a:rPr lang="en-US" sz="1600" b="1" dirty="0" err="1" smtClean="0"/>
-              <a:t>InstructorData</a:t>
+              <a:t>StudentAttributes</a:t>
             </a:r>
             <a:endParaRPr lang="en-SG" sz="1600" b="1" dirty="0"/>
           </a:p>
@@ -4524,14 +4984,94 @@
       </p:sp>
       <p:sp>
         <p:nvSpPr>
-          <p:cNvPr id="290" name="Rectangle 289"/>
+          <p:cNvPr id="120" name="TextBox 119"/>
+          <p:cNvSpPr txBox="1"/>
+          <p:nvPr/>
+        </p:nvSpPr>
+        <p:spPr>
+          <a:xfrm>
+            <a:off x="6588672" y="2283257"/>
+            <a:ext cx="228600" cy="307777"/>
+          </a:xfrm>
+          <a:prstGeom prst="rect">
+            <a:avLst/>
+          </a:prstGeom>
+          <a:noFill/>
+        </p:spPr>
+        <p:txBody>
+          <a:bodyPr wrap="square" rtlCol="0">
+            <a:spAutoFit/>
+          </a:bodyPr>
+          <a:lstStyle/>
+          <a:p>
+            <a:r>
+              <a:rPr lang="en-US" sz="1400" b="1" dirty="0" smtClean="0">
+                <a:solidFill>
+                  <a:schemeClr val="accent5">
+                    <a:lumMod val="75000"/>
+                  </a:schemeClr>
+                </a:solidFill>
+              </a:rPr>
+              <a:t>1</a:t>
+            </a:r>
+            <a:endParaRPr lang="en-US" sz="1400" b="1" dirty="0">
+              <a:solidFill>
+                <a:schemeClr val="accent5">
+                  <a:lumMod val="75000"/>
+                </a:schemeClr>
+              </a:solidFill>
+            </a:endParaRPr>
+          </a:p>
+        </p:txBody>
+      </p:sp>
+      <p:cxnSp>
+        <p:nvCxnSpPr>
+          <p:cNvPr id="122" name="Elbow Connector 186"/>
+          <p:cNvCxnSpPr>
+            <a:stCxn id="117" idx="3"/>
+            <a:endCxn id="123" idx="1"/>
+          </p:cNvCxnSpPr>
+          <p:nvPr/>
+        </p:nvCxnSpPr>
+        <p:spPr>
+          <a:xfrm rot="16200000" flipH="1">
+            <a:off x="6384760" y="2572058"/>
+            <a:ext cx="614948" cy="248499"/>
+          </a:xfrm>
+          <a:prstGeom prst="bentConnector2">
+            <a:avLst/>
+          </a:prstGeom>
+          <a:ln>
+            <a:tailEnd type="arrow"/>
+          </a:ln>
+        </p:spPr>
+        <p:style>
+          <a:lnRef idx="2">
+            <a:schemeClr val="accent5">
+              <a:shade val="50000"/>
+            </a:schemeClr>
+          </a:lnRef>
+          <a:fillRef idx="1">
+            <a:schemeClr val="accent5"/>
+          </a:fillRef>
+          <a:effectRef idx="0">
+            <a:schemeClr val="accent5"/>
+          </a:effectRef>
+          <a:fontRef idx="minor">
+            <a:schemeClr val="lt1"/>
+          </a:fontRef>
+        </p:style>
+      </p:cxnSp>
+      <p:sp>
+        <p:nvSpPr>
+          <p:cNvPr id="123" name="Rectangle 122"/>
           <p:cNvSpPr/>
           <p:nvPr/>
         </p:nvSpPr>
         <p:spPr>
           <a:xfrm>
-            <a:off x="6396484" y="1117970"/>
-            <a:ext cx="1550726" cy="361770"/>
+            <a:off x="6816484" y="2786344"/>
+            <a:ext cx="2294860" cy="434876"/>
           </a:xfrm>
           <a:prstGeom prst="rect">
             <a:avLst/>
@@ -4557,10 +5097,13 @@
           <a:bodyPr rtlCol="0" anchor="ctr"/>
           <a:lstStyle/>
           <a:p>
-            <a:pPr algn="ctr"/>
             <a:r>
               <a:rPr lang="en-US" sz="1600" b="1" dirty="0" err="1" smtClean="0"/>
-              <a:t>CourseData</a:t>
+              <a:t>Submission</a:t>
+            </a:r>
+            <a:r>
+              <a:rPr lang="en-US" sz="1600" b="1" dirty="0" err="1" smtClean="0"/>
+              <a:t>Attributes</a:t>
             </a:r>
             <a:endParaRPr lang="en-SG" sz="1600" b="1" dirty="0"/>
           </a:p>
@@ -4568,21 +5111,18 @@
       </p:sp>
       <p:sp>
         <p:nvSpPr>
-          <p:cNvPr id="291" name="Flowchart: Decision 290"/>
+          <p:cNvPr id="132" name="Rectangle 131"/>
           <p:cNvSpPr/>
           <p:nvPr/>
         </p:nvSpPr>
         <p:spPr>
-          <a:xfrm rot="5400000">
-            <a:off x="6096000" y="884238"/>
-            <a:ext cx="152400" cy="152400"/>
-          </a:xfrm>
-          <a:prstGeom prst="flowChartDecision">
-            <a:avLst/>
-          </a:prstGeom>
-          <a:solidFill>
-            <a:schemeClr val="bg1"/>
-          </a:solidFill>
+          <a:xfrm>
+            <a:off x="6825344" y="3333530"/>
+            <a:ext cx="2286000" cy="245377"/>
+          </a:xfrm>
+          <a:prstGeom prst="rect">
+            <a:avLst/>
+          </a:prstGeom>
         </p:spPr>
         <p:style>
           <a:lnRef idx="2">
@@ -4605,23 +5145,24 @@
           <a:lstStyle/>
           <a:p>
             <a:pPr algn="ctr"/>
-            <a:endParaRPr lang="en-US"/>
+            <a:r>
+              <a:rPr lang="en-US" sz="1600" b="1" dirty="0" err="1" smtClean="0"/>
+              <a:t>StudentResultsSummary</a:t>
+            </a:r>
+            <a:endParaRPr lang="en-SG" sz="1600" b="1" dirty="0"/>
           </a:p>
         </p:txBody>
       </p:sp>
       <p:cxnSp>
         <p:nvCxnSpPr>
-          <p:cNvPr id="292" name="Elbow Connector 190"/>
-          <p:cNvCxnSpPr>
-            <a:stCxn id="291" idx="3"/>
-            <a:endCxn id="290" idx="1"/>
-          </p:cNvCxnSpPr>
+          <p:cNvPr id="135" name="Elbow Connector 186"/>
+          <p:cNvCxnSpPr/>
           <p:nvPr/>
         </p:nvCxnSpPr>
         <p:spPr>
           <a:xfrm rot="16200000" flipH="1">
-            <a:off x="6153234" y="1055604"/>
-            <a:ext cx="262217" cy="224284"/>
+            <a:off x="6394468" y="2752348"/>
+            <a:ext cx="582292" cy="248499"/>
           </a:xfrm>
           <a:prstGeom prst="bentConnector2">
             <a:avLst/>
@@ -4647,15 +5188,255 @@
           </a:fontRef>
         </p:style>
       </p:cxnSp>
-      <p:sp>
-        <p:nvSpPr>
-          <p:cNvPr id="293" name="TextBox 292"/>
+      <p:cxnSp>
+        <p:nvCxnSpPr>
+          <p:cNvPr id="136" name="Elbow Connector 186"/>
+          <p:cNvCxnSpPr/>
+          <p:nvPr/>
+        </p:nvCxnSpPr>
+        <p:spPr>
+          <a:xfrm rot="16200000" flipH="1">
+            <a:off x="6394468" y="2427838"/>
+            <a:ext cx="582292" cy="248499"/>
+          </a:xfrm>
+          <a:prstGeom prst="bentConnector2">
+            <a:avLst/>
+          </a:prstGeom>
+          <a:ln>
+            <a:tailEnd type="arrow"/>
+          </a:ln>
+        </p:spPr>
+        <p:style>
+          <a:lnRef idx="2">
+            <a:schemeClr val="accent5">
+              <a:shade val="50000"/>
+            </a:schemeClr>
+          </a:lnRef>
+          <a:fillRef idx="1">
+            <a:schemeClr val="accent5"/>
+          </a:fillRef>
+          <a:effectRef idx="0">
+            <a:schemeClr val="accent5"/>
+          </a:effectRef>
+          <a:fontRef idx="minor">
+            <a:schemeClr val="lt1"/>
+          </a:fontRef>
+        </p:style>
+      </p:cxnSp>
+      <p:cxnSp>
+        <p:nvCxnSpPr>
+          <p:cNvPr id="110" name="Elbow Connector 186"/>
+          <p:cNvCxnSpPr>
+            <a:stCxn id="109" idx="3"/>
+            <a:endCxn id="111" idx="1"/>
+          </p:cNvCxnSpPr>
+          <p:nvPr/>
+        </p:nvCxnSpPr>
+        <p:spPr>
+          <a:xfrm rot="16200000" flipH="1">
+            <a:off x="6198665" y="1860535"/>
+            <a:ext cx="155770" cy="248499"/>
+          </a:xfrm>
+          <a:prstGeom prst="bentConnector2">
+            <a:avLst/>
+          </a:prstGeom>
+          <a:ln>
+            <a:tailEnd type="arrow"/>
+          </a:ln>
+        </p:spPr>
+        <p:style>
+          <a:lnRef idx="2">
+            <a:schemeClr val="accent5">
+              <a:shade val="50000"/>
+            </a:schemeClr>
+          </a:lnRef>
+          <a:fillRef idx="1">
+            <a:schemeClr val="accent5"/>
+          </a:fillRef>
+          <a:effectRef idx="0">
+            <a:schemeClr val="accent5"/>
+          </a:effectRef>
+          <a:fontRef idx="minor">
+            <a:schemeClr val="lt1"/>
+          </a:fontRef>
+        </p:style>
+      </p:cxnSp>
+      <p:sp>
+        <p:nvSpPr>
+          <p:cNvPr id="111" name="Rectangle 110"/>
+          <p:cNvSpPr/>
+          <p:nvPr/>
+        </p:nvSpPr>
+        <p:spPr>
+          <a:xfrm>
+            <a:off x="6400800" y="1881785"/>
+            <a:ext cx="2057400" cy="361770"/>
+          </a:xfrm>
+          <a:prstGeom prst="rect">
+            <a:avLst/>
+          </a:prstGeom>
+        </p:spPr>
+        <p:style>
+          <a:lnRef idx="2">
+            <a:schemeClr val="accent5">
+              <a:shade val="50000"/>
+            </a:schemeClr>
+          </a:lnRef>
+          <a:fillRef idx="1">
+            <a:schemeClr val="accent5"/>
+          </a:fillRef>
+          <a:effectRef idx="0">
+            <a:schemeClr val="accent5"/>
+          </a:effectRef>
+          <a:fontRef idx="minor">
+            <a:schemeClr val="lt1"/>
+          </a:fontRef>
+        </p:style>
+        <p:txBody>
+          <a:bodyPr rtlCol="0" anchor="ctr"/>
+          <a:lstStyle/>
+          <a:p>
+            <a:pPr algn="ctr"/>
+            <a:r>
+              <a:rPr lang="en-US" sz="1600" b="1" dirty="0" err="1" smtClean="0"/>
+              <a:t>StudentResultsBundle</a:t>
+            </a:r>
+            <a:endParaRPr lang="en-SG" sz="1600" b="1" dirty="0"/>
+          </a:p>
+        </p:txBody>
+      </p:sp>
+      <p:sp>
+        <p:nvSpPr>
+          <p:cNvPr id="117" name="Flowchart: Decision 116"/>
+          <p:cNvSpPr/>
+          <p:nvPr/>
+        </p:nvSpPr>
+        <p:spPr>
+          <a:xfrm rot="5400000">
+            <a:off x="6491785" y="2236434"/>
+            <a:ext cx="152400" cy="152400"/>
+          </a:xfrm>
+          <a:prstGeom prst="flowChartDecision">
+            <a:avLst/>
+          </a:prstGeom>
+          <a:solidFill>
+            <a:schemeClr val="bg1"/>
+          </a:solidFill>
+        </p:spPr>
+        <p:style>
+          <a:lnRef idx="2">
+            <a:schemeClr val="accent5">
+              <a:shade val="50000"/>
+            </a:schemeClr>
+          </a:lnRef>
+          <a:fillRef idx="1">
+            <a:schemeClr val="accent5"/>
+          </a:fillRef>
+          <a:effectRef idx="0">
+            <a:schemeClr val="accent5"/>
+          </a:effectRef>
+          <a:fontRef idx="minor">
+            <a:schemeClr val="lt1"/>
+          </a:fontRef>
+        </p:style>
+        <p:txBody>
+          <a:bodyPr rtlCol="0" anchor="ctr"/>
+          <a:lstStyle/>
+          <a:p>
+            <a:pPr algn="ctr"/>
+            <a:endParaRPr lang="en-US"/>
+          </a:p>
+        </p:txBody>
+      </p:sp>
+      <p:cxnSp>
+        <p:nvCxnSpPr>
+          <p:cNvPr id="138" name="Elbow Connector 186"/>
+          <p:cNvCxnSpPr>
+            <a:stCxn id="117" idx="3"/>
+            <a:endCxn id="132" idx="1"/>
+          </p:cNvCxnSpPr>
+          <p:nvPr/>
+        </p:nvCxnSpPr>
+        <p:spPr>
+          <a:xfrm rot="16200000" flipH="1">
+            <a:off x="6162972" y="2793846"/>
+            <a:ext cx="1067385" cy="257359"/>
+          </a:xfrm>
+          <a:prstGeom prst="bentConnector2">
+            <a:avLst/>
+          </a:prstGeom>
+          <a:ln>
+            <a:tailEnd type="arrow"/>
+          </a:ln>
+        </p:spPr>
+        <p:style>
+          <a:lnRef idx="2">
+            <a:schemeClr val="accent5">
+              <a:shade val="50000"/>
+            </a:schemeClr>
+          </a:lnRef>
+          <a:fillRef idx="1">
+            <a:schemeClr val="accent5"/>
+          </a:fillRef>
+          <a:effectRef idx="0">
+            <a:schemeClr val="accent5"/>
+          </a:effectRef>
+          <a:fontRef idx="minor">
+            <a:schemeClr val="lt1"/>
+          </a:fontRef>
+        </p:style>
+      </p:cxnSp>
+      <p:sp>
+        <p:nvSpPr>
+          <p:cNvPr id="141" name="TextBox 140"/>
           <p:cNvSpPr txBox="1"/>
           <p:nvPr/>
         </p:nvSpPr>
         <p:spPr>
           <a:xfrm>
-            <a:off x="6172200" y="1036637"/>
+            <a:off x="6597594" y="3164072"/>
+            <a:ext cx="228600" cy="307777"/>
+          </a:xfrm>
+          <a:prstGeom prst="rect">
+            <a:avLst/>
+          </a:prstGeom>
+          <a:noFill/>
+        </p:spPr>
+        <p:txBody>
+          <a:bodyPr wrap="square" rtlCol="0">
+            <a:spAutoFit/>
+          </a:bodyPr>
+          <a:lstStyle/>
+          <a:p>
+            <a:r>
+              <a:rPr lang="en-US" sz="1400" b="1" dirty="0" smtClean="0">
+                <a:solidFill>
+                  <a:schemeClr val="accent5">
+                    <a:lumMod val="75000"/>
+                  </a:schemeClr>
+                </a:solidFill>
+              </a:rPr>
+              <a:t>1</a:t>
+            </a:r>
+            <a:endParaRPr lang="en-US" sz="1400" b="1" dirty="0">
+              <a:solidFill>
+                <a:schemeClr val="accent5">
+                  <a:lumMod val="75000"/>
+                </a:schemeClr>
+              </a:solidFill>
+            </a:endParaRPr>
+          </a:p>
+        </p:txBody>
+      </p:sp>
+      <p:sp>
+        <p:nvSpPr>
+          <p:cNvPr id="144" name="TextBox 143"/>
+          <p:cNvSpPr txBox="1"/>
+          <p:nvPr/>
+        </p:nvSpPr>
+        <p:spPr>
+          <a:xfrm>
+            <a:off x="6593422" y="2593502"/>
             <a:ext cx="228600" cy="369332"/>
           </a:xfrm>
           <a:prstGeom prst="rect">
@@ -4686,554 +5467,6 @@
                 </a:schemeClr>
               </a:solidFill>
             </a:endParaRPr>
-          </a:p>
-        </p:txBody>
-      </p:sp>
-      <p:sp>
-        <p:nvSpPr>
-          <p:cNvPr id="294" name="Rectangle 293"/>
-          <p:cNvSpPr/>
-          <p:nvPr/>
-        </p:nvSpPr>
-        <p:spPr>
-          <a:xfrm>
-            <a:off x="6781800" y="1798637"/>
-            <a:ext cx="1550726" cy="361770"/>
-          </a:xfrm>
-          <a:prstGeom prst="rect">
-            <a:avLst/>
-          </a:prstGeom>
-        </p:spPr>
-        <p:style>
-          <a:lnRef idx="2">
-            <a:schemeClr val="accent6">
-              <a:shade val="50000"/>
-            </a:schemeClr>
-          </a:lnRef>
-          <a:fillRef idx="1">
-            <a:schemeClr val="accent6"/>
-          </a:fillRef>
-          <a:effectRef idx="0">
-            <a:schemeClr val="accent6"/>
-          </a:effectRef>
-          <a:fontRef idx="minor">
-            <a:schemeClr val="lt1"/>
-          </a:fontRef>
-        </p:style>
-        <p:txBody>
-          <a:bodyPr rtlCol="0" anchor="ctr"/>
-          <a:lstStyle/>
-          <a:p>
-            <a:pPr algn="ctr"/>
-            <a:r>
-              <a:rPr lang="en-US" sz="1600" b="1" dirty="0" err="1" smtClean="0"/>
-              <a:t>EvaluationData</a:t>
-            </a:r>
-            <a:endParaRPr lang="en-SG" sz="1600" b="1" dirty="0"/>
-          </a:p>
-        </p:txBody>
-      </p:sp>
-      <p:sp>
-        <p:nvSpPr>
-          <p:cNvPr id="295" name="TextBox 294"/>
-          <p:cNvSpPr txBox="1"/>
-          <p:nvPr/>
-        </p:nvSpPr>
-        <p:spPr>
-          <a:xfrm>
-            <a:off x="6557516" y="1721923"/>
-            <a:ext cx="228600" cy="369332"/>
-          </a:xfrm>
-          <a:prstGeom prst="rect">
-            <a:avLst/>
-          </a:prstGeom>
-          <a:noFill/>
-        </p:spPr>
-        <p:txBody>
-          <a:bodyPr wrap="square" rtlCol="0">
-            <a:spAutoFit/>
-          </a:bodyPr>
-          <a:lstStyle/>
-          <a:p>
-            <a:r>
-              <a:rPr lang="en-US" dirty="0" smtClean="0">
-                <a:solidFill>
-                  <a:schemeClr val="accent5">
-                    <a:lumMod val="75000"/>
-                  </a:schemeClr>
-                </a:solidFill>
-              </a:rPr>
-              <a:t>*</a:t>
-            </a:r>
-            <a:endParaRPr lang="en-US" dirty="0">
-              <a:solidFill>
-                <a:schemeClr val="accent5">
-                  <a:lumMod val="75000"/>
-                </a:schemeClr>
-              </a:solidFill>
-            </a:endParaRPr>
-          </a:p>
-        </p:txBody>
-      </p:sp>
-      <p:sp>
-        <p:nvSpPr>
-          <p:cNvPr id="296" name="Flowchart: Decision 295"/>
-          <p:cNvSpPr/>
-          <p:nvPr/>
-        </p:nvSpPr>
-        <p:spPr>
-          <a:xfrm rot="5400000">
-            <a:off x="6477000" y="1493837"/>
-            <a:ext cx="152400" cy="152400"/>
-          </a:xfrm>
-          <a:prstGeom prst="flowChartDecision">
-            <a:avLst/>
-          </a:prstGeom>
-          <a:solidFill>
-            <a:schemeClr val="bg1"/>
-          </a:solidFill>
-        </p:spPr>
-        <p:style>
-          <a:lnRef idx="2">
-            <a:schemeClr val="accent5">
-              <a:shade val="50000"/>
-            </a:schemeClr>
-          </a:lnRef>
-          <a:fillRef idx="1">
-            <a:schemeClr val="accent5"/>
-          </a:fillRef>
-          <a:effectRef idx="0">
-            <a:schemeClr val="accent5"/>
-          </a:effectRef>
-          <a:fontRef idx="minor">
-            <a:schemeClr val="lt1"/>
-          </a:fontRef>
-        </p:style>
-        <p:txBody>
-          <a:bodyPr rtlCol="0" anchor="ctr"/>
-          <a:lstStyle/>
-          <a:p>
-            <a:pPr algn="ctr"/>
-            <a:endParaRPr lang="en-US"/>
-          </a:p>
-        </p:txBody>
-      </p:sp>
-      <p:cxnSp>
-        <p:nvCxnSpPr>
-          <p:cNvPr id="297" name="Elbow Connector 196"/>
-          <p:cNvCxnSpPr>
-            <a:stCxn id="296" idx="3"/>
-            <a:endCxn id="294" idx="1"/>
-          </p:cNvCxnSpPr>
-          <p:nvPr/>
-        </p:nvCxnSpPr>
-        <p:spPr>
-          <a:xfrm rot="16200000" flipH="1">
-            <a:off x="6500858" y="1698579"/>
-            <a:ext cx="333285" cy="228600"/>
-          </a:xfrm>
-          <a:prstGeom prst="bentConnector2">
-            <a:avLst/>
-          </a:prstGeom>
-          <a:ln>
-            <a:tailEnd type="arrow"/>
-          </a:ln>
-        </p:spPr>
-        <p:style>
-          <a:lnRef idx="2">
-            <a:schemeClr val="accent5">
-              <a:shade val="50000"/>
-            </a:schemeClr>
-          </a:lnRef>
-          <a:fillRef idx="1">
-            <a:schemeClr val="accent5"/>
-          </a:fillRef>
-          <a:effectRef idx="0">
-            <a:schemeClr val="accent5"/>
-          </a:effectRef>
-          <a:fontRef idx="minor">
-            <a:schemeClr val="lt1"/>
-          </a:fontRef>
-        </p:style>
-      </p:cxnSp>
-      <p:sp>
-        <p:nvSpPr>
-          <p:cNvPr id="298" name="Rectangle 297"/>
-          <p:cNvSpPr/>
-          <p:nvPr/>
-        </p:nvSpPr>
-        <p:spPr>
-          <a:xfrm>
-            <a:off x="6781806" y="2408237"/>
-            <a:ext cx="1524000" cy="361770"/>
-          </a:xfrm>
-          <a:prstGeom prst="rect">
-            <a:avLst/>
-          </a:prstGeom>
-        </p:spPr>
-        <p:style>
-          <a:lnRef idx="2">
-            <a:schemeClr val="accent5">
-              <a:shade val="50000"/>
-            </a:schemeClr>
-          </a:lnRef>
-          <a:fillRef idx="1">
-            <a:schemeClr val="accent5"/>
-          </a:fillRef>
-          <a:effectRef idx="0">
-            <a:schemeClr val="accent5"/>
-          </a:effectRef>
-          <a:fontRef idx="minor">
-            <a:schemeClr val="lt1"/>
-          </a:fontRef>
-        </p:style>
-        <p:txBody>
-          <a:bodyPr rtlCol="0" anchor="ctr"/>
-          <a:lstStyle/>
-          <a:p>
-            <a:pPr algn="ctr"/>
-            <a:r>
-              <a:rPr lang="en-US" sz="1600" b="1" dirty="0" err="1" smtClean="0"/>
-              <a:t>TeamData</a:t>
-            </a:r>
-            <a:endParaRPr lang="en-SG" sz="1600" b="1" dirty="0"/>
-          </a:p>
-        </p:txBody>
-      </p:sp>
-      <p:cxnSp>
-        <p:nvCxnSpPr>
-          <p:cNvPr id="299" name="Elbow Connector 186"/>
-          <p:cNvCxnSpPr>
-            <a:stCxn id="296" idx="3"/>
-            <a:endCxn id="298" idx="1"/>
-          </p:cNvCxnSpPr>
-          <p:nvPr/>
-        </p:nvCxnSpPr>
-        <p:spPr>
-          <a:xfrm rot="16200000" flipH="1">
-            <a:off x="6196061" y="2003376"/>
-            <a:ext cx="942885" cy="228606"/>
-          </a:xfrm>
-          <a:prstGeom prst="bentConnector2">
-            <a:avLst/>
-          </a:prstGeom>
-          <a:ln>
-            <a:tailEnd type="arrow"/>
-          </a:ln>
-        </p:spPr>
-        <p:style>
-          <a:lnRef idx="2">
-            <a:schemeClr val="accent5">
-              <a:shade val="50000"/>
-            </a:schemeClr>
-          </a:lnRef>
-          <a:fillRef idx="1">
-            <a:schemeClr val="accent5"/>
-          </a:fillRef>
-          <a:effectRef idx="0">
-            <a:schemeClr val="accent5"/>
-          </a:effectRef>
-          <a:fontRef idx="minor">
-            <a:schemeClr val="lt1"/>
-          </a:fontRef>
-        </p:style>
-      </p:cxnSp>
-      <p:sp>
-        <p:nvSpPr>
-          <p:cNvPr id="300" name="TextBox 299"/>
-          <p:cNvSpPr txBox="1"/>
-          <p:nvPr/>
-        </p:nvSpPr>
-        <p:spPr>
-          <a:xfrm>
-            <a:off x="6553206" y="2316810"/>
-            <a:ext cx="228600" cy="369332"/>
-          </a:xfrm>
-          <a:prstGeom prst="rect">
-            <a:avLst/>
-          </a:prstGeom>
-          <a:noFill/>
-        </p:spPr>
-        <p:txBody>
-          <a:bodyPr wrap="square" rtlCol="0">
-            <a:spAutoFit/>
-          </a:bodyPr>
-          <a:lstStyle/>
-          <a:p>
-            <a:r>
-              <a:rPr lang="en-US" dirty="0" smtClean="0">
-                <a:solidFill>
-                  <a:schemeClr val="accent5">
-                    <a:lumMod val="75000"/>
-                  </a:schemeClr>
-                </a:solidFill>
-              </a:rPr>
-              <a:t>*</a:t>
-            </a:r>
-            <a:endParaRPr lang="en-US" dirty="0">
-              <a:solidFill>
-                <a:schemeClr val="accent5">
-                  <a:lumMod val="75000"/>
-                </a:schemeClr>
-              </a:solidFill>
-            </a:endParaRPr>
-          </a:p>
-        </p:txBody>
-      </p:sp>
-      <p:sp>
-        <p:nvSpPr>
-          <p:cNvPr id="301" name="Rectangle 300"/>
-          <p:cNvSpPr/>
-          <p:nvPr/>
-        </p:nvSpPr>
-        <p:spPr>
-          <a:xfrm>
-            <a:off x="7162806" y="3046032"/>
-            <a:ext cx="1550726" cy="361770"/>
-          </a:xfrm>
-          <a:prstGeom prst="rect">
-            <a:avLst/>
-          </a:prstGeom>
-        </p:spPr>
-        <p:style>
-          <a:lnRef idx="2">
-            <a:schemeClr val="accent6">
-              <a:shade val="50000"/>
-            </a:schemeClr>
-          </a:lnRef>
-          <a:fillRef idx="1">
-            <a:schemeClr val="accent6"/>
-          </a:fillRef>
-          <a:effectRef idx="0">
-            <a:schemeClr val="accent6"/>
-          </a:effectRef>
-          <a:fontRef idx="minor">
-            <a:schemeClr val="lt1"/>
-          </a:fontRef>
-        </p:style>
-        <p:txBody>
-          <a:bodyPr rtlCol="0" anchor="ctr"/>
-          <a:lstStyle/>
-          <a:p>
-            <a:pPr algn="ctr"/>
-            <a:r>
-              <a:rPr lang="en-US" sz="1600" b="1" dirty="0" err="1" smtClean="0"/>
-              <a:t>StudentData</a:t>
-            </a:r>
-            <a:endParaRPr lang="en-SG" sz="1600" b="1" dirty="0"/>
-          </a:p>
-        </p:txBody>
-      </p:sp>
-      <p:sp>
-        <p:nvSpPr>
-          <p:cNvPr id="302" name="Flowchart: Decision 301"/>
-          <p:cNvSpPr/>
-          <p:nvPr/>
-        </p:nvSpPr>
-        <p:spPr>
-          <a:xfrm rot="5400000">
-            <a:off x="6858000" y="2789237"/>
-            <a:ext cx="152400" cy="152400"/>
-          </a:xfrm>
-          <a:prstGeom prst="flowChartDecision">
-            <a:avLst/>
-          </a:prstGeom>
-          <a:solidFill>
-            <a:schemeClr val="bg1"/>
-          </a:solidFill>
-        </p:spPr>
-        <p:style>
-          <a:lnRef idx="2">
-            <a:schemeClr val="accent5">
-              <a:shade val="50000"/>
-            </a:schemeClr>
-          </a:lnRef>
-          <a:fillRef idx="1">
-            <a:schemeClr val="accent5"/>
-          </a:fillRef>
-          <a:effectRef idx="0">
-            <a:schemeClr val="accent5"/>
-          </a:effectRef>
-          <a:fontRef idx="minor">
-            <a:schemeClr val="lt1"/>
-          </a:fontRef>
-        </p:style>
-        <p:txBody>
-          <a:bodyPr rtlCol="0" anchor="ctr"/>
-          <a:lstStyle/>
-          <a:p>
-            <a:pPr algn="ctr"/>
-            <a:endParaRPr lang="en-US"/>
-          </a:p>
-        </p:txBody>
-      </p:sp>
-      <p:cxnSp>
-        <p:nvCxnSpPr>
-          <p:cNvPr id="303" name="Elbow Connector 186"/>
-          <p:cNvCxnSpPr>
-            <a:stCxn id="302" idx="3"/>
-            <a:endCxn id="301" idx="1"/>
-          </p:cNvCxnSpPr>
-          <p:nvPr/>
-        </p:nvCxnSpPr>
-        <p:spPr>
-          <a:xfrm rot="16200000" flipH="1">
-            <a:off x="6905863" y="2969974"/>
-            <a:ext cx="285280" cy="228606"/>
-          </a:xfrm>
-          <a:prstGeom prst="bentConnector2">
-            <a:avLst/>
-          </a:prstGeom>
-          <a:ln>
-            <a:tailEnd type="arrow"/>
-          </a:ln>
-        </p:spPr>
-        <p:style>
-          <a:lnRef idx="2">
-            <a:schemeClr val="accent5">
-              <a:shade val="50000"/>
-            </a:schemeClr>
-          </a:lnRef>
-          <a:fillRef idx="1">
-            <a:schemeClr val="accent5"/>
-          </a:fillRef>
-          <a:effectRef idx="0">
-            <a:schemeClr val="accent5"/>
-          </a:effectRef>
-          <a:fontRef idx="minor">
-            <a:schemeClr val="lt1"/>
-          </a:fontRef>
-        </p:style>
-      </p:cxnSp>
-      <p:sp>
-        <p:nvSpPr>
-          <p:cNvPr id="304" name="TextBox 303"/>
-          <p:cNvSpPr txBox="1"/>
-          <p:nvPr/>
-        </p:nvSpPr>
-        <p:spPr>
-          <a:xfrm>
-            <a:off x="6934205" y="2941637"/>
-            <a:ext cx="228600" cy="369332"/>
-          </a:xfrm>
-          <a:prstGeom prst="rect">
-            <a:avLst/>
-          </a:prstGeom>
-          <a:noFill/>
-        </p:spPr>
-        <p:txBody>
-          <a:bodyPr wrap="square" rtlCol="0">
-            <a:spAutoFit/>
-          </a:bodyPr>
-          <a:lstStyle/>
-          <a:p>
-            <a:r>
-              <a:rPr lang="en-US" dirty="0" smtClean="0">
-                <a:solidFill>
-                  <a:schemeClr val="accent5">
-                    <a:lumMod val="75000"/>
-                  </a:schemeClr>
-                </a:solidFill>
-              </a:rPr>
-              <a:t>*</a:t>
-            </a:r>
-            <a:endParaRPr lang="en-US" dirty="0">
-              <a:solidFill>
-                <a:schemeClr val="accent5">
-                  <a:lumMod val="75000"/>
-                </a:schemeClr>
-              </a:solidFill>
-            </a:endParaRPr>
-          </a:p>
-        </p:txBody>
-      </p:sp>
-      <p:sp>
-        <p:nvSpPr>
-          <p:cNvPr id="305" name="TextBox 304"/>
-          <p:cNvSpPr txBox="1"/>
-          <p:nvPr/>
-        </p:nvSpPr>
-        <p:spPr>
-          <a:xfrm>
-            <a:off x="914400" y="46037"/>
-            <a:ext cx="533400" cy="369332"/>
-          </a:xfrm>
-          <a:prstGeom prst="rect">
-            <a:avLst/>
-          </a:prstGeom>
-          <a:noFill/>
-        </p:spPr>
-        <p:txBody>
-          <a:bodyPr wrap="square" rtlCol="0">
-            <a:spAutoFit/>
-          </a:bodyPr>
-          <a:lstStyle/>
-          <a:p>
-            <a:r>
-              <a:rPr lang="en-US" dirty="0" smtClean="0"/>
-              <a:t>(a)</a:t>
-            </a:r>
-            <a:endParaRPr lang="en-US" dirty="0"/>
-          </a:p>
-        </p:txBody>
-      </p:sp>
-      <p:sp>
-        <p:nvSpPr>
-          <p:cNvPr id="306" name="TextBox 305"/>
-          <p:cNvSpPr txBox="1"/>
-          <p:nvPr/>
-        </p:nvSpPr>
-        <p:spPr>
-          <a:xfrm>
-            <a:off x="3429000" y="57705"/>
-            <a:ext cx="533400" cy="369332"/>
-          </a:xfrm>
-          <a:prstGeom prst="rect">
-            <a:avLst/>
-          </a:prstGeom>
-          <a:noFill/>
-        </p:spPr>
-        <p:txBody>
-          <a:bodyPr wrap="square" rtlCol="0">
-            <a:spAutoFit/>
-          </a:bodyPr>
-          <a:lstStyle/>
-          <a:p>
-            <a:r>
-              <a:rPr lang="en-US" dirty="0" smtClean="0"/>
-              <a:t>(b)</a:t>
-            </a:r>
-            <a:endParaRPr lang="en-US" dirty="0"/>
-          </a:p>
-        </p:txBody>
-      </p:sp>
-      <p:sp>
-        <p:nvSpPr>
-          <p:cNvPr id="307" name="TextBox 306"/>
-          <p:cNvSpPr txBox="1"/>
-          <p:nvPr/>
-        </p:nvSpPr>
-        <p:spPr>
-          <a:xfrm>
-            <a:off x="6324600" y="46037"/>
-            <a:ext cx="533400" cy="369332"/>
-          </a:xfrm>
-          <a:prstGeom prst="rect">
-            <a:avLst/>
-          </a:prstGeom>
-          <a:noFill/>
-        </p:spPr>
-        <p:txBody>
-          <a:bodyPr wrap="square" rtlCol="0">
-            <a:spAutoFit/>
-          </a:bodyPr>
-          <a:lstStyle/>
-          <a:p>
-            <a:r>
-              <a:rPr lang="en-US" dirty="0" smtClean="0"/>
-              <a:t>(c)</a:t>
-            </a:r>
-            <a:endParaRPr lang="en-US" dirty="0"/>
           </a:p>
         </p:txBody>
       </p:sp>

--- a/doc/diagrams/dataTransferClasses.pptx
+++ b/doc/diagrams/dataTransferClasses.pptx
@@ -289,7 +289,7 @@
             <a:fld id="{1D8BD707-D9CF-40AE-B4C6-C98DA3205C09}" type="datetimeFigureOut">
               <a:rPr lang="en-US" smtClean="0"/>
               <a:pPr/>
-              <a:t>5/18/2013</a:t>
+              <a:t>7/6/2013</a:t>
             </a:fld>
             <a:endParaRPr lang="en-US"/>
           </a:p>
@@ -456,7 +456,7 @@
             <a:fld id="{1D8BD707-D9CF-40AE-B4C6-C98DA3205C09}" type="datetimeFigureOut">
               <a:rPr lang="en-US" smtClean="0"/>
               <a:pPr/>
-              <a:t>5/18/2013</a:t>
+              <a:t>7/6/2013</a:t>
             </a:fld>
             <a:endParaRPr lang="en-US"/>
           </a:p>
@@ -633,7 +633,7 @@
             <a:fld id="{1D8BD707-D9CF-40AE-B4C6-C98DA3205C09}" type="datetimeFigureOut">
               <a:rPr lang="en-US" smtClean="0"/>
               <a:pPr/>
-              <a:t>5/18/2013</a:t>
+              <a:t>7/6/2013</a:t>
             </a:fld>
             <a:endParaRPr lang="en-US"/>
           </a:p>
@@ -800,7 +800,7 @@
             <a:fld id="{1D8BD707-D9CF-40AE-B4C6-C98DA3205C09}" type="datetimeFigureOut">
               <a:rPr lang="en-US" smtClean="0"/>
               <a:pPr/>
-              <a:t>5/18/2013</a:t>
+              <a:t>7/6/2013</a:t>
             </a:fld>
             <a:endParaRPr lang="en-US"/>
           </a:p>
@@ -1043,7 +1043,7 @@
             <a:fld id="{1D8BD707-D9CF-40AE-B4C6-C98DA3205C09}" type="datetimeFigureOut">
               <a:rPr lang="en-US" smtClean="0"/>
               <a:pPr/>
-              <a:t>5/18/2013</a:t>
+              <a:t>7/6/2013</a:t>
             </a:fld>
             <a:endParaRPr lang="en-US"/>
           </a:p>
@@ -1328,7 +1328,7 @@
             <a:fld id="{1D8BD707-D9CF-40AE-B4C6-C98DA3205C09}" type="datetimeFigureOut">
               <a:rPr lang="en-US" smtClean="0"/>
               <a:pPr/>
-              <a:t>5/18/2013</a:t>
+              <a:t>7/6/2013</a:t>
             </a:fld>
             <a:endParaRPr lang="en-US"/>
           </a:p>
@@ -1747,7 +1747,7 @@
             <a:fld id="{1D8BD707-D9CF-40AE-B4C6-C98DA3205C09}" type="datetimeFigureOut">
               <a:rPr lang="en-US" smtClean="0"/>
               <a:pPr/>
-              <a:t>5/18/2013</a:t>
+              <a:t>7/6/2013</a:t>
             </a:fld>
             <a:endParaRPr lang="en-US"/>
           </a:p>
@@ -1862,7 +1862,7 @@
             <a:fld id="{1D8BD707-D9CF-40AE-B4C6-C98DA3205C09}" type="datetimeFigureOut">
               <a:rPr lang="en-US" smtClean="0"/>
               <a:pPr/>
-              <a:t>5/18/2013</a:t>
+              <a:t>7/6/2013</a:t>
             </a:fld>
             <a:endParaRPr lang="en-US"/>
           </a:p>
@@ -1954,7 +1954,7 @@
             <a:fld id="{1D8BD707-D9CF-40AE-B4C6-C98DA3205C09}" type="datetimeFigureOut">
               <a:rPr lang="en-US" smtClean="0"/>
               <a:pPr/>
-              <a:t>5/18/2013</a:t>
+              <a:t>7/6/2013</a:t>
             </a:fld>
             <a:endParaRPr lang="en-US"/>
           </a:p>
@@ -2228,7 +2228,7 @@
             <a:fld id="{1D8BD707-D9CF-40AE-B4C6-C98DA3205C09}" type="datetimeFigureOut">
               <a:rPr lang="en-US" smtClean="0"/>
               <a:pPr/>
-              <a:t>5/18/2013</a:t>
+              <a:t>7/6/2013</a:t>
             </a:fld>
             <a:endParaRPr lang="en-US"/>
           </a:p>
@@ -2478,7 +2478,7 @@
             <a:fld id="{1D8BD707-D9CF-40AE-B4C6-C98DA3205C09}" type="datetimeFigureOut">
               <a:rPr lang="en-US" smtClean="0"/>
               <a:pPr/>
-              <a:t>5/18/2013</a:t>
+              <a:t>7/6/2013</a:t>
             </a:fld>
             <a:endParaRPr lang="en-US"/>
           </a:p>
@@ -2688,7 +2688,7 @@
             <a:fld id="{1D8BD707-D9CF-40AE-B4C6-C98DA3205C09}" type="datetimeFigureOut">
               <a:rPr lang="en-US" smtClean="0"/>
               <a:pPr/>
-              <a:t>5/18/2013</a:t>
+              <a:t>7/6/2013</a:t>
             </a:fld>
             <a:endParaRPr lang="en-US"/>
           </a:p>
@@ -3228,8 +3228,8 @@
           <a:p>
             <a:pPr algn="ctr"/>
             <a:r>
-              <a:rPr lang="en-US" sz="1600" b="1" dirty="0" err="1" smtClean="0"/>
-              <a:t>SubmissionAttributes</a:t>
+              <a:rPr lang="en-US" sz="1600" b="1" dirty="0" smtClean="0"/>
+              <a:t>………………Attributes</a:t>
             </a:r>
             <a:endParaRPr lang="en-SG" sz="1600" b="1" dirty="0"/>
           </a:p>
@@ -3287,7 +3287,7 @@
         </p:nvSpPr>
         <p:spPr>
           <a:xfrm>
-            <a:off x="3352793" y="1942636"/>
+            <a:off x="3352793" y="1751544"/>
             <a:ext cx="2299249" cy="354635"/>
           </a:xfrm>
           <a:prstGeom prst="rect">
@@ -3986,7 +3986,7 @@
         </p:nvSpPr>
         <p:spPr>
           <a:xfrm rot="5400000">
-            <a:off x="3428937" y="2964725"/>
+            <a:off x="3428937" y="3048000"/>
             <a:ext cx="152400" cy="152400"/>
           </a:xfrm>
           <a:prstGeom prst="flowChartDecision">
@@ -4032,8 +4032,8 @@
         </p:nvCxnSpPr>
         <p:spPr>
           <a:xfrm rot="16200000" flipH="1">
-            <a:off x="3460020" y="3162242"/>
-            <a:ext cx="283390" cy="193156"/>
+            <a:off x="3501658" y="3203879"/>
+            <a:ext cx="200115" cy="193156"/>
           </a:xfrm>
           <a:prstGeom prst="bentConnector2">
             <a:avLst/>
@@ -4112,8 +4112,8 @@
         </p:nvCxnSpPr>
         <p:spPr>
           <a:xfrm rot="16200000" flipH="1">
-            <a:off x="2559517" y="1326678"/>
-            <a:ext cx="1129354" cy="457198"/>
+            <a:off x="2655063" y="1231132"/>
+            <a:ext cx="938262" cy="457198"/>
           </a:xfrm>
           <a:prstGeom prst="bentConnector2">
             <a:avLst/>
@@ -4147,7 +4147,7 @@
         </p:nvSpPr>
         <p:spPr>
           <a:xfrm>
-            <a:off x="3124200" y="1791292"/>
+            <a:off x="3124200" y="1600200"/>
             <a:ext cx="228600" cy="369332"/>
           </a:xfrm>
           <a:prstGeom prst="rect">
@@ -4365,8 +4365,8 @@
         </p:nvSpPr>
         <p:spPr>
           <a:xfrm>
-            <a:off x="3352794" y="2593501"/>
-            <a:ext cx="2286000" cy="352019"/>
+            <a:off x="3352793" y="2676776"/>
+            <a:ext cx="2299253" cy="352019"/>
           </a:xfrm>
           <a:prstGeom prst="rect">
             <a:avLst/>
@@ -4409,7 +4409,7 @@
         </p:nvSpPr>
         <p:spPr>
           <a:xfrm>
-            <a:off x="3124200" y="2439541"/>
+            <a:off x="3124200" y="2522816"/>
             <a:ext cx="228600" cy="369332"/>
           </a:xfrm>
           <a:prstGeom prst="rect">
@@ -4454,8 +4454,8 @@
         </p:nvCxnSpPr>
         <p:spPr>
           <a:xfrm rot="16200000" flipH="1">
-            <a:off x="2234739" y="1651455"/>
-            <a:ext cx="1778911" cy="457199"/>
+            <a:off x="2193101" y="1693094"/>
+            <a:ext cx="1862186" cy="457198"/>
           </a:xfrm>
           <a:prstGeom prst="bentConnector2">
             <a:avLst/>
@@ -5099,11 +5099,7 @@
           <a:p>
             <a:r>
               <a:rPr lang="en-US" sz="1600" b="1" dirty="0" err="1" smtClean="0"/>
-              <a:t>Submission</a:t>
-            </a:r>
-            <a:r>
-              <a:rPr lang="en-US" sz="1600" b="1" dirty="0" err="1" smtClean="0"/>
-              <a:t>Attributes</a:t>
+              <a:t>SubmissionAttributes</a:t>
             </a:r>
             <a:endParaRPr lang="en-SG" sz="1600" b="1" dirty="0"/>
           </a:p>
@@ -5437,6 +5433,141 @@
         <p:spPr>
           <a:xfrm>
             <a:off x="6593422" y="2593502"/>
+            <a:ext cx="228600" cy="369332"/>
+          </a:xfrm>
+          <a:prstGeom prst="rect">
+            <a:avLst/>
+          </a:prstGeom>
+          <a:noFill/>
+        </p:spPr>
+        <p:txBody>
+          <a:bodyPr wrap="square" rtlCol="0">
+            <a:spAutoFit/>
+          </a:bodyPr>
+          <a:lstStyle/>
+          <a:p>
+            <a:r>
+              <a:rPr lang="en-US" dirty="0" smtClean="0">
+                <a:solidFill>
+                  <a:schemeClr val="accent5">
+                    <a:lumMod val="75000"/>
+                  </a:schemeClr>
+                </a:solidFill>
+              </a:rPr>
+              <a:t>*</a:t>
+            </a:r>
+            <a:endParaRPr lang="en-US" dirty="0">
+              <a:solidFill>
+                <a:schemeClr val="accent5">
+                  <a:lumMod val="75000"/>
+                </a:schemeClr>
+              </a:solidFill>
+            </a:endParaRPr>
+          </a:p>
+        </p:txBody>
+      </p:sp>
+      <p:sp>
+        <p:nvSpPr>
+          <p:cNvPr id="61" name="Rectangle 60"/>
+          <p:cNvSpPr/>
+          <p:nvPr/>
+        </p:nvSpPr>
+        <p:spPr>
+          <a:xfrm>
+            <a:off x="3352798" y="2161474"/>
+            <a:ext cx="2299249" cy="448928"/>
+          </a:xfrm>
+          <a:prstGeom prst="rect">
+            <a:avLst/>
+          </a:prstGeom>
+        </p:spPr>
+        <p:style>
+          <a:lnRef idx="2">
+            <a:schemeClr val="accent5">
+              <a:shade val="50000"/>
+            </a:schemeClr>
+          </a:lnRef>
+          <a:fillRef idx="1">
+            <a:schemeClr val="accent5"/>
+          </a:fillRef>
+          <a:effectRef idx="0">
+            <a:schemeClr val="accent5"/>
+          </a:effectRef>
+          <a:fontRef idx="minor">
+            <a:schemeClr val="lt1"/>
+          </a:fontRef>
+        </p:style>
+        <p:txBody>
+          <a:bodyPr rtlCol="0" anchor="ctr"/>
+          <a:lstStyle/>
+          <a:p>
+            <a:pPr algn="ctr"/>
+            <a:r>
+              <a:rPr lang="en-US" sz="1600" b="1" dirty="0" err="1" smtClean="0"/>
+              <a:t>FeedbackSession</a:t>
+            </a:r>
+            <a:r>
+              <a:rPr lang="en-US" sz="1600" b="1" dirty="0" smtClean="0"/>
+              <a:t/>
+            </a:r>
+            <a:br>
+              <a:rPr lang="en-US" sz="1600" b="1" dirty="0" smtClean="0"/>
+            </a:br>
+            <a:r>
+              <a:rPr lang="en-US" sz="1600" b="1" dirty="0" err="1" smtClean="0"/>
+              <a:t>DetailsBundle</a:t>
+            </a:r>
+            <a:endParaRPr lang="en-SG" sz="1600" b="1" dirty="0"/>
+          </a:p>
+        </p:txBody>
+      </p:sp>
+      <p:cxnSp>
+        <p:nvCxnSpPr>
+          <p:cNvPr id="62" name="Elbow Connector 186"/>
+          <p:cNvCxnSpPr>
+            <a:stCxn id="275" idx="3"/>
+            <a:endCxn id="61" idx="1"/>
+          </p:cNvCxnSpPr>
+          <p:nvPr/>
+        </p:nvCxnSpPr>
+        <p:spPr>
+          <a:xfrm rot="16200000" flipH="1">
+            <a:off x="2426527" y="1459667"/>
+            <a:ext cx="1395338" cy="457203"/>
+          </a:xfrm>
+          <a:prstGeom prst="bentConnector2">
+            <a:avLst/>
+          </a:prstGeom>
+          <a:ln>
+            <a:tailEnd type="arrow"/>
+          </a:ln>
+        </p:spPr>
+        <p:style>
+          <a:lnRef idx="2">
+            <a:schemeClr val="accent5">
+              <a:shade val="50000"/>
+            </a:schemeClr>
+          </a:lnRef>
+          <a:fillRef idx="1">
+            <a:schemeClr val="accent5"/>
+          </a:fillRef>
+          <a:effectRef idx="0">
+            <a:schemeClr val="accent5"/>
+          </a:effectRef>
+          <a:fontRef idx="minor">
+            <a:schemeClr val="lt1"/>
+          </a:fontRef>
+        </p:style>
+      </p:cxnSp>
+      <p:sp>
+        <p:nvSpPr>
+          <p:cNvPr id="63" name="TextBox 62"/>
+          <p:cNvSpPr txBox="1"/>
+          <p:nvPr/>
+        </p:nvSpPr>
+        <p:spPr>
+          <a:xfrm>
+            <a:off x="3124205" y="2145268"/>
             <a:ext cx="228600" cy="369332"/>
           </a:xfrm>
           <a:prstGeom prst="rect">
